--- a/html-to-ppt/createMultipageIndicatorsPpt.pptx
+++ b/html-to-ppt/createMultipageIndicatorsPpt.pptx
@@ -11,6 +11,7 @@
     <p:sldId id="259" r:id="rId9"/>
     <p:sldId id="260" r:id="rId10"/>
     <p:sldId id="261" r:id="rId11"/>
+    <p:sldId id="262" r:id="rId12"/>
   </p:sldIdLst>
   <p:sldSz cx="16256000" cy="9144000"/>
   <p:notesSz cx="6858000" cy="9144000"/>
@@ -3135,7 +3136,7 @@
               <a:rPr lang="en-US" sz="1400">
                 <a:latin typeface="Calibri"/>
               </a:rPr>
-              <a:t>16-Apr-20</a:t>
+              <a:t>18-Apr-20</a:t>
             </a:r>
             <a:endParaRPr lang="en-US" sz="1100"/>
           </a:p>
@@ -3144,6 +3145,63 @@
       <p:sp>
         <p:nvSpPr>
           <p:cNvPr name="TextBox 3" id="3"/>
+          <p:cNvSpPr txBox="true"/>
+          <p:nvPr/>
+        </p:nvSpPr>
+        <p:spPr>
+          <a:xfrm>
+            <a:off x="254000" y="1244600"/>
+            <a:ext cx="15748000" cy="215900"/>
+          </a:xfrm>
+          <a:prstGeom prst="rect">
+            <a:avLst/>
+          </a:prstGeom>
+        </p:spPr>
+        <p:txBody>
+          <a:bodyPr anchor="t" rtlCol="false"/>
+          <a:lstStyle/>
+          <a:p>
+            <a:pPr algn="l">
+              <a:defRPr/>
+            </a:pPr>
+            <a:r>
+              <a:rPr lang="ru-RU"/>
+              <a:t/>
+            </a:r>
+            <a:r>
+              <a:rPr lang="en-US" sz="1400" b="true">
+                <a:latin typeface="Calibri"/>
+              </a:rPr>
+              <a:t>Summary title Summary title Summary title Summary title Summary title </a:t>
+            </a:r>
+            <a:endParaRPr lang="en-US" sz="1100"/>
+          </a:p>
+        </p:txBody>
+      </p:sp>
+      <p:sp>
+        <p:nvSpPr>
+          <p:cNvPr name="AutoShape 4" id="4"/>
+          <p:cNvSpPr/>
+          <p:nvPr/>
+        </p:nvSpPr>
+        <p:spPr>
+          <a:xfrm>
+            <a:off x="254000" y="1562100"/>
+            <a:ext cx="15748000" cy="12700"/>
+          </a:xfrm>
+          <a:prstGeom prst="line">
+            <a:avLst/>
+          </a:prstGeom>
+          <a:ln>
+            <a:solidFill>
+              <a:srgbClr val="000000"/>
+            </a:solidFill>
+          </a:ln>
+        </p:spPr>
+      </p:sp>
+      <p:sp>
+        <p:nvSpPr>
+          <p:cNvPr name="TextBox 5" id="5"/>
           <p:cNvSpPr txBox="true"/>
           <p:nvPr/>
         </p:nvSpPr>
@@ -3207,7 +3265,7 @@
       </p:sp>
       <p:sp>
         <p:nvSpPr>
-          <p:cNvPr name="TextBox 4" id="4"/>
+          <p:cNvPr name="TextBox 6" id="6"/>
           <p:cNvSpPr txBox="true"/>
           <p:nvPr/>
         </p:nvSpPr>
@@ -3243,7 +3301,7 @@
       </p:sp>
       <p:pic>
         <p:nvPicPr>
-          <p:cNvPr name="Picture 5" id="5"/>
+          <p:cNvPr name="Picture 7" id="7"/>
           <p:cNvPicPr>
             <a:picLocks noChangeAspect="true"/>
           </p:cNvPicPr>
@@ -3267,7 +3325,7 @@
       </p:pic>
       <p:sp>
         <p:nvSpPr>
-          <p:cNvPr name="AutoShape 6" id="6"/>
+          <p:cNvPr name="AutoShape 8" id="8"/>
           <p:cNvSpPr/>
           <p:nvPr/>
         </p:nvSpPr>
@@ -3288,7 +3346,7 @@
       </p:sp>
       <p:graphicFrame>
         <p:nvGraphicFramePr>
-          <p:cNvPr name="Table 7" id="7"/>
+          <p:cNvPr name="Table 9" id="9"/>
           <p:cNvGraphicFramePr>
             <a:graphicFrameLocks noGrp="true"/>
           </p:cNvGraphicFramePr>
@@ -3637,7 +3695,7 @@
                       <a:tailEnd type="none" w="med" len="med"/>
                     </a:lnB>
                     <a:solidFill>
-                      <a:srgbClr val="FFFF00"/>
+                      <a:srgbClr val="FFC800"/>
                     </a:solidFill>
                   </a:tcPr>
                 </a:tc>
@@ -3762,13 +3820,13 @@
       </p:graphicFrame>
       <p:sp>
         <p:nvSpPr>
-          <p:cNvPr name="AutoShape 8" id="8"/>
+          <p:cNvPr name="AutoShape 10" id="10"/>
           <p:cNvSpPr/>
           <p:nvPr/>
         </p:nvSpPr>
         <p:spPr>
           <a:xfrm>
-            <a:off x="508000" y="2324100"/>
+            <a:off x="508000" y="2641600"/>
             <a:ext cx="15240000" cy="25400"/>
           </a:xfrm>
           <a:prstGeom prst="rect">
@@ -3786,13 +3844,13 @@
       </p:sp>
       <p:sp>
         <p:nvSpPr>
-          <p:cNvPr name="TextBox 9" id="9"/>
+          <p:cNvPr name="TextBox 11" id="11"/>
           <p:cNvSpPr txBox="true"/>
           <p:nvPr/>
         </p:nvSpPr>
         <p:spPr>
           <a:xfrm>
-            <a:off x="508000" y="2641600"/>
+            <a:off x="508000" y="2959100"/>
             <a:ext cx="1778000" cy="444500"/>
           </a:xfrm>
           <a:prstGeom prst="rect">
@@ -3833,13 +3891,13 @@
       </p:sp>
       <p:sp>
         <p:nvSpPr>
-          <p:cNvPr name="AutoShape 10" id="10"/>
+          <p:cNvPr name="AutoShape 12" id="12"/>
           <p:cNvSpPr/>
           <p:nvPr/>
         </p:nvSpPr>
         <p:spPr>
           <a:xfrm>
-            <a:off x="3048000" y="2209800"/>
+            <a:off x="3048000" y="2527300"/>
             <a:ext cx="25400" cy="228600"/>
           </a:xfrm>
           <a:prstGeom prst="rect">
@@ -3857,13 +3915,13 @@
       </p:sp>
       <p:sp>
         <p:nvSpPr>
-          <p:cNvPr name="TextBox 11" id="11"/>
+          <p:cNvPr name="TextBox 13" id="13"/>
           <p:cNvSpPr txBox="true"/>
           <p:nvPr/>
         </p:nvSpPr>
         <p:spPr>
           <a:xfrm>
-            <a:off x="2616200" y="1689100"/>
+            <a:off x="2616200" y="2006600"/>
             <a:ext cx="889000" cy="215900"/>
           </a:xfrm>
           <a:prstGeom prst="rect">
@@ -3894,7 +3952,7 @@
       </p:sp>
       <p:pic>
         <p:nvPicPr>
-          <p:cNvPr name="Picture 12" id="12"/>
+          <p:cNvPr name="Picture 14" id="14"/>
           <p:cNvPicPr>
             <a:picLocks noChangeAspect="true"/>
           </p:cNvPicPr>
@@ -3908,7 +3966,7 @@
         </p:blipFill>
         <p:spPr>
           <a:xfrm>
-            <a:off x="2946400" y="1371600"/>
+            <a:off x="2946400" y="1689100"/>
             <a:ext cx="254000" cy="254000"/>
           </a:xfrm>
           <a:prstGeom prst="rect">
@@ -3918,13 +3976,13 @@
       </p:pic>
       <p:sp>
         <p:nvSpPr>
-          <p:cNvPr name="TextBox 13" id="13"/>
+          <p:cNvPr name="TextBox 15" id="15"/>
           <p:cNvSpPr txBox="true"/>
           <p:nvPr/>
         </p:nvSpPr>
         <p:spPr>
           <a:xfrm>
-            <a:off x="2413000" y="2641600"/>
+            <a:off x="2413000" y="2959100"/>
             <a:ext cx="1270000" cy="444500"/>
           </a:xfrm>
           <a:prstGeom prst="rect">
@@ -3965,13 +4023,13 @@
       </p:sp>
       <p:sp>
         <p:nvSpPr>
-          <p:cNvPr name="AutoShape 14" id="14"/>
+          <p:cNvPr name="AutoShape 16" id="16"/>
           <p:cNvSpPr/>
           <p:nvPr/>
         </p:nvSpPr>
         <p:spPr>
           <a:xfrm>
-            <a:off x="4318000" y="2209800"/>
+            <a:off x="4318000" y="2527300"/>
             <a:ext cx="25400" cy="228600"/>
           </a:xfrm>
           <a:prstGeom prst="rect">
@@ -3989,13 +4047,13 @@
       </p:sp>
       <p:sp>
         <p:nvSpPr>
-          <p:cNvPr name="TextBox 15" id="15"/>
+          <p:cNvPr name="TextBox 17" id="17"/>
           <p:cNvSpPr txBox="true"/>
           <p:nvPr/>
         </p:nvSpPr>
         <p:spPr>
           <a:xfrm>
-            <a:off x="3886200" y="1689100"/>
+            <a:off x="3886200" y="2006600"/>
             <a:ext cx="889000" cy="215900"/>
           </a:xfrm>
           <a:prstGeom prst="rect">
@@ -4026,7 +4084,7 @@
       </p:sp>
       <p:pic>
         <p:nvPicPr>
-          <p:cNvPr name="Picture 16" id="16"/>
+          <p:cNvPr name="Picture 18" id="18"/>
           <p:cNvPicPr>
             <a:picLocks noChangeAspect="true"/>
           </p:cNvPicPr>
@@ -4040,7 +4098,7 @@
         </p:blipFill>
         <p:spPr>
           <a:xfrm>
-            <a:off x="4216400" y="1371600"/>
+            <a:off x="4216400" y="1689100"/>
             <a:ext cx="254000" cy="254000"/>
           </a:xfrm>
           <a:prstGeom prst="rect">
@@ -4050,13 +4108,13 @@
       </p:pic>
       <p:sp>
         <p:nvSpPr>
-          <p:cNvPr name="TextBox 17" id="17"/>
+          <p:cNvPr name="TextBox 19" id="19"/>
           <p:cNvSpPr txBox="true"/>
           <p:nvPr/>
         </p:nvSpPr>
         <p:spPr>
           <a:xfrm>
-            <a:off x="3683000" y="2641600"/>
+            <a:off x="3683000" y="2959100"/>
             <a:ext cx="1270000" cy="444500"/>
           </a:xfrm>
           <a:prstGeom prst="rect">
@@ -4097,13 +4155,13 @@
       </p:sp>
       <p:sp>
         <p:nvSpPr>
-          <p:cNvPr name="AutoShape 18" id="18"/>
+          <p:cNvPr name="AutoShape 20" id="20"/>
           <p:cNvSpPr/>
           <p:nvPr/>
         </p:nvSpPr>
         <p:spPr>
           <a:xfrm>
-            <a:off x="5588000" y="2209800"/>
+            <a:off x="5588000" y="2527300"/>
             <a:ext cx="25400" cy="228600"/>
           </a:xfrm>
           <a:prstGeom prst="rect">
@@ -4121,13 +4179,13 @@
       </p:sp>
       <p:sp>
         <p:nvSpPr>
-          <p:cNvPr name="TextBox 19" id="19"/>
+          <p:cNvPr name="TextBox 21" id="21"/>
           <p:cNvSpPr txBox="true"/>
           <p:nvPr/>
         </p:nvSpPr>
         <p:spPr>
           <a:xfrm>
-            <a:off x="5156200" y="1689100"/>
+            <a:off x="5156200" y="2006600"/>
             <a:ext cx="889000" cy="215900"/>
           </a:xfrm>
           <a:prstGeom prst="rect">
@@ -4158,7 +4216,7 @@
       </p:sp>
       <p:pic>
         <p:nvPicPr>
-          <p:cNvPr name="Picture 20" id="20"/>
+          <p:cNvPr name="Picture 22" id="22"/>
           <p:cNvPicPr>
             <a:picLocks noChangeAspect="true"/>
           </p:cNvPicPr>
@@ -4172,7 +4230,7 @@
         </p:blipFill>
         <p:spPr>
           <a:xfrm>
-            <a:off x="5486400" y="1371600"/>
+            <a:off x="5486400" y="1689100"/>
             <a:ext cx="254000" cy="254000"/>
           </a:xfrm>
           <a:prstGeom prst="rect">
@@ -4182,13 +4240,13 @@
       </p:pic>
       <p:sp>
         <p:nvSpPr>
-          <p:cNvPr name="TextBox 21" id="21"/>
+          <p:cNvPr name="TextBox 23" id="23"/>
           <p:cNvSpPr txBox="true"/>
           <p:nvPr/>
         </p:nvSpPr>
         <p:spPr>
           <a:xfrm>
-            <a:off x="4953000" y="2641600"/>
+            <a:off x="4953000" y="2959100"/>
             <a:ext cx="1270000" cy="444500"/>
           </a:xfrm>
           <a:prstGeom prst="rect">
@@ -4229,13 +4287,13 @@
       </p:sp>
       <p:sp>
         <p:nvSpPr>
-          <p:cNvPr name="AutoShape 22" id="22"/>
+          <p:cNvPr name="AutoShape 24" id="24"/>
           <p:cNvSpPr/>
           <p:nvPr/>
         </p:nvSpPr>
         <p:spPr>
           <a:xfrm>
-            <a:off x="6858000" y="2209800"/>
+            <a:off x="6858000" y="2527300"/>
             <a:ext cx="25400" cy="228600"/>
           </a:xfrm>
           <a:prstGeom prst="rect">
@@ -4253,13 +4311,13 @@
       </p:sp>
       <p:sp>
         <p:nvSpPr>
-          <p:cNvPr name="TextBox 23" id="23"/>
+          <p:cNvPr name="TextBox 25" id="25"/>
           <p:cNvSpPr txBox="true"/>
           <p:nvPr/>
         </p:nvSpPr>
         <p:spPr>
           <a:xfrm>
-            <a:off x="6426200" y="1689100"/>
+            <a:off x="6426200" y="2006600"/>
             <a:ext cx="889000" cy="215900"/>
           </a:xfrm>
           <a:prstGeom prst="rect">
@@ -4290,7 +4348,7 @@
       </p:sp>
       <p:pic>
         <p:nvPicPr>
-          <p:cNvPr name="Picture 24" id="24"/>
+          <p:cNvPr name="Picture 26" id="26"/>
           <p:cNvPicPr>
             <a:picLocks noChangeAspect="true"/>
           </p:cNvPicPr>
@@ -4304,7 +4362,7 @@
         </p:blipFill>
         <p:spPr>
           <a:xfrm>
-            <a:off x="6756400" y="1371600"/>
+            <a:off x="6756400" y="1689100"/>
             <a:ext cx="254000" cy="254000"/>
           </a:xfrm>
           <a:prstGeom prst="rect">
@@ -4314,13 +4372,13 @@
       </p:pic>
       <p:sp>
         <p:nvSpPr>
-          <p:cNvPr name="TextBox 25" id="25"/>
+          <p:cNvPr name="TextBox 27" id="27"/>
           <p:cNvSpPr txBox="true"/>
           <p:nvPr/>
         </p:nvSpPr>
         <p:spPr>
           <a:xfrm>
-            <a:off x="6223000" y="2641600"/>
+            <a:off x="6223000" y="2959100"/>
             <a:ext cx="1270000" cy="444500"/>
           </a:xfrm>
           <a:prstGeom prst="rect">
@@ -4361,13 +4419,13 @@
       </p:sp>
       <p:sp>
         <p:nvSpPr>
-          <p:cNvPr name="AutoShape 26" id="26"/>
+          <p:cNvPr name="AutoShape 28" id="28"/>
           <p:cNvSpPr/>
           <p:nvPr/>
         </p:nvSpPr>
         <p:spPr>
           <a:xfrm>
-            <a:off x="8128000" y="2209800"/>
+            <a:off x="8128000" y="2527300"/>
             <a:ext cx="25400" cy="228600"/>
           </a:xfrm>
           <a:prstGeom prst="rect">
@@ -4385,13 +4443,13 @@
       </p:sp>
       <p:sp>
         <p:nvSpPr>
-          <p:cNvPr name="TextBox 27" id="27"/>
+          <p:cNvPr name="TextBox 29" id="29"/>
           <p:cNvSpPr txBox="true"/>
           <p:nvPr/>
         </p:nvSpPr>
         <p:spPr>
           <a:xfrm>
-            <a:off x="7696200" y="1689100"/>
+            <a:off x="7696200" y="2006600"/>
             <a:ext cx="889000" cy="215900"/>
           </a:xfrm>
           <a:prstGeom prst="rect">
@@ -4422,7 +4480,7 @@
       </p:sp>
       <p:pic>
         <p:nvPicPr>
-          <p:cNvPr name="Picture 28" id="28"/>
+          <p:cNvPr name="Picture 30" id="30"/>
           <p:cNvPicPr>
             <a:picLocks noChangeAspect="true"/>
           </p:cNvPicPr>
@@ -4436,7 +4494,7 @@
         </p:blipFill>
         <p:spPr>
           <a:xfrm>
-            <a:off x="8026400" y="1371600"/>
+            <a:off x="8026400" y="1689100"/>
             <a:ext cx="254000" cy="254000"/>
           </a:xfrm>
           <a:prstGeom prst="rect">
@@ -4446,13 +4504,13 @@
       </p:pic>
       <p:sp>
         <p:nvSpPr>
-          <p:cNvPr name="TextBox 29" id="29"/>
+          <p:cNvPr name="TextBox 31" id="31"/>
           <p:cNvSpPr txBox="true"/>
           <p:nvPr/>
         </p:nvSpPr>
         <p:spPr>
           <a:xfrm>
-            <a:off x="7493000" y="2641600"/>
+            <a:off x="7493000" y="2959100"/>
             <a:ext cx="1270000" cy="444500"/>
           </a:xfrm>
           <a:prstGeom prst="rect">
@@ -4493,13 +4551,13 @@
       </p:sp>
       <p:sp>
         <p:nvSpPr>
-          <p:cNvPr name="AutoShape 30" id="30"/>
+          <p:cNvPr name="AutoShape 32" id="32"/>
           <p:cNvSpPr/>
           <p:nvPr/>
         </p:nvSpPr>
         <p:spPr>
           <a:xfrm>
-            <a:off x="9398000" y="2209800"/>
+            <a:off x="9398000" y="2527300"/>
             <a:ext cx="25400" cy="228600"/>
           </a:xfrm>
           <a:prstGeom prst="rect">
@@ -4517,13 +4575,13 @@
       </p:sp>
       <p:sp>
         <p:nvSpPr>
-          <p:cNvPr name="TextBox 31" id="31"/>
+          <p:cNvPr name="TextBox 33" id="33"/>
           <p:cNvSpPr txBox="true"/>
           <p:nvPr/>
         </p:nvSpPr>
         <p:spPr>
           <a:xfrm>
-            <a:off x="8966200" y="1689100"/>
+            <a:off x="8966200" y="2006600"/>
             <a:ext cx="889000" cy="215900"/>
           </a:xfrm>
           <a:prstGeom prst="rect">
@@ -4554,7 +4612,7 @@
       </p:sp>
       <p:pic>
         <p:nvPicPr>
-          <p:cNvPr name="Picture 32" id="32"/>
+          <p:cNvPr name="Picture 34" id="34"/>
           <p:cNvPicPr>
             <a:picLocks noChangeAspect="true"/>
           </p:cNvPicPr>
@@ -4568,7 +4626,7 @@
         </p:blipFill>
         <p:spPr>
           <a:xfrm>
-            <a:off x="9296400" y="1371600"/>
+            <a:off x="9296400" y="1689100"/>
             <a:ext cx="254000" cy="254000"/>
           </a:xfrm>
           <a:prstGeom prst="rect">
@@ -4578,13 +4636,13 @@
       </p:pic>
       <p:sp>
         <p:nvSpPr>
-          <p:cNvPr name="TextBox 33" id="33"/>
+          <p:cNvPr name="TextBox 35" id="35"/>
           <p:cNvSpPr txBox="true"/>
           <p:nvPr/>
         </p:nvSpPr>
         <p:spPr>
           <a:xfrm>
-            <a:off x="8763000" y="2641600"/>
+            <a:off x="8763000" y="2959100"/>
             <a:ext cx="1270000" cy="444500"/>
           </a:xfrm>
           <a:prstGeom prst="rect">
@@ -4625,13 +4683,13 @@
       </p:sp>
       <p:sp>
         <p:nvSpPr>
-          <p:cNvPr name="AutoShape 34" id="34"/>
+          <p:cNvPr name="AutoShape 36" id="36"/>
           <p:cNvSpPr/>
           <p:nvPr/>
         </p:nvSpPr>
         <p:spPr>
           <a:xfrm>
-            <a:off x="10668000" y="2209800"/>
+            <a:off x="10668000" y="2527300"/>
             <a:ext cx="25400" cy="228600"/>
           </a:xfrm>
           <a:prstGeom prst="rect">
@@ -4649,13 +4707,13 @@
       </p:sp>
       <p:sp>
         <p:nvSpPr>
-          <p:cNvPr name="TextBox 35" id="35"/>
+          <p:cNvPr name="TextBox 37" id="37"/>
           <p:cNvSpPr txBox="true"/>
           <p:nvPr/>
         </p:nvSpPr>
         <p:spPr>
           <a:xfrm>
-            <a:off x="10236200" y="1689100"/>
+            <a:off x="10236200" y="2006600"/>
             <a:ext cx="889000" cy="215900"/>
           </a:xfrm>
           <a:prstGeom prst="rect">
@@ -4686,7 +4744,7 @@
       </p:sp>
       <p:pic>
         <p:nvPicPr>
-          <p:cNvPr name="Picture 36" id="36"/>
+          <p:cNvPr name="Picture 38" id="38"/>
           <p:cNvPicPr>
             <a:picLocks noChangeAspect="true"/>
           </p:cNvPicPr>
@@ -4700,7 +4758,7 @@
         </p:blipFill>
         <p:spPr>
           <a:xfrm>
-            <a:off x="10566400" y="1371600"/>
+            <a:off x="10566400" y="1689100"/>
             <a:ext cx="254000" cy="254000"/>
           </a:xfrm>
           <a:prstGeom prst="rect">
@@ -4710,13 +4768,13 @@
       </p:pic>
       <p:sp>
         <p:nvSpPr>
-          <p:cNvPr name="TextBox 37" id="37"/>
+          <p:cNvPr name="TextBox 39" id="39"/>
           <p:cNvSpPr txBox="true"/>
           <p:nvPr/>
         </p:nvSpPr>
         <p:spPr>
           <a:xfrm>
-            <a:off x="10033000" y="2641600"/>
+            <a:off x="10033000" y="2959100"/>
             <a:ext cx="1270000" cy="444500"/>
           </a:xfrm>
           <a:prstGeom prst="rect">
@@ -4757,13 +4815,13 @@
       </p:sp>
       <p:sp>
         <p:nvSpPr>
-          <p:cNvPr name="AutoShape 38" id="38"/>
+          <p:cNvPr name="AutoShape 40" id="40"/>
           <p:cNvSpPr/>
           <p:nvPr/>
         </p:nvSpPr>
         <p:spPr>
           <a:xfrm>
-            <a:off x="11938000" y="2209800"/>
+            <a:off x="11938000" y="2527300"/>
             <a:ext cx="25400" cy="228600"/>
           </a:xfrm>
           <a:prstGeom prst="rect">
@@ -4781,13 +4839,13 @@
       </p:sp>
       <p:sp>
         <p:nvSpPr>
-          <p:cNvPr name="TextBox 39" id="39"/>
+          <p:cNvPr name="TextBox 41" id="41"/>
           <p:cNvSpPr txBox="true"/>
           <p:nvPr/>
         </p:nvSpPr>
         <p:spPr>
           <a:xfrm>
-            <a:off x="11506200" y="1689100"/>
+            <a:off x="11506200" y="2006600"/>
             <a:ext cx="889000" cy="215900"/>
           </a:xfrm>
           <a:prstGeom prst="rect">
@@ -4818,7 +4876,7 @@
       </p:sp>
       <p:pic>
         <p:nvPicPr>
-          <p:cNvPr name="Picture 40" id="40"/>
+          <p:cNvPr name="Picture 42" id="42"/>
           <p:cNvPicPr>
             <a:picLocks noChangeAspect="true"/>
           </p:cNvPicPr>
@@ -4832,7 +4890,7 @@
         </p:blipFill>
         <p:spPr>
           <a:xfrm>
-            <a:off x="11836400" y="1371600"/>
+            <a:off x="11836400" y="1689100"/>
             <a:ext cx="254000" cy="254000"/>
           </a:xfrm>
           <a:prstGeom prst="rect">
@@ -4842,13 +4900,13 @@
       </p:pic>
       <p:sp>
         <p:nvSpPr>
-          <p:cNvPr name="TextBox 41" id="41"/>
+          <p:cNvPr name="TextBox 43" id="43"/>
           <p:cNvSpPr txBox="true"/>
           <p:nvPr/>
         </p:nvSpPr>
         <p:spPr>
           <a:xfrm>
-            <a:off x="11303000" y="2641600"/>
+            <a:off x="11303000" y="2959100"/>
             <a:ext cx="1270000" cy="444500"/>
           </a:xfrm>
           <a:prstGeom prst="rect">
@@ -4889,13 +4947,13 @@
       </p:sp>
       <p:sp>
         <p:nvSpPr>
-          <p:cNvPr name="AutoShape 42" id="42"/>
+          <p:cNvPr name="AutoShape 44" id="44"/>
           <p:cNvSpPr/>
           <p:nvPr/>
         </p:nvSpPr>
         <p:spPr>
           <a:xfrm>
-            <a:off x="13208000" y="2209800"/>
+            <a:off x="13208000" y="2527300"/>
             <a:ext cx="25400" cy="228600"/>
           </a:xfrm>
           <a:prstGeom prst="rect">
@@ -4913,13 +4971,13 @@
       </p:sp>
       <p:sp>
         <p:nvSpPr>
-          <p:cNvPr name="TextBox 43" id="43"/>
+          <p:cNvPr name="TextBox 45" id="45"/>
           <p:cNvSpPr txBox="true"/>
           <p:nvPr/>
         </p:nvSpPr>
         <p:spPr>
           <a:xfrm>
-            <a:off x="12776200" y="1689100"/>
+            <a:off x="12776200" y="2006600"/>
             <a:ext cx="889000" cy="215900"/>
           </a:xfrm>
           <a:prstGeom prst="rect">
@@ -4950,7 +5008,7 @@
       </p:sp>
       <p:pic>
         <p:nvPicPr>
-          <p:cNvPr name="Picture 44" id="44"/>
+          <p:cNvPr name="Picture 46" id="46"/>
           <p:cNvPicPr>
             <a:picLocks noChangeAspect="true"/>
           </p:cNvPicPr>
@@ -4964,7 +5022,7 @@
         </p:blipFill>
         <p:spPr>
           <a:xfrm>
-            <a:off x="13106400" y="1371600"/>
+            <a:off x="13106400" y="1689100"/>
             <a:ext cx="254000" cy="254000"/>
           </a:xfrm>
           <a:prstGeom prst="rect">
@@ -4974,13 +5032,13 @@
       </p:pic>
       <p:sp>
         <p:nvSpPr>
-          <p:cNvPr name="TextBox 45" id="45"/>
+          <p:cNvPr name="TextBox 47" id="47"/>
           <p:cNvSpPr txBox="true"/>
           <p:nvPr/>
         </p:nvSpPr>
         <p:spPr>
           <a:xfrm>
-            <a:off x="12573000" y="2641600"/>
+            <a:off x="12573000" y="2959100"/>
             <a:ext cx="1270000" cy="444500"/>
           </a:xfrm>
           <a:prstGeom prst="rect">
@@ -5021,13 +5079,13 @@
       </p:sp>
       <p:sp>
         <p:nvSpPr>
-          <p:cNvPr name="AutoShape 46" id="46"/>
+          <p:cNvPr name="AutoShape 48" id="48"/>
           <p:cNvSpPr/>
           <p:nvPr/>
         </p:nvSpPr>
         <p:spPr>
           <a:xfrm>
-            <a:off x="14478000" y="2209800"/>
+            <a:off x="14478000" y="2527300"/>
             <a:ext cx="25400" cy="228600"/>
           </a:xfrm>
           <a:prstGeom prst="rect">
@@ -5045,13 +5103,13 @@
       </p:sp>
       <p:sp>
         <p:nvSpPr>
-          <p:cNvPr name="TextBox 47" id="47"/>
+          <p:cNvPr name="TextBox 49" id="49"/>
           <p:cNvSpPr txBox="true"/>
           <p:nvPr/>
         </p:nvSpPr>
         <p:spPr>
           <a:xfrm>
-            <a:off x="14046200" y="1689100"/>
+            <a:off x="14046200" y="2006600"/>
             <a:ext cx="889000" cy="215900"/>
           </a:xfrm>
           <a:prstGeom prst="rect">
@@ -5082,7 +5140,7 @@
       </p:sp>
       <p:pic>
         <p:nvPicPr>
-          <p:cNvPr name="Picture 48" id="48"/>
+          <p:cNvPr name="Picture 50" id="50"/>
           <p:cNvPicPr>
             <a:picLocks noChangeAspect="true"/>
           </p:cNvPicPr>
@@ -5096,7 +5154,7 @@
         </p:blipFill>
         <p:spPr>
           <a:xfrm>
-            <a:off x="14376400" y="1371600"/>
+            <a:off x="14376400" y="1689100"/>
             <a:ext cx="254000" cy="254000"/>
           </a:xfrm>
           <a:prstGeom prst="rect">
@@ -5106,13 +5164,13 @@
       </p:pic>
       <p:sp>
         <p:nvSpPr>
-          <p:cNvPr name="TextBox 49" id="49"/>
+          <p:cNvPr name="TextBox 51" id="51"/>
           <p:cNvSpPr txBox="true"/>
           <p:nvPr/>
         </p:nvSpPr>
         <p:spPr>
           <a:xfrm>
-            <a:off x="13843000" y="2641600"/>
+            <a:off x="13843000" y="2959100"/>
             <a:ext cx="1270000" cy="444500"/>
           </a:xfrm>
           <a:prstGeom prst="rect">
@@ -5153,13 +5211,13 @@
       </p:sp>
       <p:sp>
         <p:nvSpPr>
-          <p:cNvPr name="AutoShape 50" id="50"/>
+          <p:cNvPr name="AutoShape 52" id="52"/>
           <p:cNvSpPr/>
           <p:nvPr/>
         </p:nvSpPr>
         <p:spPr>
           <a:xfrm>
-            <a:off x="11201400" y="2120900"/>
+            <a:off x="11201400" y="2438400"/>
             <a:ext cx="203200" cy="406400"/>
           </a:xfrm>
           <a:prstGeom prst="roundRect">
@@ -5191,13 +5249,13 @@
       </p:sp>
       <p:sp>
         <p:nvSpPr>
-          <p:cNvPr name="TextBox 51" id="51"/>
+          <p:cNvPr name="TextBox 53" id="53"/>
           <p:cNvSpPr txBox="true"/>
           <p:nvPr/>
         </p:nvSpPr>
         <p:spPr>
           <a:xfrm>
-            <a:off x="254000" y="3340100"/>
+            <a:off x="254000" y="3657600"/>
             <a:ext cx="3175000" cy="215900"/>
           </a:xfrm>
           <a:prstGeom prst="rect">
@@ -5227,13 +5285,13 @@
       </p:sp>
       <p:sp>
         <p:nvSpPr>
-          <p:cNvPr name="AutoShape 52" id="52"/>
+          <p:cNvPr name="AutoShape 54" id="54"/>
           <p:cNvSpPr/>
           <p:nvPr/>
         </p:nvSpPr>
         <p:spPr>
           <a:xfrm>
-            <a:off x="254000" y="3594100"/>
+            <a:off x="254000" y="3911600"/>
             <a:ext cx="15748000" cy="12700"/>
           </a:xfrm>
           <a:prstGeom prst="line">
@@ -5248,15 +5306,15 @@
       </p:sp>
       <p:graphicFrame>
         <p:nvGraphicFramePr>
-          <p:cNvPr name="Table 53" id="53"/>
+          <p:cNvPr name="Table 55" id="55"/>
           <p:cNvGraphicFramePr>
             <a:graphicFrameLocks noGrp="true"/>
           </p:cNvGraphicFramePr>
           <p:nvPr/>
         </p:nvGraphicFramePr>
         <p:xfrm>
-          <a:off x="508000" y="3848100"/>
-          <a:ext cx="15240000" cy="5041900"/>
+          <a:off x="508000" y="4165600"/>
+          <a:ext cx="15240000" cy="4724400"/>
         </p:xfrm>
         <a:graphic>
           <a:graphicData uri="http://schemas.openxmlformats.org/drawingml/2006/table">
@@ -5821,7 +5879,7 @@
                       <a:r>
                         <a:rPr lang="en-US" sz="1400" b="true">
                           <a:solidFill>
-                            <a:srgbClr val="FFFF00"/>
+                            <a:srgbClr val="FFC800"/>
                           </a:solidFill>
                           <a:latin typeface="Calibri"/>
                         </a:rPr>
@@ -6127,7 +6185,7 @@
                       <a:r>
                         <a:rPr lang="en-US" sz="1400" b="true">
                           <a:solidFill>
-                            <a:srgbClr val="FFFF00"/>
+                            <a:srgbClr val="FFC800"/>
                           </a:solidFill>
                           <a:latin typeface="Calibri"/>
                         </a:rPr>
@@ -6826,7 +6884,7 @@
               <a:rPr lang="en-US" sz="1400">
                 <a:latin typeface="Calibri"/>
               </a:rPr>
-              <a:t>16-Apr-20</a:t>
+              <a:t>18-Apr-20</a:t>
             </a:r>
             <a:endParaRPr lang="en-US" sz="1100"/>
           </a:p>
@@ -6862,7 +6920,7 @@
               <a:rPr lang="en-US" sz="1400" b="true">
                 <a:latin typeface="Calibri"/>
               </a:rPr>
-              <a:t>Test1</a:t>
+              <a:t>Summary title Summary title Summary title Summary title Summary title </a:t>
             </a:r>
             <a:endParaRPr lang="en-US" sz="1100"/>
           </a:p>
@@ -7034,514 +7092,16 @@
           </a:ln>
         </p:spPr>
       </p:sp>
-      <p:graphicFrame>
-        <p:nvGraphicFramePr>
-          <p:cNvPr name="Table 9" id="9"/>
-          <p:cNvGraphicFramePr>
-            <a:graphicFrameLocks noGrp="true"/>
-          </p:cNvGraphicFramePr>
-          <p:nvPr/>
-        </p:nvGraphicFramePr>
-        <p:xfrm>
-          <a:off x="10922000" y="254000"/>
-          <a:ext cx="4445000" cy="952500"/>
-        </p:xfrm>
-        <a:graphic>
-          <a:graphicData uri="http://schemas.openxmlformats.org/drawingml/2006/table">
-            <a:tbl>
-              <a:tblPr/>
-              <a:tblGrid>
-                <a:gridCol w="1270000"/>
-                <a:gridCol w="1270000"/>
-                <a:gridCol w="1270000"/>
-                <a:gridCol w="1270000"/>
-              </a:tblGrid>
-              <a:tr h="254000">
-                <a:tc>
-                  <a:txBody>
-                    <a:bodyPr anchor="t" rtlCol="false"/>
-                    <a:lstStyle/>
-                    <a:p>
-                      <a:pPr algn="ctr">
-                        <a:defRPr/>
-                      </a:pPr>
-                      <a:r>
-                        <a:rPr lang="en-US" sz="1400"/>
-                        <a:t>Schedule</a:t>
-                      </a:r>
-                      <a:endParaRPr lang="en-US" sz="1100"/>
-                    </a:p>
-                  </a:txBody>
-                  <a:tcPr>
-                    <a:lnL cmpd="sng" algn="ctr" cap="flat">
-                      <a:solidFill>
-                        <a:srgbClr val="000000"/>
-                      </a:solidFill>
-                      <a:prstDash val="solid"/>
-                      <a:round/>
-                      <a:headEnd type="none" w="med" len="med"/>
-                      <a:tailEnd type="none" w="med" len="med"/>
-                    </a:lnL>
-                    <a:lnR cmpd="sng" algn="ctr" cap="flat">
-                      <a:solidFill>
-                        <a:srgbClr val="000000"/>
-                      </a:solidFill>
-                      <a:prstDash val="solid"/>
-                      <a:round/>
-                      <a:headEnd type="none" w="med" len="med"/>
-                      <a:tailEnd type="none" w="med" len="med"/>
-                    </a:lnR>
-                    <a:lnT cmpd="sng" algn="ctr" cap="flat">
-                      <a:solidFill>
-                        <a:srgbClr val="000000"/>
-                      </a:solidFill>
-                      <a:prstDash val="solid"/>
-                      <a:round/>
-                      <a:headEnd type="none" w="med" len="med"/>
-                      <a:tailEnd type="none" w="med" len="med"/>
-                    </a:lnT>
-                    <a:lnB cmpd="sng" algn="ctr" cap="flat">
-                      <a:solidFill>
-                        <a:srgbClr val="000000"/>
-                      </a:solidFill>
-                      <a:prstDash val="solid"/>
-                      <a:round/>
-                      <a:headEnd type="none" w="med" len="med"/>
-                      <a:tailEnd type="none" w="med" len="med"/>
-                    </a:lnB>
-                  </a:tcPr>
-                </a:tc>
-                <a:tc>
-                  <a:txBody>
-                    <a:bodyPr anchor="t" rtlCol="false"/>
-                    <a:lstStyle/>
-                    <a:p>
-                      <a:pPr algn="ctr">
-                        <a:defRPr/>
-                      </a:pPr>
-                      <a:r>
-                        <a:rPr lang="en-US" sz="1400"/>
-                        <a:t>Scope</a:t>
-                      </a:r>
-                      <a:endParaRPr lang="en-US" sz="1100"/>
-                    </a:p>
-                  </a:txBody>
-                  <a:tcPr>
-                    <a:lnL cmpd="sng" algn="ctr" cap="flat">
-                      <a:solidFill>
-                        <a:srgbClr val="000000"/>
-                      </a:solidFill>
-                      <a:prstDash val="solid"/>
-                      <a:round/>
-                      <a:headEnd type="none" w="med" len="med"/>
-                      <a:tailEnd type="none" w="med" len="med"/>
-                    </a:lnL>
-                    <a:lnR cmpd="sng" algn="ctr" cap="flat">
-                      <a:solidFill>
-                        <a:srgbClr val="000000"/>
-                      </a:solidFill>
-                      <a:prstDash val="solid"/>
-                      <a:round/>
-                      <a:headEnd type="none" w="med" len="med"/>
-                      <a:tailEnd type="none" w="med" len="med"/>
-                    </a:lnR>
-                    <a:lnT cmpd="sng" algn="ctr" cap="flat">
-                      <a:solidFill>
-                        <a:srgbClr val="000000"/>
-                      </a:solidFill>
-                      <a:prstDash val="solid"/>
-                      <a:round/>
-                      <a:headEnd type="none" w="med" len="med"/>
-                      <a:tailEnd type="none" w="med" len="med"/>
-                    </a:lnT>
-                    <a:lnB cmpd="sng" algn="ctr" cap="flat">
-                      <a:solidFill>
-                        <a:srgbClr val="000000"/>
-                      </a:solidFill>
-                      <a:prstDash val="solid"/>
-                      <a:round/>
-                      <a:headEnd type="none" w="med" len="med"/>
-                      <a:tailEnd type="none" w="med" len="med"/>
-                    </a:lnB>
-                  </a:tcPr>
-                </a:tc>
-                <a:tc>
-                  <a:txBody>
-                    <a:bodyPr anchor="t" rtlCol="false"/>
-                    <a:lstStyle/>
-                    <a:p>
-                      <a:pPr algn="ctr">
-                        <a:defRPr/>
-                      </a:pPr>
-                      <a:r>
-                        <a:rPr lang="en-US" sz="1400"/>
-                        <a:t>Quality</a:t>
-                      </a:r>
-                      <a:endParaRPr lang="en-US" sz="1100"/>
-                    </a:p>
-                  </a:txBody>
-                  <a:tcPr>
-                    <a:lnL cmpd="sng" algn="ctr" cap="flat">
-                      <a:solidFill>
-                        <a:srgbClr val="000000"/>
-                      </a:solidFill>
-                      <a:prstDash val="solid"/>
-                      <a:round/>
-                      <a:headEnd type="none" w="med" len="med"/>
-                      <a:tailEnd type="none" w="med" len="med"/>
-                    </a:lnL>
-                    <a:lnR cmpd="sng" algn="ctr" cap="flat">
-                      <a:solidFill>
-                        <a:srgbClr val="000000"/>
-                      </a:solidFill>
-                      <a:prstDash val="solid"/>
-                      <a:round/>
-                      <a:headEnd type="none" w="med" len="med"/>
-                      <a:tailEnd type="none" w="med" len="med"/>
-                    </a:lnR>
-                    <a:lnT cmpd="sng" algn="ctr" cap="flat">
-                      <a:solidFill>
-                        <a:srgbClr val="000000"/>
-                      </a:solidFill>
-                      <a:prstDash val="solid"/>
-                      <a:round/>
-                      <a:headEnd type="none" w="med" len="med"/>
-                      <a:tailEnd type="none" w="med" len="med"/>
-                    </a:lnT>
-                    <a:lnB cmpd="sng" algn="ctr" cap="flat">
-                      <a:solidFill>
-                        <a:srgbClr val="000000"/>
-                      </a:solidFill>
-                      <a:prstDash val="solid"/>
-                      <a:round/>
-                      <a:headEnd type="none" w="med" len="med"/>
-                      <a:tailEnd type="none" w="med" len="med"/>
-                    </a:lnB>
-                  </a:tcPr>
-                </a:tc>
-                <a:tc>
-                  <a:txBody>
-                    <a:bodyPr anchor="t" rtlCol="false"/>
-                    <a:lstStyle/>
-                    <a:p>
-                      <a:pPr algn="ctr">
-                        <a:defRPr/>
-                      </a:pPr>
-                      <a:r>
-                        <a:rPr lang="en-US" sz="1400"/>
-                        <a:t>Cost</a:t>
-                      </a:r>
-                      <a:endParaRPr lang="en-US" sz="1100"/>
-                    </a:p>
-                  </a:txBody>
-                  <a:tcPr>
-                    <a:lnL cmpd="sng" algn="ctr" cap="flat">
-                      <a:solidFill>
-                        <a:srgbClr val="000000"/>
-                      </a:solidFill>
-                      <a:prstDash val="solid"/>
-                      <a:round/>
-                      <a:headEnd type="none" w="med" len="med"/>
-                      <a:tailEnd type="none" w="med" len="med"/>
-                    </a:lnL>
-                    <a:lnR cmpd="sng" algn="ctr" cap="flat">
-                      <a:solidFill>
-                        <a:srgbClr val="000000"/>
-                      </a:solidFill>
-                      <a:prstDash val="solid"/>
-                      <a:round/>
-                      <a:headEnd type="none" w="med" len="med"/>
-                      <a:tailEnd type="none" w="med" len="med"/>
-                    </a:lnR>
-                    <a:lnT cmpd="sng" algn="ctr" cap="flat">
-                      <a:solidFill>
-                        <a:srgbClr val="000000"/>
-                      </a:solidFill>
-                      <a:prstDash val="solid"/>
-                      <a:round/>
-                      <a:headEnd type="none" w="med" len="med"/>
-                      <a:tailEnd type="none" w="med" len="med"/>
-                    </a:lnT>
-                    <a:lnB cmpd="sng" algn="ctr" cap="flat">
-                      <a:solidFill>
-                        <a:srgbClr val="000000"/>
-                      </a:solidFill>
-                      <a:prstDash val="solid"/>
-                      <a:round/>
-                      <a:headEnd type="none" w="med" len="med"/>
-                      <a:tailEnd type="none" w="med" len="med"/>
-                    </a:lnB>
-                  </a:tcPr>
-                </a:tc>
-              </a:tr>
-              <a:tr h="254000">
-                <a:tc>
-                  <a:txBody>
-                    <a:bodyPr anchor="t" rtlCol="false"/>
-                    <a:lstStyle/>
-                    <a:p>
-                      <a:pPr algn="ctr">
-                        <a:defRPr/>
-                      </a:pPr>
-                      <a:r>
-                        <a:rPr lang="en-US" sz="1400"/>
-                        <a:t>RED</a:t>
-                      </a:r>
-                      <a:endParaRPr lang="en-US" sz="1100"/>
-                    </a:p>
-                  </a:txBody>
-                  <a:tcPr>
-                    <a:lnL cmpd="sng" algn="ctr" cap="flat">
-                      <a:solidFill>
-                        <a:srgbClr val="000000"/>
-                      </a:solidFill>
-                      <a:prstDash val="solid"/>
-                      <a:round/>
-                      <a:headEnd type="none" w="med" len="med"/>
-                      <a:tailEnd type="none" w="med" len="med"/>
-                    </a:lnL>
-                    <a:lnR cmpd="sng" algn="ctr" cap="flat">
-                      <a:solidFill>
-                        <a:srgbClr val="000000"/>
-                      </a:solidFill>
-                      <a:prstDash val="solid"/>
-                      <a:round/>
-                      <a:headEnd type="none" w="med" len="med"/>
-                      <a:tailEnd type="none" w="med" len="med"/>
-                    </a:lnR>
-                    <a:lnT cmpd="sng" algn="ctr" cap="flat">
-                      <a:solidFill>
-                        <a:srgbClr val="000000"/>
-                      </a:solidFill>
-                      <a:prstDash val="solid"/>
-                      <a:round/>
-                      <a:headEnd type="none" w="med" len="med"/>
-                      <a:tailEnd type="none" w="med" len="med"/>
-                    </a:lnT>
-                    <a:lnB cmpd="sng" algn="ctr" cap="flat">
-                      <a:solidFill>
-                        <a:srgbClr val="000000"/>
-                      </a:solidFill>
-                      <a:prstDash val="solid"/>
-                      <a:round/>
-                      <a:headEnd type="none" w="med" len="med"/>
-                      <a:tailEnd type="none" w="med" len="med"/>
-                    </a:lnB>
-                    <a:solidFill>
-                      <a:srgbClr val="FF0000"/>
-                    </a:solidFill>
-                  </a:tcPr>
-                </a:tc>
-                <a:tc>
-                  <a:txBody>
-                    <a:bodyPr anchor="t" rtlCol="false"/>
-                    <a:lstStyle/>
-                    <a:p>
-                      <a:pPr algn="ctr">
-                        <a:defRPr/>
-                      </a:pPr>
-                      <a:r>
-                        <a:rPr lang="en-US" sz="1400"/>
-                        <a:t>YELLOW</a:t>
-                      </a:r>
-                      <a:endParaRPr lang="en-US" sz="1100"/>
-                    </a:p>
-                  </a:txBody>
-                  <a:tcPr>
-                    <a:lnL cmpd="sng" algn="ctr" cap="flat">
-                      <a:solidFill>
-                        <a:srgbClr val="000000"/>
-                      </a:solidFill>
-                      <a:prstDash val="solid"/>
-                      <a:round/>
-                      <a:headEnd type="none" w="med" len="med"/>
-                      <a:tailEnd type="none" w="med" len="med"/>
-                    </a:lnL>
-                    <a:lnR cmpd="sng" algn="ctr" cap="flat">
-                      <a:solidFill>
-                        <a:srgbClr val="000000"/>
-                      </a:solidFill>
-                      <a:prstDash val="solid"/>
-                      <a:round/>
-                      <a:headEnd type="none" w="med" len="med"/>
-                      <a:tailEnd type="none" w="med" len="med"/>
-                    </a:lnR>
-                    <a:lnT cmpd="sng" algn="ctr" cap="flat">
-                      <a:solidFill>
-                        <a:srgbClr val="000000"/>
-                      </a:solidFill>
-                      <a:prstDash val="solid"/>
-                      <a:round/>
-                      <a:headEnd type="none" w="med" len="med"/>
-                      <a:tailEnd type="none" w="med" len="med"/>
-                    </a:lnT>
-                    <a:lnB cmpd="sng" algn="ctr" cap="flat">
-                      <a:solidFill>
-                        <a:srgbClr val="000000"/>
-                      </a:solidFill>
-                      <a:prstDash val="solid"/>
-                      <a:round/>
-                      <a:headEnd type="none" w="med" len="med"/>
-                      <a:tailEnd type="none" w="med" len="med"/>
-                    </a:lnB>
-                    <a:solidFill>
-                      <a:srgbClr val="FFFF00"/>
-                    </a:solidFill>
-                  </a:tcPr>
-                </a:tc>
-                <a:tc>
-                  <a:txBody>
-                    <a:bodyPr anchor="t" rtlCol="false"/>
-                    <a:lstStyle/>
-                    <a:p>
-                      <a:pPr algn="ctr">
-                        <a:defRPr/>
-                      </a:pPr>
-                      <a:r>
-                        <a:rPr lang="en-US" sz="1400"/>
-                        <a:t>RED</a:t>
-                      </a:r>
-                      <a:endParaRPr lang="en-US" sz="1100"/>
-                    </a:p>
-                  </a:txBody>
-                  <a:tcPr>
-                    <a:lnL cmpd="sng" algn="ctr" cap="flat">
-                      <a:solidFill>
-                        <a:srgbClr val="000000"/>
-                      </a:solidFill>
-                      <a:prstDash val="solid"/>
-                      <a:round/>
-                      <a:headEnd type="none" w="med" len="med"/>
-                      <a:tailEnd type="none" w="med" len="med"/>
-                    </a:lnL>
-                    <a:lnR cmpd="sng" algn="ctr" cap="flat">
-                      <a:solidFill>
-                        <a:srgbClr val="000000"/>
-                      </a:solidFill>
-                      <a:prstDash val="solid"/>
-                      <a:round/>
-                      <a:headEnd type="none" w="med" len="med"/>
-                      <a:tailEnd type="none" w="med" len="med"/>
-                    </a:lnR>
-                    <a:lnT cmpd="sng" algn="ctr" cap="flat">
-                      <a:solidFill>
-                        <a:srgbClr val="000000"/>
-                      </a:solidFill>
-                      <a:prstDash val="solid"/>
-                      <a:round/>
-                      <a:headEnd type="none" w="med" len="med"/>
-                      <a:tailEnd type="none" w="med" len="med"/>
-                    </a:lnT>
-                    <a:lnB cmpd="sng" algn="ctr" cap="flat">
-                      <a:solidFill>
-                        <a:srgbClr val="000000"/>
-                      </a:solidFill>
-                      <a:prstDash val="solid"/>
-                      <a:round/>
-                      <a:headEnd type="none" w="med" len="med"/>
-                      <a:tailEnd type="none" w="med" len="med"/>
-                    </a:lnB>
-                    <a:solidFill>
-                      <a:srgbClr val="FF0000"/>
-                    </a:solidFill>
-                  </a:tcPr>
-                </a:tc>
-                <a:tc>
-                  <a:txBody>
-                    <a:bodyPr anchor="t" rtlCol="false"/>
-                    <a:lstStyle/>
-                    <a:p>
-                      <a:pPr algn="ctr">
-                        <a:defRPr/>
-                      </a:pPr>
-                      <a:r>
-                        <a:rPr lang="en-US" sz="1400"/>
-                        <a:t>GREEN</a:t>
-                      </a:r>
-                      <a:endParaRPr lang="en-US" sz="1100"/>
-                    </a:p>
-                  </a:txBody>
-                  <a:tcPr>
-                    <a:lnL cmpd="sng" algn="ctr" cap="flat">
-                      <a:solidFill>
-                        <a:srgbClr val="000000"/>
-                      </a:solidFill>
-                      <a:prstDash val="solid"/>
-                      <a:round/>
-                      <a:headEnd type="none" w="med" len="med"/>
-                      <a:tailEnd type="none" w="med" len="med"/>
-                    </a:lnL>
-                    <a:lnR cmpd="sng" algn="ctr" cap="flat">
-                      <a:solidFill>
-                        <a:srgbClr val="000000"/>
-                      </a:solidFill>
-                      <a:prstDash val="solid"/>
-                      <a:round/>
-                      <a:headEnd type="none" w="med" len="med"/>
-                      <a:tailEnd type="none" w="med" len="med"/>
-                    </a:lnR>
-                    <a:lnT cmpd="sng" algn="ctr" cap="flat">
-                      <a:solidFill>
-                        <a:srgbClr val="000000"/>
-                      </a:solidFill>
-                      <a:prstDash val="solid"/>
-                      <a:round/>
-                      <a:headEnd type="none" w="med" len="med"/>
-                      <a:tailEnd type="none" w="med" len="med"/>
-                    </a:lnT>
-                    <a:lnB cmpd="sng" algn="ctr" cap="flat">
-                      <a:solidFill>
-                        <a:srgbClr val="000000"/>
-                      </a:solidFill>
-                      <a:prstDash val="solid"/>
-                      <a:round/>
-                      <a:headEnd type="none" w="med" len="med"/>
-                      <a:tailEnd type="none" w="med" len="med"/>
-                    </a:lnB>
-                    <a:solidFill>
-                      <a:srgbClr val="00FF00"/>
-                    </a:solidFill>
-                  </a:tcPr>
-                </a:tc>
-              </a:tr>
-            </a:tbl>
-          </a:graphicData>
-        </a:graphic>
-      </p:graphicFrame>
-      <p:sp>
-        <p:nvSpPr>
-          <p:cNvPr name="AutoShape 10" id="10"/>
-          <p:cNvSpPr/>
-          <p:nvPr/>
-        </p:nvSpPr>
-        <p:spPr>
-          <a:xfrm>
-            <a:off x="508000" y="2641600"/>
-            <a:ext cx="15240000" cy="25400"/>
-          </a:xfrm>
-          <a:prstGeom prst="rect">
-            <a:avLst/>
-          </a:prstGeom>
-          <a:solidFill>
-            <a:srgbClr val="000000"/>
-          </a:solidFill>
-          <a:ln>
-            <a:solidFill>
-              <a:srgbClr val="000000"/>
-            </a:solidFill>
-          </a:ln>
-        </p:spPr>
-      </p:sp>
-      <p:sp>
-        <p:nvSpPr>
-          <p:cNvPr name="TextBox 11" id="11"/>
+      <p:sp>
+        <p:nvSpPr>
+          <p:cNvPr name="TextBox 9" id="9"/>
           <p:cNvSpPr txBox="true"/>
           <p:nvPr/>
         </p:nvSpPr>
         <p:spPr>
           <a:xfrm>
-            <a:off x="508000" y="2959100"/>
-            <a:ext cx="1778000" cy="444500"/>
+            <a:off x="254000" y="1562100"/>
+            <a:ext cx="15748000" cy="6375400"/>
           </a:xfrm>
           <a:prstGeom prst="rect">
             <a:avLst/>
@@ -7558,1470 +7118,9 @@
               <a:rPr lang="ru-RU"/>
               <a:t/>
             </a:r>
-            <a:r>
-              <a:rPr lang="en-US" sz="1400">
-                <a:latin typeface="Calibri"/>
-              </a:rPr>
-              <a:t>Committed *</a:t>
-            </a:r>
-            <a:br>
-              <a:rPr lang="en-US" sz="1400">
-                <a:latin typeface="Calibri"/>
-              </a:rPr>
-            </a:br>
-            <a:r>
-              <a:rPr lang="en-US" sz="1400">
-                <a:latin typeface="Calibri"/>
-              </a:rPr>
-              <a:t>Actual / Forecast</a:t>
-            </a:r>
             <a:endParaRPr lang="en-US" sz="1100"/>
           </a:p>
-        </p:txBody>
-      </p:sp>
-      <p:sp>
-        <p:nvSpPr>
-          <p:cNvPr name="AutoShape 12" id="12"/>
-          <p:cNvSpPr/>
-          <p:nvPr/>
-        </p:nvSpPr>
-        <p:spPr>
-          <a:xfrm>
-            <a:off x="3048000" y="2527300"/>
-            <a:ext cx="25400" cy="228600"/>
-          </a:xfrm>
-          <a:prstGeom prst="rect">
-            <a:avLst/>
-          </a:prstGeom>
-          <a:solidFill>
-            <a:srgbClr val="000000"/>
-          </a:solidFill>
-          <a:ln>
-            <a:solidFill>
-              <a:srgbClr val="000000"/>
-            </a:solidFill>
-          </a:ln>
-        </p:spPr>
-      </p:sp>
-      <p:sp>
-        <p:nvSpPr>
-          <p:cNvPr name="TextBox 13" id="13"/>
-          <p:cNvSpPr txBox="true"/>
-          <p:nvPr/>
-        </p:nvSpPr>
-        <p:spPr>
-          <a:xfrm>
-            <a:off x="2616200" y="2006600"/>
-            <a:ext cx="889000" cy="215900"/>
-          </a:xfrm>
-          <a:prstGeom prst="rect">
-            <a:avLst/>
-          </a:prstGeom>
-        </p:spPr>
-        <p:txBody>
-          <a:bodyPr anchor="t" rtlCol="false"/>
-          <a:lstStyle/>
-          <a:p>
-            <a:pPr algn="ctr">
-              <a:defRPr/>
-            </a:pPr>
-            <a:r>
-              <a:rPr lang="ru-RU"/>
-              <a:t/>
-            </a:r>
-            <a:r>
-              <a:rPr lang="en-US" sz="1400">
-                <a:latin typeface="Calibri"/>
-                <a:hlinkClick r:id="rId4" tooltip="http://www.google.com"/>
-              </a:rPr>
-              <a:t>DR1</a:t>
-            </a:r>
-            <a:endParaRPr lang="en-US" sz="1100"/>
-          </a:p>
-        </p:txBody>
-      </p:sp>
-      <p:pic>
-        <p:nvPicPr>
-          <p:cNvPr name="Picture 14" id="14"/>
-          <p:cNvPicPr>
-            <a:picLocks noChangeAspect="true"/>
-          </p:cNvPicPr>
-          <p:nvPr/>
-        </p:nvPicPr>
-        <p:blipFill>
-          <a:blip r:embed="rId5"/>
-          <a:stretch>
-            <a:fillRect/>
-          </a:stretch>
-        </p:blipFill>
-        <p:spPr>
-          <a:xfrm>
-            <a:off x="2946400" y="1689100"/>
-            <a:ext cx="254000" cy="254000"/>
-          </a:xfrm>
-          <a:prstGeom prst="rect">
-            <a:avLst/>
-          </a:prstGeom>
-        </p:spPr>
-      </p:pic>
-      <p:sp>
-        <p:nvSpPr>
-          <p:cNvPr name="TextBox 15" id="15"/>
-          <p:cNvSpPr txBox="true"/>
-          <p:nvPr/>
-        </p:nvSpPr>
-        <p:spPr>
-          <a:xfrm>
-            <a:off x="2413000" y="2959100"/>
-            <a:ext cx="1270000" cy="444500"/>
-          </a:xfrm>
-          <a:prstGeom prst="rect">
-            <a:avLst/>
-          </a:prstGeom>
-        </p:spPr>
-        <p:txBody>
-          <a:bodyPr anchor="t" rtlCol="false"/>
-          <a:lstStyle/>
-          <a:p>
-            <a:pPr algn="ctr">
-              <a:defRPr/>
-            </a:pPr>
-            <a:r>
-              <a:rPr lang="ru-RU"/>
-              <a:t/>
-            </a:r>
-            <a:r>
-              <a:rPr lang="en-US" sz="1400">
-                <a:latin typeface="Calibri"/>
-              </a:rPr>
-              <a:t>11-Apr-20</a:t>
-            </a:r>
-            <a:br>
-              <a:rPr lang="en-US" sz="1400">
-                <a:latin typeface="Calibri"/>
-              </a:rPr>
-            </a:br>
-            <a:r>
-              <a:rPr lang="en-US" sz="1400">
-                <a:latin typeface="Calibri"/>
-              </a:rPr>
-              <a:t>10-Apr-20</a:t>
-            </a:r>
-            <a:endParaRPr lang="en-US" sz="1100"/>
-          </a:p>
-        </p:txBody>
-      </p:sp>
-      <p:sp>
-        <p:nvSpPr>
-          <p:cNvPr name="AutoShape 16" id="16"/>
-          <p:cNvSpPr/>
-          <p:nvPr/>
-        </p:nvSpPr>
-        <p:spPr>
-          <a:xfrm>
-            <a:off x="4318000" y="2527300"/>
-            <a:ext cx="25400" cy="228600"/>
-          </a:xfrm>
-          <a:prstGeom prst="rect">
-            <a:avLst/>
-          </a:prstGeom>
-          <a:solidFill>
-            <a:srgbClr val="000000"/>
-          </a:solidFill>
-          <a:ln>
-            <a:solidFill>
-              <a:srgbClr val="000000"/>
-            </a:solidFill>
-          </a:ln>
-        </p:spPr>
-      </p:sp>
-      <p:sp>
-        <p:nvSpPr>
-          <p:cNvPr name="TextBox 17" id="17"/>
-          <p:cNvSpPr txBox="true"/>
-          <p:nvPr/>
-        </p:nvSpPr>
-        <p:spPr>
-          <a:xfrm>
-            <a:off x="3886200" y="2006600"/>
-            <a:ext cx="889000" cy="215900"/>
-          </a:xfrm>
-          <a:prstGeom prst="rect">
-            <a:avLst/>
-          </a:prstGeom>
-        </p:spPr>
-        <p:txBody>
-          <a:bodyPr anchor="t" rtlCol="false"/>
-          <a:lstStyle/>
-          <a:p>
-            <a:pPr algn="ctr">
-              <a:defRPr/>
-            </a:pPr>
-            <a:r>
-              <a:rPr lang="ru-RU"/>
-              <a:t/>
-            </a:r>
-            <a:r>
-              <a:rPr lang="en-US" sz="1400">
-                <a:latin typeface="Calibri"/>
-                <a:hlinkClick r:id="rId6" tooltip="http://www.google.com"/>
-              </a:rPr>
-              <a:t>DR2</a:t>
-            </a:r>
-            <a:endParaRPr lang="en-US" sz="1100"/>
-          </a:p>
-        </p:txBody>
-      </p:sp>
-      <p:pic>
-        <p:nvPicPr>
-          <p:cNvPr name="Picture 18" id="18"/>
-          <p:cNvPicPr>
-            <a:picLocks noChangeAspect="true"/>
-          </p:cNvPicPr>
-          <p:nvPr/>
-        </p:nvPicPr>
-        <p:blipFill>
-          <a:blip r:embed="rId7"/>
-          <a:stretch>
-            <a:fillRect/>
-          </a:stretch>
-        </p:blipFill>
-        <p:spPr>
-          <a:xfrm>
-            <a:off x="4216400" y="1689100"/>
-            <a:ext cx="254000" cy="254000"/>
-          </a:xfrm>
-          <a:prstGeom prst="rect">
-            <a:avLst/>
-          </a:prstGeom>
-        </p:spPr>
-      </p:pic>
-      <p:sp>
-        <p:nvSpPr>
-          <p:cNvPr name="TextBox 19" id="19"/>
-          <p:cNvSpPr txBox="true"/>
-          <p:nvPr/>
-        </p:nvSpPr>
-        <p:spPr>
-          <a:xfrm>
-            <a:off x="3683000" y="2959100"/>
-            <a:ext cx="1270000" cy="444500"/>
-          </a:xfrm>
-          <a:prstGeom prst="rect">
-            <a:avLst/>
-          </a:prstGeom>
-        </p:spPr>
-        <p:txBody>
-          <a:bodyPr anchor="t" rtlCol="false"/>
-          <a:lstStyle/>
-          <a:p>
-            <a:pPr algn="ctr">
-              <a:defRPr/>
-            </a:pPr>
-            <a:r>
-              <a:rPr lang="ru-RU"/>
-              <a:t/>
-            </a:r>
-            <a:r>
-              <a:rPr lang="en-US" sz="1400">
-                <a:latin typeface="Calibri"/>
-              </a:rPr>
-              <a:t>15-Apr-20</a:t>
-            </a:r>
-            <a:br>
-              <a:rPr lang="en-US" sz="1400">
-                <a:latin typeface="Calibri"/>
-              </a:rPr>
-            </a:br>
-            <a:r>
-              <a:rPr lang="en-US" sz="1400">
-                <a:latin typeface="Calibri"/>
-              </a:rPr>
-              <a:t>15-Apr-20</a:t>
-            </a:r>
-            <a:endParaRPr lang="en-US" sz="1100"/>
-          </a:p>
-        </p:txBody>
-      </p:sp>
-      <p:sp>
-        <p:nvSpPr>
-          <p:cNvPr name="AutoShape 20" id="20"/>
-          <p:cNvSpPr/>
-          <p:nvPr/>
-        </p:nvSpPr>
-        <p:spPr>
-          <a:xfrm>
-            <a:off x="5588000" y="2527300"/>
-            <a:ext cx="25400" cy="228600"/>
-          </a:xfrm>
-          <a:prstGeom prst="rect">
-            <a:avLst/>
-          </a:prstGeom>
-          <a:solidFill>
-            <a:srgbClr val="000000"/>
-          </a:solidFill>
-          <a:ln>
-            <a:solidFill>
-              <a:srgbClr val="000000"/>
-            </a:solidFill>
-          </a:ln>
-        </p:spPr>
-      </p:sp>
-      <p:sp>
-        <p:nvSpPr>
-          <p:cNvPr name="TextBox 21" id="21"/>
-          <p:cNvSpPr txBox="true"/>
-          <p:nvPr/>
-        </p:nvSpPr>
-        <p:spPr>
-          <a:xfrm>
-            <a:off x="5156200" y="2006600"/>
-            <a:ext cx="889000" cy="215900"/>
-          </a:xfrm>
-          <a:prstGeom prst="rect">
-            <a:avLst/>
-          </a:prstGeom>
-        </p:spPr>
-        <p:txBody>
-          <a:bodyPr anchor="t" rtlCol="false"/>
-          <a:lstStyle/>
-          <a:p>
-            <a:pPr algn="ctr">
-              <a:defRPr/>
-            </a:pPr>
-            <a:r>
-              <a:rPr lang="ru-RU"/>
-              <a:t/>
-            </a:r>
-            <a:r>
-              <a:rPr lang="en-US" sz="1400">
-                <a:latin typeface="Calibri"/>
-                <a:hlinkClick r:id="rId8" tooltip="http://www.google.com"/>
-              </a:rPr>
-              <a:t>DR2</a:t>
-            </a:r>
-            <a:endParaRPr lang="en-US" sz="1100"/>
-          </a:p>
-        </p:txBody>
-      </p:sp>
-      <p:pic>
-        <p:nvPicPr>
-          <p:cNvPr name="Picture 22" id="22"/>
-          <p:cNvPicPr>
-            <a:picLocks noChangeAspect="true"/>
-          </p:cNvPicPr>
-          <p:nvPr/>
-        </p:nvPicPr>
-        <p:blipFill>
-          <a:blip r:embed="rId5"/>
-          <a:stretch>
-            <a:fillRect/>
-          </a:stretch>
-        </p:blipFill>
-        <p:spPr>
-          <a:xfrm>
-            <a:off x="5486400" y="1689100"/>
-            <a:ext cx="254000" cy="254000"/>
-          </a:xfrm>
-          <a:prstGeom prst="rect">
-            <a:avLst/>
-          </a:prstGeom>
-        </p:spPr>
-      </p:pic>
-      <p:sp>
-        <p:nvSpPr>
-          <p:cNvPr name="TextBox 23" id="23"/>
-          <p:cNvSpPr txBox="true"/>
-          <p:nvPr/>
-        </p:nvSpPr>
-        <p:spPr>
-          <a:xfrm>
-            <a:off x="4953000" y="2959100"/>
-            <a:ext cx="1270000" cy="444500"/>
-          </a:xfrm>
-          <a:prstGeom prst="rect">
-            <a:avLst/>
-          </a:prstGeom>
-        </p:spPr>
-        <p:txBody>
-          <a:bodyPr anchor="t" rtlCol="false"/>
-          <a:lstStyle/>
-          <a:p>
-            <a:pPr algn="ctr">
-              <a:defRPr/>
-            </a:pPr>
-            <a:r>
-              <a:rPr lang="ru-RU"/>
-              <a:t/>
-            </a:r>
-            <a:r>
-              <a:rPr lang="en-US" sz="1400">
-                <a:latin typeface="Calibri"/>
-              </a:rPr>
-              <a:t>15-Apr-20</a:t>
-            </a:r>
-            <a:br>
-              <a:rPr lang="en-US" sz="1400">
-                <a:latin typeface="Calibri"/>
-              </a:rPr>
-            </a:br>
-            <a:r>
-              <a:rPr lang="en-US" sz="1400">
-                <a:latin typeface="Calibri"/>
-              </a:rPr>
-              <a:t>15-Apr-20</a:t>
-            </a:r>
-            <a:endParaRPr lang="en-US" sz="1100"/>
-          </a:p>
-        </p:txBody>
-      </p:sp>
-      <p:sp>
-        <p:nvSpPr>
-          <p:cNvPr name="AutoShape 24" id="24"/>
-          <p:cNvSpPr/>
-          <p:nvPr/>
-        </p:nvSpPr>
-        <p:spPr>
-          <a:xfrm>
-            <a:off x="6858000" y="2527300"/>
-            <a:ext cx="25400" cy="228600"/>
-          </a:xfrm>
-          <a:prstGeom prst="rect">
-            <a:avLst/>
-          </a:prstGeom>
-          <a:solidFill>
-            <a:srgbClr val="000000"/>
-          </a:solidFill>
-          <a:ln>
-            <a:solidFill>
-              <a:srgbClr val="000000"/>
-            </a:solidFill>
-          </a:ln>
-        </p:spPr>
-      </p:sp>
-      <p:sp>
-        <p:nvSpPr>
-          <p:cNvPr name="TextBox 25" id="25"/>
-          <p:cNvSpPr txBox="true"/>
-          <p:nvPr/>
-        </p:nvSpPr>
-        <p:spPr>
-          <a:xfrm>
-            <a:off x="6426200" y="2006600"/>
-            <a:ext cx="889000" cy="215900"/>
-          </a:xfrm>
-          <a:prstGeom prst="rect">
-            <a:avLst/>
-          </a:prstGeom>
-        </p:spPr>
-        <p:txBody>
-          <a:bodyPr anchor="t" rtlCol="false"/>
-          <a:lstStyle/>
-          <a:p>
-            <a:pPr algn="ctr">
-              <a:defRPr/>
-            </a:pPr>
-            <a:r>
-              <a:rPr lang="ru-RU"/>
-              <a:t/>
-            </a:r>
-            <a:r>
-              <a:rPr lang="en-US" sz="1400">
-                <a:latin typeface="Calibri"/>
-                <a:hlinkClick r:id="rId9" tooltip="http://www.google.com"/>
-              </a:rPr>
-              <a:t>DR2</a:t>
-            </a:r>
-            <a:endParaRPr lang="en-US" sz="1100"/>
-          </a:p>
-        </p:txBody>
-      </p:sp>
-      <p:pic>
-        <p:nvPicPr>
-          <p:cNvPr name="Picture 26" id="26"/>
-          <p:cNvPicPr>
-            <a:picLocks noChangeAspect="true"/>
-          </p:cNvPicPr>
-          <p:nvPr/>
-        </p:nvPicPr>
-        <p:blipFill>
-          <a:blip r:embed="rId5"/>
-          <a:stretch>
-            <a:fillRect/>
-          </a:stretch>
-        </p:blipFill>
-        <p:spPr>
-          <a:xfrm>
-            <a:off x="6756400" y="1689100"/>
-            <a:ext cx="254000" cy="254000"/>
-          </a:xfrm>
-          <a:prstGeom prst="rect">
-            <a:avLst/>
-          </a:prstGeom>
-        </p:spPr>
-      </p:pic>
-      <p:sp>
-        <p:nvSpPr>
-          <p:cNvPr name="TextBox 27" id="27"/>
-          <p:cNvSpPr txBox="true"/>
-          <p:nvPr/>
-        </p:nvSpPr>
-        <p:spPr>
-          <a:xfrm>
-            <a:off x="6223000" y="2959100"/>
-            <a:ext cx="1270000" cy="444500"/>
-          </a:xfrm>
-          <a:prstGeom prst="rect">
-            <a:avLst/>
-          </a:prstGeom>
-        </p:spPr>
-        <p:txBody>
-          <a:bodyPr anchor="t" rtlCol="false"/>
-          <a:lstStyle/>
-          <a:p>
-            <a:pPr algn="ctr">
-              <a:defRPr/>
-            </a:pPr>
-            <a:r>
-              <a:rPr lang="ru-RU"/>
-              <a:t/>
-            </a:r>
-            <a:r>
-              <a:rPr lang="en-US" sz="1400">
-                <a:latin typeface="Calibri"/>
-              </a:rPr>
-              <a:t>15-Apr-20</a:t>
-            </a:r>
-            <a:br>
-              <a:rPr lang="en-US" sz="1400">
-                <a:latin typeface="Calibri"/>
-              </a:rPr>
-            </a:br>
-            <a:r>
-              <a:rPr lang="en-US" sz="1400">
-                <a:latin typeface="Calibri"/>
-              </a:rPr>
-              <a:t>15-Apr-20</a:t>
-            </a:r>
-            <a:endParaRPr lang="en-US" sz="1100"/>
-          </a:p>
-        </p:txBody>
-      </p:sp>
-      <p:sp>
-        <p:nvSpPr>
-          <p:cNvPr name="AutoShape 28" id="28"/>
-          <p:cNvSpPr/>
-          <p:nvPr/>
-        </p:nvSpPr>
-        <p:spPr>
-          <a:xfrm>
-            <a:off x="8128000" y="2527300"/>
-            <a:ext cx="25400" cy="228600"/>
-          </a:xfrm>
-          <a:prstGeom prst="rect">
-            <a:avLst/>
-          </a:prstGeom>
-          <a:solidFill>
-            <a:srgbClr val="000000"/>
-          </a:solidFill>
-          <a:ln>
-            <a:solidFill>
-              <a:srgbClr val="000000"/>
-            </a:solidFill>
-          </a:ln>
-        </p:spPr>
-      </p:sp>
-      <p:sp>
-        <p:nvSpPr>
-          <p:cNvPr name="TextBox 29" id="29"/>
-          <p:cNvSpPr txBox="true"/>
-          <p:nvPr/>
-        </p:nvSpPr>
-        <p:spPr>
-          <a:xfrm>
-            <a:off x="7696200" y="2006600"/>
-            <a:ext cx="889000" cy="215900"/>
-          </a:xfrm>
-          <a:prstGeom prst="rect">
-            <a:avLst/>
-          </a:prstGeom>
-        </p:spPr>
-        <p:txBody>
-          <a:bodyPr anchor="t" rtlCol="false"/>
-          <a:lstStyle/>
-          <a:p>
-            <a:pPr algn="ctr">
-              <a:defRPr/>
-            </a:pPr>
-            <a:r>
-              <a:rPr lang="ru-RU"/>
-              <a:t/>
-            </a:r>
-            <a:r>
-              <a:rPr lang="en-US" sz="1400">
-                <a:latin typeface="Calibri"/>
-                <a:hlinkClick r:id="rId10" tooltip="http://www.google.com"/>
-              </a:rPr>
-              <a:t>DR2</a:t>
-            </a:r>
-            <a:endParaRPr lang="en-US" sz="1100"/>
-          </a:p>
-        </p:txBody>
-      </p:sp>
-      <p:pic>
-        <p:nvPicPr>
-          <p:cNvPr name="Picture 30" id="30"/>
-          <p:cNvPicPr>
-            <a:picLocks noChangeAspect="true"/>
-          </p:cNvPicPr>
-          <p:nvPr/>
-        </p:nvPicPr>
-        <p:blipFill>
-          <a:blip r:embed="rId5"/>
-          <a:stretch>
-            <a:fillRect/>
-          </a:stretch>
-        </p:blipFill>
-        <p:spPr>
-          <a:xfrm>
-            <a:off x="8026400" y="1689100"/>
-            <a:ext cx="254000" cy="254000"/>
-          </a:xfrm>
-          <a:prstGeom prst="rect">
-            <a:avLst/>
-          </a:prstGeom>
-        </p:spPr>
-      </p:pic>
-      <p:sp>
-        <p:nvSpPr>
-          <p:cNvPr name="TextBox 31" id="31"/>
-          <p:cNvSpPr txBox="true"/>
-          <p:nvPr/>
-        </p:nvSpPr>
-        <p:spPr>
-          <a:xfrm>
-            <a:off x="7493000" y="2959100"/>
-            <a:ext cx="1270000" cy="444500"/>
-          </a:xfrm>
-          <a:prstGeom prst="rect">
-            <a:avLst/>
-          </a:prstGeom>
-        </p:spPr>
-        <p:txBody>
-          <a:bodyPr anchor="t" rtlCol="false"/>
-          <a:lstStyle/>
-          <a:p>
-            <a:pPr algn="ctr">
-              <a:defRPr/>
-            </a:pPr>
-            <a:r>
-              <a:rPr lang="ru-RU"/>
-              <a:t/>
-            </a:r>
-            <a:r>
-              <a:rPr lang="en-US" sz="1400">
-                <a:latin typeface="Calibri"/>
-              </a:rPr>
-              <a:t>15-Apr-20</a:t>
-            </a:r>
-            <a:br>
-              <a:rPr lang="en-US" sz="1400">
-                <a:latin typeface="Calibri"/>
-              </a:rPr>
-            </a:br>
-            <a:r>
-              <a:rPr lang="en-US" sz="1400">
-                <a:latin typeface="Calibri"/>
-              </a:rPr>
-              <a:t>15-Apr-20</a:t>
-            </a:r>
-            <a:endParaRPr lang="en-US" sz="1100"/>
-          </a:p>
-        </p:txBody>
-      </p:sp>
-      <p:sp>
-        <p:nvSpPr>
-          <p:cNvPr name="AutoShape 32" id="32"/>
-          <p:cNvSpPr/>
-          <p:nvPr/>
-        </p:nvSpPr>
-        <p:spPr>
-          <a:xfrm>
-            <a:off x="9398000" y="2527300"/>
-            <a:ext cx="25400" cy="228600"/>
-          </a:xfrm>
-          <a:prstGeom prst="rect">
-            <a:avLst/>
-          </a:prstGeom>
-          <a:solidFill>
-            <a:srgbClr val="000000"/>
-          </a:solidFill>
-          <a:ln>
-            <a:solidFill>
-              <a:srgbClr val="000000"/>
-            </a:solidFill>
-          </a:ln>
-        </p:spPr>
-      </p:sp>
-      <p:sp>
-        <p:nvSpPr>
-          <p:cNvPr name="TextBox 33" id="33"/>
-          <p:cNvSpPr txBox="true"/>
-          <p:nvPr/>
-        </p:nvSpPr>
-        <p:spPr>
-          <a:xfrm>
-            <a:off x="8966200" y="2006600"/>
-            <a:ext cx="889000" cy="215900"/>
-          </a:xfrm>
-          <a:prstGeom prst="rect">
-            <a:avLst/>
-          </a:prstGeom>
-        </p:spPr>
-        <p:txBody>
-          <a:bodyPr anchor="t" rtlCol="false"/>
-          <a:lstStyle/>
-          <a:p>
-            <a:pPr algn="ctr">
-              <a:defRPr/>
-            </a:pPr>
-            <a:r>
-              <a:rPr lang="ru-RU"/>
-              <a:t/>
-            </a:r>
-            <a:r>
-              <a:rPr lang="en-US" sz="1400">
-                <a:latin typeface="Calibri"/>
-                <a:hlinkClick r:id="rId11" tooltip="http://www.google.com"/>
-              </a:rPr>
-              <a:t>DR2</a:t>
-            </a:r>
-            <a:endParaRPr lang="en-US" sz="1100"/>
-          </a:p>
-        </p:txBody>
-      </p:sp>
-      <p:pic>
-        <p:nvPicPr>
-          <p:cNvPr name="Picture 34" id="34"/>
-          <p:cNvPicPr>
-            <a:picLocks noChangeAspect="true"/>
-          </p:cNvPicPr>
-          <p:nvPr/>
-        </p:nvPicPr>
-        <p:blipFill>
-          <a:blip r:embed="rId5"/>
-          <a:stretch>
-            <a:fillRect/>
-          </a:stretch>
-        </p:blipFill>
-        <p:spPr>
-          <a:xfrm>
-            <a:off x="9296400" y="1689100"/>
-            <a:ext cx="254000" cy="254000"/>
-          </a:xfrm>
-          <a:prstGeom prst="rect">
-            <a:avLst/>
-          </a:prstGeom>
-        </p:spPr>
-      </p:pic>
-      <p:sp>
-        <p:nvSpPr>
-          <p:cNvPr name="TextBox 35" id="35"/>
-          <p:cNvSpPr txBox="true"/>
-          <p:nvPr/>
-        </p:nvSpPr>
-        <p:spPr>
-          <a:xfrm>
-            <a:off x="8763000" y="2959100"/>
-            <a:ext cx="1270000" cy="444500"/>
-          </a:xfrm>
-          <a:prstGeom prst="rect">
-            <a:avLst/>
-          </a:prstGeom>
-        </p:spPr>
-        <p:txBody>
-          <a:bodyPr anchor="t" rtlCol="false"/>
-          <a:lstStyle/>
-          <a:p>
-            <a:pPr algn="ctr">
-              <a:defRPr/>
-            </a:pPr>
-            <a:r>
-              <a:rPr lang="ru-RU"/>
-              <a:t/>
-            </a:r>
-            <a:r>
-              <a:rPr lang="en-US" sz="1400">
-                <a:latin typeface="Calibri"/>
-              </a:rPr>
-              <a:t>15-Apr-20</a:t>
-            </a:r>
-            <a:br>
-              <a:rPr lang="en-US" sz="1400">
-                <a:latin typeface="Calibri"/>
-              </a:rPr>
-            </a:br>
-            <a:r>
-              <a:rPr lang="en-US" sz="1400">
-                <a:latin typeface="Calibri"/>
-              </a:rPr>
-              <a:t>15-Apr-20</a:t>
-            </a:r>
-            <a:endParaRPr lang="en-US" sz="1100"/>
-          </a:p>
-        </p:txBody>
-      </p:sp>
-      <p:sp>
-        <p:nvSpPr>
-          <p:cNvPr name="AutoShape 36" id="36"/>
-          <p:cNvSpPr/>
-          <p:nvPr/>
-        </p:nvSpPr>
-        <p:spPr>
-          <a:xfrm>
-            <a:off x="10668000" y="2527300"/>
-            <a:ext cx="25400" cy="228600"/>
-          </a:xfrm>
-          <a:prstGeom prst="rect">
-            <a:avLst/>
-          </a:prstGeom>
-          <a:solidFill>
-            <a:srgbClr val="000000"/>
-          </a:solidFill>
-          <a:ln>
-            <a:solidFill>
-              <a:srgbClr val="000000"/>
-            </a:solidFill>
-          </a:ln>
-        </p:spPr>
-      </p:sp>
-      <p:sp>
-        <p:nvSpPr>
-          <p:cNvPr name="TextBox 37" id="37"/>
-          <p:cNvSpPr txBox="true"/>
-          <p:nvPr/>
-        </p:nvSpPr>
-        <p:spPr>
-          <a:xfrm>
-            <a:off x="10236200" y="2006600"/>
-            <a:ext cx="889000" cy="215900"/>
-          </a:xfrm>
-          <a:prstGeom prst="rect">
-            <a:avLst/>
-          </a:prstGeom>
-        </p:spPr>
-        <p:txBody>
-          <a:bodyPr anchor="t" rtlCol="false"/>
-          <a:lstStyle/>
-          <a:p>
-            <a:pPr algn="ctr">
-              <a:defRPr/>
-            </a:pPr>
-            <a:r>
-              <a:rPr lang="ru-RU"/>
-              <a:t/>
-            </a:r>
-            <a:r>
-              <a:rPr lang="en-US" sz="1400">
-                <a:latin typeface="Calibri"/>
-                <a:hlinkClick r:id="rId12" tooltip="http://www.google.com"/>
-              </a:rPr>
-              <a:t>DR2</a:t>
-            </a:r>
-            <a:endParaRPr lang="en-US" sz="1100"/>
-          </a:p>
-        </p:txBody>
-      </p:sp>
-      <p:pic>
-        <p:nvPicPr>
-          <p:cNvPr name="Picture 38" id="38"/>
-          <p:cNvPicPr>
-            <a:picLocks noChangeAspect="true"/>
-          </p:cNvPicPr>
-          <p:nvPr/>
-        </p:nvPicPr>
-        <p:blipFill>
-          <a:blip r:embed="rId5"/>
-          <a:stretch>
-            <a:fillRect/>
-          </a:stretch>
-        </p:blipFill>
-        <p:spPr>
-          <a:xfrm>
-            <a:off x="10566400" y="1689100"/>
-            <a:ext cx="254000" cy="254000"/>
-          </a:xfrm>
-          <a:prstGeom prst="rect">
-            <a:avLst/>
-          </a:prstGeom>
-        </p:spPr>
-      </p:pic>
-      <p:sp>
-        <p:nvSpPr>
-          <p:cNvPr name="TextBox 39" id="39"/>
-          <p:cNvSpPr txBox="true"/>
-          <p:nvPr/>
-        </p:nvSpPr>
-        <p:spPr>
-          <a:xfrm>
-            <a:off x="10033000" y="2959100"/>
-            <a:ext cx="1270000" cy="444500"/>
-          </a:xfrm>
-          <a:prstGeom prst="rect">
-            <a:avLst/>
-          </a:prstGeom>
-        </p:spPr>
-        <p:txBody>
-          <a:bodyPr anchor="t" rtlCol="false"/>
-          <a:lstStyle/>
-          <a:p>
-            <a:pPr algn="ctr">
-              <a:defRPr/>
-            </a:pPr>
-            <a:r>
-              <a:rPr lang="ru-RU"/>
-              <a:t/>
-            </a:r>
-            <a:r>
-              <a:rPr lang="en-US" sz="1400">
-                <a:latin typeface="Calibri"/>
-              </a:rPr>
-              <a:t>15-Apr-20</a:t>
-            </a:r>
-            <a:br>
-              <a:rPr lang="en-US" sz="1400">
-                <a:latin typeface="Calibri"/>
-              </a:rPr>
-            </a:br>
-            <a:r>
-              <a:rPr lang="en-US" sz="1400">
-                <a:latin typeface="Calibri"/>
-              </a:rPr>
-              <a:t>15-Apr-20</a:t>
-            </a:r>
-            <a:endParaRPr lang="en-US" sz="1100"/>
-          </a:p>
-        </p:txBody>
-      </p:sp>
-      <p:sp>
-        <p:nvSpPr>
-          <p:cNvPr name="AutoShape 40" id="40"/>
-          <p:cNvSpPr/>
-          <p:nvPr/>
-        </p:nvSpPr>
-        <p:spPr>
-          <a:xfrm>
-            <a:off x="11938000" y="2527300"/>
-            <a:ext cx="25400" cy="228600"/>
-          </a:xfrm>
-          <a:prstGeom prst="rect">
-            <a:avLst/>
-          </a:prstGeom>
-          <a:solidFill>
-            <a:srgbClr val="000000"/>
-          </a:solidFill>
-          <a:ln>
-            <a:solidFill>
-              <a:srgbClr val="000000"/>
-            </a:solidFill>
-          </a:ln>
-        </p:spPr>
-      </p:sp>
-      <p:sp>
-        <p:nvSpPr>
-          <p:cNvPr name="TextBox 41" id="41"/>
-          <p:cNvSpPr txBox="true"/>
-          <p:nvPr/>
-        </p:nvSpPr>
-        <p:spPr>
-          <a:xfrm>
-            <a:off x="11506200" y="2006600"/>
-            <a:ext cx="889000" cy="215900"/>
-          </a:xfrm>
-          <a:prstGeom prst="rect">
-            <a:avLst/>
-          </a:prstGeom>
-        </p:spPr>
-        <p:txBody>
-          <a:bodyPr anchor="t" rtlCol="false"/>
-          <a:lstStyle/>
-          <a:p>
-            <a:pPr algn="ctr">
-              <a:defRPr/>
-            </a:pPr>
-            <a:r>
-              <a:rPr lang="ru-RU"/>
-              <a:t/>
-            </a:r>
-            <a:r>
-              <a:rPr lang="en-US" sz="1400">
-                <a:latin typeface="Calibri"/>
-                <a:hlinkClick r:id="rId13" tooltip="http://www.google.com"/>
-              </a:rPr>
-              <a:t>DR3</a:t>
-            </a:r>
-            <a:endParaRPr lang="en-US" sz="1100"/>
-          </a:p>
-        </p:txBody>
-      </p:sp>
-      <p:pic>
-        <p:nvPicPr>
-          <p:cNvPr name="Picture 42" id="42"/>
-          <p:cNvPicPr>
-            <a:picLocks noChangeAspect="true"/>
-          </p:cNvPicPr>
-          <p:nvPr/>
-        </p:nvPicPr>
-        <p:blipFill>
-          <a:blip r:embed="rId7"/>
-          <a:stretch>
-            <a:fillRect/>
-          </a:stretch>
-        </p:blipFill>
-        <p:spPr>
-          <a:xfrm>
-            <a:off x="11836400" y="1689100"/>
-            <a:ext cx="254000" cy="254000"/>
-          </a:xfrm>
-          <a:prstGeom prst="rect">
-            <a:avLst/>
-          </a:prstGeom>
-        </p:spPr>
-      </p:pic>
-      <p:sp>
-        <p:nvSpPr>
-          <p:cNvPr name="TextBox 43" id="43"/>
-          <p:cNvSpPr txBox="true"/>
-          <p:nvPr/>
-        </p:nvSpPr>
-        <p:spPr>
-          <a:xfrm>
-            <a:off x="11303000" y="2959100"/>
-            <a:ext cx="1270000" cy="444500"/>
-          </a:xfrm>
-          <a:prstGeom prst="rect">
-            <a:avLst/>
-          </a:prstGeom>
-        </p:spPr>
-        <p:txBody>
-          <a:bodyPr anchor="t" rtlCol="false"/>
-          <a:lstStyle/>
-          <a:p>
-            <a:pPr algn="ctr">
-              <a:defRPr/>
-            </a:pPr>
-            <a:r>
-              <a:rPr lang="ru-RU"/>
-              <a:t/>
-            </a:r>
-            <a:r>
-              <a:rPr lang="en-US" sz="1400">
-                <a:latin typeface="Calibri"/>
-              </a:rPr>
-              <a:t>19-Apr-20</a:t>
-            </a:r>
-            <a:br>
-              <a:rPr lang="en-US" sz="1400">
-                <a:latin typeface="Calibri"/>
-              </a:rPr>
-            </a:br>
-            <a:r>
-              <a:rPr lang="en-US" sz="1400">
-                <a:latin typeface="Calibri"/>
-              </a:rPr>
-              <a:t>19-Apr-20</a:t>
-            </a:r>
-            <a:endParaRPr lang="en-US" sz="1100"/>
-          </a:p>
-        </p:txBody>
-      </p:sp>
-      <p:sp>
-        <p:nvSpPr>
-          <p:cNvPr name="AutoShape 44" id="44"/>
-          <p:cNvSpPr/>
-          <p:nvPr/>
-        </p:nvSpPr>
-        <p:spPr>
-          <a:xfrm>
-            <a:off x="13208000" y="2527300"/>
-            <a:ext cx="25400" cy="228600"/>
-          </a:xfrm>
-          <a:prstGeom prst="rect">
-            <a:avLst/>
-          </a:prstGeom>
-          <a:solidFill>
-            <a:srgbClr val="000000"/>
-          </a:solidFill>
-          <a:ln>
-            <a:solidFill>
-              <a:srgbClr val="000000"/>
-            </a:solidFill>
-          </a:ln>
-        </p:spPr>
-      </p:sp>
-      <p:sp>
-        <p:nvSpPr>
-          <p:cNvPr name="TextBox 45" id="45"/>
-          <p:cNvSpPr txBox="true"/>
-          <p:nvPr/>
-        </p:nvSpPr>
-        <p:spPr>
-          <a:xfrm>
-            <a:off x="12776200" y="2006600"/>
-            <a:ext cx="889000" cy="215900"/>
-          </a:xfrm>
-          <a:prstGeom prst="rect">
-            <a:avLst/>
-          </a:prstGeom>
-        </p:spPr>
-        <p:txBody>
-          <a:bodyPr anchor="t" rtlCol="false"/>
-          <a:lstStyle/>
-          <a:p>
-            <a:pPr algn="ctr">
-              <a:defRPr/>
-            </a:pPr>
-            <a:r>
-              <a:rPr lang="ru-RU"/>
-              <a:t/>
-            </a:r>
-            <a:r>
-              <a:rPr lang="en-US" sz="1400">
-                <a:latin typeface="Calibri"/>
-                <a:hlinkClick r:id="rId14" tooltip="http://www.google.com"/>
-              </a:rPr>
-              <a:t>DR3</a:t>
-            </a:r>
-            <a:endParaRPr lang="en-US" sz="1100"/>
-          </a:p>
-        </p:txBody>
-      </p:sp>
-      <p:pic>
-        <p:nvPicPr>
-          <p:cNvPr name="Picture 46" id="46"/>
-          <p:cNvPicPr>
-            <a:picLocks noChangeAspect="true"/>
-          </p:cNvPicPr>
-          <p:nvPr/>
-        </p:nvPicPr>
-        <p:blipFill>
-          <a:blip r:embed="rId7"/>
-          <a:stretch>
-            <a:fillRect/>
-          </a:stretch>
-        </p:blipFill>
-        <p:spPr>
-          <a:xfrm>
-            <a:off x="13106400" y="1689100"/>
-            <a:ext cx="254000" cy="254000"/>
-          </a:xfrm>
-          <a:prstGeom prst="rect">
-            <a:avLst/>
-          </a:prstGeom>
-        </p:spPr>
-      </p:pic>
-      <p:sp>
-        <p:nvSpPr>
-          <p:cNvPr name="TextBox 47" id="47"/>
-          <p:cNvSpPr txBox="true"/>
-          <p:nvPr/>
-        </p:nvSpPr>
-        <p:spPr>
-          <a:xfrm>
-            <a:off x="12573000" y="2959100"/>
-            <a:ext cx="1270000" cy="444500"/>
-          </a:xfrm>
-          <a:prstGeom prst="rect">
-            <a:avLst/>
-          </a:prstGeom>
-        </p:spPr>
-        <p:txBody>
-          <a:bodyPr anchor="t" rtlCol="false"/>
-          <a:lstStyle/>
-          <a:p>
-            <a:pPr algn="ctr">
-              <a:defRPr/>
-            </a:pPr>
-            <a:r>
-              <a:rPr lang="ru-RU"/>
-              <a:t/>
-            </a:r>
-            <a:r>
-              <a:rPr lang="en-US" sz="1400">
-                <a:latin typeface="Calibri"/>
-              </a:rPr>
-              <a:t>19-Apr-20</a:t>
-            </a:r>
-            <a:br>
-              <a:rPr lang="en-US" sz="1400">
-                <a:latin typeface="Calibri"/>
-              </a:rPr>
-            </a:br>
-            <a:r>
-              <a:rPr lang="en-US" sz="1400">
-                <a:latin typeface="Calibri"/>
-              </a:rPr>
-              <a:t>19-Apr-20</a:t>
-            </a:r>
-            <a:endParaRPr lang="en-US" sz="1100"/>
-          </a:p>
-        </p:txBody>
-      </p:sp>
-      <p:sp>
-        <p:nvSpPr>
-          <p:cNvPr name="AutoShape 48" id="48"/>
-          <p:cNvSpPr/>
-          <p:nvPr/>
-        </p:nvSpPr>
-        <p:spPr>
-          <a:xfrm>
-            <a:off x="14478000" y="2527300"/>
-            <a:ext cx="25400" cy="228600"/>
-          </a:xfrm>
-          <a:prstGeom prst="rect">
-            <a:avLst/>
-          </a:prstGeom>
-          <a:solidFill>
-            <a:srgbClr val="000000"/>
-          </a:solidFill>
-          <a:ln>
-            <a:solidFill>
-              <a:srgbClr val="000000"/>
-            </a:solidFill>
-          </a:ln>
-        </p:spPr>
-      </p:sp>
-      <p:sp>
-        <p:nvSpPr>
-          <p:cNvPr name="TextBox 49" id="49"/>
-          <p:cNvSpPr txBox="true"/>
-          <p:nvPr/>
-        </p:nvSpPr>
-        <p:spPr>
-          <a:xfrm>
-            <a:off x="14046200" y="2006600"/>
-            <a:ext cx="889000" cy="215900"/>
-          </a:xfrm>
-          <a:prstGeom prst="rect">
-            <a:avLst/>
-          </a:prstGeom>
-        </p:spPr>
-        <p:txBody>
-          <a:bodyPr anchor="t" rtlCol="false"/>
-          <a:lstStyle/>
-          <a:p>
-            <a:pPr algn="ctr">
-              <a:defRPr/>
-            </a:pPr>
-            <a:r>
-              <a:rPr lang="ru-RU"/>
-              <a:t/>
-            </a:r>
-            <a:r>
-              <a:rPr lang="en-US" sz="1400">
-                <a:latin typeface="Calibri"/>
-                <a:hlinkClick r:id="rId15" tooltip="http://www.google.com"/>
-              </a:rPr>
-              <a:t>DR3</a:t>
-            </a:r>
-            <a:endParaRPr lang="en-US" sz="1100"/>
-          </a:p>
-        </p:txBody>
-      </p:sp>
-      <p:pic>
-        <p:nvPicPr>
-          <p:cNvPr name="Picture 50" id="50"/>
-          <p:cNvPicPr>
-            <a:picLocks noChangeAspect="true"/>
-          </p:cNvPicPr>
-          <p:nvPr/>
-        </p:nvPicPr>
-        <p:blipFill>
-          <a:blip r:embed="rId7"/>
-          <a:stretch>
-            <a:fillRect/>
-          </a:stretch>
-        </p:blipFill>
-        <p:spPr>
-          <a:xfrm>
-            <a:off x="14376400" y="1689100"/>
-            <a:ext cx="254000" cy="254000"/>
-          </a:xfrm>
-          <a:prstGeom prst="rect">
-            <a:avLst/>
-          </a:prstGeom>
-        </p:spPr>
-      </p:pic>
-      <p:sp>
-        <p:nvSpPr>
-          <p:cNvPr name="TextBox 51" id="51"/>
-          <p:cNvSpPr txBox="true"/>
-          <p:nvPr/>
-        </p:nvSpPr>
-        <p:spPr>
-          <a:xfrm>
-            <a:off x="13843000" y="2959100"/>
-            <a:ext cx="1270000" cy="444500"/>
-          </a:xfrm>
-          <a:prstGeom prst="rect">
-            <a:avLst/>
-          </a:prstGeom>
-        </p:spPr>
-        <p:txBody>
-          <a:bodyPr anchor="t" rtlCol="false"/>
-          <a:lstStyle/>
-          <a:p>
-            <a:pPr algn="ctr">
-              <a:defRPr/>
-            </a:pPr>
-            <a:r>
-              <a:rPr lang="ru-RU"/>
-              <a:t/>
-            </a:r>
-            <a:r>
-              <a:rPr lang="en-US" sz="1400">
-                <a:latin typeface="Calibri"/>
-              </a:rPr>
-              <a:t>19-Apr-20</a:t>
-            </a:r>
-            <a:br>
-              <a:rPr lang="en-US" sz="1400">
-                <a:latin typeface="Calibri"/>
-              </a:rPr>
-            </a:br>
-            <a:r>
-              <a:rPr lang="en-US" sz="1400">
-                <a:latin typeface="Calibri"/>
-              </a:rPr>
-              <a:t>19-Apr-20</a:t>
-            </a:r>
-            <a:endParaRPr lang="en-US" sz="1100"/>
-          </a:p>
-        </p:txBody>
-      </p:sp>
-      <p:sp>
-        <p:nvSpPr>
-          <p:cNvPr name="AutoShape 52" id="52"/>
-          <p:cNvSpPr/>
-          <p:nvPr/>
-        </p:nvSpPr>
-        <p:spPr>
-          <a:xfrm>
-            <a:off x="11201400" y="2438400"/>
-            <a:ext cx="203200" cy="406400"/>
-          </a:xfrm>
-          <a:prstGeom prst="roundRect">
-            <a:avLst/>
-          </a:prstGeom>
-          <a:solidFill>
-            <a:srgbClr val="00FF00"/>
-          </a:solidFill>
-          <a:ln>
-            <a:solidFill>
-              <a:srgbClr val="000000"/>
-            </a:solidFill>
-          </a:ln>
-        </p:spPr>
-        <p:txBody>
-          <a:bodyPr anchor="t" rtlCol="false" anchorCtr="true"/>
-          <a:lstStyle/>
-          <a:p>
-            <a:pPr algn="l">
-              <a:defRPr/>
-            </a:pPr>
-            <a:r>
-              <a:rPr lang="en-US"/>
-              <a:t>G</a:t>
-            </a:r>
-            <a:endParaRPr lang="en-US" sz="1100"/>
-          </a:p>
-        </p:txBody>
-      </p:sp>
-      <p:sp>
-        <p:nvSpPr>
-          <p:cNvPr name="TextBox 53" id="53"/>
-          <p:cNvSpPr txBox="true"/>
-          <p:nvPr/>
-        </p:nvSpPr>
-        <p:spPr>
-          <a:xfrm>
-            <a:off x="254000" y="3657600"/>
-            <a:ext cx="3175000" cy="215900"/>
-          </a:xfrm>
-          <a:prstGeom prst="rect">
-            <a:avLst/>
-          </a:prstGeom>
-        </p:spPr>
-        <p:txBody>
-          <a:bodyPr anchor="t" rtlCol="false"/>
-          <a:lstStyle/>
-          <a:p>
-            <a:pPr algn="l">
-              <a:defRPr/>
-            </a:pPr>
-            <a:r>
-              <a:rPr lang="ru-RU"/>
-              <a:t/>
-            </a:r>
-            <a:r>
-              <a:rPr lang="en-US" sz="1200">
-                <a:latin typeface="Calibri"/>
-              </a:rPr>
-              <a:t>* Committed dates are DR1 baseline dates</a:t>
-            </a:r>
-            <a:endParaRPr lang="en-US" sz="1100"/>
-          </a:p>
-        </p:txBody>
-      </p:sp>
-      <p:sp>
-        <p:nvSpPr>
-          <p:cNvPr name="AutoShape 54" id="54"/>
-          <p:cNvSpPr/>
-          <p:nvPr/>
-        </p:nvSpPr>
-        <p:spPr>
-          <a:xfrm>
-            <a:off x="254000" y="3911600"/>
-            <a:ext cx="15748000" cy="12700"/>
-          </a:xfrm>
-          <a:prstGeom prst="line">
-            <a:avLst/>
-          </a:prstGeom>
-          <a:ln>
-            <a:solidFill>
-              <a:srgbClr val="000000"/>
-            </a:solidFill>
-          </a:ln>
-        </p:spPr>
-      </p:sp>
-      <p:sp>
-        <p:nvSpPr>
-          <p:cNvPr name="TextBox 55" id="55"/>
-          <p:cNvSpPr txBox="true"/>
-          <p:nvPr/>
-        </p:nvSpPr>
-        <p:spPr>
-          <a:xfrm>
-            <a:off x="254000" y="3911600"/>
-            <a:ext cx="15748000" cy="4025900"/>
-          </a:xfrm>
-          <a:prstGeom prst="rect">
-            <a:avLst/>
-          </a:prstGeom>
-        </p:spPr>
-        <p:txBody>
-          <a:bodyPr anchor="t" rtlCol="false"/>
-          <a:lstStyle/>
-          <a:p>
-            <a:pPr algn="l">
-              <a:defRPr/>
-            </a:pPr>
-            <a:r>
-              <a:rPr lang="ru-RU"/>
-              <a:t/>
-            </a:r>
-            <a:endParaRPr lang="en-US" sz="1100"/>
-          </a:p>
+          <a:p/>
           <a:p>
             <a:r>
               <a:rPr lang="en-US" sz="1400" u="sng" b="true">
@@ -9031,6 +7130,47 @@
                 <a:latin typeface="Calibri"/>
               </a:rPr>
               <a:t>That`s all, folks!</a:t>
+            </a:r>
+          </a:p>
+          <a:p>
+            <a:r>
+              <a:rPr lang="en-US" sz="1400" b="true">
+                <a:solidFill>
+                  <a:srgbClr val="FF0000"/>
+                </a:solidFill>
+                <a:latin typeface="Calibri"/>
+              </a:rPr>
+              <a:t>Red Flag</a:t>
+            </a:r>
+          </a:p>
+          <a:p>
+            <a:r>
+              <a:rPr lang="en-US" sz="1400" u="sng" b="true">
+                <a:solidFill>
+                  <a:srgbClr val="00FF00"/>
+                </a:solidFill>
+                <a:latin typeface="Calibri"/>
+              </a:rPr>
+              <a:t>That`s all, folks!</a:t>
+            </a:r>
+          </a:p>
+          <a:p>
+            <a:r>
+              <a:rPr lang="en-US" sz="1400" b="true">
+                <a:solidFill>
+                  <a:srgbClr val="FFFF00"/>
+                </a:solidFill>
+                <a:latin typeface="Calibri"/>
+              </a:rPr>
+              <a:t>Yellow Flag</a:t>
+            </a:r>
+          </a:p>
+          <a:p>
+            <a:r>
+              <a:rPr lang="en-US" sz="1400">
+                <a:latin typeface="Calibri"/>
+              </a:rPr>
+              <a:t>\n" + "1PowerPoint documents are made up of a tree of records. A record may contain either other records (in which case it is a Container), or data (in which case it's an Atom). A record can't hold both. PowerPoint documents don't have one overall container record. Instead, there are a number of different container records to be found at the top level. Any numbers or strings stored in the records are always stored in Little Endian format (least important bytes first). This is the case no matter what platform the file was written on - be that a Little Endian or a Big Endian system. PowerPoint may have Escher (DDF) records embedded in it. These are always held as the children of a PPDrawing record (record type 1036). Escher records have the same format as PowerPoint records. Hello mate! Hello mate! Hello mate! Hello mate! Hello mate! Hello mate! Hello mate! Hello mate! Hello mate! This is bold and underscore and both and not true false PowerPoint documents are made up of a tree of records. A record may contain either other records (in which case it is a Container), or data (in which case it's an Atom). A record can't hold both. PowerPoint documents don't have one overall container record. Instead, there are a number of different container records to be found at the top level. Any numbers or strings stored in the records are always stored in Little Endian format (least important bytes first). This is the case no matter what platform the file was written on - be that a Little Endian or a Big Endian system. PowerPoint may have Escher (DDF) records embedded in it. These are always held as the children of a PPDrawing record (record type 1036). Escher records have the same format as PowerPoint records. A record may contain either other records (in which case it is a Container), or data (in which case it's an Atom). A record can't hold both. PowerPoint documents don't have one overall container record PowerPoint documents are made up of a tree of records. A record may contain either other records (in which case it is a Container), or data (in which case it's an Atom). A record can't hold both. PowerPoint documents don't have one overall container record. Instead, there are a number of different container records to be found at the top level. Any numbers or strings stored in the records are always stored in Little Endian format (least important bytes first). This is the case no matter what platform the file was written on - be that a Little Endian or a Big Endian system. PowerPoint may have Escher (DDF) records embedded in it. These are always held as the children of a PPDrawing record (record type 1036). Escher records have the same format as PowerPoint records. Hello mate! Hello mate! Hello mate! Hello mate! Hello mate! Hello mate! Hello mate! Hello mate! Hello mate! This is bold and underscore and both and not true false PowerPoint documents are made up of a tree of records. A record may contain either other records (in which case it is a Container), or data (in which case it's an Atom). A record can't hold both. PowerPoint documents don't have one overall container record. Instead, there are a number of different container records to be found at the top level. Any numbers or strings stored in the records are always stored in Little Endian format (least important bytes first). This is the case no matter what platform the file was written on - be that a Little Endian or a Big Endian system. PowerPoint may have Escher (DDF) records embedded in it. These are always held as the children of a PPDrawing record (record type 1036). Escher records have the same format as PowerPoint records. Hello mate! Hello mate! Hello mate! Hello mate! Hello mate! Hello mate! Hello mate! Hello mate! Hello mate! This is bold and underscore and both and not true false PowerPoint documents are made up of a tree of records. A record may contain either other records (in which case it is a Container), or data (in which case it's an Atom). A record can't hold both. PowerPoint documents don't have one overall container record documents don't have one overall container record. Instead, there are a number of different container records to be found at the top level. Any numbers or strings stored in the records are always stored in Little Endian format (least important bytes first). This is the case no matter what platform the file was written on - be that a Little Endian or a Big Endian system. PowerPoint may have Escher (DDF) records embedded in it. These are always held as the children of a PPDrawing record (record type 1036). " + "</a:t>
             </a:r>
           </a:p>
         </p:txBody>
@@ -9131,7 +7271,7 @@
               <a:rPr lang="en-US" sz="1400">
                 <a:latin typeface="Calibri"/>
               </a:rPr>
-              <a:t>16-Apr-20</a:t>
+              <a:t>18-Apr-20</a:t>
             </a:r>
             <a:endParaRPr lang="en-US" sz="1100"/>
           </a:p>
@@ -9167,7 +7307,7 @@
               <a:rPr lang="en-US" sz="1400" b="true">
                 <a:latin typeface="Calibri"/>
               </a:rPr>
-              <a:t>Test2</a:t>
+              <a:t>Summary title Summary title Summary title Summary title Summary title </a:t>
             </a:r>
             <a:endParaRPr lang="en-US" sz="1100"/>
           </a:p>
@@ -9365,16 +7505,76 @@
               <a:rPr lang="ru-RU"/>
               <a:t/>
             </a:r>
+            <a:r>
+              <a:rPr lang="en-US" sz="1400">
+                <a:solidFill>
+                  <a:srgbClr val="FF0000"/>
+                </a:solidFill>
+                <a:latin typeface="Calibri"/>
+              </a:rPr>
+              <a:t>2Escher records have the same format as PowerPoint records. Hello mate! Hello mate! Hello mate! Hello mate! Hello mate! Hello mate! Hello mate! Hello mate! Hello mate! This is bold and underscore and both and not true false PowerPoint documents are made up of a tree of records. A record may contain either other records (in which case it is a Container), or data (in which case it's an Atom). A record can't hold both. PowerPoint documents don't have one overall container record. Instead, there are a number of different container records to be found at the top level. Any numbers or strings stored in the records are always stored in Little Endian format (least important bytes first). This is the case no matter what platform the file was written on - be that a Little Endian or a Big Endian system. PowerPoint may have Escher (DDF) records embedded in it. These are always held as the children of a PPDrawing record (record type 1036). Escher records have the same format as PowerPoint records. Hello mate! Hello mate! Hello mate! Hello mate! Hello mate! Hello mate! Hello mate! Hello mate! Hello mate! This is bold and underscore and both and not true false PowerPoint documents are made up of a tree of records. A record may contain either other records (in which case it is a Container), or data (in which case it's an Atom). A record can't hold both. PowerPoint documents don't have one overall container record\n</a:t>
+            </a:r>
+            <a:r>
+              <a:rPr lang="en-US" sz="1400">
+                <a:latin typeface="Calibri"/>
+              </a:rPr>
+              <a:t>" + "</a:t>
+            </a:r>
+            <a:r>
+              <a:rPr lang="en-US" sz="1400">
+                <a:solidFill>
+                  <a:srgbClr val="00FF00"/>
+                </a:solidFill>
+                <a:latin typeface="Calibri"/>
+              </a:rPr>
+              <a:t>3Escher records have the same format as PowerPoint records. Hello mate! Hello mate! Hello mate! Hello mate! Hello mate! Hello mate! Hello mate! Hello mate! Hello mate! This is bold and underscore and both and not true false PowerPoint documents are made up of a tree of records. A record may contain either other records (in which case it is a Container), or data (in which case it's an Atom). A record can't hold both. PowerPoint documents don't have one overall container record. Instead, there are a number of different container records to be found at the top level. Any numbers or strings stored in the records are always stored in Little Endian format (least important bytes first). This is the case no matter what platform the file was written on - be that a Little Endian or a Big Endian system. PowerPoint may have Escher (DDF) records embedded in it. These are always held as the children of a PPDrawing record (record type 1036). Escher records have the same format as PowerPoint records. Hello mate! Hello mate! Hello mate! Hello mate! Hello mate! Hello mate! Hello mate! Hello mate! Hello mate! This is bold and underscore and both and not true false PowerPoint documents are made up of a tree of records. A record may contain either other records (in which case it is a Container), or data (in which case it's an Atom). A record can't hold both. PowerPoint documents don't have one overall container record\n</a:t>
+            </a:r>
+            <a:r>
+              <a:rPr lang="en-US" sz="1400">
+                <a:latin typeface="Calibri"/>
+              </a:rPr>
+              <a:t>" + "</a:t>
+            </a:r>
+            <a:r>
+              <a:rPr lang="en-US" sz="1400">
+                <a:solidFill>
+                  <a:srgbClr val="0000FF"/>
+                </a:solidFill>
+                <a:latin typeface="Calibri"/>
+              </a:rPr>
+              <a:t>4Escher records have the same format as PowerPoint records. Hello mate! Hello mate! Hello mate! Hello mate! Hello mate! Hello mate! Hello mate! Hello mate! Hello mate! This is bold and underscore and both and not true false PowerPoint documents are made up of a tree of records. A record may contain either other records (in which case it is a Container), or data (in which case it's an Atom). A record can't hold both. PowerPoint documents don't have one overall container record. Instead, there are a number of different container records to be found at the top level. Any numbers or strings stored in the records are always stored in Little Endian format (least important bytes first). This is the case no matter what platform the file was written on - be that a Little Endian or a Big Endian system. PowerPoint may have Escher (DDF) records embedded in it. These are always held as the children of a PPDrawing record (record type 1036). Escher records have the same format as PowerPoint records. Hello mate! Hello mate! Hello mate! Hello mate! Hello mate! Hello mate! Hello mate! Hello mate! Hello mate! This is bold and underscore and both and not true false PowerPoint documents are made up of a tree of records. A record may contain either other records (in which case it is a Container), or data (in which case it's an Atom). A record can't hold both. PowerPoint documents don't have one overall container record\n</a:t>
+            </a:r>
+            <a:r>
+              <a:rPr lang="en-US" sz="1400">
+                <a:latin typeface="Calibri"/>
+              </a:rPr>
+              <a:t>" + "</a:t>
+            </a:r>
             <a:endParaRPr lang="en-US" sz="1100"/>
           </a:p>
           <a:p>
             <a:r>
-              <a:rPr lang="en-US" sz="1400" b="true" u="sng">
-                <a:latin typeface="Calibri"/>
-              </a:rPr>
-              <a:t> both</a:t>
-            </a:r>
-          </a:p>
+              <a:rPr lang="en-US" sz="1400" b="true">
+                <a:solidFill>
+                  <a:srgbClr val="00FF00"/>
+                </a:solidFill>
+                <a:latin typeface="Calibri"/>
+              </a:rPr>
+              <a:t>Green Flag</a:t>
+            </a:r>
+          </a:p>
+          <a:p>
+            <a:r>
+              <a:rPr lang="en-US" sz="1400" u="sng" b="true">
+                <a:solidFill>
+                  <a:srgbClr val="00FF00"/>
+                </a:solidFill>
+                <a:latin typeface="Calibri"/>
+              </a:rPr>
+              <a:t>That`s all, folks!</a:t>
+            </a:r>
+          </a:p>
+          <a:p/>
         </p:txBody>
       </p:sp>
     </p:spTree>
@@ -9473,7 +7673,7 @@
               <a:rPr lang="en-US" sz="1400">
                 <a:latin typeface="Calibri"/>
               </a:rPr>
-              <a:t>16-Apr-20</a:t>
+              <a:t>18-Apr-20</a:t>
             </a:r>
             <a:endParaRPr lang="en-US" sz="1100"/>
           </a:p>
@@ -9509,7 +7709,7 @@
               <a:rPr lang="en-US" sz="1400" b="true">
                 <a:latin typeface="Calibri"/>
               </a:rPr>
-              <a:t>Test3</a:t>
+              <a:t>Risks</a:t>
             </a:r>
             <a:endParaRPr lang="en-US" sz="1100"/>
           </a:p>
@@ -9711,11 +7911,363 @@
           </a:p>
           <a:p>
             <a:r>
-              <a:rPr lang="en-US" sz="1400">
-                <a:latin typeface="Calibri"/>
-              </a:rPr>
-              <a:t> PowerPoint documents are made up of a tree of records. A record may contain either other records (in which case it is a Container), or data (in which case it's an Atom). A record can't hold both. PowerPoint documents don't have one overall container record. Instead, there are a number of different container records to be found at the top level. Any numbers or strings stored in the records are always stored in Little Endian format (least important bytes first). This is the case no matter what platform the file was written on - be that a Little Endian or a Big Endian system. PowerPoint may have Escher (DDF) records embedded in it. These are always held as the children of a PPDrawing record (record type 1036). Escher records have the same format as PowerPoint records. Hello mate! Hello mate! Hello mate! Hello mate! Hello mate! Hello mate! Hello mate! Hello mate! Hello mate! This is bold and underscore and both and not true false PowerPoint documents are made up of a tree of records. A record may contain either other records (in which case it is a Container), or data (in which case it's an Atom). A record can't hold both. PowerPoint documents don't have one overall container record. Instead, there are a number of different container records to be found at the top level. Any numbers or strings stored in the records are always stored in Little Endian format (least important bytes first). This is the case no matter what platform the file was written on - be that a Little Endian or a Big Endian system. PowerPoint may have Escher (DDF) records embedded in it. These are always held as the children of a PPDrawing record (record type 1036). Escher records have the same format as PowerPoint records. Hello mate! Hello mate! Hello mate! Hello mate! Hello mate! Hello mate! Hello mate! Hello mate! Hello mate! This is bold and underscore and both and not true false PowerPoint documents are made up of a tree of records. A record may contain either other records (in which case it is a Container), or data (in which case it's an Atom). A record can't hold both. PowerPoint documents don't have one overall container record PowerPoint documents are made up of a tree of records. A record may contain either other records (in which case it is a Container), or data (in which case it's an Atom). A record can't hold both. PowerPoint documents don't have one overall container record. Instead, there are a number of different container records to be found at the top level. Any numbers or strings stored in the records are always stored in Little Endian format (least important bytes first). This is the case no matter what platform the file was written on - be that a Little Endian or a Big Endian system. PowerPoint may have Escher (DDF) records embedded in it. These are always held as the children of a PPDrawing record (record type 1036). Escher records have the same format as PowerPoint records. Hello mate! Hello mate! Hello mate! Hello mate! Hello mate! Hello mate! Hello mate! Hello mate! Hello mate! This is bold and underscore and both and not true false PowerPoint documents are made up of a tree of records. A record may contain either other records (in which case it is a Container), or data (in which case it's an Atom). A record can't hold both. PowerPoint documents don't have one overall container record. Instead, there are a number of different container records to be found at the top level. Any numbers or strings stored in the records are always stored in Little Endian format (least important bytes first). This is the case no matter what platform the file was written on - be that a Little Endian or a Big Endian system. PowerPoint may have Escher (DDF) records embedded in it. These are always held as the children of a PPDrawing record (record type 1036). Escher records have the same format as PowerPoint records. Hello mate! Hello mate! Hello mate! Hello mate! Hello mate! Hello mate! Hello mate! Hello mate! Hello mate! This is bold and underscore and both and not true false PowerPoint documents are made up of a tree of records. A record may contain either other records (in which case it is a Container), or data (in which case it's an Atom). A record can't hold both. PowerPoint documents don't have one overall container record documents don't have one overall container record. Instead, there are a number of different container records to be found at the top level. Any numbers or strings stored in the records are always stored in Little Endian format (least important bytes first). This is the case no matter what platform the file was written on - be that a Little Endian or a Big Endian system. PowerPoint may have Escher (DDF) records embedded in it. These are always held as the children of a PPDrawing record (record type 1036). </a:t>
-            </a:r>
+              <a:rPr lang="en-US" sz="1400" b="true" u="sng">
+                <a:solidFill>
+                  <a:srgbClr val="FF0000"/>
+                </a:solidFill>
+                <a:latin typeface="Calibri"/>
+              </a:rPr>
+              <a:t>High Risks</a:t>
+            </a:r>
+          </a:p>
+          <a:p>
+            <a:pPr lvl="1">
+              <a:buFont typeface="Arial"/>
+              <a:buChar char="-"/>
+            </a:pPr>
+            <a:r>
+              <a:rPr lang="en-US" sz="1400" b="true">
+                <a:latin typeface="Calibri"/>
+              </a:rPr>
+              <a:t>Risk: </a:t>
+            </a:r>
+            <a:r>
+              <a:rPr lang="en-US" sz="1400">
+                <a:latin typeface="Calibri"/>
+              </a:rPr>
+              <a:t>Description High</a:t>
+            </a:r>
+            <a:br>
+              <a:rPr lang="en-US" sz="1400">
+                <a:latin typeface="Calibri"/>
+              </a:rPr>
+            </a:br>
+            <a:r>
+              <a:rPr lang="en-US" sz="1400" u="sng">
+                <a:latin typeface="Calibri"/>
+              </a:rPr>
+              <a:t>Description: </a:t>
+            </a:r>
+            <a:r>
+              <a:rPr lang="en-US" sz="1400">
+                <a:latin typeface="Calibri"/>
+              </a:rPr>
+              <a:t>Impact High</a:t>
+            </a:r>
+            <a:br>
+              <a:rPr lang="en-US" sz="1400">
+                <a:latin typeface="Calibri"/>
+              </a:rPr>
+            </a:br>
+            <a:r>
+              <a:rPr lang="en-US" sz="1400" u="sng">
+                <a:latin typeface="Calibri"/>
+              </a:rPr>
+              <a:t>Mitigation Plan: </a:t>
+            </a:r>
+            <a:r>
+              <a:rPr lang="en-US" sz="1400">
+                <a:latin typeface="Calibri"/>
+              </a:rPr>
+              <a:t>Mitigation High</a:t>
+            </a:r>
+          </a:p>
+          <a:p>
+            <a:pPr lvl="1">
+              <a:buFont typeface="Arial"/>
+              <a:buChar char="-"/>
+            </a:pPr>
+            <a:r>
+              <a:rPr lang="en-US" sz="1400" b="true">
+                <a:latin typeface="Calibri"/>
+              </a:rPr>
+              <a:t>Risk: </a:t>
+            </a:r>
+            <a:r>
+              <a:rPr lang="en-US" sz="1400">
+                <a:latin typeface="Calibri"/>
+              </a:rPr>
+              <a:t>Description High</a:t>
+            </a:r>
+            <a:br>
+              <a:rPr lang="en-US" sz="1400">
+                <a:latin typeface="Calibri"/>
+              </a:rPr>
+            </a:br>
+            <a:r>
+              <a:rPr lang="en-US" sz="1400" u="sng">
+                <a:latin typeface="Calibri"/>
+              </a:rPr>
+              <a:t>Description: </a:t>
+            </a:r>
+            <a:r>
+              <a:rPr lang="en-US" sz="1400">
+                <a:latin typeface="Calibri"/>
+              </a:rPr>
+              <a:t>Impact High</a:t>
+            </a:r>
+            <a:br>
+              <a:rPr lang="en-US" sz="1400">
+                <a:latin typeface="Calibri"/>
+              </a:rPr>
+            </a:br>
+            <a:r>
+              <a:rPr lang="en-US" sz="1400" u="sng">
+                <a:latin typeface="Calibri"/>
+              </a:rPr>
+              <a:t>Mitigation Plan: </a:t>
+            </a:r>
+            <a:r>
+              <a:rPr lang="en-US" sz="1400">
+                <a:latin typeface="Calibri"/>
+              </a:rPr>
+              <a:t>Mitigation High</a:t>
+            </a:r>
+            <a:br>
+              <a:rPr lang="en-US" sz="1400">
+                <a:latin typeface="Calibri"/>
+              </a:rPr>
+            </a:br>
+          </a:p>
+          <a:p>
+            <a:r>
+              <a:rPr lang="en-US" sz="1400" b="true" u="sng">
+                <a:solidFill>
+                  <a:srgbClr val="FFC800"/>
+                </a:solidFill>
+                <a:latin typeface="Calibri"/>
+              </a:rPr>
+              <a:t>Moderate Risks</a:t>
+            </a:r>
+          </a:p>
+          <a:p>
+            <a:pPr lvl="1">
+              <a:buFont typeface="Arial"/>
+              <a:buChar char="-"/>
+            </a:pPr>
+            <a:r>
+              <a:rPr lang="en-US" sz="1400" b="true">
+                <a:latin typeface="Calibri"/>
+              </a:rPr>
+              <a:t>Risk: </a:t>
+            </a:r>
+            <a:r>
+              <a:rPr lang="en-US" sz="1400">
+                <a:latin typeface="Calibri"/>
+              </a:rPr>
+              <a:t>Description Moderate</a:t>
+            </a:r>
+            <a:br>
+              <a:rPr lang="en-US" sz="1400">
+                <a:latin typeface="Calibri"/>
+              </a:rPr>
+            </a:br>
+            <a:r>
+              <a:rPr lang="en-US" sz="1400" u="sng">
+                <a:latin typeface="Calibri"/>
+              </a:rPr>
+              <a:t>Description: </a:t>
+            </a:r>
+            <a:r>
+              <a:rPr lang="en-US" sz="1400">
+                <a:latin typeface="Calibri"/>
+              </a:rPr>
+              <a:t>Impact Moderate</a:t>
+            </a:r>
+            <a:br>
+              <a:rPr lang="en-US" sz="1400">
+                <a:latin typeface="Calibri"/>
+              </a:rPr>
+            </a:br>
+            <a:r>
+              <a:rPr lang="en-US" sz="1400" u="sng">
+                <a:latin typeface="Calibri"/>
+              </a:rPr>
+              <a:t>Mitigation Plan: </a:t>
+            </a:r>
+            <a:r>
+              <a:rPr lang="en-US" sz="1400">
+                <a:latin typeface="Calibri"/>
+              </a:rPr>
+              <a:t>Mitigation Moderate</a:t>
+            </a:r>
+          </a:p>
+          <a:p>
+            <a:pPr lvl="1">
+              <a:buFont typeface="Arial"/>
+              <a:buChar char="-"/>
+            </a:pPr>
+            <a:r>
+              <a:rPr lang="en-US" sz="1400" b="true">
+                <a:latin typeface="Calibri"/>
+              </a:rPr>
+              <a:t>Risk: </a:t>
+            </a:r>
+            <a:r>
+              <a:rPr lang="en-US" sz="1400">
+                <a:latin typeface="Calibri"/>
+              </a:rPr>
+              <a:t>Description Moderate</a:t>
+            </a:r>
+            <a:br>
+              <a:rPr lang="en-US" sz="1400">
+                <a:latin typeface="Calibri"/>
+              </a:rPr>
+            </a:br>
+            <a:r>
+              <a:rPr lang="en-US" sz="1400" u="sng">
+                <a:latin typeface="Calibri"/>
+              </a:rPr>
+              <a:t>Description: </a:t>
+            </a:r>
+            <a:r>
+              <a:rPr lang="en-US" sz="1400">
+                <a:latin typeface="Calibri"/>
+              </a:rPr>
+              <a:t>Impact Moderate</a:t>
+            </a:r>
+            <a:br>
+              <a:rPr lang="en-US" sz="1400">
+                <a:latin typeface="Calibri"/>
+              </a:rPr>
+            </a:br>
+            <a:r>
+              <a:rPr lang="en-US" sz="1400" u="sng">
+                <a:latin typeface="Calibri"/>
+              </a:rPr>
+              <a:t>Mitigation Plan: </a:t>
+            </a:r>
+            <a:r>
+              <a:rPr lang="en-US" sz="1400">
+                <a:latin typeface="Calibri"/>
+              </a:rPr>
+              <a:t>Mitigation Moderate</a:t>
+            </a:r>
+            <a:br>
+              <a:rPr lang="en-US" sz="1400">
+                <a:latin typeface="Calibri"/>
+              </a:rPr>
+            </a:br>
+          </a:p>
+          <a:p>
+            <a:r>
+              <a:rPr lang="en-US" sz="1400" b="true" u="sng">
+                <a:solidFill>
+                  <a:srgbClr val="00FF00"/>
+                </a:solidFill>
+                <a:latin typeface="Calibri"/>
+              </a:rPr>
+              <a:t>Low Risks</a:t>
+            </a:r>
+          </a:p>
+          <a:p>
+            <a:pPr lvl="1">
+              <a:buFont typeface="Arial"/>
+              <a:buChar char="-"/>
+            </a:pPr>
+            <a:r>
+              <a:rPr lang="en-US" sz="1400" b="true">
+                <a:latin typeface="Calibri"/>
+              </a:rPr>
+              <a:t>Risk: </a:t>
+            </a:r>
+            <a:r>
+              <a:rPr lang="en-US" sz="1400">
+                <a:latin typeface="Calibri"/>
+              </a:rPr>
+              <a:t>Description Low</a:t>
+            </a:r>
+            <a:br>
+              <a:rPr lang="en-US" sz="1400">
+                <a:latin typeface="Calibri"/>
+              </a:rPr>
+            </a:br>
+            <a:r>
+              <a:rPr lang="en-US" sz="1400" u="sng">
+                <a:latin typeface="Calibri"/>
+              </a:rPr>
+              <a:t>Description: </a:t>
+            </a:r>
+            <a:r>
+              <a:rPr lang="en-US" sz="1400">
+                <a:latin typeface="Calibri"/>
+              </a:rPr>
+              <a:t>Impact Low</a:t>
+            </a:r>
+            <a:br>
+              <a:rPr lang="en-US" sz="1400">
+                <a:latin typeface="Calibri"/>
+              </a:rPr>
+            </a:br>
+            <a:r>
+              <a:rPr lang="en-US" sz="1400" u="sng">
+                <a:latin typeface="Calibri"/>
+              </a:rPr>
+              <a:t>Mitigation Plan: </a:t>
+            </a:r>
+            <a:r>
+              <a:rPr lang="en-US" sz="1400">
+                <a:latin typeface="Calibri"/>
+              </a:rPr>
+              <a:t>Mitigation Low</a:t>
+            </a:r>
+          </a:p>
+          <a:p>
+            <a:pPr lvl="1">
+              <a:buFont typeface="Arial"/>
+              <a:buChar char="-"/>
+            </a:pPr>
+            <a:r>
+              <a:rPr lang="en-US" sz="1400" b="true">
+                <a:latin typeface="Calibri"/>
+              </a:rPr>
+              <a:t>Risk: </a:t>
+            </a:r>
+            <a:r>
+              <a:rPr lang="en-US" sz="1400">
+                <a:latin typeface="Calibri"/>
+              </a:rPr>
+              <a:t>Description Low</a:t>
+            </a:r>
+            <a:br>
+              <a:rPr lang="en-US" sz="1400">
+                <a:latin typeface="Calibri"/>
+              </a:rPr>
+            </a:br>
+            <a:r>
+              <a:rPr lang="en-US" sz="1400" u="sng">
+                <a:latin typeface="Calibri"/>
+              </a:rPr>
+              <a:t>Description: </a:t>
+            </a:r>
+            <a:r>
+              <a:rPr lang="en-US" sz="1400">
+                <a:latin typeface="Calibri"/>
+              </a:rPr>
+              <a:t>Impact Low</a:t>
+            </a:r>
+            <a:br>
+              <a:rPr lang="en-US" sz="1400">
+                <a:latin typeface="Calibri"/>
+              </a:rPr>
+            </a:br>
+            <a:r>
+              <a:rPr lang="en-US" sz="1400" u="sng">
+                <a:latin typeface="Calibri"/>
+              </a:rPr>
+              <a:t>Mitigation Plan: </a:t>
+            </a:r>
+            <a:r>
+              <a:rPr lang="en-US" sz="1400">
+                <a:latin typeface="Calibri"/>
+              </a:rPr>
+              <a:t>Mitigation Low</a:t>
+            </a:r>
+            <a:br>
+              <a:rPr lang="en-US" sz="1400">
+                <a:latin typeface="Calibri"/>
+              </a:rPr>
+            </a:br>
           </a:p>
         </p:txBody>
       </p:sp>
@@ -9815,7 +8367,7 @@
               <a:rPr lang="en-US" sz="1400">
                 <a:latin typeface="Calibri"/>
               </a:rPr>
-              <a:t>16-Apr-20</a:t>
+              <a:t>18-Apr-20</a:t>
             </a:r>
             <a:endParaRPr lang="en-US" sz="1100"/>
           </a:p>
@@ -9851,7 +8403,7 @@
               <a:rPr lang="en-US" sz="1400" b="true">
                 <a:latin typeface="Calibri"/>
               </a:rPr>
-              <a:t>Test3</a:t>
+              <a:t>Scope Definition</a:t>
             </a:r>
             <a:endParaRPr lang="en-US" sz="1100"/>
           </a:p>
@@ -10049,25 +8601,367 @@
               <a:rPr lang="ru-RU"/>
               <a:t/>
             </a:r>
-            <a:r>
-              <a:rPr lang="en-US" sz="1400">
-                <a:latin typeface="Calibri"/>
-              </a:rPr>
-              <a:t>Escher records have the same format as PowerPoint records. Hello mate! Hello mate! Hello mate! Hello mate! Hello mate! Hello mate! Hello mate! Hello mate! Hello mate! This is bold and underscore and both and not true false PowerPoint documents are made up of a tree of records. A record may contain either other records (in which case it is a Container), or data (in which case it's an Atom). A record can't hold both. PowerPoint documents don't have one overall container record. Instead, there are a number of different container records to be found at the top level. Any numbers or strings stored in the records are always stored in Little Endian format (least important bytes first). This is the case no matter what platform the file was written on - be that a Little Endian or a Big Endian system. PowerPoint may have Escher (DDF) records embedded in it. These are always held as the children of a PPDrawing record (record type 1036). Escher records have the same format as PowerPoint records. Hello mate! Hello mate! Hello mate! Hello mate! Hello mate! Hello mate! Hello mate! Hello mate! Hello mate! This is bold and underscore and both and not true false PowerPoint documents are made up of a tree of records. A record may contain either other records (in which case it is a Container), or data (in which case it's an Atom). A record can't hold both. PowerPoint documents don't have one overall container record </a:t>
-            </a:r>
-            <a:r>
-              <a:rPr lang="en-US" sz="1400">
-                <a:latin typeface="Calibri"/>
-              </a:rPr>
-              <a:t>Escher records have the same format as PowerPoint records. Hello mate! Hello mate! Hello mate! Hello mate! Hello mate! Hello mate! Hello mate! Hello mate! Hello mate! This is bold and underscore and both and not true false PowerPoint documents are made up of a tree of records. A record may contain either other records (in which case it is a Container), or data (in which case it's an Atom). A record can't hold both. PowerPoint documents don't have one overall container record. Instead, there are a number of different container records to be found at the top level. Any numbers or strings stored in the records are always stored in Little Endian format (least important bytes first). This is the case no matter what platform the file was written on - be that a Little Endian or a Big Endian system. PowerPoint may have Escher (DDF) records embedded in it. These are always held as the children of a PPDrawing record (record type 1036). Escher records have the same format as PowerPoint records. Hello mate! Hello mate! Hello mate! Hello mate! Hello mate! Hello mate! Hello mate! Hello mate! Hello mate! This is bold and underscore and both and not true false PowerPoint documents are made up of a tree of records. A record may contain either other records (in which case it is a Container), or data (in which case it's an Atom). A record can't hold both. PowerPoint documents don't have one overall container record </a:t>
-            </a:r>
-            <a:r>
-              <a:rPr lang="en-US" sz="1400">
-                <a:latin typeface="Calibri"/>
-              </a:rPr>
-              <a:t>Escher records have the same format as PowerPoint records. Hello mate! Hello mate! Hello mate! Hello mate! Hello mate! Hello mate! Hello mate! Hello mate! Hello mate! This is bold and underscore and both and not true false PowerPoint documents are made up of a tree of records. A record may contain either other records (in which case it is a Container), or data (in which case it's an Atom). A record can't hold both. PowerPoint documents don't have one overall container record. Instead, there are a number of different container records to be found at the top level. Any numbers or strings stored in the records are always stored in Little Endian format (least important bytes first). This is the case no matter what platform the file was written on - be that a Little Endian or a Big Endian system. PowerPoint may have Escher (DDF) records embedded in it. These are always held as the children of a PPDrawing record (record type 1036). Escher records have the same format as PowerPoint records. Hello mate! Hello mate! Hello mate! Hello mate! Hello mate! Hello mate! Hello mate! Hello mate! Hello mate! This is bold and underscore and both and not true false PowerPoint documents are made up of a tree of records. A record may contain either other records (in which case it is a Container), or data (in which case it's an Atom). A record can't hold both. PowerPoint documents don't have one overall container record </a:t>
-            </a:r>
             <a:endParaRPr lang="en-US" sz="1100"/>
+          </a:p>
+          <a:p>
+            <a:pPr>
+              <a:buFont typeface="Arial"/>
+              <a:buChar char="-"/>
+            </a:pPr>
+            <a:r>
+              <a:rPr lang="en-US" sz="1400" b="true" u="sng">
+                <a:latin typeface="Calibri"/>
+              </a:rPr>
+              <a:t>SuperId1: </a:t>
+            </a:r>
+            <a:r>
+              <a:rPr lang="en-US" sz="1400">
+                <a:latin typeface="Calibri"/>
+              </a:rPr>
+              <a:t>Hreadline</a:t>
+            </a:r>
+            <a:r>
+              <a:rPr lang="en-US" sz="1400" u="sng">
+                <a:latin typeface="Calibri"/>
+              </a:rPr>
+              <a:t> Status: </a:t>
+            </a:r>
+            <a:r>
+              <a:rPr lang="en-US" sz="1400">
+                <a:latin typeface="Calibri"/>
+              </a:rPr>
+              <a:t>Done</a:t>
+            </a:r>
+          </a:p>
+          <a:p>
+            <a:pPr>
+              <a:buFont typeface="Arial"/>
+              <a:buChar char="-"/>
+            </a:pPr>
+            <a:r>
+              <a:rPr lang="en-US" sz="1400" b="true" u="sng">
+                <a:latin typeface="Calibri"/>
+              </a:rPr>
+              <a:t>SuperId2222: </a:t>
+            </a:r>
+            <a:r>
+              <a:rPr lang="en-US" sz="1400">
+                <a:latin typeface="Calibri"/>
+              </a:rPr>
+              <a:t>Hreadline</a:t>
+            </a:r>
+            <a:r>
+              <a:rPr lang="en-US" sz="1400" u="sng">
+                <a:latin typeface="Calibri"/>
+              </a:rPr>
+              <a:t> Status: </a:t>
+            </a:r>
+            <a:r>
+              <a:rPr lang="en-US" sz="1400">
+                <a:latin typeface="Calibri"/>
+              </a:rPr>
+              <a:t>Done</a:t>
+            </a:r>
+          </a:p>
+          <a:p>
+            <a:pPr>
+              <a:buFont typeface="Arial"/>
+              <a:buChar char="-"/>
+            </a:pPr>
+            <a:r>
+              <a:rPr lang="en-US" sz="1400" b="true" u="sng">
+                <a:latin typeface="Calibri"/>
+              </a:rPr>
+              <a:t>SuperId1: </a:t>
+            </a:r>
+            <a:r>
+              <a:rPr lang="en-US" sz="1400">
+                <a:latin typeface="Calibri"/>
+              </a:rPr>
+              <a:t>Hreadline</a:t>
+            </a:r>
+            <a:r>
+              <a:rPr lang="en-US" sz="1400" u="sng">
+                <a:latin typeface="Calibri"/>
+              </a:rPr>
+              <a:t> Status: </a:t>
+            </a:r>
+            <a:r>
+              <a:rPr lang="en-US" sz="1400">
+                <a:latin typeface="Calibri"/>
+              </a:rPr>
+              <a:t>Done</a:t>
+            </a:r>
+          </a:p>
+          <a:p>
+            <a:pPr>
+              <a:buFont typeface="Arial"/>
+              <a:buChar char="-"/>
+            </a:pPr>
+            <a:r>
+              <a:rPr lang="en-US" sz="1400" b="true" u="sng">
+                <a:latin typeface="Calibri"/>
+              </a:rPr>
+              <a:t>SuperId2222: </a:t>
+            </a:r>
+            <a:r>
+              <a:rPr lang="en-US" sz="1400">
+                <a:latin typeface="Calibri"/>
+              </a:rPr>
+              <a:t>Hreadline</a:t>
+            </a:r>
+            <a:r>
+              <a:rPr lang="en-US" sz="1400" u="sng">
+                <a:latin typeface="Calibri"/>
+              </a:rPr>
+              <a:t> Status: </a:t>
+            </a:r>
+            <a:r>
+              <a:rPr lang="en-US" sz="1400">
+                <a:latin typeface="Calibri"/>
+              </a:rPr>
+              <a:t>Done</a:t>
+            </a:r>
+          </a:p>
+          <a:p>
+            <a:pPr>
+              <a:buFont typeface="Arial"/>
+              <a:buChar char="-"/>
+            </a:pPr>
+            <a:r>
+              <a:rPr lang="en-US" sz="1400" b="true" u="sng">
+                <a:latin typeface="Calibri"/>
+              </a:rPr>
+              <a:t>SuperId1: </a:t>
+            </a:r>
+            <a:r>
+              <a:rPr lang="en-US" sz="1400">
+                <a:latin typeface="Calibri"/>
+              </a:rPr>
+              <a:t>Hreadline</a:t>
+            </a:r>
+            <a:r>
+              <a:rPr lang="en-US" sz="1400" u="sng">
+                <a:latin typeface="Calibri"/>
+              </a:rPr>
+              <a:t> Status: </a:t>
+            </a:r>
+            <a:r>
+              <a:rPr lang="en-US" sz="1400">
+                <a:latin typeface="Calibri"/>
+              </a:rPr>
+              <a:t>Done</a:t>
+            </a:r>
+          </a:p>
+          <a:p>
+            <a:pPr>
+              <a:buFont typeface="Arial"/>
+              <a:buChar char="-"/>
+            </a:pPr>
+            <a:r>
+              <a:rPr lang="en-US" sz="1400" b="true" u="sng">
+                <a:latin typeface="Calibri"/>
+              </a:rPr>
+              <a:t>SuperId2222: </a:t>
+            </a:r>
+            <a:r>
+              <a:rPr lang="en-US" sz="1400">
+                <a:latin typeface="Calibri"/>
+              </a:rPr>
+              <a:t>Hreadline</a:t>
+            </a:r>
+            <a:r>
+              <a:rPr lang="en-US" sz="1400" u="sng">
+                <a:latin typeface="Calibri"/>
+              </a:rPr>
+              <a:t> Status: </a:t>
+            </a:r>
+            <a:r>
+              <a:rPr lang="en-US" sz="1400">
+                <a:latin typeface="Calibri"/>
+              </a:rPr>
+              <a:t>Done</a:t>
+            </a:r>
+          </a:p>
+          <a:p>
+            <a:pPr>
+              <a:buFont typeface="Arial"/>
+              <a:buChar char="-"/>
+            </a:pPr>
+            <a:r>
+              <a:rPr lang="en-US" sz="1400" b="true" u="sng">
+                <a:latin typeface="Calibri"/>
+              </a:rPr>
+              <a:t>SuperId1: </a:t>
+            </a:r>
+            <a:r>
+              <a:rPr lang="en-US" sz="1400">
+                <a:latin typeface="Calibri"/>
+              </a:rPr>
+              <a:t>Hreadline</a:t>
+            </a:r>
+            <a:r>
+              <a:rPr lang="en-US" sz="1400" u="sng">
+                <a:latin typeface="Calibri"/>
+              </a:rPr>
+              <a:t> Status: </a:t>
+            </a:r>
+            <a:r>
+              <a:rPr lang="en-US" sz="1400">
+                <a:latin typeface="Calibri"/>
+              </a:rPr>
+              <a:t>Done</a:t>
+            </a:r>
+          </a:p>
+          <a:p>
+            <a:pPr>
+              <a:buFont typeface="Arial"/>
+              <a:buChar char="-"/>
+            </a:pPr>
+            <a:r>
+              <a:rPr lang="en-US" sz="1400" b="true" u="sng">
+                <a:latin typeface="Calibri"/>
+              </a:rPr>
+              <a:t>SuperId2222: </a:t>
+            </a:r>
+            <a:r>
+              <a:rPr lang="en-US" sz="1400">
+                <a:latin typeface="Calibri"/>
+              </a:rPr>
+              <a:t>Hreadline</a:t>
+            </a:r>
+            <a:r>
+              <a:rPr lang="en-US" sz="1400" u="sng">
+                <a:latin typeface="Calibri"/>
+              </a:rPr>
+              <a:t> Status: </a:t>
+            </a:r>
+            <a:r>
+              <a:rPr lang="en-US" sz="1400">
+                <a:latin typeface="Calibri"/>
+              </a:rPr>
+              <a:t>Done</a:t>
+            </a:r>
+          </a:p>
+          <a:p>
+            <a:pPr>
+              <a:buFont typeface="Arial"/>
+              <a:buChar char="-"/>
+            </a:pPr>
+            <a:r>
+              <a:rPr lang="en-US" sz="1400" b="true" u="sng">
+                <a:latin typeface="Calibri"/>
+              </a:rPr>
+              <a:t>SuperId1: </a:t>
+            </a:r>
+            <a:r>
+              <a:rPr lang="en-US" sz="1400">
+                <a:latin typeface="Calibri"/>
+              </a:rPr>
+              <a:t>Hreadline</a:t>
+            </a:r>
+            <a:r>
+              <a:rPr lang="en-US" sz="1400" u="sng">
+                <a:latin typeface="Calibri"/>
+              </a:rPr>
+              <a:t> Status: </a:t>
+            </a:r>
+            <a:r>
+              <a:rPr lang="en-US" sz="1400">
+                <a:latin typeface="Calibri"/>
+              </a:rPr>
+              <a:t>Done</a:t>
+            </a:r>
+          </a:p>
+          <a:p>
+            <a:pPr>
+              <a:buFont typeface="Arial"/>
+              <a:buChar char="-"/>
+            </a:pPr>
+            <a:r>
+              <a:rPr lang="en-US" sz="1400" b="true" u="sng">
+                <a:latin typeface="Calibri"/>
+              </a:rPr>
+              <a:t>SuperId2222: </a:t>
+            </a:r>
+            <a:r>
+              <a:rPr lang="en-US" sz="1400">
+                <a:latin typeface="Calibri"/>
+              </a:rPr>
+              <a:t>Hreadline</a:t>
+            </a:r>
+            <a:r>
+              <a:rPr lang="en-US" sz="1400" u="sng">
+                <a:latin typeface="Calibri"/>
+              </a:rPr>
+              <a:t> Status: </a:t>
+            </a:r>
+            <a:r>
+              <a:rPr lang="en-US" sz="1400">
+                <a:latin typeface="Calibri"/>
+              </a:rPr>
+              <a:t>Done</a:t>
+            </a:r>
+          </a:p>
+          <a:p>
+            <a:pPr>
+              <a:buFont typeface="Arial"/>
+              <a:buChar char="-"/>
+            </a:pPr>
+            <a:r>
+              <a:rPr lang="en-US" sz="1400" b="true" u="sng">
+                <a:latin typeface="Calibri"/>
+              </a:rPr>
+              <a:t>SuperId1: </a:t>
+            </a:r>
+            <a:r>
+              <a:rPr lang="en-US" sz="1400">
+                <a:latin typeface="Calibri"/>
+              </a:rPr>
+              <a:t>Hreadline</a:t>
+            </a:r>
+            <a:r>
+              <a:rPr lang="en-US" sz="1400" u="sng">
+                <a:latin typeface="Calibri"/>
+              </a:rPr>
+              <a:t> Status: </a:t>
+            </a:r>
+            <a:r>
+              <a:rPr lang="en-US" sz="1400">
+                <a:latin typeface="Calibri"/>
+              </a:rPr>
+              <a:t>Done</a:t>
+            </a:r>
+          </a:p>
+          <a:p>
+            <a:pPr>
+              <a:buFont typeface="Arial"/>
+              <a:buChar char="-"/>
+            </a:pPr>
+            <a:r>
+              <a:rPr lang="en-US" sz="1400" b="true" u="sng">
+                <a:latin typeface="Calibri"/>
+              </a:rPr>
+              <a:t>SuperId2222: </a:t>
+            </a:r>
+            <a:r>
+              <a:rPr lang="en-US" sz="1400">
+                <a:latin typeface="Calibri"/>
+              </a:rPr>
+              <a:t>Hreadline</a:t>
+            </a:r>
+            <a:r>
+              <a:rPr lang="en-US" sz="1400" u="sng">
+                <a:latin typeface="Calibri"/>
+              </a:rPr>
+              <a:t> Status: </a:t>
+            </a:r>
+            <a:r>
+              <a:rPr lang="en-US" sz="1400">
+                <a:latin typeface="Calibri"/>
+              </a:rPr>
+              <a:t>Done</a:t>
+            </a:r>
           </a:p>
         </p:txBody>
       </p:sp>
@@ -10167,7 +9061,7 @@
               <a:rPr lang="en-US" sz="1400">
                 <a:latin typeface="Calibri"/>
               </a:rPr>
-              <a:t>16-Apr-20</a:t>
+              <a:t>18-Apr-20</a:t>
             </a:r>
             <a:endParaRPr lang="en-US" sz="1100"/>
           </a:p>
@@ -10203,7 +9097,7 @@
               <a:rPr lang="en-US" sz="1400" b="true">
                 <a:latin typeface="Calibri"/>
               </a:rPr>
-              <a:t>Scope Definition</a:t>
+              <a:t>Other Information</a:t>
             </a:r>
             <a:endParaRPr lang="en-US" sz="1100"/>
           </a:p>
@@ -10403,366 +9297,403 @@
             </a:r>
             <a:endParaRPr lang="en-US" sz="1100"/>
           </a:p>
-          <a:p>
-            <a:pPr>
-              <a:buFont typeface="Arial"/>
-              <a:buChar char="-"/>
+          <a:p/>
+          <a:p>
+            <a:r>
+              <a:rPr lang="en-US" sz="1400" b="true">
+                <a:latin typeface="Calibri"/>
+              </a:rPr>
+              <a:t>Current Project Details</a:t>
+            </a:r>
+          </a:p>
+          <a:p>
+            <a:r>
+              <a:rPr lang="en-US" sz="1400">
+                <a:latin typeface="Calibri"/>
+              </a:rPr>
+              <a:t>\n" + "1PowerPoint documents are made up of a tree of records. A record may contain either other records (in which case it is a Container), or data (in which case it's an Atom). A record can't hold both. PowerPoint documents don't have one overall container record. Instead, there are a number of different container records to be found at the top level. Any numbers or strings stored in the records are always stored in Little Endian format (least important bytes first). This is the case no matter what platform the file was written on - be that a Little Endian or a Big Endian system. PowerPoint may have Escher (DDF) records embedded in it. These are always held as the children of a PPDrawing record (record type 1036). Escher records have the same format as PowerPoint records. Hello mate! Hello mate! Hello mate! Hello mate! Hello mate! Hello mate! Hello mate! Hello mate! Hello mate! This is bold and underscore and both and not true false PowerPoint documents are made up of a tree of records. A record may contain either other records (in which case it is a Container), or data (in which case it's an Atom). A record can't hold both. PowerPoint documents don't have one overall container record. Instead, there are a number of different container records to be found at the top level. Any numbers or strings stored in the records are always stored in Little Endian format (least important bytes first). This is the case no matter what platform the file was written on - be that a Little Endian or a Big Endian system. PowerPoint may have Escher (DDF) records embedded in it. These are always held as the children of a PPDrawing record (record type 1036). Escher records have the same format as PowerPoint records. A record may contain either other records (in which case it is a Container), or data (in which case it's an Atom). A record can't hold both. PowerPoint documents don't have one overall container record PowerPoint documents are made up of a tree of records. A record may contain either other records (in which case it is a Container), or data (in which case it's an Atom). A record can't hold both. PowerPoint documents don't have one overall container record. Instead, there are a number of different container records to be found at the top level. Any numbers or strings stored in the records are always stored in Little Endian format (least important bytes first). This is the case no matter what platform the file was written on - be that a Little Endian or a Big Endian system. PowerPoint may have Escher (DDF) records embedded in it. These are always held as the children of a PPDrawing record (record type 1036). Escher records have the same format as PowerPoint records. Hello mate! Hello mate! Hello mate! Hello mate! Hello mate! Hello mate! Hello mate! Hello mate! Hello mate! This is bold and underscore and both and not true false PowerPoint documents are made up of a tree of records. A record may contain either other records (in which case it is a Container), or data (in which case it's an Atom). A record can't hold both. PowerPoint documents don't have one overall container record. Instead, there are a number of different container records to be found at the top level. Any numbers or strings stored in the records are always stored in Little Endian format (least important bytes first). This is the case no matter what platform the file was written on - be that a Little Endian or a Big Endian system. PowerPoint may have Escher (DDF) records embedded in it. These are always held as the children of a PPDrawing record (record type 1036). Escher records have the same format as PowerPoint records. Hello mate! Hello mate! Hello mate! Hello mate! Hello mate! Hello mate! Hello mate! Hello mate! Hello mate! This is bold and underscore and both and not true false PowerPoint documents are made up of a tree of records. A record may contain either other records (in which case it is a Container), or data (in which case it's an Atom). A record can't hold both. PowerPoint documents don't have one overall container record documents don't have one overall container record. Instead, there are a number of different container records to be found at the top level. Any numbers or strings stored in the records are always stored in Little Endian format (least important bytes first). This is the case no matter what platform the file was written on - be that a Little Endian or a Big Endian system. PowerPoint may have Escher (DDF) records embedded in it. These are always held as the children of a PPDrawing record (record type 1036). " + "</a:t>
+            </a:r>
+          </a:p>
+        </p:txBody>
+      </p:sp>
+    </p:spTree>
+  </p:cSld>
+  <p:clrMapOvr>
+    <a:masterClrMapping/>
+  </p:clrMapOvr>
+</p:sld>
+</file>
+
+<file path=ppt/slides/slide7.xml><?xml version="1.0" encoding="utf-8"?>
+<p:sld xmlns:p="http://schemas.openxmlformats.org/presentationml/2006/main" xmlns:a="http://schemas.openxmlformats.org/drawingml/2006/main" xmlns:r="http://schemas.openxmlformats.org/officeDocument/2006/relationships">
+  <p:cSld>
+    <p:spTree>
+      <p:nvGrpSpPr>
+        <p:cNvPr id="1" name=""/>
+        <p:cNvGrpSpPr/>
+        <p:nvPr/>
+      </p:nvGrpSpPr>
+      <p:grpSpPr>
+        <a:xfrm>
+          <a:off x="0" y="0"/>
+          <a:ext cx="0" cy="0"/>
+          <a:chOff x="0" y="0"/>
+          <a:chExt cx="0" cy="0"/>
+        </a:xfrm>
+      </p:grpSpPr>
+      <p:sp>
+        <p:nvSpPr>
+          <p:cNvPr name="TextBox 2" id="2"/>
+          <p:cNvSpPr txBox="true"/>
+          <p:nvPr/>
+        </p:nvSpPr>
+        <p:spPr>
+          <a:xfrm>
+            <a:off x="254000" y="254000"/>
+            <a:ext cx="6350000" cy="762000"/>
+          </a:xfrm>
+          <a:prstGeom prst="rect">
+            <a:avLst/>
+          </a:prstGeom>
+        </p:spPr>
+        <p:txBody>
+          <a:bodyPr anchor="t" rtlCol="false"/>
+          <a:lstStyle/>
+          <a:p>
+            <a:pPr algn="l">
+              <a:defRPr/>
             </a:pPr>
             <a:r>
-              <a:rPr lang="en-US" sz="1400" b="true" u="sng">
-                <a:latin typeface="Calibri"/>
-              </a:rPr>
-              <a:t>SuperId1: </a:t>
-            </a:r>
-            <a:r>
-              <a:rPr lang="en-US" sz="1400">
-                <a:latin typeface="Calibri"/>
-              </a:rPr>
-              <a:t>Hreadline</a:t>
-            </a:r>
-            <a:r>
-              <a:rPr lang="en-US" sz="1400" u="sng">
-                <a:latin typeface="Calibri"/>
-              </a:rPr>
-              <a:t> Status: </a:t>
-            </a:r>
-            <a:r>
-              <a:rPr lang="en-US" sz="1400">
-                <a:latin typeface="Calibri"/>
-              </a:rPr>
-              <a:t>Done</a:t>
-            </a:r>
-          </a:p>
-          <a:p>
-            <a:pPr>
-              <a:buFont typeface="Arial"/>
-              <a:buChar char="-"/>
+              <a:rPr lang="ru-RU"/>
+              <a:t/>
+            </a:r>
+            <a:r>
+              <a:rPr lang="en-US" sz="1400" b="true">
+                <a:latin typeface="Calibri"/>
+              </a:rPr>
+              <a:t>Project name: </a:t>
+            </a:r>
+            <a:r>
+              <a:rPr lang="en-US" sz="1400">
+                <a:latin typeface="Calibri"/>
+                <a:hlinkClick r:id="rId2" tooltip="http://ya.ru"/>
+              </a:rPr>
+              <a:t>Project from Facade</a:t>
+            </a:r>
+            <a:br>
+              <a:rPr lang="en-US" sz="1400">
+                <a:latin typeface="Calibri"/>
+              </a:rPr>
+            </a:br>
+            <a:r>
+              <a:rPr lang="en-US" sz="1400" b="true">
+                <a:latin typeface="Calibri"/>
+              </a:rPr>
+              <a:t>Project manager: </a:t>
+            </a:r>
+            <a:r>
+              <a:rPr lang="en-US" sz="1400">
+                <a:latin typeface="Calibri"/>
+              </a:rPr>
+              <a:t>IKSANOV Aleksandr</a:t>
+            </a:r>
+            <a:br>
+              <a:rPr lang="en-US" sz="1400">
+                <a:latin typeface="Calibri"/>
+              </a:rPr>
+            </a:br>
+            <a:r>
+              <a:rPr lang="en-US" sz="1400" b="true">
+                <a:latin typeface="Calibri"/>
+              </a:rPr>
+              <a:t>Last Updated: </a:t>
+            </a:r>
+            <a:r>
+              <a:rPr lang="en-US" sz="1400">
+                <a:latin typeface="Calibri"/>
+              </a:rPr>
+              <a:t>18-Apr-20</a:t>
+            </a:r>
+            <a:endParaRPr lang="en-US" sz="1100"/>
+          </a:p>
+        </p:txBody>
+      </p:sp>
+      <p:sp>
+        <p:nvSpPr>
+          <p:cNvPr name="TextBox 3" id="3"/>
+          <p:cNvSpPr txBox="true"/>
+          <p:nvPr/>
+        </p:nvSpPr>
+        <p:spPr>
+          <a:xfrm>
+            <a:off x="254000" y="1244600"/>
+            <a:ext cx="15748000" cy="215900"/>
+          </a:xfrm>
+          <a:prstGeom prst="rect">
+            <a:avLst/>
+          </a:prstGeom>
+        </p:spPr>
+        <p:txBody>
+          <a:bodyPr anchor="t" rtlCol="false"/>
+          <a:lstStyle/>
+          <a:p>
+            <a:pPr algn="l">
+              <a:defRPr/>
             </a:pPr>
             <a:r>
-              <a:rPr lang="en-US" sz="1400" b="true" u="sng">
-                <a:latin typeface="Calibri"/>
-              </a:rPr>
-              <a:t>SuperId2222: </a:t>
-            </a:r>
-            <a:r>
-              <a:rPr lang="en-US" sz="1400">
-                <a:latin typeface="Calibri"/>
-              </a:rPr>
-              <a:t>Hreadline</a:t>
-            </a:r>
-            <a:r>
-              <a:rPr lang="en-US" sz="1400" u="sng">
-                <a:latin typeface="Calibri"/>
-              </a:rPr>
-              <a:t> Status: </a:t>
-            </a:r>
-            <a:r>
-              <a:rPr lang="en-US" sz="1400">
-                <a:latin typeface="Calibri"/>
-              </a:rPr>
-              <a:t>Done</a:t>
-            </a:r>
-          </a:p>
-          <a:p>
-            <a:pPr>
-              <a:buFont typeface="Arial"/>
-              <a:buChar char="-"/>
+              <a:rPr lang="ru-RU"/>
+              <a:t/>
+            </a:r>
+            <a:r>
+              <a:rPr lang="en-US" sz="1400" b="true">
+                <a:latin typeface="Calibri"/>
+              </a:rPr>
+              <a:t>Other Information</a:t>
+            </a:r>
+            <a:endParaRPr lang="en-US" sz="1100"/>
+          </a:p>
+        </p:txBody>
+      </p:sp>
+      <p:sp>
+        <p:nvSpPr>
+          <p:cNvPr name="AutoShape 4" id="4"/>
+          <p:cNvSpPr/>
+          <p:nvPr/>
+        </p:nvSpPr>
+        <p:spPr>
+          <a:xfrm>
+            <a:off x="254000" y="1562100"/>
+            <a:ext cx="15748000" cy="12700"/>
+          </a:xfrm>
+          <a:prstGeom prst="line">
+            <a:avLst/>
+          </a:prstGeom>
+          <a:ln>
+            <a:solidFill>
+              <a:srgbClr val="000000"/>
+            </a:solidFill>
+          </a:ln>
+        </p:spPr>
+      </p:sp>
+      <p:sp>
+        <p:nvSpPr>
+          <p:cNvPr name="TextBox 5" id="5"/>
+          <p:cNvSpPr txBox="true"/>
+          <p:nvPr/>
+        </p:nvSpPr>
+        <p:spPr>
+          <a:xfrm>
+            <a:off x="5905500" y="8191500"/>
+            <a:ext cx="4445000" cy="635000"/>
+          </a:xfrm>
+          <a:prstGeom prst="rect">
+            <a:avLst/>
+          </a:prstGeom>
+        </p:spPr>
+        <p:txBody>
+          <a:bodyPr anchor="t" rtlCol="false"/>
+          <a:lstStyle/>
+          <a:p>
+            <a:pPr algn="ctr">
+              <a:defRPr/>
             </a:pPr>
             <a:r>
-              <a:rPr lang="en-US" sz="1400" b="true" u="sng">
-                <a:latin typeface="Calibri"/>
-              </a:rPr>
-              <a:t>SuperId1: </a:t>
-            </a:r>
-            <a:r>
-              <a:rPr lang="en-US" sz="1400">
-                <a:latin typeface="Calibri"/>
-              </a:rPr>
-              <a:t>Hreadline</a:t>
-            </a:r>
-            <a:r>
-              <a:rPr lang="en-US" sz="1400" u="sng">
-                <a:latin typeface="Calibri"/>
-              </a:rPr>
-              <a:t> Status: </a:t>
-            </a:r>
-            <a:r>
-              <a:rPr lang="en-US" sz="1400">
-                <a:latin typeface="Calibri"/>
-              </a:rPr>
-              <a:t>Done</a:t>
-            </a:r>
-          </a:p>
-          <a:p>
-            <a:pPr>
-              <a:buFont typeface="Arial"/>
-              <a:buChar char="-"/>
+              <a:rPr lang="ru-RU"/>
+              <a:t/>
+            </a:r>
+            <a:r>
+              <a:rPr lang="en-US" sz="1200" i="true">
+                <a:solidFill>
+                  <a:srgbClr val="FF0000"/>
+                </a:solidFill>
+                <a:latin typeface="Calibri"/>
+              </a:rPr>
+              <a:t>Alcatel-Lucent Enterprise - Confidential</a:t>
+            </a:r>
+            <a:br>
+              <a:rPr lang="en-US" sz="1200" i="true">
+                <a:solidFill>
+                  <a:srgbClr val="FF0000"/>
+                </a:solidFill>
+                <a:latin typeface="Calibri"/>
+              </a:rPr>
+            </a:br>
+            <a:r>
+              <a:rPr lang="en-US" sz="1200" b="true">
+                <a:latin typeface="Calibri"/>
+              </a:rPr>
+              <a:t>Solely for authorized persons having a need to know</a:t>
+            </a:r>
+            <a:br>
+              <a:rPr lang="en-US" sz="1200" b="true">
+                <a:latin typeface="Calibri"/>
+              </a:rPr>
+            </a:br>
+            <a:r>
+              <a:rPr lang="en-US" sz="1200">
+                <a:latin typeface="Calibri"/>
+              </a:rPr>
+              <a:t>Proprietary - Use pursuant to Company Instruction</a:t>
+            </a:r>
+            <a:endParaRPr lang="en-US" sz="1100"/>
+          </a:p>
+        </p:txBody>
+      </p:sp>
+      <p:sp>
+        <p:nvSpPr>
+          <p:cNvPr name="TextBox 6" id="6"/>
+          <p:cNvSpPr txBox="true"/>
+          <p:nvPr/>
+        </p:nvSpPr>
+        <p:spPr>
+          <a:xfrm>
+            <a:off x="254000" y="8382000"/>
+            <a:ext cx="1016000" cy="215900"/>
+          </a:xfrm>
+          <a:prstGeom prst="rect">
+            <a:avLst/>
+          </a:prstGeom>
+        </p:spPr>
+        <p:txBody>
+          <a:bodyPr anchor="t" rtlCol="false"/>
+          <a:lstStyle/>
+          <a:p>
+            <a:pPr algn="l">
+              <a:defRPr/>
             </a:pPr>
             <a:r>
-              <a:rPr lang="en-US" sz="1400" b="true" u="sng">
-                <a:latin typeface="Calibri"/>
-              </a:rPr>
-              <a:t>SuperId2222: </a:t>
-            </a:r>
-            <a:r>
-              <a:rPr lang="en-US" sz="1400">
-                <a:latin typeface="Calibri"/>
-              </a:rPr>
-              <a:t>Hreadline</a:t>
-            </a:r>
-            <a:r>
-              <a:rPr lang="en-US" sz="1400" u="sng">
-                <a:latin typeface="Calibri"/>
-              </a:rPr>
-              <a:t> Status: </a:t>
-            </a:r>
-            <a:r>
-              <a:rPr lang="en-US" sz="1400">
-                <a:latin typeface="Calibri"/>
-              </a:rPr>
-              <a:t>Done</a:t>
-            </a:r>
-          </a:p>
-          <a:p>
-            <a:pPr>
-              <a:buFont typeface="Arial"/>
-              <a:buChar char="-"/>
+              <a:rPr lang="ru-RU"/>
+              <a:t/>
+            </a:r>
+            <a:r>
+              <a:rPr lang="en-US" sz="1400">
+                <a:latin typeface="Calibri"/>
+              </a:rPr>
+              <a:t>Page 7</a:t>
+            </a:r>
+            <a:endParaRPr lang="en-US" sz="1100"/>
+          </a:p>
+        </p:txBody>
+      </p:sp>
+      <p:pic>
+        <p:nvPicPr>
+          <p:cNvPr name="Picture 7" id="7"/>
+          <p:cNvPicPr>
+            <a:picLocks noChangeAspect="true"/>
+          </p:cNvPicPr>
+          <p:nvPr/>
+        </p:nvPicPr>
+        <p:blipFill>
+          <a:blip r:embed="rId3"/>
+          <a:stretch>
+            <a:fillRect/>
+          </a:stretch>
+        </p:blipFill>
+        <p:spPr>
+          <a:xfrm>
+            <a:off x="13944600" y="8318500"/>
+            <a:ext cx="2057400" cy="520700"/>
+          </a:xfrm>
+          <a:prstGeom prst="rect">
+            <a:avLst/>
+          </a:prstGeom>
+        </p:spPr>
+      </p:pic>
+      <p:sp>
+        <p:nvSpPr>
+          <p:cNvPr name="AutoShape 8" id="8"/>
+          <p:cNvSpPr/>
+          <p:nvPr/>
+        </p:nvSpPr>
+        <p:spPr>
+          <a:xfrm>
+            <a:off x="254000" y="8064500"/>
+            <a:ext cx="15748000" cy="12700"/>
+          </a:xfrm>
+          <a:prstGeom prst="line">
+            <a:avLst/>
+          </a:prstGeom>
+          <a:ln>
+            <a:solidFill>
+              <a:srgbClr val="000000"/>
+            </a:solidFill>
+          </a:ln>
+        </p:spPr>
+      </p:sp>
+      <p:sp>
+        <p:nvSpPr>
+          <p:cNvPr name="TextBox 9" id="9"/>
+          <p:cNvSpPr txBox="true"/>
+          <p:nvPr/>
+        </p:nvSpPr>
+        <p:spPr>
+          <a:xfrm>
+            <a:off x="254000" y="1562100"/>
+            <a:ext cx="15748000" cy="6375400"/>
+          </a:xfrm>
+          <a:prstGeom prst="rect">
+            <a:avLst/>
+          </a:prstGeom>
+        </p:spPr>
+        <p:txBody>
+          <a:bodyPr anchor="t" rtlCol="false"/>
+          <a:lstStyle/>
+          <a:p>
+            <a:pPr algn="l">
+              <a:defRPr/>
             </a:pPr>
             <a:r>
-              <a:rPr lang="en-US" sz="1400" b="true" u="sng">
-                <a:latin typeface="Calibri"/>
-              </a:rPr>
-              <a:t>SuperId1: </a:t>
-            </a:r>
-            <a:r>
-              <a:rPr lang="en-US" sz="1400">
-                <a:latin typeface="Calibri"/>
-              </a:rPr>
-              <a:t>Hreadline</a:t>
-            </a:r>
-            <a:r>
-              <a:rPr lang="en-US" sz="1400" u="sng">
-                <a:latin typeface="Calibri"/>
-              </a:rPr>
-              <a:t> Status: </a:t>
-            </a:r>
-            <a:r>
-              <a:rPr lang="en-US" sz="1400">
-                <a:latin typeface="Calibri"/>
-              </a:rPr>
-              <a:t>Done</a:t>
-            </a:r>
-          </a:p>
-          <a:p>
-            <a:pPr>
-              <a:buFont typeface="Arial"/>
-              <a:buChar char="-"/>
-            </a:pPr>
-            <a:r>
-              <a:rPr lang="en-US" sz="1400" b="true" u="sng">
-                <a:latin typeface="Calibri"/>
-              </a:rPr>
-              <a:t>SuperId2222: </a:t>
-            </a:r>
-            <a:r>
-              <a:rPr lang="en-US" sz="1400">
-                <a:latin typeface="Calibri"/>
-              </a:rPr>
-              <a:t>Hreadline</a:t>
-            </a:r>
-            <a:r>
-              <a:rPr lang="en-US" sz="1400" u="sng">
-                <a:latin typeface="Calibri"/>
-              </a:rPr>
-              <a:t> Status: </a:t>
-            </a:r>
-            <a:r>
-              <a:rPr lang="en-US" sz="1400">
-                <a:latin typeface="Calibri"/>
-              </a:rPr>
-              <a:t>Done</a:t>
-            </a:r>
-          </a:p>
-          <a:p>
-            <a:pPr>
-              <a:buFont typeface="Arial"/>
-              <a:buChar char="-"/>
-            </a:pPr>
-            <a:r>
-              <a:rPr lang="en-US" sz="1400" b="true" u="sng">
-                <a:latin typeface="Calibri"/>
-              </a:rPr>
-              <a:t>SuperId1: </a:t>
-            </a:r>
-            <a:r>
-              <a:rPr lang="en-US" sz="1400">
-                <a:latin typeface="Calibri"/>
-              </a:rPr>
-              <a:t>Hreadline</a:t>
-            </a:r>
-            <a:r>
-              <a:rPr lang="en-US" sz="1400" u="sng">
-                <a:latin typeface="Calibri"/>
-              </a:rPr>
-              <a:t> Status: </a:t>
-            </a:r>
-            <a:r>
-              <a:rPr lang="en-US" sz="1400">
-                <a:latin typeface="Calibri"/>
-              </a:rPr>
-              <a:t>Done</a:t>
-            </a:r>
-          </a:p>
-          <a:p>
-            <a:pPr>
-              <a:buFont typeface="Arial"/>
-              <a:buChar char="-"/>
-            </a:pPr>
-            <a:r>
-              <a:rPr lang="en-US" sz="1400" b="true" u="sng">
-                <a:latin typeface="Calibri"/>
-              </a:rPr>
-              <a:t>SuperId2222: </a:t>
-            </a:r>
-            <a:r>
-              <a:rPr lang="en-US" sz="1400">
-                <a:latin typeface="Calibri"/>
-              </a:rPr>
-              <a:t>Hreadline</a:t>
-            </a:r>
-            <a:r>
-              <a:rPr lang="en-US" sz="1400" u="sng">
-                <a:latin typeface="Calibri"/>
-              </a:rPr>
-              <a:t> Status: </a:t>
-            </a:r>
-            <a:r>
-              <a:rPr lang="en-US" sz="1400">
-                <a:latin typeface="Calibri"/>
-              </a:rPr>
-              <a:t>Done</a:t>
-            </a:r>
-          </a:p>
-          <a:p>
-            <a:pPr>
-              <a:buFont typeface="Arial"/>
-              <a:buChar char="-"/>
-            </a:pPr>
-            <a:r>
-              <a:rPr lang="en-US" sz="1400" b="true" u="sng">
-                <a:latin typeface="Calibri"/>
-              </a:rPr>
-              <a:t>SuperId1: </a:t>
-            </a:r>
-            <a:r>
-              <a:rPr lang="en-US" sz="1400">
-                <a:latin typeface="Calibri"/>
-              </a:rPr>
-              <a:t>Hreadline</a:t>
-            </a:r>
-            <a:r>
-              <a:rPr lang="en-US" sz="1400" u="sng">
-                <a:latin typeface="Calibri"/>
-              </a:rPr>
-              <a:t> Status: </a:t>
-            </a:r>
-            <a:r>
-              <a:rPr lang="en-US" sz="1400">
-                <a:latin typeface="Calibri"/>
-              </a:rPr>
-              <a:t>Done</a:t>
-            </a:r>
-          </a:p>
-          <a:p>
-            <a:pPr>
-              <a:buFont typeface="Arial"/>
-              <a:buChar char="-"/>
-            </a:pPr>
-            <a:r>
-              <a:rPr lang="en-US" sz="1400" b="true" u="sng">
-                <a:latin typeface="Calibri"/>
-              </a:rPr>
-              <a:t>SuperId2222: </a:t>
-            </a:r>
-            <a:r>
-              <a:rPr lang="en-US" sz="1400">
-                <a:latin typeface="Calibri"/>
-              </a:rPr>
-              <a:t>Hreadline</a:t>
-            </a:r>
-            <a:r>
-              <a:rPr lang="en-US" sz="1400" u="sng">
-                <a:latin typeface="Calibri"/>
-              </a:rPr>
-              <a:t> Status: </a:t>
-            </a:r>
-            <a:r>
-              <a:rPr lang="en-US" sz="1400">
-                <a:latin typeface="Calibri"/>
-              </a:rPr>
-              <a:t>Done</a:t>
-            </a:r>
-          </a:p>
-          <a:p>
-            <a:pPr>
-              <a:buFont typeface="Arial"/>
-              <a:buChar char="-"/>
-            </a:pPr>
-            <a:r>
-              <a:rPr lang="en-US" sz="1400" b="true" u="sng">
-                <a:latin typeface="Calibri"/>
-              </a:rPr>
-              <a:t>SuperId1: </a:t>
-            </a:r>
-            <a:r>
-              <a:rPr lang="en-US" sz="1400">
-                <a:latin typeface="Calibri"/>
-              </a:rPr>
-              <a:t>Hreadline</a:t>
-            </a:r>
-            <a:r>
-              <a:rPr lang="en-US" sz="1400" u="sng">
-                <a:latin typeface="Calibri"/>
-              </a:rPr>
-              <a:t> Status: </a:t>
-            </a:r>
-            <a:r>
-              <a:rPr lang="en-US" sz="1400">
-                <a:latin typeface="Calibri"/>
-              </a:rPr>
-              <a:t>Done</a:t>
-            </a:r>
-          </a:p>
-          <a:p>
-            <a:pPr>
-              <a:buFont typeface="Arial"/>
-              <a:buChar char="-"/>
-            </a:pPr>
-            <a:r>
-              <a:rPr lang="en-US" sz="1400" b="true" u="sng">
-                <a:latin typeface="Calibri"/>
-              </a:rPr>
-              <a:t>SuperId2222: </a:t>
-            </a:r>
-            <a:r>
-              <a:rPr lang="en-US" sz="1400">
-                <a:latin typeface="Calibri"/>
-              </a:rPr>
-              <a:t>Hreadline</a:t>
-            </a:r>
-            <a:r>
-              <a:rPr lang="en-US" sz="1400" u="sng">
-                <a:latin typeface="Calibri"/>
-              </a:rPr>
-              <a:t> Status: </a:t>
-            </a:r>
-            <a:r>
-              <a:rPr lang="en-US" sz="1400">
-                <a:latin typeface="Calibri"/>
-              </a:rPr>
-              <a:t>Done</a:t>
-            </a:r>
-          </a:p>
+              <a:rPr lang="ru-RU"/>
+              <a:t/>
+            </a:r>
+            <a:r>
+              <a:rPr lang="en-US" sz="1400">
+                <a:solidFill>
+                  <a:srgbClr val="FF0000"/>
+                </a:solidFill>
+                <a:latin typeface="Calibri"/>
+              </a:rPr>
+              <a:t>2Escher records have the same format as PowerPoint records. Hello mate! Hello mate! Hello mate! Hello mate! Hello mate! Hello mate! Hello mate! Hello mate! Hello mate! This is bold and underscore and both and not true false PowerPoint documents are made up of a tree of records. A record may contain either other records (in which case it is a Container), or data (in which case it's an Atom). A record can't hold both. PowerPoint documents don't have one overall container record. Instead, there are a number of different container records to be found at the top level. Any numbers or strings stored in the records are always stored in Little Endian format (least important bytes first). This is the case no matter what platform the file was written on - be that a Little Endian or a Big Endian system. PowerPoint may have Escher (DDF) records embedded in it. These are always held as the children of a PPDrawing record (record type 1036). Escher records have the same format as PowerPoint records. Hello mate! Hello mate! Hello mate! Hello mate! Hello mate! Hello mate! Hello mate! Hello mate! Hello mate! This is bold and underscore and both and not true false PowerPoint documents are made up of a tree of records. A record may contain either other records (in which case it is a Container), or data (in which case it's an Atom). A record can't hold both. PowerPoint documents don't have one overall container record\n</a:t>
+            </a:r>
+            <a:r>
+              <a:rPr lang="en-US" sz="1400">
+                <a:latin typeface="Calibri"/>
+              </a:rPr>
+              <a:t>" + "</a:t>
+            </a:r>
+            <a:r>
+              <a:rPr lang="en-US" sz="1400">
+                <a:solidFill>
+                  <a:srgbClr val="00FF00"/>
+                </a:solidFill>
+                <a:latin typeface="Calibri"/>
+              </a:rPr>
+              <a:t>3Escher records have the same format as PowerPoint records. Hello mate! Hello mate! Hello mate! Hello mate! Hello mate! Hello mate! Hello mate! Hello mate! Hello mate! This is bold and underscore and both and not true false PowerPoint documents are made up of a tree of records. A record may contain either other records (in which case it is a Container), or data (in which case it's an Atom). A record can't hold both. PowerPoint documents don't have one overall container record. Instead, there are a number of different container records to be found at the top level. Any numbers or strings stored in the records are always stored in Little Endian format (least important bytes first). This is the case no matter what platform the file was written on - be that a Little Endian or a Big Endian system. PowerPoint may have Escher (DDF) records embedded in it. These are always held as the children of a PPDrawing record (record type 1036). Escher records have the same format as PowerPoint records. Hello mate! Hello mate! Hello mate! Hello mate! Hello mate! Hello mate! Hello mate! Hello mate! Hello mate! This is bold and underscore and both and not true false PowerPoint documents are made up of a tree of records. A record may contain either other records (in which case it is a Container), or data (in which case it's an Atom). A record can't hold both. PowerPoint documents don't have one overall container record\n</a:t>
+            </a:r>
+            <a:r>
+              <a:rPr lang="en-US" sz="1400">
+                <a:latin typeface="Calibri"/>
+              </a:rPr>
+              <a:t>" + "</a:t>
+            </a:r>
+            <a:r>
+              <a:rPr lang="en-US" sz="1400">
+                <a:solidFill>
+                  <a:srgbClr val="0000FF"/>
+                </a:solidFill>
+                <a:latin typeface="Calibri"/>
+              </a:rPr>
+              <a:t>4Escher records have the same format as PowerPoint records. Hello mate! Hello mate! Hello mate! Hello mate! Hello mate! Hello mate! Hello mate! Hello mate! Hello mate! This is bold and underscore and both and not true false PowerPoint documents are made up of a tree of records. A record may contain either other records (in which case it is a Container), or data (in which case it's an Atom). A record can't hold both. PowerPoint documents don't have one overall container record. Instead, there are a number of different container records to be found at the top level. Any numbers or strings stored in the records are always stored in Little Endian format (least important bytes first). This is the case no matter what platform the file was written on - be that a Little Endian or a Big Endian system. PowerPoint may have Escher (DDF) records embedded in it. These are always held as the children of a PPDrawing record (record type 1036). Escher records have the same format as PowerPoint records. Hello mate! Hello mate! Hello mate! Hello mate! Hello mate! Hello mate! Hello mate! Hello mate! Hello mate! This is bold and underscore and both and not true false PowerPoint documents are made up of a tree of records. A record may contain either other records (in which case it is a Container), or data (in which case it's an Atom). A record can't hold both. PowerPoint documents don't have one overall container record\n</a:t>
+            </a:r>
+            <a:r>
+              <a:rPr lang="en-US" sz="1400">
+                <a:latin typeface="Calibri"/>
+              </a:rPr>
+              <a:t>" + "</a:t>
+            </a:r>
+            <a:endParaRPr lang="en-US" sz="1100"/>
+          </a:p>
+          <a:p/>
         </p:txBody>
       </p:sp>
     </p:spTree>

--- a/html-to-ppt/createMultipageIndicatorsPpt.pptx
+++ b/html-to-ppt/createMultipageIndicatorsPpt.pptx
@@ -3136,7 +3136,7 @@
               <a:rPr lang="en-US" sz="1400">
                 <a:latin typeface="Calibri"/>
               </a:rPr>
-              <a:t>18-Apr-20</a:t>
+              <a:t>20-Apr-20</a:t>
             </a:r>
             <a:endParaRPr lang="en-US" sz="1100"/>
           </a:p>
@@ -5217,7 +5217,7 @@
         </p:nvSpPr>
         <p:spPr>
           <a:xfrm>
-            <a:off x="11201400" y="2438400"/>
+            <a:off x="8890000" y="2438400"/>
             <a:ext cx="203200" cy="406400"/>
           </a:xfrm>
           <a:prstGeom prst="roundRect">
@@ -6884,7 +6884,7 @@
               <a:rPr lang="en-US" sz="1400">
                 <a:latin typeface="Calibri"/>
               </a:rPr>
-              <a:t>18-Apr-20</a:t>
+              <a:t>20-Apr-20</a:t>
             </a:r>
             <a:endParaRPr lang="en-US" sz="1100"/>
           </a:p>
@@ -7158,7 +7158,7 @@
             <a:r>
               <a:rPr lang="en-US" sz="1400" b="true">
                 <a:solidFill>
-                  <a:srgbClr val="FFFF00"/>
+                  <a:srgbClr val="FFA500"/>
                 </a:solidFill>
                 <a:latin typeface="Calibri"/>
               </a:rPr>
@@ -7271,7 +7271,7 @@
               <a:rPr lang="en-US" sz="1400">
                 <a:latin typeface="Calibri"/>
               </a:rPr>
-              <a:t>18-Apr-20</a:t>
+              <a:t>20-Apr-20</a:t>
             </a:r>
             <a:endParaRPr lang="en-US" sz="1100"/>
           </a:p>
@@ -7673,7 +7673,7 @@
               <a:rPr lang="en-US" sz="1400">
                 <a:latin typeface="Calibri"/>
               </a:rPr>
-              <a:t>18-Apr-20</a:t>
+              <a:t>20-Apr-20</a:t>
             </a:r>
             <a:endParaRPr lang="en-US" sz="1100"/>
           </a:p>
@@ -8367,7 +8367,7 @@
               <a:rPr lang="en-US" sz="1400">
                 <a:latin typeface="Calibri"/>
               </a:rPr>
-              <a:t>18-Apr-20</a:t>
+              <a:t>20-Apr-20</a:t>
             </a:r>
             <a:endParaRPr lang="en-US" sz="1100"/>
           </a:p>
@@ -9061,7 +9061,7 @@
               <a:rPr lang="en-US" sz="1400">
                 <a:latin typeface="Calibri"/>
               </a:rPr>
-              <a:t>18-Apr-20</a:t>
+              <a:t>20-Apr-20</a:t>
             </a:r>
             <a:endParaRPr lang="en-US" sz="1100"/>
           </a:p>
@@ -9412,7 +9412,7 @@
               <a:rPr lang="en-US" sz="1400">
                 <a:latin typeface="Calibri"/>
               </a:rPr>
-              <a:t>18-Apr-20</a:t>
+              <a:t>20-Apr-20</a:t>
             </a:r>
             <a:endParaRPr lang="en-US" sz="1100"/>
           </a:p>

--- a/html-to-ppt/createMultipageIndicatorsPpt.pptx
+++ b/html-to-ppt/createMultipageIndicatorsPpt.pptx
@@ -10,8 +10,6 @@
     <p:sldId id="258" r:id="rId8"/>
     <p:sldId id="259" r:id="rId9"/>
     <p:sldId id="260" r:id="rId10"/>
-    <p:sldId id="261" r:id="rId11"/>
-    <p:sldId id="262" r:id="rId12"/>
   </p:sldIdLst>
   <p:sldSz cx="16256000" cy="9144000"/>
   <p:notesSz cx="6858000" cy="9144000"/>
@@ -3100,9 +3098,9 @@
             <a:r>
               <a:rPr lang="en-US" sz="1400">
                 <a:latin typeface="Calibri"/>
-                <a:hlinkClick r:id="rId2" tooltip="http://ya.ru"/>
-              </a:rPr>
-              <a:t>Project from Facade</a:t>
+                <a:hlinkClick r:id="rId2" tooltip=""/>
+              </a:rPr>
+              <a:t/>
             </a:r>
             <a:br>
               <a:rPr lang="en-US" sz="1400">
@@ -3119,7 +3117,7 @@
               <a:rPr lang="en-US" sz="1400">
                 <a:latin typeface="Calibri"/>
               </a:rPr>
-              <a:t>IKSANOV Aleksandr</a:t>
+              <a:t/>
             </a:r>
             <a:br>
               <a:rPr lang="en-US" sz="1400">
@@ -3172,7 +3170,7 @@
               <a:rPr lang="en-US" sz="1400" b="true">
                 <a:latin typeface="Calibri"/>
               </a:rPr>
-              <a:t>Summary title Summary title Summary title Summary title Summary title </a:t>
+              <a:t/>
             </a:r>
             <a:endParaRPr lang="en-US" sz="1100"/>
           </a:p>
@@ -3595,7 +3593,7 @@
                       </a:pPr>
                       <a:r>
                         <a:rPr lang="en-US" sz="1400"/>
-                        <a:t>RED</a:t>
+                        <a:t> </a:t>
                       </a:r>
                       <a:endParaRPr lang="en-US" sz="1100"/>
                     </a:p>
@@ -3638,7 +3636,7 @@
                       <a:tailEnd type="none" w="med" len="med"/>
                     </a:lnB>
                     <a:solidFill>
-                      <a:srgbClr val="FF0000"/>
+                      <a:srgbClr val="C0C0C0"/>
                     </a:solidFill>
                   </a:tcPr>
                 </a:tc>
@@ -3652,7 +3650,7 @@
                       </a:pPr>
                       <a:r>
                         <a:rPr lang="en-US" sz="1400"/>
-                        <a:t>YELLOW</a:t>
+                        <a:t> </a:t>
                       </a:r>
                       <a:endParaRPr lang="en-US" sz="1100"/>
                     </a:p>
@@ -3695,7 +3693,7 @@
                       <a:tailEnd type="none" w="med" len="med"/>
                     </a:lnB>
                     <a:solidFill>
-                      <a:srgbClr val="FFC800"/>
+                      <a:srgbClr val="C0C0C0"/>
                     </a:solidFill>
                   </a:tcPr>
                 </a:tc>
@@ -3709,7 +3707,7 @@
                       </a:pPr>
                       <a:r>
                         <a:rPr lang="en-US" sz="1400"/>
-                        <a:t>RED</a:t>
+                        <a:t> </a:t>
                       </a:r>
                       <a:endParaRPr lang="en-US" sz="1100"/>
                     </a:p>
@@ -3752,7 +3750,7 @@
                       <a:tailEnd type="none" w="med" len="med"/>
                     </a:lnB>
                     <a:solidFill>
-                      <a:srgbClr val="FF0000"/>
+                      <a:srgbClr val="C0C0C0"/>
                     </a:solidFill>
                   </a:tcPr>
                 </a:tc>
@@ -3766,7 +3764,7 @@
                       </a:pPr>
                       <a:r>
                         <a:rPr lang="en-US" sz="1400"/>
-                        <a:t>GREEN</a:t>
+                        <a:t> </a:t>
                       </a:r>
                       <a:endParaRPr lang="en-US" sz="1100"/>
                     </a:p>
@@ -3809,7 +3807,7 @@
                       <a:tailEnd type="none" w="med" len="med"/>
                     </a:lnB>
                     <a:solidFill>
-                      <a:srgbClr val="00FF00"/>
+                      <a:srgbClr val="C0C0C0"/>
                     </a:solidFill>
                   </a:tcPr>
                 </a:tc>
@@ -3897,14 +3895,14 @@
         </p:nvSpPr>
         <p:spPr>
           <a:xfrm>
-            <a:off x="3048000" y="2527300"/>
-            <a:ext cx="25400" cy="228600"/>
+            <a:off x="8890000" y="2438400"/>
+            <a:ext cx="203200" cy="406400"/>
           </a:xfrm>
-          <a:prstGeom prst="rect">
+          <a:prstGeom prst="roundRect">
             <a:avLst/>
           </a:prstGeom>
           <a:solidFill>
-            <a:srgbClr val="000000"/>
+            <a:srgbClr val="C0C0C0"/>
           </a:solidFill>
           <a:ln>
             <a:solidFill>
@@ -3912,1326 +3910,6 @@
             </a:solidFill>
           </a:ln>
         </p:spPr>
-      </p:sp>
-      <p:sp>
-        <p:nvSpPr>
-          <p:cNvPr name="TextBox 13" id="13"/>
-          <p:cNvSpPr txBox="true"/>
-          <p:nvPr/>
-        </p:nvSpPr>
-        <p:spPr>
-          <a:xfrm>
-            <a:off x="2616200" y="2006600"/>
-            <a:ext cx="889000" cy="215900"/>
-          </a:xfrm>
-          <a:prstGeom prst="rect">
-            <a:avLst/>
-          </a:prstGeom>
-        </p:spPr>
-        <p:txBody>
-          <a:bodyPr anchor="t" rtlCol="false"/>
-          <a:lstStyle/>
-          <a:p>
-            <a:pPr algn="ctr">
-              <a:defRPr/>
-            </a:pPr>
-            <a:r>
-              <a:rPr lang="ru-RU"/>
-              <a:t/>
-            </a:r>
-            <a:r>
-              <a:rPr lang="en-US" sz="1400">
-                <a:latin typeface="Calibri"/>
-                <a:hlinkClick r:id="rId4" tooltip="http://www.google.com"/>
-              </a:rPr>
-              <a:t>DR1</a:t>
-            </a:r>
-            <a:endParaRPr lang="en-US" sz="1100"/>
-          </a:p>
-        </p:txBody>
-      </p:sp>
-      <p:pic>
-        <p:nvPicPr>
-          <p:cNvPr name="Picture 14" id="14"/>
-          <p:cNvPicPr>
-            <a:picLocks noChangeAspect="true"/>
-          </p:cNvPicPr>
-          <p:nvPr/>
-        </p:nvPicPr>
-        <p:blipFill>
-          <a:blip r:embed="rId5"/>
-          <a:stretch>
-            <a:fillRect/>
-          </a:stretch>
-        </p:blipFill>
-        <p:spPr>
-          <a:xfrm>
-            <a:off x="2946400" y="1689100"/>
-            <a:ext cx="254000" cy="254000"/>
-          </a:xfrm>
-          <a:prstGeom prst="rect">
-            <a:avLst/>
-          </a:prstGeom>
-        </p:spPr>
-      </p:pic>
-      <p:sp>
-        <p:nvSpPr>
-          <p:cNvPr name="TextBox 15" id="15"/>
-          <p:cNvSpPr txBox="true"/>
-          <p:nvPr/>
-        </p:nvSpPr>
-        <p:spPr>
-          <a:xfrm>
-            <a:off x="2413000" y="2959100"/>
-            <a:ext cx="1270000" cy="444500"/>
-          </a:xfrm>
-          <a:prstGeom prst="rect">
-            <a:avLst/>
-          </a:prstGeom>
-        </p:spPr>
-        <p:txBody>
-          <a:bodyPr anchor="t" rtlCol="false"/>
-          <a:lstStyle/>
-          <a:p>
-            <a:pPr algn="ctr">
-              <a:defRPr/>
-            </a:pPr>
-            <a:r>
-              <a:rPr lang="ru-RU"/>
-              <a:t/>
-            </a:r>
-            <a:r>
-              <a:rPr lang="en-US" sz="1400">
-                <a:latin typeface="Calibri"/>
-              </a:rPr>
-              <a:t>11-Apr-20</a:t>
-            </a:r>
-            <a:br>
-              <a:rPr lang="en-US" sz="1400">
-                <a:latin typeface="Calibri"/>
-              </a:rPr>
-            </a:br>
-            <a:r>
-              <a:rPr lang="en-US" sz="1400">
-                <a:latin typeface="Calibri"/>
-              </a:rPr>
-              <a:t>10-Apr-20</a:t>
-            </a:r>
-            <a:endParaRPr lang="en-US" sz="1100"/>
-          </a:p>
-        </p:txBody>
-      </p:sp>
-      <p:sp>
-        <p:nvSpPr>
-          <p:cNvPr name="AutoShape 16" id="16"/>
-          <p:cNvSpPr/>
-          <p:nvPr/>
-        </p:nvSpPr>
-        <p:spPr>
-          <a:xfrm>
-            <a:off x="4318000" y="2527300"/>
-            <a:ext cx="25400" cy="228600"/>
-          </a:xfrm>
-          <a:prstGeom prst="rect">
-            <a:avLst/>
-          </a:prstGeom>
-          <a:solidFill>
-            <a:srgbClr val="000000"/>
-          </a:solidFill>
-          <a:ln>
-            <a:solidFill>
-              <a:srgbClr val="000000"/>
-            </a:solidFill>
-          </a:ln>
-        </p:spPr>
-      </p:sp>
-      <p:sp>
-        <p:nvSpPr>
-          <p:cNvPr name="TextBox 17" id="17"/>
-          <p:cNvSpPr txBox="true"/>
-          <p:nvPr/>
-        </p:nvSpPr>
-        <p:spPr>
-          <a:xfrm>
-            <a:off x="3886200" y="2006600"/>
-            <a:ext cx="889000" cy="215900"/>
-          </a:xfrm>
-          <a:prstGeom prst="rect">
-            <a:avLst/>
-          </a:prstGeom>
-        </p:spPr>
-        <p:txBody>
-          <a:bodyPr anchor="t" rtlCol="false"/>
-          <a:lstStyle/>
-          <a:p>
-            <a:pPr algn="ctr">
-              <a:defRPr/>
-            </a:pPr>
-            <a:r>
-              <a:rPr lang="ru-RU"/>
-              <a:t/>
-            </a:r>
-            <a:r>
-              <a:rPr lang="en-US" sz="1400">
-                <a:latin typeface="Calibri"/>
-                <a:hlinkClick r:id="rId6" tooltip="http://www.google.com"/>
-              </a:rPr>
-              <a:t>DR2</a:t>
-            </a:r>
-            <a:endParaRPr lang="en-US" sz="1100"/>
-          </a:p>
-        </p:txBody>
-      </p:sp>
-      <p:pic>
-        <p:nvPicPr>
-          <p:cNvPr name="Picture 18" id="18"/>
-          <p:cNvPicPr>
-            <a:picLocks noChangeAspect="true"/>
-          </p:cNvPicPr>
-          <p:nvPr/>
-        </p:nvPicPr>
-        <p:blipFill>
-          <a:blip r:embed="rId7"/>
-          <a:stretch>
-            <a:fillRect/>
-          </a:stretch>
-        </p:blipFill>
-        <p:spPr>
-          <a:xfrm>
-            <a:off x="4216400" y="1689100"/>
-            <a:ext cx="254000" cy="254000"/>
-          </a:xfrm>
-          <a:prstGeom prst="rect">
-            <a:avLst/>
-          </a:prstGeom>
-        </p:spPr>
-      </p:pic>
-      <p:sp>
-        <p:nvSpPr>
-          <p:cNvPr name="TextBox 19" id="19"/>
-          <p:cNvSpPr txBox="true"/>
-          <p:nvPr/>
-        </p:nvSpPr>
-        <p:spPr>
-          <a:xfrm>
-            <a:off x="3683000" y="2959100"/>
-            <a:ext cx="1270000" cy="444500"/>
-          </a:xfrm>
-          <a:prstGeom prst="rect">
-            <a:avLst/>
-          </a:prstGeom>
-        </p:spPr>
-        <p:txBody>
-          <a:bodyPr anchor="t" rtlCol="false"/>
-          <a:lstStyle/>
-          <a:p>
-            <a:pPr algn="ctr">
-              <a:defRPr/>
-            </a:pPr>
-            <a:r>
-              <a:rPr lang="ru-RU"/>
-              <a:t/>
-            </a:r>
-            <a:r>
-              <a:rPr lang="en-US" sz="1400">
-                <a:latin typeface="Calibri"/>
-              </a:rPr>
-              <a:t>15-Apr-20</a:t>
-            </a:r>
-            <a:br>
-              <a:rPr lang="en-US" sz="1400">
-                <a:latin typeface="Calibri"/>
-              </a:rPr>
-            </a:br>
-            <a:r>
-              <a:rPr lang="en-US" sz="1400">
-                <a:latin typeface="Calibri"/>
-              </a:rPr>
-              <a:t>15-Apr-20</a:t>
-            </a:r>
-            <a:endParaRPr lang="en-US" sz="1100"/>
-          </a:p>
-        </p:txBody>
-      </p:sp>
-      <p:sp>
-        <p:nvSpPr>
-          <p:cNvPr name="AutoShape 20" id="20"/>
-          <p:cNvSpPr/>
-          <p:nvPr/>
-        </p:nvSpPr>
-        <p:spPr>
-          <a:xfrm>
-            <a:off x="5588000" y="2527300"/>
-            <a:ext cx="25400" cy="228600"/>
-          </a:xfrm>
-          <a:prstGeom prst="rect">
-            <a:avLst/>
-          </a:prstGeom>
-          <a:solidFill>
-            <a:srgbClr val="000000"/>
-          </a:solidFill>
-          <a:ln>
-            <a:solidFill>
-              <a:srgbClr val="000000"/>
-            </a:solidFill>
-          </a:ln>
-        </p:spPr>
-      </p:sp>
-      <p:sp>
-        <p:nvSpPr>
-          <p:cNvPr name="TextBox 21" id="21"/>
-          <p:cNvSpPr txBox="true"/>
-          <p:nvPr/>
-        </p:nvSpPr>
-        <p:spPr>
-          <a:xfrm>
-            <a:off x="5156200" y="2006600"/>
-            <a:ext cx="889000" cy="215900"/>
-          </a:xfrm>
-          <a:prstGeom prst="rect">
-            <a:avLst/>
-          </a:prstGeom>
-        </p:spPr>
-        <p:txBody>
-          <a:bodyPr anchor="t" rtlCol="false"/>
-          <a:lstStyle/>
-          <a:p>
-            <a:pPr algn="ctr">
-              <a:defRPr/>
-            </a:pPr>
-            <a:r>
-              <a:rPr lang="ru-RU"/>
-              <a:t/>
-            </a:r>
-            <a:r>
-              <a:rPr lang="en-US" sz="1400">
-                <a:latin typeface="Calibri"/>
-                <a:hlinkClick r:id="rId8" tooltip="http://www.google.com"/>
-              </a:rPr>
-              <a:t>DR2</a:t>
-            </a:r>
-            <a:endParaRPr lang="en-US" sz="1100"/>
-          </a:p>
-        </p:txBody>
-      </p:sp>
-      <p:pic>
-        <p:nvPicPr>
-          <p:cNvPr name="Picture 22" id="22"/>
-          <p:cNvPicPr>
-            <a:picLocks noChangeAspect="true"/>
-          </p:cNvPicPr>
-          <p:nvPr/>
-        </p:nvPicPr>
-        <p:blipFill>
-          <a:blip r:embed="rId5"/>
-          <a:stretch>
-            <a:fillRect/>
-          </a:stretch>
-        </p:blipFill>
-        <p:spPr>
-          <a:xfrm>
-            <a:off x="5486400" y="1689100"/>
-            <a:ext cx="254000" cy="254000"/>
-          </a:xfrm>
-          <a:prstGeom prst="rect">
-            <a:avLst/>
-          </a:prstGeom>
-        </p:spPr>
-      </p:pic>
-      <p:sp>
-        <p:nvSpPr>
-          <p:cNvPr name="TextBox 23" id="23"/>
-          <p:cNvSpPr txBox="true"/>
-          <p:nvPr/>
-        </p:nvSpPr>
-        <p:spPr>
-          <a:xfrm>
-            <a:off x="4953000" y="2959100"/>
-            <a:ext cx="1270000" cy="444500"/>
-          </a:xfrm>
-          <a:prstGeom prst="rect">
-            <a:avLst/>
-          </a:prstGeom>
-        </p:spPr>
-        <p:txBody>
-          <a:bodyPr anchor="t" rtlCol="false"/>
-          <a:lstStyle/>
-          <a:p>
-            <a:pPr algn="ctr">
-              <a:defRPr/>
-            </a:pPr>
-            <a:r>
-              <a:rPr lang="ru-RU"/>
-              <a:t/>
-            </a:r>
-            <a:r>
-              <a:rPr lang="en-US" sz="1400">
-                <a:latin typeface="Calibri"/>
-              </a:rPr>
-              <a:t>15-Apr-20</a:t>
-            </a:r>
-            <a:br>
-              <a:rPr lang="en-US" sz="1400">
-                <a:latin typeface="Calibri"/>
-              </a:rPr>
-            </a:br>
-            <a:r>
-              <a:rPr lang="en-US" sz="1400">
-                <a:latin typeface="Calibri"/>
-              </a:rPr>
-              <a:t>15-Apr-20</a:t>
-            </a:r>
-            <a:endParaRPr lang="en-US" sz="1100"/>
-          </a:p>
-        </p:txBody>
-      </p:sp>
-      <p:sp>
-        <p:nvSpPr>
-          <p:cNvPr name="AutoShape 24" id="24"/>
-          <p:cNvSpPr/>
-          <p:nvPr/>
-        </p:nvSpPr>
-        <p:spPr>
-          <a:xfrm>
-            <a:off x="6858000" y="2527300"/>
-            <a:ext cx="25400" cy="228600"/>
-          </a:xfrm>
-          <a:prstGeom prst="rect">
-            <a:avLst/>
-          </a:prstGeom>
-          <a:solidFill>
-            <a:srgbClr val="000000"/>
-          </a:solidFill>
-          <a:ln>
-            <a:solidFill>
-              <a:srgbClr val="000000"/>
-            </a:solidFill>
-          </a:ln>
-        </p:spPr>
-      </p:sp>
-      <p:sp>
-        <p:nvSpPr>
-          <p:cNvPr name="TextBox 25" id="25"/>
-          <p:cNvSpPr txBox="true"/>
-          <p:nvPr/>
-        </p:nvSpPr>
-        <p:spPr>
-          <a:xfrm>
-            <a:off x="6426200" y="2006600"/>
-            <a:ext cx="889000" cy="215900"/>
-          </a:xfrm>
-          <a:prstGeom prst="rect">
-            <a:avLst/>
-          </a:prstGeom>
-        </p:spPr>
-        <p:txBody>
-          <a:bodyPr anchor="t" rtlCol="false"/>
-          <a:lstStyle/>
-          <a:p>
-            <a:pPr algn="ctr">
-              <a:defRPr/>
-            </a:pPr>
-            <a:r>
-              <a:rPr lang="ru-RU"/>
-              <a:t/>
-            </a:r>
-            <a:r>
-              <a:rPr lang="en-US" sz="1400">
-                <a:latin typeface="Calibri"/>
-                <a:hlinkClick r:id="rId9" tooltip="http://www.google.com"/>
-              </a:rPr>
-              <a:t>DR2</a:t>
-            </a:r>
-            <a:endParaRPr lang="en-US" sz="1100"/>
-          </a:p>
-        </p:txBody>
-      </p:sp>
-      <p:pic>
-        <p:nvPicPr>
-          <p:cNvPr name="Picture 26" id="26"/>
-          <p:cNvPicPr>
-            <a:picLocks noChangeAspect="true"/>
-          </p:cNvPicPr>
-          <p:nvPr/>
-        </p:nvPicPr>
-        <p:blipFill>
-          <a:blip r:embed="rId5"/>
-          <a:stretch>
-            <a:fillRect/>
-          </a:stretch>
-        </p:blipFill>
-        <p:spPr>
-          <a:xfrm>
-            <a:off x="6756400" y="1689100"/>
-            <a:ext cx="254000" cy="254000"/>
-          </a:xfrm>
-          <a:prstGeom prst="rect">
-            <a:avLst/>
-          </a:prstGeom>
-        </p:spPr>
-      </p:pic>
-      <p:sp>
-        <p:nvSpPr>
-          <p:cNvPr name="TextBox 27" id="27"/>
-          <p:cNvSpPr txBox="true"/>
-          <p:nvPr/>
-        </p:nvSpPr>
-        <p:spPr>
-          <a:xfrm>
-            <a:off x="6223000" y="2959100"/>
-            <a:ext cx="1270000" cy="444500"/>
-          </a:xfrm>
-          <a:prstGeom prst="rect">
-            <a:avLst/>
-          </a:prstGeom>
-        </p:spPr>
-        <p:txBody>
-          <a:bodyPr anchor="t" rtlCol="false"/>
-          <a:lstStyle/>
-          <a:p>
-            <a:pPr algn="ctr">
-              <a:defRPr/>
-            </a:pPr>
-            <a:r>
-              <a:rPr lang="ru-RU"/>
-              <a:t/>
-            </a:r>
-            <a:r>
-              <a:rPr lang="en-US" sz="1400">
-                <a:latin typeface="Calibri"/>
-              </a:rPr>
-              <a:t>15-Apr-20</a:t>
-            </a:r>
-            <a:br>
-              <a:rPr lang="en-US" sz="1400">
-                <a:latin typeface="Calibri"/>
-              </a:rPr>
-            </a:br>
-            <a:r>
-              <a:rPr lang="en-US" sz="1400">
-                <a:latin typeface="Calibri"/>
-              </a:rPr>
-              <a:t>15-Apr-20</a:t>
-            </a:r>
-            <a:endParaRPr lang="en-US" sz="1100"/>
-          </a:p>
-        </p:txBody>
-      </p:sp>
-      <p:sp>
-        <p:nvSpPr>
-          <p:cNvPr name="AutoShape 28" id="28"/>
-          <p:cNvSpPr/>
-          <p:nvPr/>
-        </p:nvSpPr>
-        <p:spPr>
-          <a:xfrm>
-            <a:off x="8128000" y="2527300"/>
-            <a:ext cx="25400" cy="228600"/>
-          </a:xfrm>
-          <a:prstGeom prst="rect">
-            <a:avLst/>
-          </a:prstGeom>
-          <a:solidFill>
-            <a:srgbClr val="000000"/>
-          </a:solidFill>
-          <a:ln>
-            <a:solidFill>
-              <a:srgbClr val="000000"/>
-            </a:solidFill>
-          </a:ln>
-        </p:spPr>
-      </p:sp>
-      <p:sp>
-        <p:nvSpPr>
-          <p:cNvPr name="TextBox 29" id="29"/>
-          <p:cNvSpPr txBox="true"/>
-          <p:nvPr/>
-        </p:nvSpPr>
-        <p:spPr>
-          <a:xfrm>
-            <a:off x="7696200" y="2006600"/>
-            <a:ext cx="889000" cy="215900"/>
-          </a:xfrm>
-          <a:prstGeom prst="rect">
-            <a:avLst/>
-          </a:prstGeom>
-        </p:spPr>
-        <p:txBody>
-          <a:bodyPr anchor="t" rtlCol="false"/>
-          <a:lstStyle/>
-          <a:p>
-            <a:pPr algn="ctr">
-              <a:defRPr/>
-            </a:pPr>
-            <a:r>
-              <a:rPr lang="ru-RU"/>
-              <a:t/>
-            </a:r>
-            <a:r>
-              <a:rPr lang="en-US" sz="1400">
-                <a:latin typeface="Calibri"/>
-                <a:hlinkClick r:id="rId10" tooltip="http://www.google.com"/>
-              </a:rPr>
-              <a:t>DR2</a:t>
-            </a:r>
-            <a:endParaRPr lang="en-US" sz="1100"/>
-          </a:p>
-        </p:txBody>
-      </p:sp>
-      <p:pic>
-        <p:nvPicPr>
-          <p:cNvPr name="Picture 30" id="30"/>
-          <p:cNvPicPr>
-            <a:picLocks noChangeAspect="true"/>
-          </p:cNvPicPr>
-          <p:nvPr/>
-        </p:nvPicPr>
-        <p:blipFill>
-          <a:blip r:embed="rId5"/>
-          <a:stretch>
-            <a:fillRect/>
-          </a:stretch>
-        </p:blipFill>
-        <p:spPr>
-          <a:xfrm>
-            <a:off x="8026400" y="1689100"/>
-            <a:ext cx="254000" cy="254000"/>
-          </a:xfrm>
-          <a:prstGeom prst="rect">
-            <a:avLst/>
-          </a:prstGeom>
-        </p:spPr>
-      </p:pic>
-      <p:sp>
-        <p:nvSpPr>
-          <p:cNvPr name="TextBox 31" id="31"/>
-          <p:cNvSpPr txBox="true"/>
-          <p:nvPr/>
-        </p:nvSpPr>
-        <p:spPr>
-          <a:xfrm>
-            <a:off x="7493000" y="2959100"/>
-            <a:ext cx="1270000" cy="444500"/>
-          </a:xfrm>
-          <a:prstGeom prst="rect">
-            <a:avLst/>
-          </a:prstGeom>
-        </p:spPr>
-        <p:txBody>
-          <a:bodyPr anchor="t" rtlCol="false"/>
-          <a:lstStyle/>
-          <a:p>
-            <a:pPr algn="ctr">
-              <a:defRPr/>
-            </a:pPr>
-            <a:r>
-              <a:rPr lang="ru-RU"/>
-              <a:t/>
-            </a:r>
-            <a:r>
-              <a:rPr lang="en-US" sz="1400">
-                <a:latin typeface="Calibri"/>
-              </a:rPr>
-              <a:t>15-Apr-20</a:t>
-            </a:r>
-            <a:br>
-              <a:rPr lang="en-US" sz="1400">
-                <a:latin typeface="Calibri"/>
-              </a:rPr>
-            </a:br>
-            <a:r>
-              <a:rPr lang="en-US" sz="1400">
-                <a:latin typeface="Calibri"/>
-              </a:rPr>
-              <a:t>15-Apr-20</a:t>
-            </a:r>
-            <a:endParaRPr lang="en-US" sz="1100"/>
-          </a:p>
-        </p:txBody>
-      </p:sp>
-      <p:sp>
-        <p:nvSpPr>
-          <p:cNvPr name="AutoShape 32" id="32"/>
-          <p:cNvSpPr/>
-          <p:nvPr/>
-        </p:nvSpPr>
-        <p:spPr>
-          <a:xfrm>
-            <a:off x="9398000" y="2527300"/>
-            <a:ext cx="25400" cy="228600"/>
-          </a:xfrm>
-          <a:prstGeom prst="rect">
-            <a:avLst/>
-          </a:prstGeom>
-          <a:solidFill>
-            <a:srgbClr val="000000"/>
-          </a:solidFill>
-          <a:ln>
-            <a:solidFill>
-              <a:srgbClr val="000000"/>
-            </a:solidFill>
-          </a:ln>
-        </p:spPr>
-      </p:sp>
-      <p:sp>
-        <p:nvSpPr>
-          <p:cNvPr name="TextBox 33" id="33"/>
-          <p:cNvSpPr txBox="true"/>
-          <p:nvPr/>
-        </p:nvSpPr>
-        <p:spPr>
-          <a:xfrm>
-            <a:off x="8966200" y="2006600"/>
-            <a:ext cx="889000" cy="215900"/>
-          </a:xfrm>
-          <a:prstGeom prst="rect">
-            <a:avLst/>
-          </a:prstGeom>
-        </p:spPr>
-        <p:txBody>
-          <a:bodyPr anchor="t" rtlCol="false"/>
-          <a:lstStyle/>
-          <a:p>
-            <a:pPr algn="ctr">
-              <a:defRPr/>
-            </a:pPr>
-            <a:r>
-              <a:rPr lang="ru-RU"/>
-              <a:t/>
-            </a:r>
-            <a:r>
-              <a:rPr lang="en-US" sz="1400">
-                <a:latin typeface="Calibri"/>
-                <a:hlinkClick r:id="rId11" tooltip="http://www.google.com"/>
-              </a:rPr>
-              <a:t>DR2</a:t>
-            </a:r>
-            <a:endParaRPr lang="en-US" sz="1100"/>
-          </a:p>
-        </p:txBody>
-      </p:sp>
-      <p:pic>
-        <p:nvPicPr>
-          <p:cNvPr name="Picture 34" id="34"/>
-          <p:cNvPicPr>
-            <a:picLocks noChangeAspect="true"/>
-          </p:cNvPicPr>
-          <p:nvPr/>
-        </p:nvPicPr>
-        <p:blipFill>
-          <a:blip r:embed="rId5"/>
-          <a:stretch>
-            <a:fillRect/>
-          </a:stretch>
-        </p:blipFill>
-        <p:spPr>
-          <a:xfrm>
-            <a:off x="9296400" y="1689100"/>
-            <a:ext cx="254000" cy="254000"/>
-          </a:xfrm>
-          <a:prstGeom prst="rect">
-            <a:avLst/>
-          </a:prstGeom>
-        </p:spPr>
-      </p:pic>
-      <p:sp>
-        <p:nvSpPr>
-          <p:cNvPr name="TextBox 35" id="35"/>
-          <p:cNvSpPr txBox="true"/>
-          <p:nvPr/>
-        </p:nvSpPr>
-        <p:spPr>
-          <a:xfrm>
-            <a:off x="8763000" y="2959100"/>
-            <a:ext cx="1270000" cy="444500"/>
-          </a:xfrm>
-          <a:prstGeom prst="rect">
-            <a:avLst/>
-          </a:prstGeom>
-        </p:spPr>
-        <p:txBody>
-          <a:bodyPr anchor="t" rtlCol="false"/>
-          <a:lstStyle/>
-          <a:p>
-            <a:pPr algn="ctr">
-              <a:defRPr/>
-            </a:pPr>
-            <a:r>
-              <a:rPr lang="ru-RU"/>
-              <a:t/>
-            </a:r>
-            <a:r>
-              <a:rPr lang="en-US" sz="1400">
-                <a:latin typeface="Calibri"/>
-              </a:rPr>
-              <a:t>15-Apr-20</a:t>
-            </a:r>
-            <a:br>
-              <a:rPr lang="en-US" sz="1400">
-                <a:latin typeface="Calibri"/>
-              </a:rPr>
-            </a:br>
-            <a:r>
-              <a:rPr lang="en-US" sz="1400">
-                <a:latin typeface="Calibri"/>
-              </a:rPr>
-              <a:t>15-Apr-20</a:t>
-            </a:r>
-            <a:endParaRPr lang="en-US" sz="1100"/>
-          </a:p>
-        </p:txBody>
-      </p:sp>
-      <p:sp>
-        <p:nvSpPr>
-          <p:cNvPr name="AutoShape 36" id="36"/>
-          <p:cNvSpPr/>
-          <p:nvPr/>
-        </p:nvSpPr>
-        <p:spPr>
-          <a:xfrm>
-            <a:off x="10668000" y="2527300"/>
-            <a:ext cx="25400" cy="228600"/>
-          </a:xfrm>
-          <a:prstGeom prst="rect">
-            <a:avLst/>
-          </a:prstGeom>
-          <a:solidFill>
-            <a:srgbClr val="000000"/>
-          </a:solidFill>
-          <a:ln>
-            <a:solidFill>
-              <a:srgbClr val="000000"/>
-            </a:solidFill>
-          </a:ln>
-        </p:spPr>
-      </p:sp>
-      <p:sp>
-        <p:nvSpPr>
-          <p:cNvPr name="TextBox 37" id="37"/>
-          <p:cNvSpPr txBox="true"/>
-          <p:nvPr/>
-        </p:nvSpPr>
-        <p:spPr>
-          <a:xfrm>
-            <a:off x="10236200" y="2006600"/>
-            <a:ext cx="889000" cy="215900"/>
-          </a:xfrm>
-          <a:prstGeom prst="rect">
-            <a:avLst/>
-          </a:prstGeom>
-        </p:spPr>
-        <p:txBody>
-          <a:bodyPr anchor="t" rtlCol="false"/>
-          <a:lstStyle/>
-          <a:p>
-            <a:pPr algn="ctr">
-              <a:defRPr/>
-            </a:pPr>
-            <a:r>
-              <a:rPr lang="ru-RU"/>
-              <a:t/>
-            </a:r>
-            <a:r>
-              <a:rPr lang="en-US" sz="1400">
-                <a:latin typeface="Calibri"/>
-                <a:hlinkClick r:id="rId12" tooltip="http://www.google.com"/>
-              </a:rPr>
-              <a:t>DR2</a:t>
-            </a:r>
-            <a:endParaRPr lang="en-US" sz="1100"/>
-          </a:p>
-        </p:txBody>
-      </p:sp>
-      <p:pic>
-        <p:nvPicPr>
-          <p:cNvPr name="Picture 38" id="38"/>
-          <p:cNvPicPr>
-            <a:picLocks noChangeAspect="true"/>
-          </p:cNvPicPr>
-          <p:nvPr/>
-        </p:nvPicPr>
-        <p:blipFill>
-          <a:blip r:embed="rId5"/>
-          <a:stretch>
-            <a:fillRect/>
-          </a:stretch>
-        </p:blipFill>
-        <p:spPr>
-          <a:xfrm>
-            <a:off x="10566400" y="1689100"/>
-            <a:ext cx="254000" cy="254000"/>
-          </a:xfrm>
-          <a:prstGeom prst="rect">
-            <a:avLst/>
-          </a:prstGeom>
-        </p:spPr>
-      </p:pic>
-      <p:sp>
-        <p:nvSpPr>
-          <p:cNvPr name="TextBox 39" id="39"/>
-          <p:cNvSpPr txBox="true"/>
-          <p:nvPr/>
-        </p:nvSpPr>
-        <p:spPr>
-          <a:xfrm>
-            <a:off x="10033000" y="2959100"/>
-            <a:ext cx="1270000" cy="444500"/>
-          </a:xfrm>
-          <a:prstGeom prst="rect">
-            <a:avLst/>
-          </a:prstGeom>
-        </p:spPr>
-        <p:txBody>
-          <a:bodyPr anchor="t" rtlCol="false"/>
-          <a:lstStyle/>
-          <a:p>
-            <a:pPr algn="ctr">
-              <a:defRPr/>
-            </a:pPr>
-            <a:r>
-              <a:rPr lang="ru-RU"/>
-              <a:t/>
-            </a:r>
-            <a:r>
-              <a:rPr lang="en-US" sz="1400">
-                <a:latin typeface="Calibri"/>
-              </a:rPr>
-              <a:t>15-Apr-20</a:t>
-            </a:r>
-            <a:br>
-              <a:rPr lang="en-US" sz="1400">
-                <a:latin typeface="Calibri"/>
-              </a:rPr>
-            </a:br>
-            <a:r>
-              <a:rPr lang="en-US" sz="1400">
-                <a:latin typeface="Calibri"/>
-              </a:rPr>
-              <a:t>15-Apr-20</a:t>
-            </a:r>
-            <a:endParaRPr lang="en-US" sz="1100"/>
-          </a:p>
-        </p:txBody>
-      </p:sp>
-      <p:sp>
-        <p:nvSpPr>
-          <p:cNvPr name="AutoShape 40" id="40"/>
-          <p:cNvSpPr/>
-          <p:nvPr/>
-        </p:nvSpPr>
-        <p:spPr>
-          <a:xfrm>
-            <a:off x="11938000" y="2527300"/>
-            <a:ext cx="25400" cy="228600"/>
-          </a:xfrm>
-          <a:prstGeom prst="rect">
-            <a:avLst/>
-          </a:prstGeom>
-          <a:solidFill>
-            <a:srgbClr val="000000"/>
-          </a:solidFill>
-          <a:ln>
-            <a:solidFill>
-              <a:srgbClr val="000000"/>
-            </a:solidFill>
-          </a:ln>
-        </p:spPr>
-      </p:sp>
-      <p:sp>
-        <p:nvSpPr>
-          <p:cNvPr name="TextBox 41" id="41"/>
-          <p:cNvSpPr txBox="true"/>
-          <p:nvPr/>
-        </p:nvSpPr>
-        <p:spPr>
-          <a:xfrm>
-            <a:off x="11506200" y="2006600"/>
-            <a:ext cx="889000" cy="215900"/>
-          </a:xfrm>
-          <a:prstGeom prst="rect">
-            <a:avLst/>
-          </a:prstGeom>
-        </p:spPr>
-        <p:txBody>
-          <a:bodyPr anchor="t" rtlCol="false"/>
-          <a:lstStyle/>
-          <a:p>
-            <a:pPr algn="ctr">
-              <a:defRPr/>
-            </a:pPr>
-            <a:r>
-              <a:rPr lang="ru-RU"/>
-              <a:t/>
-            </a:r>
-            <a:r>
-              <a:rPr lang="en-US" sz="1400">
-                <a:latin typeface="Calibri"/>
-                <a:hlinkClick r:id="rId13" tooltip="http://www.google.com"/>
-              </a:rPr>
-              <a:t>DR3</a:t>
-            </a:r>
-            <a:endParaRPr lang="en-US" sz="1100"/>
-          </a:p>
-        </p:txBody>
-      </p:sp>
-      <p:pic>
-        <p:nvPicPr>
-          <p:cNvPr name="Picture 42" id="42"/>
-          <p:cNvPicPr>
-            <a:picLocks noChangeAspect="true"/>
-          </p:cNvPicPr>
-          <p:nvPr/>
-        </p:nvPicPr>
-        <p:blipFill>
-          <a:blip r:embed="rId7"/>
-          <a:stretch>
-            <a:fillRect/>
-          </a:stretch>
-        </p:blipFill>
-        <p:spPr>
-          <a:xfrm>
-            <a:off x="11836400" y="1689100"/>
-            <a:ext cx="254000" cy="254000"/>
-          </a:xfrm>
-          <a:prstGeom prst="rect">
-            <a:avLst/>
-          </a:prstGeom>
-        </p:spPr>
-      </p:pic>
-      <p:sp>
-        <p:nvSpPr>
-          <p:cNvPr name="TextBox 43" id="43"/>
-          <p:cNvSpPr txBox="true"/>
-          <p:nvPr/>
-        </p:nvSpPr>
-        <p:spPr>
-          <a:xfrm>
-            <a:off x="11303000" y="2959100"/>
-            <a:ext cx="1270000" cy="444500"/>
-          </a:xfrm>
-          <a:prstGeom prst="rect">
-            <a:avLst/>
-          </a:prstGeom>
-        </p:spPr>
-        <p:txBody>
-          <a:bodyPr anchor="t" rtlCol="false"/>
-          <a:lstStyle/>
-          <a:p>
-            <a:pPr algn="ctr">
-              <a:defRPr/>
-            </a:pPr>
-            <a:r>
-              <a:rPr lang="ru-RU"/>
-              <a:t/>
-            </a:r>
-            <a:r>
-              <a:rPr lang="en-US" sz="1400">
-                <a:latin typeface="Calibri"/>
-              </a:rPr>
-              <a:t>19-Apr-20</a:t>
-            </a:r>
-            <a:br>
-              <a:rPr lang="en-US" sz="1400">
-                <a:latin typeface="Calibri"/>
-              </a:rPr>
-            </a:br>
-            <a:r>
-              <a:rPr lang="en-US" sz="1400">
-                <a:latin typeface="Calibri"/>
-              </a:rPr>
-              <a:t>19-Apr-20</a:t>
-            </a:r>
-            <a:endParaRPr lang="en-US" sz="1100"/>
-          </a:p>
-        </p:txBody>
-      </p:sp>
-      <p:sp>
-        <p:nvSpPr>
-          <p:cNvPr name="AutoShape 44" id="44"/>
-          <p:cNvSpPr/>
-          <p:nvPr/>
-        </p:nvSpPr>
-        <p:spPr>
-          <a:xfrm>
-            <a:off x="13208000" y="2527300"/>
-            <a:ext cx="25400" cy="228600"/>
-          </a:xfrm>
-          <a:prstGeom prst="rect">
-            <a:avLst/>
-          </a:prstGeom>
-          <a:solidFill>
-            <a:srgbClr val="000000"/>
-          </a:solidFill>
-          <a:ln>
-            <a:solidFill>
-              <a:srgbClr val="000000"/>
-            </a:solidFill>
-          </a:ln>
-        </p:spPr>
-      </p:sp>
-      <p:sp>
-        <p:nvSpPr>
-          <p:cNvPr name="TextBox 45" id="45"/>
-          <p:cNvSpPr txBox="true"/>
-          <p:nvPr/>
-        </p:nvSpPr>
-        <p:spPr>
-          <a:xfrm>
-            <a:off x="12776200" y="2006600"/>
-            <a:ext cx="889000" cy="215900"/>
-          </a:xfrm>
-          <a:prstGeom prst="rect">
-            <a:avLst/>
-          </a:prstGeom>
-        </p:spPr>
-        <p:txBody>
-          <a:bodyPr anchor="t" rtlCol="false"/>
-          <a:lstStyle/>
-          <a:p>
-            <a:pPr algn="ctr">
-              <a:defRPr/>
-            </a:pPr>
-            <a:r>
-              <a:rPr lang="ru-RU"/>
-              <a:t/>
-            </a:r>
-            <a:r>
-              <a:rPr lang="en-US" sz="1400">
-                <a:latin typeface="Calibri"/>
-                <a:hlinkClick r:id="rId14" tooltip="http://www.google.com"/>
-              </a:rPr>
-              <a:t>DR3</a:t>
-            </a:r>
-            <a:endParaRPr lang="en-US" sz="1100"/>
-          </a:p>
-        </p:txBody>
-      </p:sp>
-      <p:pic>
-        <p:nvPicPr>
-          <p:cNvPr name="Picture 46" id="46"/>
-          <p:cNvPicPr>
-            <a:picLocks noChangeAspect="true"/>
-          </p:cNvPicPr>
-          <p:nvPr/>
-        </p:nvPicPr>
-        <p:blipFill>
-          <a:blip r:embed="rId7"/>
-          <a:stretch>
-            <a:fillRect/>
-          </a:stretch>
-        </p:blipFill>
-        <p:spPr>
-          <a:xfrm>
-            <a:off x="13106400" y="1689100"/>
-            <a:ext cx="254000" cy="254000"/>
-          </a:xfrm>
-          <a:prstGeom prst="rect">
-            <a:avLst/>
-          </a:prstGeom>
-        </p:spPr>
-      </p:pic>
-      <p:sp>
-        <p:nvSpPr>
-          <p:cNvPr name="TextBox 47" id="47"/>
-          <p:cNvSpPr txBox="true"/>
-          <p:nvPr/>
-        </p:nvSpPr>
-        <p:spPr>
-          <a:xfrm>
-            <a:off x="12573000" y="2959100"/>
-            <a:ext cx="1270000" cy="444500"/>
-          </a:xfrm>
-          <a:prstGeom prst="rect">
-            <a:avLst/>
-          </a:prstGeom>
-        </p:spPr>
-        <p:txBody>
-          <a:bodyPr anchor="t" rtlCol="false"/>
-          <a:lstStyle/>
-          <a:p>
-            <a:pPr algn="ctr">
-              <a:defRPr/>
-            </a:pPr>
-            <a:r>
-              <a:rPr lang="ru-RU"/>
-              <a:t/>
-            </a:r>
-            <a:r>
-              <a:rPr lang="en-US" sz="1400">
-                <a:latin typeface="Calibri"/>
-              </a:rPr>
-              <a:t>19-Apr-20</a:t>
-            </a:r>
-            <a:br>
-              <a:rPr lang="en-US" sz="1400">
-                <a:latin typeface="Calibri"/>
-              </a:rPr>
-            </a:br>
-            <a:r>
-              <a:rPr lang="en-US" sz="1400">
-                <a:latin typeface="Calibri"/>
-              </a:rPr>
-              <a:t>19-Apr-20</a:t>
-            </a:r>
-            <a:endParaRPr lang="en-US" sz="1100"/>
-          </a:p>
-        </p:txBody>
-      </p:sp>
-      <p:sp>
-        <p:nvSpPr>
-          <p:cNvPr name="AutoShape 48" id="48"/>
-          <p:cNvSpPr/>
-          <p:nvPr/>
-        </p:nvSpPr>
-        <p:spPr>
-          <a:xfrm>
-            <a:off x="14478000" y="2527300"/>
-            <a:ext cx="25400" cy="228600"/>
-          </a:xfrm>
-          <a:prstGeom prst="rect">
-            <a:avLst/>
-          </a:prstGeom>
-          <a:solidFill>
-            <a:srgbClr val="000000"/>
-          </a:solidFill>
-          <a:ln>
-            <a:solidFill>
-              <a:srgbClr val="000000"/>
-            </a:solidFill>
-          </a:ln>
-        </p:spPr>
-      </p:sp>
-      <p:sp>
-        <p:nvSpPr>
-          <p:cNvPr name="TextBox 49" id="49"/>
-          <p:cNvSpPr txBox="true"/>
-          <p:nvPr/>
-        </p:nvSpPr>
-        <p:spPr>
-          <a:xfrm>
-            <a:off x="14046200" y="2006600"/>
-            <a:ext cx="889000" cy="215900"/>
-          </a:xfrm>
-          <a:prstGeom prst="rect">
-            <a:avLst/>
-          </a:prstGeom>
-        </p:spPr>
-        <p:txBody>
-          <a:bodyPr anchor="t" rtlCol="false"/>
-          <a:lstStyle/>
-          <a:p>
-            <a:pPr algn="ctr">
-              <a:defRPr/>
-            </a:pPr>
-            <a:r>
-              <a:rPr lang="ru-RU"/>
-              <a:t/>
-            </a:r>
-            <a:r>
-              <a:rPr lang="en-US" sz="1400">
-                <a:latin typeface="Calibri"/>
-                <a:hlinkClick r:id="rId15" tooltip="http://www.google.com"/>
-              </a:rPr>
-              <a:t>DR3</a:t>
-            </a:r>
-            <a:endParaRPr lang="en-US" sz="1100"/>
-          </a:p>
-        </p:txBody>
-      </p:sp>
-      <p:pic>
-        <p:nvPicPr>
-          <p:cNvPr name="Picture 50" id="50"/>
-          <p:cNvPicPr>
-            <a:picLocks noChangeAspect="true"/>
-          </p:cNvPicPr>
-          <p:nvPr/>
-        </p:nvPicPr>
-        <p:blipFill>
-          <a:blip r:embed="rId7"/>
-          <a:stretch>
-            <a:fillRect/>
-          </a:stretch>
-        </p:blipFill>
-        <p:spPr>
-          <a:xfrm>
-            <a:off x="14376400" y="1689100"/>
-            <a:ext cx="254000" cy="254000"/>
-          </a:xfrm>
-          <a:prstGeom prst="rect">
-            <a:avLst/>
-          </a:prstGeom>
-        </p:spPr>
-      </p:pic>
-      <p:sp>
-        <p:nvSpPr>
-          <p:cNvPr name="TextBox 51" id="51"/>
-          <p:cNvSpPr txBox="true"/>
-          <p:nvPr/>
-        </p:nvSpPr>
-        <p:spPr>
-          <a:xfrm>
-            <a:off x="13843000" y="2959100"/>
-            <a:ext cx="1270000" cy="444500"/>
-          </a:xfrm>
-          <a:prstGeom prst="rect">
-            <a:avLst/>
-          </a:prstGeom>
-        </p:spPr>
-        <p:txBody>
-          <a:bodyPr anchor="t" rtlCol="false"/>
-          <a:lstStyle/>
-          <a:p>
-            <a:pPr algn="ctr">
-              <a:defRPr/>
-            </a:pPr>
-            <a:r>
-              <a:rPr lang="ru-RU"/>
-              <a:t/>
-            </a:r>
-            <a:r>
-              <a:rPr lang="en-US" sz="1400">
-                <a:latin typeface="Calibri"/>
-              </a:rPr>
-              <a:t>19-Apr-20</a:t>
-            </a:r>
-            <a:br>
-              <a:rPr lang="en-US" sz="1400">
-                <a:latin typeface="Calibri"/>
-              </a:rPr>
-            </a:br>
-            <a:r>
-              <a:rPr lang="en-US" sz="1400">
-                <a:latin typeface="Calibri"/>
-              </a:rPr>
-              <a:t>19-Apr-20</a:t>
-            </a:r>
-            <a:endParaRPr lang="en-US" sz="1100"/>
-          </a:p>
-        </p:txBody>
-      </p:sp>
-      <p:sp>
-        <p:nvSpPr>
-          <p:cNvPr name="AutoShape 52" id="52"/>
-          <p:cNvSpPr/>
-          <p:nvPr/>
-        </p:nvSpPr>
-        <p:spPr>
-          <a:xfrm>
-            <a:off x="8890000" y="2438400"/>
-            <a:ext cx="203200" cy="406400"/>
-          </a:xfrm>
-          <a:prstGeom prst="roundRect">
-            <a:avLst/>
-          </a:prstGeom>
-          <a:solidFill>
-            <a:srgbClr val="00FF00"/>
-          </a:solidFill>
-          <a:ln>
-            <a:solidFill>
-              <a:srgbClr val="000000"/>
-            </a:solidFill>
-          </a:ln>
-        </p:spPr>
         <p:txBody>
           <a:bodyPr anchor="t" rtlCol="false" anchorCtr="true"/>
           <a:lstStyle/>
@@ -5241,7 +3919,7 @@
             </a:pPr>
             <a:r>
               <a:rPr lang="en-US"/>
-              <a:t>G</a:t>
+              <a:t> </a:t>
             </a:r>
             <a:endParaRPr lang="en-US" sz="1100"/>
           </a:p>
@@ -5249,7 +3927,7 @@
       </p:sp>
       <p:sp>
         <p:nvSpPr>
-          <p:cNvPr name="TextBox 53" id="53"/>
+          <p:cNvPr name="TextBox 13" id="13"/>
           <p:cNvSpPr txBox="true"/>
           <p:nvPr/>
         </p:nvSpPr>
@@ -5285,7 +3963,7 @@
       </p:sp>
       <p:sp>
         <p:nvSpPr>
-          <p:cNvPr name="AutoShape 54" id="54"/>
+          <p:cNvPr name="AutoShape 14" id="14"/>
           <p:cNvSpPr/>
           <p:nvPr/>
         </p:nvSpPr>
@@ -5306,7 +3984,7 @@
       </p:sp>
       <p:graphicFrame>
         <p:nvGraphicFramePr>
-          <p:cNvPr name="Table 55" id="55"/>
+          <p:cNvPr name="Table 15" id="15"/>
           <p:cNvGraphicFramePr>
             <a:graphicFrameLocks noGrp="true"/>
           </p:cNvGraphicFramePr>
@@ -5398,7 +4076,7 @@
                         <a:rPr lang="en-US" sz="1400">
                           <a:latin typeface="Calibri"/>
                         </a:rPr>
-                        <a:t>Previous 08-Jan-19</a:t>
+                        <a:t>Previous </a:t>
                       </a:r>
                       <a:endParaRPr lang="en-US" sz="1100"/>
                     </a:p>
@@ -5457,7 +4135,7 @@
                         <a:rPr lang="en-US" sz="1400">
                           <a:latin typeface="Calibri"/>
                         </a:rPr>
-                        <a:t>Current 15-Apr-20</a:t>
+                        <a:t>Current </a:t>
                       </a:r>
                       <a:endParaRPr lang="en-US" sz="1100"/>
                     </a:p>
@@ -5635,11 +4313,11 @@
                       <a:r>
                         <a:rPr lang="en-US" sz="1400" b="true">
                           <a:solidFill>
-                            <a:srgbClr val="FF0000"/>
+                            <a:srgbClr val="C0C0C0"/>
                           </a:solidFill>
                           <a:latin typeface="Calibri"/>
                         </a:rPr>
-                        <a:t>R</a:t>
+                        <a:t> </a:t>
                       </a:r>
                       <a:endParaRPr lang="en-US" sz="1100"/>
                     </a:p>
@@ -5697,11 +4375,11 @@
                       <a:r>
                         <a:rPr lang="en-US" sz="1400" b="true">
                           <a:solidFill>
-                            <a:srgbClr val="00FF00"/>
+                            <a:srgbClr val="C0C0C0"/>
                           </a:solidFill>
                           <a:latin typeface="Calibri"/>
                         </a:rPr>
-                        <a:t>G</a:t>
+                        <a:t> </a:t>
                       </a:r>
                       <a:endParaRPr lang="en-US" sz="1100"/>
                     </a:p>
@@ -5760,7 +4438,7 @@
                         <a:rPr lang="en-US" sz="1400">
                           <a:latin typeface="Calibri"/>
                         </a:rPr>
-                        <a:t>Overall comment</a:t>
+                        <a:t/>
                       </a:r>
                       <a:endParaRPr lang="en-US" sz="1100"/>
                     </a:p>
@@ -5879,11 +4557,11 @@
                       <a:r>
                         <a:rPr lang="en-US" sz="1400" b="true">
                           <a:solidFill>
-                            <a:srgbClr val="FFC800"/>
+                            <a:srgbClr val="C0C0C0"/>
                           </a:solidFill>
                           <a:latin typeface="Calibri"/>
                         </a:rPr>
-                        <a:t>Y</a:t>
+                        <a:t> </a:t>
                       </a:r>
                       <a:endParaRPr lang="en-US" sz="1100"/>
                     </a:p>
@@ -5941,11 +4619,11 @@
                       <a:r>
                         <a:rPr lang="en-US" sz="1400" b="true">
                           <a:solidFill>
-                            <a:srgbClr val="FF0000"/>
+                            <a:srgbClr val="C0C0C0"/>
                           </a:solidFill>
                           <a:latin typeface="Calibri"/>
                         </a:rPr>
-                        <a:t>R</a:t>
+                        <a:t> </a:t>
                       </a:r>
                       <a:endParaRPr lang="en-US" sz="1100"/>
                     </a:p>
@@ -6004,7 +4682,7 @@
                         <a:rPr lang="en-US" sz="1400">
                           <a:latin typeface="Calibri"/>
                         </a:rPr>
-                        <a:t>Schedule comment</a:t>
+                        <a:t/>
                       </a:r>
                       <a:endParaRPr lang="en-US" sz="1100"/>
                     </a:p>
@@ -6123,11 +4801,11 @@
                       <a:r>
                         <a:rPr lang="en-US" sz="1400" b="true">
                           <a:solidFill>
-                            <a:srgbClr val="00FF00"/>
+                            <a:srgbClr val="C0C0C0"/>
                           </a:solidFill>
                           <a:latin typeface="Calibri"/>
                         </a:rPr>
-                        <a:t>G</a:t>
+                        <a:t> </a:t>
                       </a:r>
                       <a:endParaRPr lang="en-US" sz="1100"/>
                     </a:p>
@@ -6185,11 +4863,11 @@
                       <a:r>
                         <a:rPr lang="en-US" sz="1400" b="true">
                           <a:solidFill>
-                            <a:srgbClr val="FFC800"/>
+                            <a:srgbClr val="C0C0C0"/>
                           </a:solidFill>
                           <a:latin typeface="Calibri"/>
                         </a:rPr>
-                        <a:t>Y</a:t>
+                        <a:t> </a:t>
                       </a:r>
                       <a:endParaRPr lang="en-US" sz="1100"/>
                     </a:p>
@@ -6248,7 +4926,7 @@
                         <a:rPr lang="en-US" sz="1400">
                           <a:latin typeface="Calibri"/>
                         </a:rPr>
-                        <a:t>Scope comment</a:t>
+                        <a:t/>
                       </a:r>
                       <a:endParaRPr lang="en-US" sz="1100"/>
                     </a:p>
@@ -6367,11 +5045,11 @@
                       <a:r>
                         <a:rPr lang="en-US" sz="1400" b="true">
                           <a:solidFill>
-                            <a:srgbClr val="00FF00"/>
+                            <a:srgbClr val="C0C0C0"/>
                           </a:solidFill>
                           <a:latin typeface="Calibri"/>
                         </a:rPr>
-                        <a:t>G</a:t>
+                        <a:t> </a:t>
                       </a:r>
                       <a:endParaRPr lang="en-US" sz="1100"/>
                     </a:p>
@@ -6429,11 +5107,11 @@
                       <a:r>
                         <a:rPr lang="en-US" sz="1400" b="true">
                           <a:solidFill>
-                            <a:srgbClr val="FF0000"/>
+                            <a:srgbClr val="C0C0C0"/>
                           </a:solidFill>
                           <a:latin typeface="Calibri"/>
                         </a:rPr>
-                        <a:t>R</a:t>
+                        <a:t> </a:t>
                       </a:r>
                       <a:endParaRPr lang="en-US" sz="1100"/>
                     </a:p>
@@ -6492,7 +5170,7 @@
                         <a:rPr lang="en-US" sz="1400">
                           <a:latin typeface="Calibri"/>
                         </a:rPr>
-                        <a:t>Quality comment</a:t>
+                        <a:t/>
                       </a:r>
                       <a:endParaRPr lang="en-US" sz="1100"/>
                     </a:p>
@@ -6611,11 +5289,11 @@
                       <a:r>
                         <a:rPr lang="en-US" sz="1400" b="true">
                           <a:solidFill>
-                            <a:srgbClr val="FF0000"/>
+                            <a:srgbClr val="C0C0C0"/>
                           </a:solidFill>
                           <a:latin typeface="Calibri"/>
                         </a:rPr>
-                        <a:t>R</a:t>
+                        <a:t> </a:t>
                       </a:r>
                       <a:endParaRPr lang="en-US" sz="1100"/>
                     </a:p>
@@ -6673,11 +5351,11 @@
                       <a:r>
                         <a:rPr lang="en-US" sz="1400" b="true">
                           <a:solidFill>
-                            <a:srgbClr val="00FF00"/>
+                            <a:srgbClr val="C0C0C0"/>
                           </a:solidFill>
                           <a:latin typeface="Calibri"/>
                         </a:rPr>
-                        <a:t>G</a:t>
+                        <a:t> </a:t>
                       </a:r>
                       <a:endParaRPr lang="en-US" sz="1100"/>
                     </a:p>
@@ -6736,7 +5414,7 @@
                         <a:rPr lang="en-US" sz="1400">
                           <a:latin typeface="Calibri"/>
                         </a:rPr>
-                        <a:t>Cost comment</a:t>
+                        <a:t/>
                       </a:r>
                       <a:endParaRPr lang="en-US" sz="1100"/>
                     </a:p>
@@ -6848,9 +5526,9 @@
             <a:r>
               <a:rPr lang="en-US" sz="1400">
                 <a:latin typeface="Calibri"/>
-                <a:hlinkClick r:id="rId2" tooltip="http://ya.ru"/>
-              </a:rPr>
-              <a:t>Project from Facade</a:t>
+                <a:hlinkClick r:id="rId2" tooltip=""/>
+              </a:rPr>
+              <a:t/>
             </a:r>
             <a:br>
               <a:rPr lang="en-US" sz="1400">
@@ -6867,7 +5545,7 @@
               <a:rPr lang="en-US" sz="1400">
                 <a:latin typeface="Calibri"/>
               </a:rPr>
-              <a:t>IKSANOV Aleksandr</a:t>
+              <a:t/>
             </a:r>
             <a:br>
               <a:rPr lang="en-US" sz="1400">
@@ -6920,7 +5598,7 @@
               <a:rPr lang="en-US" sz="1400" b="true">
                 <a:latin typeface="Calibri"/>
               </a:rPr>
-              <a:t>Summary title Summary title Summary title Summary title Summary title </a:t>
+              <a:t/>
             </a:r>
             <a:endParaRPr lang="en-US" sz="1100"/>
           </a:p>
@@ -7119,59 +5797,6 @@
               <a:t/>
             </a:r>
             <a:endParaRPr lang="en-US" sz="1100"/>
-          </a:p>
-          <a:p/>
-          <a:p>
-            <a:r>
-              <a:rPr lang="en-US" sz="1400" u="sng" b="true">
-                <a:solidFill>
-                  <a:srgbClr val="00FF00"/>
-                </a:solidFill>
-                <a:latin typeface="Calibri"/>
-              </a:rPr>
-              <a:t>That`s all, folks!</a:t>
-            </a:r>
-          </a:p>
-          <a:p>
-            <a:r>
-              <a:rPr lang="en-US" sz="1400" b="true">
-                <a:solidFill>
-                  <a:srgbClr val="FF0000"/>
-                </a:solidFill>
-                <a:latin typeface="Calibri"/>
-              </a:rPr>
-              <a:t>Red Flag</a:t>
-            </a:r>
-          </a:p>
-          <a:p>
-            <a:r>
-              <a:rPr lang="en-US" sz="1400" u="sng" b="true">
-                <a:solidFill>
-                  <a:srgbClr val="00FF00"/>
-                </a:solidFill>
-                <a:latin typeface="Calibri"/>
-              </a:rPr>
-              <a:t>That`s all, folks!</a:t>
-            </a:r>
-          </a:p>
-          <a:p>
-            <a:r>
-              <a:rPr lang="en-US" sz="1400" b="true">
-                <a:solidFill>
-                  <a:srgbClr val="FFA500"/>
-                </a:solidFill>
-                <a:latin typeface="Calibri"/>
-              </a:rPr>
-              <a:t>Yellow Flag</a:t>
-            </a:r>
-          </a:p>
-          <a:p>
-            <a:r>
-              <a:rPr lang="en-US" sz="1400">
-                <a:latin typeface="Calibri"/>
-              </a:rPr>
-              <a:t>\n" + "1PowerPoint documents are made up of a tree of records. A record may contain either other records (in which case it is a Container), or data (in which case it's an Atom). A record can't hold both. PowerPoint documents don't have one overall container record. Instead, there are a number of different container records to be found at the top level. Any numbers or strings stored in the records are always stored in Little Endian format (least important bytes first). This is the case no matter what platform the file was written on - be that a Little Endian or a Big Endian system. PowerPoint may have Escher (DDF) records embedded in it. These are always held as the children of a PPDrawing record (record type 1036). Escher records have the same format as PowerPoint records. Hello mate! Hello mate! Hello mate! Hello mate! Hello mate! Hello mate! Hello mate! Hello mate! Hello mate! This is bold and underscore and both and not true false PowerPoint documents are made up of a tree of records. A record may contain either other records (in which case it is a Container), or data (in which case it's an Atom). A record can't hold both. PowerPoint documents don't have one overall container record. Instead, there are a number of different container records to be found at the top level. Any numbers or strings stored in the records are always stored in Little Endian format (least important bytes first). This is the case no matter what platform the file was written on - be that a Little Endian or a Big Endian system. PowerPoint may have Escher (DDF) records embedded in it. These are always held as the children of a PPDrawing record (record type 1036). Escher records have the same format as PowerPoint records. A record may contain either other records (in which case it is a Container), or data (in which case it's an Atom). A record can't hold both. PowerPoint documents don't have one overall container record PowerPoint documents are made up of a tree of records. A record may contain either other records (in which case it is a Container), or data (in which case it's an Atom). A record can't hold both. PowerPoint documents don't have one overall container record. Instead, there are a number of different container records to be found at the top level. Any numbers or strings stored in the records are always stored in Little Endian format (least important bytes first). This is the case no matter what platform the file was written on - be that a Little Endian or a Big Endian system. PowerPoint may have Escher (DDF) records embedded in it. These are always held as the children of a PPDrawing record (record type 1036). Escher records have the same format as PowerPoint records. Hello mate! Hello mate! Hello mate! Hello mate! Hello mate! Hello mate! Hello mate! Hello mate! Hello mate! This is bold and underscore and both and not true false PowerPoint documents are made up of a tree of records. A record may contain either other records (in which case it is a Container), or data (in which case it's an Atom). A record can't hold both. PowerPoint documents don't have one overall container record. Instead, there are a number of different container records to be found at the top level. Any numbers or strings stored in the records are always stored in Little Endian format (least important bytes first). This is the case no matter what platform the file was written on - be that a Little Endian or a Big Endian system. PowerPoint may have Escher (DDF) records embedded in it. These are always held as the children of a PPDrawing record (record type 1036). Escher records have the same format as PowerPoint records. Hello mate! Hello mate! Hello mate! Hello mate! Hello mate! Hello mate! Hello mate! Hello mate! Hello mate! This is bold and underscore and both and not true false PowerPoint documents are made up of a tree of records. A record may contain either other records (in which case it is a Container), or data (in which case it's an Atom). A record can't hold both. PowerPoint documents don't have one overall container record documents don't have one overall container record. Instead, there are a number of different container records to be found at the top level. Any numbers or strings stored in the records are always stored in Little Endian format (least important bytes first). This is the case no matter what platform the file was written on - be that a Little Endian or a Big Endian system. PowerPoint may have Escher (DDF) records embedded in it. These are always held as the children of a PPDrawing record (record type 1036). " + "</a:t>
-            </a:r>
           </a:p>
         </p:txBody>
       </p:sp>
@@ -7235,9 +5860,9 @@
             <a:r>
               <a:rPr lang="en-US" sz="1400">
                 <a:latin typeface="Calibri"/>
-                <a:hlinkClick r:id="rId2" tooltip="http://ya.ru"/>
-              </a:rPr>
-              <a:t>Project from Facade</a:t>
+                <a:hlinkClick r:id="rId2" tooltip=""/>
+              </a:rPr>
+              <a:t/>
             </a:r>
             <a:br>
               <a:rPr lang="en-US" sz="1400">
@@ -7254,7 +5879,7 @@
               <a:rPr lang="en-US" sz="1400">
                 <a:latin typeface="Calibri"/>
               </a:rPr>
-              <a:t>IKSANOV Aleksandr</a:t>
+              <a:t/>
             </a:r>
             <a:br>
               <a:rPr lang="en-US" sz="1400">
@@ -7307,7 +5932,7 @@
               <a:rPr lang="en-US" sz="1400" b="true">
                 <a:latin typeface="Calibri"/>
               </a:rPr>
-              <a:t>Summary title Summary title Summary title Summary title Summary title </a:t>
+              <a:t>Risks</a:t>
             </a:r>
             <a:endParaRPr lang="en-US" sz="1100"/>
           </a:p>
@@ -7505,76 +6130,8 @@
               <a:rPr lang="ru-RU"/>
               <a:t/>
             </a:r>
-            <a:r>
-              <a:rPr lang="en-US" sz="1400">
-                <a:solidFill>
-                  <a:srgbClr val="FF0000"/>
-                </a:solidFill>
-                <a:latin typeface="Calibri"/>
-              </a:rPr>
-              <a:t>2Escher records have the same format as PowerPoint records. Hello mate! Hello mate! Hello mate! Hello mate! Hello mate! Hello mate! Hello mate! Hello mate! Hello mate! This is bold and underscore and both and not true false PowerPoint documents are made up of a tree of records. A record may contain either other records (in which case it is a Container), or data (in which case it's an Atom). A record can't hold both. PowerPoint documents don't have one overall container record. Instead, there are a number of different container records to be found at the top level. Any numbers or strings stored in the records are always stored in Little Endian format (least important bytes first). This is the case no matter what platform the file was written on - be that a Little Endian or a Big Endian system. PowerPoint may have Escher (DDF) records embedded in it. These are always held as the children of a PPDrawing record (record type 1036). Escher records have the same format as PowerPoint records. Hello mate! Hello mate! Hello mate! Hello mate! Hello mate! Hello mate! Hello mate! Hello mate! Hello mate! This is bold and underscore and both and not true false PowerPoint documents are made up of a tree of records. A record may contain either other records (in which case it is a Container), or data (in which case it's an Atom). A record can't hold both. PowerPoint documents don't have one overall container record\n</a:t>
-            </a:r>
-            <a:r>
-              <a:rPr lang="en-US" sz="1400">
-                <a:latin typeface="Calibri"/>
-              </a:rPr>
-              <a:t>" + "</a:t>
-            </a:r>
-            <a:r>
-              <a:rPr lang="en-US" sz="1400">
-                <a:solidFill>
-                  <a:srgbClr val="00FF00"/>
-                </a:solidFill>
-                <a:latin typeface="Calibri"/>
-              </a:rPr>
-              <a:t>3Escher records have the same format as PowerPoint records. Hello mate! Hello mate! Hello mate! Hello mate! Hello mate! Hello mate! Hello mate! Hello mate! Hello mate! This is bold and underscore and both and not true false PowerPoint documents are made up of a tree of records. A record may contain either other records (in which case it is a Container), or data (in which case it's an Atom). A record can't hold both. PowerPoint documents don't have one overall container record. Instead, there are a number of different container records to be found at the top level. Any numbers or strings stored in the records are always stored in Little Endian format (least important bytes first). This is the case no matter what platform the file was written on - be that a Little Endian or a Big Endian system. PowerPoint may have Escher (DDF) records embedded in it. These are always held as the children of a PPDrawing record (record type 1036). Escher records have the same format as PowerPoint records. Hello mate! Hello mate! Hello mate! Hello mate! Hello mate! Hello mate! Hello mate! Hello mate! Hello mate! This is bold and underscore and both and not true false PowerPoint documents are made up of a tree of records. A record may contain either other records (in which case it is a Container), or data (in which case it's an Atom). A record can't hold both. PowerPoint documents don't have one overall container record\n</a:t>
-            </a:r>
-            <a:r>
-              <a:rPr lang="en-US" sz="1400">
-                <a:latin typeface="Calibri"/>
-              </a:rPr>
-              <a:t>" + "</a:t>
-            </a:r>
-            <a:r>
-              <a:rPr lang="en-US" sz="1400">
-                <a:solidFill>
-                  <a:srgbClr val="0000FF"/>
-                </a:solidFill>
-                <a:latin typeface="Calibri"/>
-              </a:rPr>
-              <a:t>4Escher records have the same format as PowerPoint records. Hello mate! Hello mate! Hello mate! Hello mate! Hello mate! Hello mate! Hello mate! Hello mate! Hello mate! This is bold and underscore and both and not true false PowerPoint documents are made up of a tree of records. A record may contain either other records (in which case it is a Container), or data (in which case it's an Atom). A record can't hold both. PowerPoint documents don't have one overall container record. Instead, there are a number of different container records to be found at the top level. Any numbers or strings stored in the records are always stored in Little Endian format (least important bytes first). This is the case no matter what platform the file was written on - be that a Little Endian or a Big Endian system. PowerPoint may have Escher (DDF) records embedded in it. These are always held as the children of a PPDrawing record (record type 1036). Escher records have the same format as PowerPoint records. Hello mate! Hello mate! Hello mate! Hello mate! Hello mate! Hello mate! Hello mate! Hello mate! Hello mate! This is bold and underscore and both and not true false PowerPoint documents are made up of a tree of records. A record may contain either other records (in which case it is a Container), or data (in which case it's an Atom). A record can't hold both. PowerPoint documents don't have one overall container record\n</a:t>
-            </a:r>
-            <a:r>
-              <a:rPr lang="en-US" sz="1400">
-                <a:latin typeface="Calibri"/>
-              </a:rPr>
-              <a:t>" + "</a:t>
-            </a:r>
             <a:endParaRPr lang="en-US" sz="1100"/>
           </a:p>
-          <a:p>
-            <a:r>
-              <a:rPr lang="en-US" sz="1400" b="true">
-                <a:solidFill>
-                  <a:srgbClr val="00FF00"/>
-                </a:solidFill>
-                <a:latin typeface="Calibri"/>
-              </a:rPr>
-              <a:t>Green Flag</a:t>
-            </a:r>
-          </a:p>
-          <a:p>
-            <a:r>
-              <a:rPr lang="en-US" sz="1400" u="sng" b="true">
-                <a:solidFill>
-                  <a:srgbClr val="00FF00"/>
-                </a:solidFill>
-                <a:latin typeface="Calibri"/>
-              </a:rPr>
-              <a:t>That`s all, folks!</a:t>
-            </a:r>
-          </a:p>
-          <a:p/>
         </p:txBody>
       </p:sp>
     </p:spTree>
@@ -7637,9 +6194,9 @@
             <a:r>
               <a:rPr lang="en-US" sz="1400">
                 <a:latin typeface="Calibri"/>
-                <a:hlinkClick r:id="rId2" tooltip="http://ya.ru"/>
-              </a:rPr>
-              <a:t>Project from Facade</a:t>
+                <a:hlinkClick r:id="rId2" tooltip=""/>
+              </a:rPr>
+              <a:t/>
             </a:r>
             <a:br>
               <a:rPr lang="en-US" sz="1400">
@@ -7656,7 +6213,7 @@
               <a:rPr lang="en-US" sz="1400">
                 <a:latin typeface="Calibri"/>
               </a:rPr>
-              <a:t>IKSANOV Aleksandr</a:t>
+              <a:t/>
             </a:r>
             <a:br>
               <a:rPr lang="en-US" sz="1400">
@@ -7709,7 +6266,7 @@
               <a:rPr lang="en-US" sz="1400" b="true">
                 <a:latin typeface="Calibri"/>
               </a:rPr>
-              <a:t>Risks</a:t>
+              <a:t>Scope Definition</a:t>
             </a:r>
             <a:endParaRPr lang="en-US" sz="1100"/>
           </a:p>
@@ -7908,366 +6465,6 @@
               <a:t/>
             </a:r>
             <a:endParaRPr lang="en-US" sz="1100"/>
-          </a:p>
-          <a:p>
-            <a:r>
-              <a:rPr lang="en-US" sz="1400" b="true" u="sng">
-                <a:solidFill>
-                  <a:srgbClr val="FF0000"/>
-                </a:solidFill>
-                <a:latin typeface="Calibri"/>
-              </a:rPr>
-              <a:t>High Risks</a:t>
-            </a:r>
-          </a:p>
-          <a:p>
-            <a:pPr lvl="1">
-              <a:buFont typeface="Arial"/>
-              <a:buChar char="-"/>
-            </a:pPr>
-            <a:r>
-              <a:rPr lang="en-US" sz="1400" b="true">
-                <a:latin typeface="Calibri"/>
-              </a:rPr>
-              <a:t>Risk: </a:t>
-            </a:r>
-            <a:r>
-              <a:rPr lang="en-US" sz="1400">
-                <a:latin typeface="Calibri"/>
-              </a:rPr>
-              <a:t>Description High</a:t>
-            </a:r>
-            <a:br>
-              <a:rPr lang="en-US" sz="1400">
-                <a:latin typeface="Calibri"/>
-              </a:rPr>
-            </a:br>
-            <a:r>
-              <a:rPr lang="en-US" sz="1400" u="sng">
-                <a:latin typeface="Calibri"/>
-              </a:rPr>
-              <a:t>Description: </a:t>
-            </a:r>
-            <a:r>
-              <a:rPr lang="en-US" sz="1400">
-                <a:latin typeface="Calibri"/>
-              </a:rPr>
-              <a:t>Impact High</a:t>
-            </a:r>
-            <a:br>
-              <a:rPr lang="en-US" sz="1400">
-                <a:latin typeface="Calibri"/>
-              </a:rPr>
-            </a:br>
-            <a:r>
-              <a:rPr lang="en-US" sz="1400" u="sng">
-                <a:latin typeface="Calibri"/>
-              </a:rPr>
-              <a:t>Mitigation Plan: </a:t>
-            </a:r>
-            <a:r>
-              <a:rPr lang="en-US" sz="1400">
-                <a:latin typeface="Calibri"/>
-              </a:rPr>
-              <a:t>Mitigation High</a:t>
-            </a:r>
-          </a:p>
-          <a:p>
-            <a:pPr lvl="1">
-              <a:buFont typeface="Arial"/>
-              <a:buChar char="-"/>
-            </a:pPr>
-            <a:r>
-              <a:rPr lang="en-US" sz="1400" b="true">
-                <a:latin typeface="Calibri"/>
-              </a:rPr>
-              <a:t>Risk: </a:t>
-            </a:r>
-            <a:r>
-              <a:rPr lang="en-US" sz="1400">
-                <a:latin typeface="Calibri"/>
-              </a:rPr>
-              <a:t>Description High</a:t>
-            </a:r>
-            <a:br>
-              <a:rPr lang="en-US" sz="1400">
-                <a:latin typeface="Calibri"/>
-              </a:rPr>
-            </a:br>
-            <a:r>
-              <a:rPr lang="en-US" sz="1400" u="sng">
-                <a:latin typeface="Calibri"/>
-              </a:rPr>
-              <a:t>Description: </a:t>
-            </a:r>
-            <a:r>
-              <a:rPr lang="en-US" sz="1400">
-                <a:latin typeface="Calibri"/>
-              </a:rPr>
-              <a:t>Impact High</a:t>
-            </a:r>
-            <a:br>
-              <a:rPr lang="en-US" sz="1400">
-                <a:latin typeface="Calibri"/>
-              </a:rPr>
-            </a:br>
-            <a:r>
-              <a:rPr lang="en-US" sz="1400" u="sng">
-                <a:latin typeface="Calibri"/>
-              </a:rPr>
-              <a:t>Mitigation Plan: </a:t>
-            </a:r>
-            <a:r>
-              <a:rPr lang="en-US" sz="1400">
-                <a:latin typeface="Calibri"/>
-              </a:rPr>
-              <a:t>Mitigation High</a:t>
-            </a:r>
-            <a:br>
-              <a:rPr lang="en-US" sz="1400">
-                <a:latin typeface="Calibri"/>
-              </a:rPr>
-            </a:br>
-          </a:p>
-          <a:p>
-            <a:r>
-              <a:rPr lang="en-US" sz="1400" b="true" u="sng">
-                <a:solidFill>
-                  <a:srgbClr val="FFC800"/>
-                </a:solidFill>
-                <a:latin typeface="Calibri"/>
-              </a:rPr>
-              <a:t>Moderate Risks</a:t>
-            </a:r>
-          </a:p>
-          <a:p>
-            <a:pPr lvl="1">
-              <a:buFont typeface="Arial"/>
-              <a:buChar char="-"/>
-            </a:pPr>
-            <a:r>
-              <a:rPr lang="en-US" sz="1400" b="true">
-                <a:latin typeface="Calibri"/>
-              </a:rPr>
-              <a:t>Risk: </a:t>
-            </a:r>
-            <a:r>
-              <a:rPr lang="en-US" sz="1400">
-                <a:latin typeface="Calibri"/>
-              </a:rPr>
-              <a:t>Description Moderate</a:t>
-            </a:r>
-            <a:br>
-              <a:rPr lang="en-US" sz="1400">
-                <a:latin typeface="Calibri"/>
-              </a:rPr>
-            </a:br>
-            <a:r>
-              <a:rPr lang="en-US" sz="1400" u="sng">
-                <a:latin typeface="Calibri"/>
-              </a:rPr>
-              <a:t>Description: </a:t>
-            </a:r>
-            <a:r>
-              <a:rPr lang="en-US" sz="1400">
-                <a:latin typeface="Calibri"/>
-              </a:rPr>
-              <a:t>Impact Moderate</a:t>
-            </a:r>
-            <a:br>
-              <a:rPr lang="en-US" sz="1400">
-                <a:latin typeface="Calibri"/>
-              </a:rPr>
-            </a:br>
-            <a:r>
-              <a:rPr lang="en-US" sz="1400" u="sng">
-                <a:latin typeface="Calibri"/>
-              </a:rPr>
-              <a:t>Mitigation Plan: </a:t>
-            </a:r>
-            <a:r>
-              <a:rPr lang="en-US" sz="1400">
-                <a:latin typeface="Calibri"/>
-              </a:rPr>
-              <a:t>Mitigation Moderate</a:t>
-            </a:r>
-          </a:p>
-          <a:p>
-            <a:pPr lvl="1">
-              <a:buFont typeface="Arial"/>
-              <a:buChar char="-"/>
-            </a:pPr>
-            <a:r>
-              <a:rPr lang="en-US" sz="1400" b="true">
-                <a:latin typeface="Calibri"/>
-              </a:rPr>
-              <a:t>Risk: </a:t>
-            </a:r>
-            <a:r>
-              <a:rPr lang="en-US" sz="1400">
-                <a:latin typeface="Calibri"/>
-              </a:rPr>
-              <a:t>Description Moderate</a:t>
-            </a:r>
-            <a:br>
-              <a:rPr lang="en-US" sz="1400">
-                <a:latin typeface="Calibri"/>
-              </a:rPr>
-            </a:br>
-            <a:r>
-              <a:rPr lang="en-US" sz="1400" u="sng">
-                <a:latin typeface="Calibri"/>
-              </a:rPr>
-              <a:t>Description: </a:t>
-            </a:r>
-            <a:r>
-              <a:rPr lang="en-US" sz="1400">
-                <a:latin typeface="Calibri"/>
-              </a:rPr>
-              <a:t>Impact Moderate</a:t>
-            </a:r>
-            <a:br>
-              <a:rPr lang="en-US" sz="1400">
-                <a:latin typeface="Calibri"/>
-              </a:rPr>
-            </a:br>
-            <a:r>
-              <a:rPr lang="en-US" sz="1400" u="sng">
-                <a:latin typeface="Calibri"/>
-              </a:rPr>
-              <a:t>Mitigation Plan: </a:t>
-            </a:r>
-            <a:r>
-              <a:rPr lang="en-US" sz="1400">
-                <a:latin typeface="Calibri"/>
-              </a:rPr>
-              <a:t>Mitigation Moderate</a:t>
-            </a:r>
-            <a:br>
-              <a:rPr lang="en-US" sz="1400">
-                <a:latin typeface="Calibri"/>
-              </a:rPr>
-            </a:br>
-          </a:p>
-          <a:p>
-            <a:r>
-              <a:rPr lang="en-US" sz="1400" b="true" u="sng">
-                <a:solidFill>
-                  <a:srgbClr val="00FF00"/>
-                </a:solidFill>
-                <a:latin typeface="Calibri"/>
-              </a:rPr>
-              <a:t>Low Risks</a:t>
-            </a:r>
-          </a:p>
-          <a:p>
-            <a:pPr lvl="1">
-              <a:buFont typeface="Arial"/>
-              <a:buChar char="-"/>
-            </a:pPr>
-            <a:r>
-              <a:rPr lang="en-US" sz="1400" b="true">
-                <a:latin typeface="Calibri"/>
-              </a:rPr>
-              <a:t>Risk: </a:t>
-            </a:r>
-            <a:r>
-              <a:rPr lang="en-US" sz="1400">
-                <a:latin typeface="Calibri"/>
-              </a:rPr>
-              <a:t>Description Low</a:t>
-            </a:r>
-            <a:br>
-              <a:rPr lang="en-US" sz="1400">
-                <a:latin typeface="Calibri"/>
-              </a:rPr>
-            </a:br>
-            <a:r>
-              <a:rPr lang="en-US" sz="1400" u="sng">
-                <a:latin typeface="Calibri"/>
-              </a:rPr>
-              <a:t>Description: </a:t>
-            </a:r>
-            <a:r>
-              <a:rPr lang="en-US" sz="1400">
-                <a:latin typeface="Calibri"/>
-              </a:rPr>
-              <a:t>Impact Low</a:t>
-            </a:r>
-            <a:br>
-              <a:rPr lang="en-US" sz="1400">
-                <a:latin typeface="Calibri"/>
-              </a:rPr>
-            </a:br>
-            <a:r>
-              <a:rPr lang="en-US" sz="1400" u="sng">
-                <a:latin typeface="Calibri"/>
-              </a:rPr>
-              <a:t>Mitigation Plan: </a:t>
-            </a:r>
-            <a:r>
-              <a:rPr lang="en-US" sz="1400">
-                <a:latin typeface="Calibri"/>
-              </a:rPr>
-              <a:t>Mitigation Low</a:t>
-            </a:r>
-          </a:p>
-          <a:p>
-            <a:pPr lvl="1">
-              <a:buFont typeface="Arial"/>
-              <a:buChar char="-"/>
-            </a:pPr>
-            <a:r>
-              <a:rPr lang="en-US" sz="1400" b="true">
-                <a:latin typeface="Calibri"/>
-              </a:rPr>
-              <a:t>Risk: </a:t>
-            </a:r>
-            <a:r>
-              <a:rPr lang="en-US" sz="1400">
-                <a:latin typeface="Calibri"/>
-              </a:rPr>
-              <a:t>Description Low</a:t>
-            </a:r>
-            <a:br>
-              <a:rPr lang="en-US" sz="1400">
-                <a:latin typeface="Calibri"/>
-              </a:rPr>
-            </a:br>
-            <a:r>
-              <a:rPr lang="en-US" sz="1400" u="sng">
-                <a:latin typeface="Calibri"/>
-              </a:rPr>
-              <a:t>Description: </a:t>
-            </a:r>
-            <a:r>
-              <a:rPr lang="en-US" sz="1400">
-                <a:latin typeface="Calibri"/>
-              </a:rPr>
-              <a:t>Impact Low</a:t>
-            </a:r>
-            <a:br>
-              <a:rPr lang="en-US" sz="1400">
-                <a:latin typeface="Calibri"/>
-              </a:rPr>
-            </a:br>
-            <a:r>
-              <a:rPr lang="en-US" sz="1400" u="sng">
-                <a:latin typeface="Calibri"/>
-              </a:rPr>
-              <a:t>Mitigation Plan: </a:t>
-            </a:r>
-            <a:r>
-              <a:rPr lang="en-US" sz="1400">
-                <a:latin typeface="Calibri"/>
-              </a:rPr>
-              <a:t>Mitigation Low</a:t>
-            </a:r>
-            <a:br>
-              <a:rPr lang="en-US" sz="1400">
-                <a:latin typeface="Calibri"/>
-              </a:rPr>
-            </a:br>
           </a:p>
         </p:txBody>
       </p:sp>
@@ -8331,9 +6528,9 @@
             <a:r>
               <a:rPr lang="en-US" sz="1400">
                 <a:latin typeface="Calibri"/>
-                <a:hlinkClick r:id="rId2" tooltip="http://ya.ru"/>
-              </a:rPr>
-              <a:t>Project from Facade</a:t>
+                <a:hlinkClick r:id="rId2" tooltip=""/>
+              </a:rPr>
+              <a:t/>
             </a:r>
             <a:br>
               <a:rPr lang="en-US" sz="1400">
@@ -8350,7 +6547,7 @@
               <a:rPr lang="en-US" sz="1400">
                 <a:latin typeface="Calibri"/>
               </a:rPr>
-              <a:t>IKSANOV Aleksandr</a:t>
+              <a:t/>
             </a:r>
             <a:br>
               <a:rPr lang="en-US" sz="1400">
@@ -8403,7 +6600,7 @@
               <a:rPr lang="en-US" sz="1400" b="true">
                 <a:latin typeface="Calibri"/>
               </a:rPr>
-              <a:t>Scope Definition</a:t>
+              <a:t>Other Information</a:t>
             </a:r>
             <a:endParaRPr lang="en-US" sz="1100"/>
           </a:p>
@@ -8603,1097 +6800,6 @@
             </a:r>
             <a:endParaRPr lang="en-US" sz="1100"/>
           </a:p>
-          <a:p>
-            <a:pPr>
-              <a:buFont typeface="Arial"/>
-              <a:buChar char="-"/>
-            </a:pPr>
-            <a:r>
-              <a:rPr lang="en-US" sz="1400" b="true" u="sng">
-                <a:latin typeface="Calibri"/>
-              </a:rPr>
-              <a:t>SuperId1: </a:t>
-            </a:r>
-            <a:r>
-              <a:rPr lang="en-US" sz="1400">
-                <a:latin typeface="Calibri"/>
-              </a:rPr>
-              <a:t>Hreadline</a:t>
-            </a:r>
-            <a:r>
-              <a:rPr lang="en-US" sz="1400" u="sng">
-                <a:latin typeface="Calibri"/>
-              </a:rPr>
-              <a:t> Status: </a:t>
-            </a:r>
-            <a:r>
-              <a:rPr lang="en-US" sz="1400">
-                <a:latin typeface="Calibri"/>
-              </a:rPr>
-              <a:t>Done</a:t>
-            </a:r>
-          </a:p>
-          <a:p>
-            <a:pPr>
-              <a:buFont typeface="Arial"/>
-              <a:buChar char="-"/>
-            </a:pPr>
-            <a:r>
-              <a:rPr lang="en-US" sz="1400" b="true" u="sng">
-                <a:latin typeface="Calibri"/>
-              </a:rPr>
-              <a:t>SuperId2222: </a:t>
-            </a:r>
-            <a:r>
-              <a:rPr lang="en-US" sz="1400">
-                <a:latin typeface="Calibri"/>
-              </a:rPr>
-              <a:t>Hreadline</a:t>
-            </a:r>
-            <a:r>
-              <a:rPr lang="en-US" sz="1400" u="sng">
-                <a:latin typeface="Calibri"/>
-              </a:rPr>
-              <a:t> Status: </a:t>
-            </a:r>
-            <a:r>
-              <a:rPr lang="en-US" sz="1400">
-                <a:latin typeface="Calibri"/>
-              </a:rPr>
-              <a:t>Done</a:t>
-            </a:r>
-          </a:p>
-          <a:p>
-            <a:pPr>
-              <a:buFont typeface="Arial"/>
-              <a:buChar char="-"/>
-            </a:pPr>
-            <a:r>
-              <a:rPr lang="en-US" sz="1400" b="true" u="sng">
-                <a:latin typeface="Calibri"/>
-              </a:rPr>
-              <a:t>SuperId1: </a:t>
-            </a:r>
-            <a:r>
-              <a:rPr lang="en-US" sz="1400">
-                <a:latin typeface="Calibri"/>
-              </a:rPr>
-              <a:t>Hreadline</a:t>
-            </a:r>
-            <a:r>
-              <a:rPr lang="en-US" sz="1400" u="sng">
-                <a:latin typeface="Calibri"/>
-              </a:rPr>
-              <a:t> Status: </a:t>
-            </a:r>
-            <a:r>
-              <a:rPr lang="en-US" sz="1400">
-                <a:latin typeface="Calibri"/>
-              </a:rPr>
-              <a:t>Done</a:t>
-            </a:r>
-          </a:p>
-          <a:p>
-            <a:pPr>
-              <a:buFont typeface="Arial"/>
-              <a:buChar char="-"/>
-            </a:pPr>
-            <a:r>
-              <a:rPr lang="en-US" sz="1400" b="true" u="sng">
-                <a:latin typeface="Calibri"/>
-              </a:rPr>
-              <a:t>SuperId2222: </a:t>
-            </a:r>
-            <a:r>
-              <a:rPr lang="en-US" sz="1400">
-                <a:latin typeface="Calibri"/>
-              </a:rPr>
-              <a:t>Hreadline</a:t>
-            </a:r>
-            <a:r>
-              <a:rPr lang="en-US" sz="1400" u="sng">
-                <a:latin typeface="Calibri"/>
-              </a:rPr>
-              <a:t> Status: </a:t>
-            </a:r>
-            <a:r>
-              <a:rPr lang="en-US" sz="1400">
-                <a:latin typeface="Calibri"/>
-              </a:rPr>
-              <a:t>Done</a:t>
-            </a:r>
-          </a:p>
-          <a:p>
-            <a:pPr>
-              <a:buFont typeface="Arial"/>
-              <a:buChar char="-"/>
-            </a:pPr>
-            <a:r>
-              <a:rPr lang="en-US" sz="1400" b="true" u="sng">
-                <a:latin typeface="Calibri"/>
-              </a:rPr>
-              <a:t>SuperId1: </a:t>
-            </a:r>
-            <a:r>
-              <a:rPr lang="en-US" sz="1400">
-                <a:latin typeface="Calibri"/>
-              </a:rPr>
-              <a:t>Hreadline</a:t>
-            </a:r>
-            <a:r>
-              <a:rPr lang="en-US" sz="1400" u="sng">
-                <a:latin typeface="Calibri"/>
-              </a:rPr>
-              <a:t> Status: </a:t>
-            </a:r>
-            <a:r>
-              <a:rPr lang="en-US" sz="1400">
-                <a:latin typeface="Calibri"/>
-              </a:rPr>
-              <a:t>Done</a:t>
-            </a:r>
-          </a:p>
-          <a:p>
-            <a:pPr>
-              <a:buFont typeface="Arial"/>
-              <a:buChar char="-"/>
-            </a:pPr>
-            <a:r>
-              <a:rPr lang="en-US" sz="1400" b="true" u="sng">
-                <a:latin typeface="Calibri"/>
-              </a:rPr>
-              <a:t>SuperId2222: </a:t>
-            </a:r>
-            <a:r>
-              <a:rPr lang="en-US" sz="1400">
-                <a:latin typeface="Calibri"/>
-              </a:rPr>
-              <a:t>Hreadline</a:t>
-            </a:r>
-            <a:r>
-              <a:rPr lang="en-US" sz="1400" u="sng">
-                <a:latin typeface="Calibri"/>
-              </a:rPr>
-              <a:t> Status: </a:t>
-            </a:r>
-            <a:r>
-              <a:rPr lang="en-US" sz="1400">
-                <a:latin typeface="Calibri"/>
-              </a:rPr>
-              <a:t>Done</a:t>
-            </a:r>
-          </a:p>
-          <a:p>
-            <a:pPr>
-              <a:buFont typeface="Arial"/>
-              <a:buChar char="-"/>
-            </a:pPr>
-            <a:r>
-              <a:rPr lang="en-US" sz="1400" b="true" u="sng">
-                <a:latin typeface="Calibri"/>
-              </a:rPr>
-              <a:t>SuperId1: </a:t>
-            </a:r>
-            <a:r>
-              <a:rPr lang="en-US" sz="1400">
-                <a:latin typeface="Calibri"/>
-              </a:rPr>
-              <a:t>Hreadline</a:t>
-            </a:r>
-            <a:r>
-              <a:rPr lang="en-US" sz="1400" u="sng">
-                <a:latin typeface="Calibri"/>
-              </a:rPr>
-              <a:t> Status: </a:t>
-            </a:r>
-            <a:r>
-              <a:rPr lang="en-US" sz="1400">
-                <a:latin typeface="Calibri"/>
-              </a:rPr>
-              <a:t>Done</a:t>
-            </a:r>
-          </a:p>
-          <a:p>
-            <a:pPr>
-              <a:buFont typeface="Arial"/>
-              <a:buChar char="-"/>
-            </a:pPr>
-            <a:r>
-              <a:rPr lang="en-US" sz="1400" b="true" u="sng">
-                <a:latin typeface="Calibri"/>
-              </a:rPr>
-              <a:t>SuperId2222: </a:t>
-            </a:r>
-            <a:r>
-              <a:rPr lang="en-US" sz="1400">
-                <a:latin typeface="Calibri"/>
-              </a:rPr>
-              <a:t>Hreadline</a:t>
-            </a:r>
-            <a:r>
-              <a:rPr lang="en-US" sz="1400" u="sng">
-                <a:latin typeface="Calibri"/>
-              </a:rPr>
-              <a:t> Status: </a:t>
-            </a:r>
-            <a:r>
-              <a:rPr lang="en-US" sz="1400">
-                <a:latin typeface="Calibri"/>
-              </a:rPr>
-              <a:t>Done</a:t>
-            </a:r>
-          </a:p>
-          <a:p>
-            <a:pPr>
-              <a:buFont typeface="Arial"/>
-              <a:buChar char="-"/>
-            </a:pPr>
-            <a:r>
-              <a:rPr lang="en-US" sz="1400" b="true" u="sng">
-                <a:latin typeface="Calibri"/>
-              </a:rPr>
-              <a:t>SuperId1: </a:t>
-            </a:r>
-            <a:r>
-              <a:rPr lang="en-US" sz="1400">
-                <a:latin typeface="Calibri"/>
-              </a:rPr>
-              <a:t>Hreadline</a:t>
-            </a:r>
-            <a:r>
-              <a:rPr lang="en-US" sz="1400" u="sng">
-                <a:latin typeface="Calibri"/>
-              </a:rPr>
-              <a:t> Status: </a:t>
-            </a:r>
-            <a:r>
-              <a:rPr lang="en-US" sz="1400">
-                <a:latin typeface="Calibri"/>
-              </a:rPr>
-              <a:t>Done</a:t>
-            </a:r>
-          </a:p>
-          <a:p>
-            <a:pPr>
-              <a:buFont typeface="Arial"/>
-              <a:buChar char="-"/>
-            </a:pPr>
-            <a:r>
-              <a:rPr lang="en-US" sz="1400" b="true" u="sng">
-                <a:latin typeface="Calibri"/>
-              </a:rPr>
-              <a:t>SuperId2222: </a:t>
-            </a:r>
-            <a:r>
-              <a:rPr lang="en-US" sz="1400">
-                <a:latin typeface="Calibri"/>
-              </a:rPr>
-              <a:t>Hreadline</a:t>
-            </a:r>
-            <a:r>
-              <a:rPr lang="en-US" sz="1400" u="sng">
-                <a:latin typeface="Calibri"/>
-              </a:rPr>
-              <a:t> Status: </a:t>
-            </a:r>
-            <a:r>
-              <a:rPr lang="en-US" sz="1400">
-                <a:latin typeface="Calibri"/>
-              </a:rPr>
-              <a:t>Done</a:t>
-            </a:r>
-          </a:p>
-          <a:p>
-            <a:pPr>
-              <a:buFont typeface="Arial"/>
-              <a:buChar char="-"/>
-            </a:pPr>
-            <a:r>
-              <a:rPr lang="en-US" sz="1400" b="true" u="sng">
-                <a:latin typeface="Calibri"/>
-              </a:rPr>
-              <a:t>SuperId1: </a:t>
-            </a:r>
-            <a:r>
-              <a:rPr lang="en-US" sz="1400">
-                <a:latin typeface="Calibri"/>
-              </a:rPr>
-              <a:t>Hreadline</a:t>
-            </a:r>
-            <a:r>
-              <a:rPr lang="en-US" sz="1400" u="sng">
-                <a:latin typeface="Calibri"/>
-              </a:rPr>
-              <a:t> Status: </a:t>
-            </a:r>
-            <a:r>
-              <a:rPr lang="en-US" sz="1400">
-                <a:latin typeface="Calibri"/>
-              </a:rPr>
-              <a:t>Done</a:t>
-            </a:r>
-          </a:p>
-          <a:p>
-            <a:pPr>
-              <a:buFont typeface="Arial"/>
-              <a:buChar char="-"/>
-            </a:pPr>
-            <a:r>
-              <a:rPr lang="en-US" sz="1400" b="true" u="sng">
-                <a:latin typeface="Calibri"/>
-              </a:rPr>
-              <a:t>SuperId2222: </a:t>
-            </a:r>
-            <a:r>
-              <a:rPr lang="en-US" sz="1400">
-                <a:latin typeface="Calibri"/>
-              </a:rPr>
-              <a:t>Hreadline</a:t>
-            </a:r>
-            <a:r>
-              <a:rPr lang="en-US" sz="1400" u="sng">
-                <a:latin typeface="Calibri"/>
-              </a:rPr>
-              <a:t> Status: </a:t>
-            </a:r>
-            <a:r>
-              <a:rPr lang="en-US" sz="1400">
-                <a:latin typeface="Calibri"/>
-              </a:rPr>
-              <a:t>Done</a:t>
-            </a:r>
-          </a:p>
-        </p:txBody>
-      </p:sp>
-    </p:spTree>
-  </p:cSld>
-  <p:clrMapOvr>
-    <a:masterClrMapping/>
-  </p:clrMapOvr>
-</p:sld>
-</file>
-
-<file path=ppt/slides/slide6.xml><?xml version="1.0" encoding="utf-8"?>
-<p:sld xmlns:p="http://schemas.openxmlformats.org/presentationml/2006/main" xmlns:a="http://schemas.openxmlformats.org/drawingml/2006/main" xmlns:r="http://schemas.openxmlformats.org/officeDocument/2006/relationships">
-  <p:cSld>
-    <p:spTree>
-      <p:nvGrpSpPr>
-        <p:cNvPr id="1" name=""/>
-        <p:cNvGrpSpPr/>
-        <p:nvPr/>
-      </p:nvGrpSpPr>
-      <p:grpSpPr>
-        <a:xfrm>
-          <a:off x="0" y="0"/>
-          <a:ext cx="0" cy="0"/>
-          <a:chOff x="0" y="0"/>
-          <a:chExt cx="0" cy="0"/>
-        </a:xfrm>
-      </p:grpSpPr>
-      <p:sp>
-        <p:nvSpPr>
-          <p:cNvPr name="TextBox 2" id="2"/>
-          <p:cNvSpPr txBox="true"/>
-          <p:nvPr/>
-        </p:nvSpPr>
-        <p:spPr>
-          <a:xfrm>
-            <a:off x="254000" y="254000"/>
-            <a:ext cx="6350000" cy="762000"/>
-          </a:xfrm>
-          <a:prstGeom prst="rect">
-            <a:avLst/>
-          </a:prstGeom>
-        </p:spPr>
-        <p:txBody>
-          <a:bodyPr anchor="t" rtlCol="false"/>
-          <a:lstStyle/>
-          <a:p>
-            <a:pPr algn="l">
-              <a:defRPr/>
-            </a:pPr>
-            <a:r>
-              <a:rPr lang="ru-RU"/>
-              <a:t/>
-            </a:r>
-            <a:r>
-              <a:rPr lang="en-US" sz="1400" b="true">
-                <a:latin typeface="Calibri"/>
-              </a:rPr>
-              <a:t>Project name: </a:t>
-            </a:r>
-            <a:r>
-              <a:rPr lang="en-US" sz="1400">
-                <a:latin typeface="Calibri"/>
-                <a:hlinkClick r:id="rId2" tooltip="http://ya.ru"/>
-              </a:rPr>
-              <a:t>Project from Facade</a:t>
-            </a:r>
-            <a:br>
-              <a:rPr lang="en-US" sz="1400">
-                <a:latin typeface="Calibri"/>
-              </a:rPr>
-            </a:br>
-            <a:r>
-              <a:rPr lang="en-US" sz="1400" b="true">
-                <a:latin typeface="Calibri"/>
-              </a:rPr>
-              <a:t>Project manager: </a:t>
-            </a:r>
-            <a:r>
-              <a:rPr lang="en-US" sz="1400">
-                <a:latin typeface="Calibri"/>
-              </a:rPr>
-              <a:t>IKSANOV Aleksandr</a:t>
-            </a:r>
-            <a:br>
-              <a:rPr lang="en-US" sz="1400">
-                <a:latin typeface="Calibri"/>
-              </a:rPr>
-            </a:br>
-            <a:r>
-              <a:rPr lang="en-US" sz="1400" b="true">
-                <a:latin typeface="Calibri"/>
-              </a:rPr>
-              <a:t>Last Updated: </a:t>
-            </a:r>
-            <a:r>
-              <a:rPr lang="en-US" sz="1400">
-                <a:latin typeface="Calibri"/>
-              </a:rPr>
-              <a:t>20-Apr-20</a:t>
-            </a:r>
-            <a:endParaRPr lang="en-US" sz="1100"/>
-          </a:p>
-        </p:txBody>
-      </p:sp>
-      <p:sp>
-        <p:nvSpPr>
-          <p:cNvPr name="TextBox 3" id="3"/>
-          <p:cNvSpPr txBox="true"/>
-          <p:nvPr/>
-        </p:nvSpPr>
-        <p:spPr>
-          <a:xfrm>
-            <a:off x="254000" y="1244600"/>
-            <a:ext cx="15748000" cy="215900"/>
-          </a:xfrm>
-          <a:prstGeom prst="rect">
-            <a:avLst/>
-          </a:prstGeom>
-        </p:spPr>
-        <p:txBody>
-          <a:bodyPr anchor="t" rtlCol="false"/>
-          <a:lstStyle/>
-          <a:p>
-            <a:pPr algn="l">
-              <a:defRPr/>
-            </a:pPr>
-            <a:r>
-              <a:rPr lang="ru-RU"/>
-              <a:t/>
-            </a:r>
-            <a:r>
-              <a:rPr lang="en-US" sz="1400" b="true">
-                <a:latin typeface="Calibri"/>
-              </a:rPr>
-              <a:t>Other Information</a:t>
-            </a:r>
-            <a:endParaRPr lang="en-US" sz="1100"/>
-          </a:p>
-        </p:txBody>
-      </p:sp>
-      <p:sp>
-        <p:nvSpPr>
-          <p:cNvPr name="AutoShape 4" id="4"/>
-          <p:cNvSpPr/>
-          <p:nvPr/>
-        </p:nvSpPr>
-        <p:spPr>
-          <a:xfrm>
-            <a:off x="254000" y="1562100"/>
-            <a:ext cx="15748000" cy="12700"/>
-          </a:xfrm>
-          <a:prstGeom prst="line">
-            <a:avLst/>
-          </a:prstGeom>
-          <a:ln>
-            <a:solidFill>
-              <a:srgbClr val="000000"/>
-            </a:solidFill>
-          </a:ln>
-        </p:spPr>
-      </p:sp>
-      <p:sp>
-        <p:nvSpPr>
-          <p:cNvPr name="TextBox 5" id="5"/>
-          <p:cNvSpPr txBox="true"/>
-          <p:nvPr/>
-        </p:nvSpPr>
-        <p:spPr>
-          <a:xfrm>
-            <a:off x="5905500" y="8191500"/>
-            <a:ext cx="4445000" cy="635000"/>
-          </a:xfrm>
-          <a:prstGeom prst="rect">
-            <a:avLst/>
-          </a:prstGeom>
-        </p:spPr>
-        <p:txBody>
-          <a:bodyPr anchor="t" rtlCol="false"/>
-          <a:lstStyle/>
-          <a:p>
-            <a:pPr algn="ctr">
-              <a:defRPr/>
-            </a:pPr>
-            <a:r>
-              <a:rPr lang="ru-RU"/>
-              <a:t/>
-            </a:r>
-            <a:r>
-              <a:rPr lang="en-US" sz="1200" i="true">
-                <a:solidFill>
-                  <a:srgbClr val="FF0000"/>
-                </a:solidFill>
-                <a:latin typeface="Calibri"/>
-              </a:rPr>
-              <a:t>Alcatel-Lucent Enterprise - Confidential</a:t>
-            </a:r>
-            <a:br>
-              <a:rPr lang="en-US" sz="1200" i="true">
-                <a:solidFill>
-                  <a:srgbClr val="FF0000"/>
-                </a:solidFill>
-                <a:latin typeface="Calibri"/>
-              </a:rPr>
-            </a:br>
-            <a:r>
-              <a:rPr lang="en-US" sz="1200" b="true">
-                <a:latin typeface="Calibri"/>
-              </a:rPr>
-              <a:t>Solely for authorized persons having a need to know</a:t>
-            </a:r>
-            <a:br>
-              <a:rPr lang="en-US" sz="1200" b="true">
-                <a:latin typeface="Calibri"/>
-              </a:rPr>
-            </a:br>
-            <a:r>
-              <a:rPr lang="en-US" sz="1200">
-                <a:latin typeface="Calibri"/>
-              </a:rPr>
-              <a:t>Proprietary - Use pursuant to Company Instruction</a:t>
-            </a:r>
-            <a:endParaRPr lang="en-US" sz="1100"/>
-          </a:p>
-        </p:txBody>
-      </p:sp>
-      <p:sp>
-        <p:nvSpPr>
-          <p:cNvPr name="TextBox 6" id="6"/>
-          <p:cNvSpPr txBox="true"/>
-          <p:nvPr/>
-        </p:nvSpPr>
-        <p:spPr>
-          <a:xfrm>
-            <a:off x="254000" y="8382000"/>
-            <a:ext cx="1016000" cy="215900"/>
-          </a:xfrm>
-          <a:prstGeom prst="rect">
-            <a:avLst/>
-          </a:prstGeom>
-        </p:spPr>
-        <p:txBody>
-          <a:bodyPr anchor="t" rtlCol="false"/>
-          <a:lstStyle/>
-          <a:p>
-            <a:pPr algn="l">
-              <a:defRPr/>
-            </a:pPr>
-            <a:r>
-              <a:rPr lang="ru-RU"/>
-              <a:t/>
-            </a:r>
-            <a:r>
-              <a:rPr lang="en-US" sz="1400">
-                <a:latin typeface="Calibri"/>
-              </a:rPr>
-              <a:t>Page 6</a:t>
-            </a:r>
-            <a:endParaRPr lang="en-US" sz="1100"/>
-          </a:p>
-        </p:txBody>
-      </p:sp>
-      <p:pic>
-        <p:nvPicPr>
-          <p:cNvPr name="Picture 7" id="7"/>
-          <p:cNvPicPr>
-            <a:picLocks noChangeAspect="true"/>
-          </p:cNvPicPr>
-          <p:nvPr/>
-        </p:nvPicPr>
-        <p:blipFill>
-          <a:blip r:embed="rId3"/>
-          <a:stretch>
-            <a:fillRect/>
-          </a:stretch>
-        </p:blipFill>
-        <p:spPr>
-          <a:xfrm>
-            <a:off x="13944600" y="8318500"/>
-            <a:ext cx="2057400" cy="520700"/>
-          </a:xfrm>
-          <a:prstGeom prst="rect">
-            <a:avLst/>
-          </a:prstGeom>
-        </p:spPr>
-      </p:pic>
-      <p:sp>
-        <p:nvSpPr>
-          <p:cNvPr name="AutoShape 8" id="8"/>
-          <p:cNvSpPr/>
-          <p:nvPr/>
-        </p:nvSpPr>
-        <p:spPr>
-          <a:xfrm>
-            <a:off x="254000" y="8064500"/>
-            <a:ext cx="15748000" cy="12700"/>
-          </a:xfrm>
-          <a:prstGeom prst="line">
-            <a:avLst/>
-          </a:prstGeom>
-          <a:ln>
-            <a:solidFill>
-              <a:srgbClr val="000000"/>
-            </a:solidFill>
-          </a:ln>
-        </p:spPr>
-      </p:sp>
-      <p:sp>
-        <p:nvSpPr>
-          <p:cNvPr name="TextBox 9" id="9"/>
-          <p:cNvSpPr txBox="true"/>
-          <p:nvPr/>
-        </p:nvSpPr>
-        <p:spPr>
-          <a:xfrm>
-            <a:off x="254000" y="1562100"/>
-            <a:ext cx="15748000" cy="6375400"/>
-          </a:xfrm>
-          <a:prstGeom prst="rect">
-            <a:avLst/>
-          </a:prstGeom>
-        </p:spPr>
-        <p:txBody>
-          <a:bodyPr anchor="t" rtlCol="false"/>
-          <a:lstStyle/>
-          <a:p>
-            <a:pPr algn="l">
-              <a:defRPr/>
-            </a:pPr>
-            <a:r>
-              <a:rPr lang="ru-RU"/>
-              <a:t/>
-            </a:r>
-            <a:endParaRPr lang="en-US" sz="1100"/>
-          </a:p>
-          <a:p/>
-          <a:p>
-            <a:r>
-              <a:rPr lang="en-US" sz="1400" b="true">
-                <a:latin typeface="Calibri"/>
-              </a:rPr>
-              <a:t>Current Project Details</a:t>
-            </a:r>
-          </a:p>
-          <a:p>
-            <a:r>
-              <a:rPr lang="en-US" sz="1400">
-                <a:latin typeface="Calibri"/>
-              </a:rPr>
-              <a:t>\n" + "1PowerPoint documents are made up of a tree of records. A record may contain either other records (in which case it is a Container), or data (in which case it's an Atom). A record can't hold both. PowerPoint documents don't have one overall container record. Instead, there are a number of different container records to be found at the top level. Any numbers or strings stored in the records are always stored in Little Endian format (least important bytes first). This is the case no matter what platform the file was written on - be that a Little Endian or a Big Endian system. PowerPoint may have Escher (DDF) records embedded in it. These are always held as the children of a PPDrawing record (record type 1036). Escher records have the same format as PowerPoint records. Hello mate! Hello mate! Hello mate! Hello mate! Hello mate! Hello mate! Hello mate! Hello mate! Hello mate! This is bold and underscore and both and not true false PowerPoint documents are made up of a tree of records. A record may contain either other records (in which case it is a Container), or data (in which case it's an Atom). A record can't hold both. PowerPoint documents don't have one overall container record. Instead, there are a number of different container records to be found at the top level. Any numbers or strings stored in the records are always stored in Little Endian format (least important bytes first). This is the case no matter what platform the file was written on - be that a Little Endian or a Big Endian system. PowerPoint may have Escher (DDF) records embedded in it. These are always held as the children of a PPDrawing record (record type 1036). Escher records have the same format as PowerPoint records. A record may contain either other records (in which case it is a Container), or data (in which case it's an Atom). A record can't hold both. PowerPoint documents don't have one overall container record PowerPoint documents are made up of a tree of records. A record may contain either other records (in which case it is a Container), or data (in which case it's an Atom). A record can't hold both. PowerPoint documents don't have one overall container record. Instead, there are a number of different container records to be found at the top level. Any numbers or strings stored in the records are always stored in Little Endian format (least important bytes first). This is the case no matter what platform the file was written on - be that a Little Endian or a Big Endian system. PowerPoint may have Escher (DDF) records embedded in it. These are always held as the children of a PPDrawing record (record type 1036). Escher records have the same format as PowerPoint records. Hello mate! Hello mate! Hello mate! Hello mate! Hello mate! Hello mate! Hello mate! Hello mate! Hello mate! This is bold and underscore and both and not true false PowerPoint documents are made up of a tree of records. A record may contain either other records (in which case it is a Container), or data (in which case it's an Atom). A record can't hold both. PowerPoint documents don't have one overall container record. Instead, there are a number of different container records to be found at the top level. Any numbers or strings stored in the records are always stored in Little Endian format (least important bytes first). This is the case no matter what platform the file was written on - be that a Little Endian or a Big Endian system. PowerPoint may have Escher (DDF) records embedded in it. These are always held as the children of a PPDrawing record (record type 1036). Escher records have the same format as PowerPoint records. Hello mate! Hello mate! Hello mate! Hello mate! Hello mate! Hello mate! Hello mate! Hello mate! Hello mate! This is bold and underscore and both and not true false PowerPoint documents are made up of a tree of records. A record may contain either other records (in which case it is a Container), or data (in which case it's an Atom). A record can't hold both. PowerPoint documents don't have one overall container record documents don't have one overall container record. Instead, there are a number of different container records to be found at the top level. Any numbers or strings stored in the records are always stored in Little Endian format (least important bytes first). This is the case no matter what platform the file was written on - be that a Little Endian or a Big Endian system. PowerPoint may have Escher (DDF) records embedded in it. These are always held as the children of a PPDrawing record (record type 1036). " + "</a:t>
-            </a:r>
-          </a:p>
-        </p:txBody>
-      </p:sp>
-    </p:spTree>
-  </p:cSld>
-  <p:clrMapOvr>
-    <a:masterClrMapping/>
-  </p:clrMapOvr>
-</p:sld>
-</file>
-
-<file path=ppt/slides/slide7.xml><?xml version="1.0" encoding="utf-8"?>
-<p:sld xmlns:p="http://schemas.openxmlformats.org/presentationml/2006/main" xmlns:a="http://schemas.openxmlformats.org/drawingml/2006/main" xmlns:r="http://schemas.openxmlformats.org/officeDocument/2006/relationships">
-  <p:cSld>
-    <p:spTree>
-      <p:nvGrpSpPr>
-        <p:cNvPr id="1" name=""/>
-        <p:cNvGrpSpPr/>
-        <p:nvPr/>
-      </p:nvGrpSpPr>
-      <p:grpSpPr>
-        <a:xfrm>
-          <a:off x="0" y="0"/>
-          <a:ext cx="0" cy="0"/>
-          <a:chOff x="0" y="0"/>
-          <a:chExt cx="0" cy="0"/>
-        </a:xfrm>
-      </p:grpSpPr>
-      <p:sp>
-        <p:nvSpPr>
-          <p:cNvPr name="TextBox 2" id="2"/>
-          <p:cNvSpPr txBox="true"/>
-          <p:nvPr/>
-        </p:nvSpPr>
-        <p:spPr>
-          <a:xfrm>
-            <a:off x="254000" y="254000"/>
-            <a:ext cx="6350000" cy="762000"/>
-          </a:xfrm>
-          <a:prstGeom prst="rect">
-            <a:avLst/>
-          </a:prstGeom>
-        </p:spPr>
-        <p:txBody>
-          <a:bodyPr anchor="t" rtlCol="false"/>
-          <a:lstStyle/>
-          <a:p>
-            <a:pPr algn="l">
-              <a:defRPr/>
-            </a:pPr>
-            <a:r>
-              <a:rPr lang="ru-RU"/>
-              <a:t/>
-            </a:r>
-            <a:r>
-              <a:rPr lang="en-US" sz="1400" b="true">
-                <a:latin typeface="Calibri"/>
-              </a:rPr>
-              <a:t>Project name: </a:t>
-            </a:r>
-            <a:r>
-              <a:rPr lang="en-US" sz="1400">
-                <a:latin typeface="Calibri"/>
-                <a:hlinkClick r:id="rId2" tooltip="http://ya.ru"/>
-              </a:rPr>
-              <a:t>Project from Facade</a:t>
-            </a:r>
-            <a:br>
-              <a:rPr lang="en-US" sz="1400">
-                <a:latin typeface="Calibri"/>
-              </a:rPr>
-            </a:br>
-            <a:r>
-              <a:rPr lang="en-US" sz="1400" b="true">
-                <a:latin typeface="Calibri"/>
-              </a:rPr>
-              <a:t>Project manager: </a:t>
-            </a:r>
-            <a:r>
-              <a:rPr lang="en-US" sz="1400">
-                <a:latin typeface="Calibri"/>
-              </a:rPr>
-              <a:t>IKSANOV Aleksandr</a:t>
-            </a:r>
-            <a:br>
-              <a:rPr lang="en-US" sz="1400">
-                <a:latin typeface="Calibri"/>
-              </a:rPr>
-            </a:br>
-            <a:r>
-              <a:rPr lang="en-US" sz="1400" b="true">
-                <a:latin typeface="Calibri"/>
-              </a:rPr>
-              <a:t>Last Updated: </a:t>
-            </a:r>
-            <a:r>
-              <a:rPr lang="en-US" sz="1400">
-                <a:latin typeface="Calibri"/>
-              </a:rPr>
-              <a:t>20-Apr-20</a:t>
-            </a:r>
-            <a:endParaRPr lang="en-US" sz="1100"/>
-          </a:p>
-        </p:txBody>
-      </p:sp>
-      <p:sp>
-        <p:nvSpPr>
-          <p:cNvPr name="TextBox 3" id="3"/>
-          <p:cNvSpPr txBox="true"/>
-          <p:nvPr/>
-        </p:nvSpPr>
-        <p:spPr>
-          <a:xfrm>
-            <a:off x="254000" y="1244600"/>
-            <a:ext cx="15748000" cy="215900"/>
-          </a:xfrm>
-          <a:prstGeom prst="rect">
-            <a:avLst/>
-          </a:prstGeom>
-        </p:spPr>
-        <p:txBody>
-          <a:bodyPr anchor="t" rtlCol="false"/>
-          <a:lstStyle/>
-          <a:p>
-            <a:pPr algn="l">
-              <a:defRPr/>
-            </a:pPr>
-            <a:r>
-              <a:rPr lang="ru-RU"/>
-              <a:t/>
-            </a:r>
-            <a:r>
-              <a:rPr lang="en-US" sz="1400" b="true">
-                <a:latin typeface="Calibri"/>
-              </a:rPr>
-              <a:t>Other Information</a:t>
-            </a:r>
-            <a:endParaRPr lang="en-US" sz="1100"/>
-          </a:p>
-        </p:txBody>
-      </p:sp>
-      <p:sp>
-        <p:nvSpPr>
-          <p:cNvPr name="AutoShape 4" id="4"/>
-          <p:cNvSpPr/>
-          <p:nvPr/>
-        </p:nvSpPr>
-        <p:spPr>
-          <a:xfrm>
-            <a:off x="254000" y="1562100"/>
-            <a:ext cx="15748000" cy="12700"/>
-          </a:xfrm>
-          <a:prstGeom prst="line">
-            <a:avLst/>
-          </a:prstGeom>
-          <a:ln>
-            <a:solidFill>
-              <a:srgbClr val="000000"/>
-            </a:solidFill>
-          </a:ln>
-        </p:spPr>
-      </p:sp>
-      <p:sp>
-        <p:nvSpPr>
-          <p:cNvPr name="TextBox 5" id="5"/>
-          <p:cNvSpPr txBox="true"/>
-          <p:nvPr/>
-        </p:nvSpPr>
-        <p:spPr>
-          <a:xfrm>
-            <a:off x="5905500" y="8191500"/>
-            <a:ext cx="4445000" cy="635000"/>
-          </a:xfrm>
-          <a:prstGeom prst="rect">
-            <a:avLst/>
-          </a:prstGeom>
-        </p:spPr>
-        <p:txBody>
-          <a:bodyPr anchor="t" rtlCol="false"/>
-          <a:lstStyle/>
-          <a:p>
-            <a:pPr algn="ctr">
-              <a:defRPr/>
-            </a:pPr>
-            <a:r>
-              <a:rPr lang="ru-RU"/>
-              <a:t/>
-            </a:r>
-            <a:r>
-              <a:rPr lang="en-US" sz="1200" i="true">
-                <a:solidFill>
-                  <a:srgbClr val="FF0000"/>
-                </a:solidFill>
-                <a:latin typeface="Calibri"/>
-              </a:rPr>
-              <a:t>Alcatel-Lucent Enterprise - Confidential</a:t>
-            </a:r>
-            <a:br>
-              <a:rPr lang="en-US" sz="1200" i="true">
-                <a:solidFill>
-                  <a:srgbClr val="FF0000"/>
-                </a:solidFill>
-                <a:latin typeface="Calibri"/>
-              </a:rPr>
-            </a:br>
-            <a:r>
-              <a:rPr lang="en-US" sz="1200" b="true">
-                <a:latin typeface="Calibri"/>
-              </a:rPr>
-              <a:t>Solely for authorized persons having a need to know</a:t>
-            </a:r>
-            <a:br>
-              <a:rPr lang="en-US" sz="1200" b="true">
-                <a:latin typeface="Calibri"/>
-              </a:rPr>
-            </a:br>
-            <a:r>
-              <a:rPr lang="en-US" sz="1200">
-                <a:latin typeface="Calibri"/>
-              </a:rPr>
-              <a:t>Proprietary - Use pursuant to Company Instruction</a:t>
-            </a:r>
-            <a:endParaRPr lang="en-US" sz="1100"/>
-          </a:p>
-        </p:txBody>
-      </p:sp>
-      <p:sp>
-        <p:nvSpPr>
-          <p:cNvPr name="TextBox 6" id="6"/>
-          <p:cNvSpPr txBox="true"/>
-          <p:nvPr/>
-        </p:nvSpPr>
-        <p:spPr>
-          <a:xfrm>
-            <a:off x="254000" y="8382000"/>
-            <a:ext cx="1016000" cy="215900"/>
-          </a:xfrm>
-          <a:prstGeom prst="rect">
-            <a:avLst/>
-          </a:prstGeom>
-        </p:spPr>
-        <p:txBody>
-          <a:bodyPr anchor="t" rtlCol="false"/>
-          <a:lstStyle/>
-          <a:p>
-            <a:pPr algn="l">
-              <a:defRPr/>
-            </a:pPr>
-            <a:r>
-              <a:rPr lang="ru-RU"/>
-              <a:t/>
-            </a:r>
-            <a:r>
-              <a:rPr lang="en-US" sz="1400">
-                <a:latin typeface="Calibri"/>
-              </a:rPr>
-              <a:t>Page 7</a:t>
-            </a:r>
-            <a:endParaRPr lang="en-US" sz="1100"/>
-          </a:p>
-        </p:txBody>
-      </p:sp>
-      <p:pic>
-        <p:nvPicPr>
-          <p:cNvPr name="Picture 7" id="7"/>
-          <p:cNvPicPr>
-            <a:picLocks noChangeAspect="true"/>
-          </p:cNvPicPr>
-          <p:nvPr/>
-        </p:nvPicPr>
-        <p:blipFill>
-          <a:blip r:embed="rId3"/>
-          <a:stretch>
-            <a:fillRect/>
-          </a:stretch>
-        </p:blipFill>
-        <p:spPr>
-          <a:xfrm>
-            <a:off x="13944600" y="8318500"/>
-            <a:ext cx="2057400" cy="520700"/>
-          </a:xfrm>
-          <a:prstGeom prst="rect">
-            <a:avLst/>
-          </a:prstGeom>
-        </p:spPr>
-      </p:pic>
-      <p:sp>
-        <p:nvSpPr>
-          <p:cNvPr name="AutoShape 8" id="8"/>
-          <p:cNvSpPr/>
-          <p:nvPr/>
-        </p:nvSpPr>
-        <p:spPr>
-          <a:xfrm>
-            <a:off x="254000" y="8064500"/>
-            <a:ext cx="15748000" cy="12700"/>
-          </a:xfrm>
-          <a:prstGeom prst="line">
-            <a:avLst/>
-          </a:prstGeom>
-          <a:ln>
-            <a:solidFill>
-              <a:srgbClr val="000000"/>
-            </a:solidFill>
-          </a:ln>
-        </p:spPr>
-      </p:sp>
-      <p:sp>
-        <p:nvSpPr>
-          <p:cNvPr name="TextBox 9" id="9"/>
-          <p:cNvSpPr txBox="true"/>
-          <p:nvPr/>
-        </p:nvSpPr>
-        <p:spPr>
-          <a:xfrm>
-            <a:off x="254000" y="1562100"/>
-            <a:ext cx="15748000" cy="6375400"/>
-          </a:xfrm>
-          <a:prstGeom prst="rect">
-            <a:avLst/>
-          </a:prstGeom>
-        </p:spPr>
-        <p:txBody>
-          <a:bodyPr anchor="t" rtlCol="false"/>
-          <a:lstStyle/>
-          <a:p>
-            <a:pPr algn="l">
-              <a:defRPr/>
-            </a:pPr>
-            <a:r>
-              <a:rPr lang="ru-RU"/>
-              <a:t/>
-            </a:r>
-            <a:r>
-              <a:rPr lang="en-US" sz="1400">
-                <a:solidFill>
-                  <a:srgbClr val="FF0000"/>
-                </a:solidFill>
-                <a:latin typeface="Calibri"/>
-              </a:rPr>
-              <a:t>2Escher records have the same format as PowerPoint records. Hello mate! Hello mate! Hello mate! Hello mate! Hello mate! Hello mate! Hello mate! Hello mate! Hello mate! This is bold and underscore and both and not true false PowerPoint documents are made up of a tree of records. A record may contain either other records (in which case it is a Container), or data (in which case it's an Atom). A record can't hold both. PowerPoint documents don't have one overall container record. Instead, there are a number of different container records to be found at the top level. Any numbers or strings stored in the records are always stored in Little Endian format (least important bytes first). This is the case no matter what platform the file was written on - be that a Little Endian or a Big Endian system. PowerPoint may have Escher (DDF) records embedded in it. These are always held as the children of a PPDrawing record (record type 1036). Escher records have the same format as PowerPoint records. Hello mate! Hello mate! Hello mate! Hello mate! Hello mate! Hello mate! Hello mate! Hello mate! Hello mate! This is bold and underscore and both and not true false PowerPoint documents are made up of a tree of records. A record may contain either other records (in which case it is a Container), or data (in which case it's an Atom). A record can't hold both. PowerPoint documents don't have one overall container record\n</a:t>
-            </a:r>
-            <a:r>
-              <a:rPr lang="en-US" sz="1400">
-                <a:latin typeface="Calibri"/>
-              </a:rPr>
-              <a:t>" + "</a:t>
-            </a:r>
-            <a:r>
-              <a:rPr lang="en-US" sz="1400">
-                <a:solidFill>
-                  <a:srgbClr val="00FF00"/>
-                </a:solidFill>
-                <a:latin typeface="Calibri"/>
-              </a:rPr>
-              <a:t>3Escher records have the same format as PowerPoint records. Hello mate! Hello mate! Hello mate! Hello mate! Hello mate! Hello mate! Hello mate! Hello mate! Hello mate! This is bold and underscore and both and not true false PowerPoint documents are made up of a tree of records. A record may contain either other records (in which case it is a Container), or data (in which case it's an Atom). A record can't hold both. PowerPoint documents don't have one overall container record. Instead, there are a number of different container records to be found at the top level. Any numbers or strings stored in the records are always stored in Little Endian format (least important bytes first). This is the case no matter what platform the file was written on - be that a Little Endian or a Big Endian system. PowerPoint may have Escher (DDF) records embedded in it. These are always held as the children of a PPDrawing record (record type 1036). Escher records have the same format as PowerPoint records. Hello mate! Hello mate! Hello mate! Hello mate! Hello mate! Hello mate! Hello mate! Hello mate! Hello mate! This is bold and underscore and both and not true false PowerPoint documents are made up of a tree of records. A record may contain either other records (in which case it is a Container), or data (in which case it's an Atom). A record can't hold both. PowerPoint documents don't have one overall container record\n</a:t>
-            </a:r>
-            <a:r>
-              <a:rPr lang="en-US" sz="1400">
-                <a:latin typeface="Calibri"/>
-              </a:rPr>
-              <a:t>" + "</a:t>
-            </a:r>
-            <a:r>
-              <a:rPr lang="en-US" sz="1400">
-                <a:solidFill>
-                  <a:srgbClr val="0000FF"/>
-                </a:solidFill>
-                <a:latin typeface="Calibri"/>
-              </a:rPr>
-              <a:t>4Escher records have the same format as PowerPoint records. Hello mate! Hello mate! Hello mate! Hello mate! Hello mate! Hello mate! Hello mate! Hello mate! Hello mate! This is bold and underscore and both and not true false PowerPoint documents are made up of a tree of records. A record may contain either other records (in which case it is a Container), or data (in which case it's an Atom). A record can't hold both. PowerPoint documents don't have one overall container record. Instead, there are a number of different container records to be found at the top level. Any numbers or strings stored in the records are always stored in Little Endian format (least important bytes first). This is the case no matter what platform the file was written on - be that a Little Endian or a Big Endian system. PowerPoint may have Escher (DDF) records embedded in it. These are always held as the children of a PPDrawing record (record type 1036). Escher records have the same format as PowerPoint records. Hello mate! Hello mate! Hello mate! Hello mate! Hello mate! Hello mate! Hello mate! Hello mate! Hello mate! This is bold and underscore and both and not true false PowerPoint documents are made up of a tree of records. A record may contain either other records (in which case it is a Container), or data (in which case it's an Atom). A record can't hold both. PowerPoint documents don't have one overall container record\n</a:t>
-            </a:r>
-            <a:r>
-              <a:rPr lang="en-US" sz="1400">
-                <a:latin typeface="Calibri"/>
-              </a:rPr>
-              <a:t>" + "</a:t>
-            </a:r>
-            <a:endParaRPr lang="en-US" sz="1100"/>
-          </a:p>
-          <a:p/>
         </p:txBody>
       </p:sp>
     </p:spTree>

--- a/html-to-ppt/createMultipageIndicatorsPpt.pptx
+++ b/html-to-ppt/createMultipageIndicatorsPpt.pptx
@@ -10,6 +10,8 @@
     <p:sldId id="258" r:id="rId8"/>
     <p:sldId id="259" r:id="rId9"/>
     <p:sldId id="260" r:id="rId10"/>
+    <p:sldId id="261" r:id="rId11"/>
+    <p:sldId id="262" r:id="rId12"/>
   </p:sldIdLst>
   <p:sldSz cx="16256000" cy="9144000"/>
   <p:notesSz cx="6858000" cy="9144000"/>
@@ -3098,9 +3100,9 @@
             <a:r>
               <a:rPr lang="en-US" sz="1400">
                 <a:latin typeface="Calibri"/>
-                <a:hlinkClick r:id="rId2" tooltip=""/>
-              </a:rPr>
-              <a:t/>
+                <a:hlinkClick r:id="rId2" tooltip="http://ya.ru"/>
+              </a:rPr>
+              <a:t>Project from Facade</a:t>
             </a:r>
             <a:br>
               <a:rPr lang="en-US" sz="1400">
@@ -3117,7 +3119,7 @@
               <a:rPr lang="en-US" sz="1400">
                 <a:latin typeface="Calibri"/>
               </a:rPr>
-              <a:t/>
+              <a:t>IKSANOV Aleksandr</a:t>
             </a:r>
             <a:br>
               <a:rPr lang="en-US" sz="1400">
@@ -3170,7 +3172,7 @@
               <a:rPr lang="en-US" sz="1400" b="true">
                 <a:latin typeface="Calibri"/>
               </a:rPr>
-              <a:t/>
+              <a:t>Summary title Summary title Summary title Summary title Summary title </a:t>
             </a:r>
             <a:endParaRPr lang="en-US" sz="1100"/>
           </a:p>
@@ -3593,7 +3595,7 @@
                       </a:pPr>
                       <a:r>
                         <a:rPr lang="en-US" sz="1400"/>
-                        <a:t> </a:t>
+                        <a:t>RED</a:t>
                       </a:r>
                       <a:endParaRPr lang="en-US" sz="1100"/>
                     </a:p>
@@ -3636,7 +3638,7 @@
                       <a:tailEnd type="none" w="med" len="med"/>
                     </a:lnB>
                     <a:solidFill>
-                      <a:srgbClr val="C0C0C0"/>
+                      <a:srgbClr val="FF0000"/>
                     </a:solidFill>
                   </a:tcPr>
                 </a:tc>
@@ -3650,7 +3652,7 @@
                       </a:pPr>
                       <a:r>
                         <a:rPr lang="en-US" sz="1400"/>
-                        <a:t> </a:t>
+                        <a:t>YELLOW</a:t>
                       </a:r>
                       <a:endParaRPr lang="en-US" sz="1100"/>
                     </a:p>
@@ -3693,7 +3695,7 @@
                       <a:tailEnd type="none" w="med" len="med"/>
                     </a:lnB>
                     <a:solidFill>
-                      <a:srgbClr val="C0C0C0"/>
+                      <a:srgbClr val="FFC800"/>
                     </a:solidFill>
                   </a:tcPr>
                 </a:tc>
@@ -3707,7 +3709,7 @@
                       </a:pPr>
                       <a:r>
                         <a:rPr lang="en-US" sz="1400"/>
-                        <a:t> </a:t>
+                        <a:t>RED</a:t>
                       </a:r>
                       <a:endParaRPr lang="en-US" sz="1100"/>
                     </a:p>
@@ -3750,7 +3752,7 @@
                       <a:tailEnd type="none" w="med" len="med"/>
                     </a:lnB>
                     <a:solidFill>
-                      <a:srgbClr val="C0C0C0"/>
+                      <a:srgbClr val="FF0000"/>
                     </a:solidFill>
                   </a:tcPr>
                 </a:tc>
@@ -3764,7 +3766,7 @@
                       </a:pPr>
                       <a:r>
                         <a:rPr lang="en-US" sz="1400"/>
-                        <a:t> </a:t>
+                        <a:t>GREEN</a:t>
                       </a:r>
                       <a:endParaRPr lang="en-US" sz="1100"/>
                     </a:p>
@@ -3807,7 +3809,7 @@
                       <a:tailEnd type="none" w="med" len="med"/>
                     </a:lnB>
                     <a:solidFill>
-                      <a:srgbClr val="C0C0C0"/>
+                      <a:srgbClr val="00FF00"/>
                     </a:solidFill>
                   </a:tcPr>
                 </a:tc>
@@ -3895,14 +3897,14 @@
         </p:nvSpPr>
         <p:spPr>
           <a:xfrm>
-            <a:off x="8890000" y="2438400"/>
-            <a:ext cx="203200" cy="406400"/>
-          </a:xfrm>
-          <a:prstGeom prst="roundRect">
+            <a:off x="3048000" y="2527300"/>
+            <a:ext cx="25400" cy="228600"/>
+          </a:xfrm>
+          <a:prstGeom prst="rect">
             <a:avLst/>
           </a:prstGeom>
           <a:solidFill>
-            <a:srgbClr val="C0C0C0"/>
+            <a:srgbClr val="000000"/>
           </a:solidFill>
           <a:ln>
             <a:solidFill>
@@ -3910,31 +3912,78 @@
             </a:solidFill>
           </a:ln>
         </p:spPr>
-        <p:txBody>
-          <a:bodyPr anchor="t" rtlCol="false" anchorCtr="true"/>
-          <a:lstStyle/>
-          <a:p>
-            <a:pPr algn="l">
+      </p:sp>
+      <p:sp>
+        <p:nvSpPr>
+          <p:cNvPr name="TextBox 13" id="13"/>
+          <p:cNvSpPr txBox="true"/>
+          <p:nvPr/>
+        </p:nvSpPr>
+        <p:spPr>
+          <a:xfrm>
+            <a:off x="2616200" y="2006600"/>
+            <a:ext cx="889000" cy="215900"/>
+          </a:xfrm>
+          <a:prstGeom prst="rect">
+            <a:avLst/>
+          </a:prstGeom>
+        </p:spPr>
+        <p:txBody>
+          <a:bodyPr anchor="t" rtlCol="false"/>
+          <a:lstStyle/>
+          <a:p>
+            <a:pPr algn="ctr">
               <a:defRPr/>
             </a:pPr>
             <a:r>
-              <a:rPr lang="en-US"/>
-              <a:t> </a:t>
+              <a:rPr lang="ru-RU"/>
+              <a:t/>
+            </a:r>
+            <a:r>
+              <a:rPr lang="en-US" sz="1400">
+                <a:latin typeface="Calibri"/>
+                <a:hlinkClick r:id="rId4" tooltip="http://www.google.com"/>
+              </a:rPr>
+              <a:t>DR1</a:t>
             </a:r>
             <a:endParaRPr lang="en-US" sz="1100"/>
           </a:p>
         </p:txBody>
       </p:sp>
-      <p:sp>
-        <p:nvSpPr>
-          <p:cNvPr name="TextBox 13" id="13"/>
+      <p:pic>
+        <p:nvPicPr>
+          <p:cNvPr name="Picture 14" id="14"/>
+          <p:cNvPicPr>
+            <a:picLocks noChangeAspect="true"/>
+          </p:cNvPicPr>
+          <p:nvPr/>
+        </p:nvPicPr>
+        <p:blipFill>
+          <a:blip r:embed="rId5"/>
+          <a:stretch>
+            <a:fillRect/>
+          </a:stretch>
+        </p:blipFill>
+        <p:spPr>
+          <a:xfrm>
+            <a:off x="2946400" y="1689100"/>
+            <a:ext cx="254000" cy="254000"/>
+          </a:xfrm>
+          <a:prstGeom prst="rect">
+            <a:avLst/>
+          </a:prstGeom>
+        </p:spPr>
+      </p:pic>
+      <p:sp>
+        <p:nvSpPr>
+          <p:cNvPr name="TextBox 15" id="15"/>
           <p:cNvSpPr txBox="true"/>
           <p:nvPr/>
         </p:nvSpPr>
         <p:spPr>
           <a:xfrm>
-            <a:off x="254000" y="3657600"/>
-            <a:ext cx="3175000" cy="215900"/>
+            <a:off x="2413000" y="2959100"/>
+            <a:ext cx="1270000" cy="444500"/>
           </a:xfrm>
           <a:prstGeom prst="rect">
             <a:avLst/>
@@ -3944,7 +3993,7 @@
           <a:bodyPr anchor="t" rtlCol="false"/>
           <a:lstStyle/>
           <a:p>
-            <a:pPr algn="l">
+            <a:pPr algn="ctr">
               <a:defRPr/>
             </a:pPr>
             <a:r>
@@ -3952,10 +4001,21 @@
               <a:t/>
             </a:r>
             <a:r>
-              <a:rPr lang="en-US" sz="1200">
-                <a:latin typeface="Calibri"/>
-              </a:rPr>
-              <a:t>* Committed dates are DR1 baseline dates</a:t>
+              <a:rPr lang="en-US" sz="1400">
+                <a:latin typeface="Calibri"/>
+              </a:rPr>
+              <a:t>11-Apr-20</a:t>
+            </a:r>
+            <a:br>
+              <a:rPr lang="en-US" sz="1400">
+                <a:latin typeface="Calibri"/>
+              </a:rPr>
+            </a:br>
+            <a:r>
+              <a:rPr lang="en-US" sz="1400">
+                <a:latin typeface="Calibri"/>
+              </a:rPr>
+              <a:t>10-Apr-20</a:t>
             </a:r>
             <a:endParaRPr lang="en-US" sz="1100"/>
           </a:p>
@@ -3963,18 +4023,21 @@
       </p:sp>
       <p:sp>
         <p:nvSpPr>
-          <p:cNvPr name="AutoShape 14" id="14"/>
+          <p:cNvPr name="AutoShape 16" id="16"/>
           <p:cNvSpPr/>
           <p:nvPr/>
         </p:nvSpPr>
         <p:spPr>
           <a:xfrm>
-            <a:off x="254000" y="3911600"/>
-            <a:ext cx="15748000" cy="12700"/>
-          </a:xfrm>
-          <a:prstGeom prst="line">
-            <a:avLst/>
-          </a:prstGeom>
+            <a:off x="4318000" y="2527300"/>
+            <a:ext cx="25400" cy="228600"/>
+          </a:xfrm>
+          <a:prstGeom prst="rect">
+            <a:avLst/>
+          </a:prstGeom>
+          <a:solidFill>
+            <a:srgbClr val="000000"/>
+          </a:solidFill>
           <a:ln>
             <a:solidFill>
               <a:srgbClr val="000000"/>
@@ -3982,9 +4045,1270 @@
           </a:ln>
         </p:spPr>
       </p:sp>
+      <p:sp>
+        <p:nvSpPr>
+          <p:cNvPr name="TextBox 17" id="17"/>
+          <p:cNvSpPr txBox="true"/>
+          <p:nvPr/>
+        </p:nvSpPr>
+        <p:spPr>
+          <a:xfrm>
+            <a:off x="3886200" y="2006600"/>
+            <a:ext cx="889000" cy="215900"/>
+          </a:xfrm>
+          <a:prstGeom prst="rect">
+            <a:avLst/>
+          </a:prstGeom>
+        </p:spPr>
+        <p:txBody>
+          <a:bodyPr anchor="t" rtlCol="false"/>
+          <a:lstStyle/>
+          <a:p>
+            <a:pPr algn="ctr">
+              <a:defRPr/>
+            </a:pPr>
+            <a:r>
+              <a:rPr lang="ru-RU"/>
+              <a:t/>
+            </a:r>
+            <a:r>
+              <a:rPr lang="en-US" sz="1400">
+                <a:latin typeface="Calibri"/>
+                <a:hlinkClick r:id="rId6" tooltip="http://www.google.com"/>
+              </a:rPr>
+              <a:t>DR2</a:t>
+            </a:r>
+            <a:endParaRPr lang="en-US" sz="1100"/>
+          </a:p>
+        </p:txBody>
+      </p:sp>
+      <p:pic>
+        <p:nvPicPr>
+          <p:cNvPr name="Picture 18" id="18"/>
+          <p:cNvPicPr>
+            <a:picLocks noChangeAspect="true"/>
+          </p:cNvPicPr>
+          <p:nvPr/>
+        </p:nvPicPr>
+        <p:blipFill>
+          <a:blip r:embed="rId7"/>
+          <a:stretch>
+            <a:fillRect/>
+          </a:stretch>
+        </p:blipFill>
+        <p:spPr>
+          <a:xfrm>
+            <a:off x="4216400" y="1689100"/>
+            <a:ext cx="254000" cy="254000"/>
+          </a:xfrm>
+          <a:prstGeom prst="rect">
+            <a:avLst/>
+          </a:prstGeom>
+        </p:spPr>
+      </p:pic>
+      <p:sp>
+        <p:nvSpPr>
+          <p:cNvPr name="TextBox 19" id="19"/>
+          <p:cNvSpPr txBox="true"/>
+          <p:nvPr/>
+        </p:nvSpPr>
+        <p:spPr>
+          <a:xfrm>
+            <a:off x="3683000" y="2959100"/>
+            <a:ext cx="1270000" cy="444500"/>
+          </a:xfrm>
+          <a:prstGeom prst="rect">
+            <a:avLst/>
+          </a:prstGeom>
+        </p:spPr>
+        <p:txBody>
+          <a:bodyPr anchor="t" rtlCol="false"/>
+          <a:lstStyle/>
+          <a:p>
+            <a:pPr algn="ctr">
+              <a:defRPr/>
+            </a:pPr>
+            <a:r>
+              <a:rPr lang="ru-RU"/>
+              <a:t/>
+            </a:r>
+            <a:r>
+              <a:rPr lang="en-US" sz="1400">
+                <a:latin typeface="Calibri"/>
+              </a:rPr>
+              <a:t>15-Apr-20</a:t>
+            </a:r>
+            <a:br>
+              <a:rPr lang="en-US" sz="1400">
+                <a:latin typeface="Calibri"/>
+              </a:rPr>
+            </a:br>
+            <a:r>
+              <a:rPr lang="en-US" sz="1400">
+                <a:latin typeface="Calibri"/>
+              </a:rPr>
+              <a:t>15-Apr-20</a:t>
+            </a:r>
+            <a:endParaRPr lang="en-US" sz="1100"/>
+          </a:p>
+        </p:txBody>
+      </p:sp>
+      <p:sp>
+        <p:nvSpPr>
+          <p:cNvPr name="AutoShape 20" id="20"/>
+          <p:cNvSpPr/>
+          <p:nvPr/>
+        </p:nvSpPr>
+        <p:spPr>
+          <a:xfrm>
+            <a:off x="5588000" y="2527300"/>
+            <a:ext cx="25400" cy="228600"/>
+          </a:xfrm>
+          <a:prstGeom prst="rect">
+            <a:avLst/>
+          </a:prstGeom>
+          <a:solidFill>
+            <a:srgbClr val="000000"/>
+          </a:solidFill>
+          <a:ln>
+            <a:solidFill>
+              <a:srgbClr val="000000"/>
+            </a:solidFill>
+          </a:ln>
+        </p:spPr>
+      </p:sp>
+      <p:sp>
+        <p:nvSpPr>
+          <p:cNvPr name="TextBox 21" id="21"/>
+          <p:cNvSpPr txBox="true"/>
+          <p:nvPr/>
+        </p:nvSpPr>
+        <p:spPr>
+          <a:xfrm>
+            <a:off x="5156200" y="2006600"/>
+            <a:ext cx="889000" cy="215900"/>
+          </a:xfrm>
+          <a:prstGeom prst="rect">
+            <a:avLst/>
+          </a:prstGeom>
+        </p:spPr>
+        <p:txBody>
+          <a:bodyPr anchor="t" rtlCol="false"/>
+          <a:lstStyle/>
+          <a:p>
+            <a:pPr algn="ctr">
+              <a:defRPr/>
+            </a:pPr>
+            <a:r>
+              <a:rPr lang="ru-RU"/>
+              <a:t/>
+            </a:r>
+            <a:r>
+              <a:rPr lang="en-US" sz="1400">
+                <a:latin typeface="Calibri"/>
+                <a:hlinkClick r:id="rId8" tooltip="http://www.google.com"/>
+              </a:rPr>
+              <a:t>DR2</a:t>
+            </a:r>
+            <a:endParaRPr lang="en-US" sz="1100"/>
+          </a:p>
+        </p:txBody>
+      </p:sp>
+      <p:pic>
+        <p:nvPicPr>
+          <p:cNvPr name="Picture 22" id="22"/>
+          <p:cNvPicPr>
+            <a:picLocks noChangeAspect="true"/>
+          </p:cNvPicPr>
+          <p:nvPr/>
+        </p:nvPicPr>
+        <p:blipFill>
+          <a:blip r:embed="rId5"/>
+          <a:stretch>
+            <a:fillRect/>
+          </a:stretch>
+        </p:blipFill>
+        <p:spPr>
+          <a:xfrm>
+            <a:off x="5486400" y="1689100"/>
+            <a:ext cx="254000" cy="254000"/>
+          </a:xfrm>
+          <a:prstGeom prst="rect">
+            <a:avLst/>
+          </a:prstGeom>
+        </p:spPr>
+      </p:pic>
+      <p:sp>
+        <p:nvSpPr>
+          <p:cNvPr name="TextBox 23" id="23"/>
+          <p:cNvSpPr txBox="true"/>
+          <p:nvPr/>
+        </p:nvSpPr>
+        <p:spPr>
+          <a:xfrm>
+            <a:off x="4953000" y="2959100"/>
+            <a:ext cx="1270000" cy="444500"/>
+          </a:xfrm>
+          <a:prstGeom prst="rect">
+            <a:avLst/>
+          </a:prstGeom>
+        </p:spPr>
+        <p:txBody>
+          <a:bodyPr anchor="t" rtlCol="false"/>
+          <a:lstStyle/>
+          <a:p>
+            <a:pPr algn="ctr">
+              <a:defRPr/>
+            </a:pPr>
+            <a:r>
+              <a:rPr lang="ru-RU"/>
+              <a:t/>
+            </a:r>
+            <a:r>
+              <a:rPr lang="en-US" sz="1400">
+                <a:latin typeface="Calibri"/>
+              </a:rPr>
+              <a:t>15-Apr-20</a:t>
+            </a:r>
+            <a:br>
+              <a:rPr lang="en-US" sz="1400">
+                <a:latin typeface="Calibri"/>
+              </a:rPr>
+            </a:br>
+            <a:r>
+              <a:rPr lang="en-US" sz="1400">
+                <a:latin typeface="Calibri"/>
+              </a:rPr>
+              <a:t>15-Apr-20</a:t>
+            </a:r>
+            <a:endParaRPr lang="en-US" sz="1100"/>
+          </a:p>
+        </p:txBody>
+      </p:sp>
+      <p:sp>
+        <p:nvSpPr>
+          <p:cNvPr name="AutoShape 24" id="24"/>
+          <p:cNvSpPr/>
+          <p:nvPr/>
+        </p:nvSpPr>
+        <p:spPr>
+          <a:xfrm>
+            <a:off x="6858000" y="2527300"/>
+            <a:ext cx="25400" cy="228600"/>
+          </a:xfrm>
+          <a:prstGeom prst="rect">
+            <a:avLst/>
+          </a:prstGeom>
+          <a:solidFill>
+            <a:srgbClr val="000000"/>
+          </a:solidFill>
+          <a:ln>
+            <a:solidFill>
+              <a:srgbClr val="000000"/>
+            </a:solidFill>
+          </a:ln>
+        </p:spPr>
+      </p:sp>
+      <p:sp>
+        <p:nvSpPr>
+          <p:cNvPr name="TextBox 25" id="25"/>
+          <p:cNvSpPr txBox="true"/>
+          <p:nvPr/>
+        </p:nvSpPr>
+        <p:spPr>
+          <a:xfrm>
+            <a:off x="6426200" y="2006600"/>
+            <a:ext cx="889000" cy="215900"/>
+          </a:xfrm>
+          <a:prstGeom prst="rect">
+            <a:avLst/>
+          </a:prstGeom>
+        </p:spPr>
+        <p:txBody>
+          <a:bodyPr anchor="t" rtlCol="false"/>
+          <a:lstStyle/>
+          <a:p>
+            <a:pPr algn="ctr">
+              <a:defRPr/>
+            </a:pPr>
+            <a:r>
+              <a:rPr lang="ru-RU"/>
+              <a:t/>
+            </a:r>
+            <a:r>
+              <a:rPr lang="en-US" sz="1400">
+                <a:latin typeface="Calibri"/>
+                <a:hlinkClick r:id="rId9" tooltip="http://www.google.com"/>
+              </a:rPr>
+              <a:t>DR2</a:t>
+            </a:r>
+            <a:endParaRPr lang="en-US" sz="1100"/>
+          </a:p>
+        </p:txBody>
+      </p:sp>
+      <p:pic>
+        <p:nvPicPr>
+          <p:cNvPr name="Picture 26" id="26"/>
+          <p:cNvPicPr>
+            <a:picLocks noChangeAspect="true"/>
+          </p:cNvPicPr>
+          <p:nvPr/>
+        </p:nvPicPr>
+        <p:blipFill>
+          <a:blip r:embed="rId5"/>
+          <a:stretch>
+            <a:fillRect/>
+          </a:stretch>
+        </p:blipFill>
+        <p:spPr>
+          <a:xfrm>
+            <a:off x="6756400" y="1689100"/>
+            <a:ext cx="254000" cy="254000"/>
+          </a:xfrm>
+          <a:prstGeom prst="rect">
+            <a:avLst/>
+          </a:prstGeom>
+        </p:spPr>
+      </p:pic>
+      <p:sp>
+        <p:nvSpPr>
+          <p:cNvPr name="TextBox 27" id="27"/>
+          <p:cNvSpPr txBox="true"/>
+          <p:nvPr/>
+        </p:nvSpPr>
+        <p:spPr>
+          <a:xfrm>
+            <a:off x="6223000" y="2959100"/>
+            <a:ext cx="1270000" cy="444500"/>
+          </a:xfrm>
+          <a:prstGeom prst="rect">
+            <a:avLst/>
+          </a:prstGeom>
+        </p:spPr>
+        <p:txBody>
+          <a:bodyPr anchor="t" rtlCol="false"/>
+          <a:lstStyle/>
+          <a:p>
+            <a:pPr algn="ctr">
+              <a:defRPr/>
+            </a:pPr>
+            <a:r>
+              <a:rPr lang="ru-RU"/>
+              <a:t/>
+            </a:r>
+            <a:r>
+              <a:rPr lang="en-US" sz="1400">
+                <a:latin typeface="Calibri"/>
+              </a:rPr>
+              <a:t>15-Apr-20</a:t>
+            </a:r>
+            <a:br>
+              <a:rPr lang="en-US" sz="1400">
+                <a:latin typeface="Calibri"/>
+              </a:rPr>
+            </a:br>
+            <a:r>
+              <a:rPr lang="en-US" sz="1400">
+                <a:latin typeface="Calibri"/>
+              </a:rPr>
+              <a:t>15-Apr-20</a:t>
+            </a:r>
+            <a:endParaRPr lang="en-US" sz="1100"/>
+          </a:p>
+        </p:txBody>
+      </p:sp>
+      <p:sp>
+        <p:nvSpPr>
+          <p:cNvPr name="AutoShape 28" id="28"/>
+          <p:cNvSpPr/>
+          <p:nvPr/>
+        </p:nvSpPr>
+        <p:spPr>
+          <a:xfrm>
+            <a:off x="8128000" y="2527300"/>
+            <a:ext cx="25400" cy="228600"/>
+          </a:xfrm>
+          <a:prstGeom prst="rect">
+            <a:avLst/>
+          </a:prstGeom>
+          <a:solidFill>
+            <a:srgbClr val="000000"/>
+          </a:solidFill>
+          <a:ln>
+            <a:solidFill>
+              <a:srgbClr val="000000"/>
+            </a:solidFill>
+          </a:ln>
+        </p:spPr>
+      </p:sp>
+      <p:sp>
+        <p:nvSpPr>
+          <p:cNvPr name="TextBox 29" id="29"/>
+          <p:cNvSpPr txBox="true"/>
+          <p:nvPr/>
+        </p:nvSpPr>
+        <p:spPr>
+          <a:xfrm>
+            <a:off x="7696200" y="2006600"/>
+            <a:ext cx="889000" cy="215900"/>
+          </a:xfrm>
+          <a:prstGeom prst="rect">
+            <a:avLst/>
+          </a:prstGeom>
+        </p:spPr>
+        <p:txBody>
+          <a:bodyPr anchor="t" rtlCol="false"/>
+          <a:lstStyle/>
+          <a:p>
+            <a:pPr algn="ctr">
+              <a:defRPr/>
+            </a:pPr>
+            <a:r>
+              <a:rPr lang="ru-RU"/>
+              <a:t/>
+            </a:r>
+            <a:r>
+              <a:rPr lang="en-US" sz="1400">
+                <a:latin typeface="Calibri"/>
+                <a:hlinkClick r:id="rId10" tooltip="http://www.google.com"/>
+              </a:rPr>
+              <a:t>DR2</a:t>
+            </a:r>
+            <a:endParaRPr lang="en-US" sz="1100"/>
+          </a:p>
+        </p:txBody>
+      </p:sp>
+      <p:pic>
+        <p:nvPicPr>
+          <p:cNvPr name="Picture 30" id="30"/>
+          <p:cNvPicPr>
+            <a:picLocks noChangeAspect="true"/>
+          </p:cNvPicPr>
+          <p:nvPr/>
+        </p:nvPicPr>
+        <p:blipFill>
+          <a:blip r:embed="rId5"/>
+          <a:stretch>
+            <a:fillRect/>
+          </a:stretch>
+        </p:blipFill>
+        <p:spPr>
+          <a:xfrm>
+            <a:off x="8026400" y="1689100"/>
+            <a:ext cx="254000" cy="254000"/>
+          </a:xfrm>
+          <a:prstGeom prst="rect">
+            <a:avLst/>
+          </a:prstGeom>
+        </p:spPr>
+      </p:pic>
+      <p:sp>
+        <p:nvSpPr>
+          <p:cNvPr name="TextBox 31" id="31"/>
+          <p:cNvSpPr txBox="true"/>
+          <p:nvPr/>
+        </p:nvSpPr>
+        <p:spPr>
+          <a:xfrm>
+            <a:off x="7493000" y="2959100"/>
+            <a:ext cx="1270000" cy="444500"/>
+          </a:xfrm>
+          <a:prstGeom prst="rect">
+            <a:avLst/>
+          </a:prstGeom>
+        </p:spPr>
+        <p:txBody>
+          <a:bodyPr anchor="t" rtlCol="false"/>
+          <a:lstStyle/>
+          <a:p>
+            <a:pPr algn="ctr">
+              <a:defRPr/>
+            </a:pPr>
+            <a:r>
+              <a:rPr lang="ru-RU"/>
+              <a:t/>
+            </a:r>
+            <a:r>
+              <a:rPr lang="en-US" sz="1400">
+                <a:latin typeface="Calibri"/>
+              </a:rPr>
+              <a:t>15-Apr-20</a:t>
+            </a:r>
+            <a:br>
+              <a:rPr lang="en-US" sz="1400">
+                <a:latin typeface="Calibri"/>
+              </a:rPr>
+            </a:br>
+            <a:r>
+              <a:rPr lang="en-US" sz="1400">
+                <a:latin typeface="Calibri"/>
+              </a:rPr>
+              <a:t>15-Apr-20</a:t>
+            </a:r>
+            <a:endParaRPr lang="en-US" sz="1100"/>
+          </a:p>
+        </p:txBody>
+      </p:sp>
+      <p:sp>
+        <p:nvSpPr>
+          <p:cNvPr name="AutoShape 32" id="32"/>
+          <p:cNvSpPr/>
+          <p:nvPr/>
+        </p:nvSpPr>
+        <p:spPr>
+          <a:xfrm>
+            <a:off x="9398000" y="2527300"/>
+            <a:ext cx="25400" cy="228600"/>
+          </a:xfrm>
+          <a:prstGeom prst="rect">
+            <a:avLst/>
+          </a:prstGeom>
+          <a:solidFill>
+            <a:srgbClr val="000000"/>
+          </a:solidFill>
+          <a:ln>
+            <a:solidFill>
+              <a:srgbClr val="000000"/>
+            </a:solidFill>
+          </a:ln>
+        </p:spPr>
+      </p:sp>
+      <p:sp>
+        <p:nvSpPr>
+          <p:cNvPr name="TextBox 33" id="33"/>
+          <p:cNvSpPr txBox="true"/>
+          <p:nvPr/>
+        </p:nvSpPr>
+        <p:spPr>
+          <a:xfrm>
+            <a:off x="8966200" y="2006600"/>
+            <a:ext cx="889000" cy="215900"/>
+          </a:xfrm>
+          <a:prstGeom prst="rect">
+            <a:avLst/>
+          </a:prstGeom>
+        </p:spPr>
+        <p:txBody>
+          <a:bodyPr anchor="t" rtlCol="false"/>
+          <a:lstStyle/>
+          <a:p>
+            <a:pPr algn="ctr">
+              <a:defRPr/>
+            </a:pPr>
+            <a:r>
+              <a:rPr lang="ru-RU"/>
+              <a:t/>
+            </a:r>
+            <a:r>
+              <a:rPr lang="en-US" sz="1400">
+                <a:latin typeface="Calibri"/>
+                <a:hlinkClick r:id="rId11" tooltip="http://www.google.com"/>
+              </a:rPr>
+              <a:t>DR2</a:t>
+            </a:r>
+            <a:endParaRPr lang="en-US" sz="1100"/>
+          </a:p>
+        </p:txBody>
+      </p:sp>
+      <p:pic>
+        <p:nvPicPr>
+          <p:cNvPr name="Picture 34" id="34"/>
+          <p:cNvPicPr>
+            <a:picLocks noChangeAspect="true"/>
+          </p:cNvPicPr>
+          <p:nvPr/>
+        </p:nvPicPr>
+        <p:blipFill>
+          <a:blip r:embed="rId5"/>
+          <a:stretch>
+            <a:fillRect/>
+          </a:stretch>
+        </p:blipFill>
+        <p:spPr>
+          <a:xfrm>
+            <a:off x="9296400" y="1689100"/>
+            <a:ext cx="254000" cy="254000"/>
+          </a:xfrm>
+          <a:prstGeom prst="rect">
+            <a:avLst/>
+          </a:prstGeom>
+        </p:spPr>
+      </p:pic>
+      <p:sp>
+        <p:nvSpPr>
+          <p:cNvPr name="TextBox 35" id="35"/>
+          <p:cNvSpPr txBox="true"/>
+          <p:nvPr/>
+        </p:nvSpPr>
+        <p:spPr>
+          <a:xfrm>
+            <a:off x="8763000" y="2959100"/>
+            <a:ext cx="1270000" cy="444500"/>
+          </a:xfrm>
+          <a:prstGeom prst="rect">
+            <a:avLst/>
+          </a:prstGeom>
+        </p:spPr>
+        <p:txBody>
+          <a:bodyPr anchor="t" rtlCol="false"/>
+          <a:lstStyle/>
+          <a:p>
+            <a:pPr algn="ctr">
+              <a:defRPr/>
+            </a:pPr>
+            <a:r>
+              <a:rPr lang="ru-RU"/>
+              <a:t/>
+            </a:r>
+            <a:r>
+              <a:rPr lang="en-US" sz="1400">
+                <a:latin typeface="Calibri"/>
+              </a:rPr>
+              <a:t>15-Apr-20</a:t>
+            </a:r>
+            <a:br>
+              <a:rPr lang="en-US" sz="1400">
+                <a:latin typeface="Calibri"/>
+              </a:rPr>
+            </a:br>
+            <a:r>
+              <a:rPr lang="en-US" sz="1400">
+                <a:latin typeface="Calibri"/>
+              </a:rPr>
+              <a:t>15-Apr-20</a:t>
+            </a:r>
+            <a:endParaRPr lang="en-US" sz="1100"/>
+          </a:p>
+        </p:txBody>
+      </p:sp>
+      <p:sp>
+        <p:nvSpPr>
+          <p:cNvPr name="AutoShape 36" id="36"/>
+          <p:cNvSpPr/>
+          <p:nvPr/>
+        </p:nvSpPr>
+        <p:spPr>
+          <a:xfrm>
+            <a:off x="10668000" y="2527300"/>
+            <a:ext cx="25400" cy="228600"/>
+          </a:xfrm>
+          <a:prstGeom prst="rect">
+            <a:avLst/>
+          </a:prstGeom>
+          <a:solidFill>
+            <a:srgbClr val="000000"/>
+          </a:solidFill>
+          <a:ln>
+            <a:solidFill>
+              <a:srgbClr val="000000"/>
+            </a:solidFill>
+          </a:ln>
+        </p:spPr>
+      </p:sp>
+      <p:sp>
+        <p:nvSpPr>
+          <p:cNvPr name="TextBox 37" id="37"/>
+          <p:cNvSpPr txBox="true"/>
+          <p:nvPr/>
+        </p:nvSpPr>
+        <p:spPr>
+          <a:xfrm>
+            <a:off x="10236200" y="2006600"/>
+            <a:ext cx="889000" cy="215900"/>
+          </a:xfrm>
+          <a:prstGeom prst="rect">
+            <a:avLst/>
+          </a:prstGeom>
+        </p:spPr>
+        <p:txBody>
+          <a:bodyPr anchor="t" rtlCol="false"/>
+          <a:lstStyle/>
+          <a:p>
+            <a:pPr algn="ctr">
+              <a:defRPr/>
+            </a:pPr>
+            <a:r>
+              <a:rPr lang="ru-RU"/>
+              <a:t/>
+            </a:r>
+            <a:r>
+              <a:rPr lang="en-US" sz="1400">
+                <a:latin typeface="Calibri"/>
+                <a:hlinkClick r:id="rId12" tooltip="http://www.google.com"/>
+              </a:rPr>
+              <a:t>DR2</a:t>
+            </a:r>
+            <a:endParaRPr lang="en-US" sz="1100"/>
+          </a:p>
+        </p:txBody>
+      </p:sp>
+      <p:pic>
+        <p:nvPicPr>
+          <p:cNvPr name="Picture 38" id="38"/>
+          <p:cNvPicPr>
+            <a:picLocks noChangeAspect="true"/>
+          </p:cNvPicPr>
+          <p:nvPr/>
+        </p:nvPicPr>
+        <p:blipFill>
+          <a:blip r:embed="rId5"/>
+          <a:stretch>
+            <a:fillRect/>
+          </a:stretch>
+        </p:blipFill>
+        <p:spPr>
+          <a:xfrm>
+            <a:off x="10566400" y="1689100"/>
+            <a:ext cx="254000" cy="254000"/>
+          </a:xfrm>
+          <a:prstGeom prst="rect">
+            <a:avLst/>
+          </a:prstGeom>
+        </p:spPr>
+      </p:pic>
+      <p:sp>
+        <p:nvSpPr>
+          <p:cNvPr name="TextBox 39" id="39"/>
+          <p:cNvSpPr txBox="true"/>
+          <p:nvPr/>
+        </p:nvSpPr>
+        <p:spPr>
+          <a:xfrm>
+            <a:off x="10033000" y="2959100"/>
+            <a:ext cx="1270000" cy="444500"/>
+          </a:xfrm>
+          <a:prstGeom prst="rect">
+            <a:avLst/>
+          </a:prstGeom>
+        </p:spPr>
+        <p:txBody>
+          <a:bodyPr anchor="t" rtlCol="false"/>
+          <a:lstStyle/>
+          <a:p>
+            <a:pPr algn="ctr">
+              <a:defRPr/>
+            </a:pPr>
+            <a:r>
+              <a:rPr lang="ru-RU"/>
+              <a:t/>
+            </a:r>
+            <a:r>
+              <a:rPr lang="en-US" sz="1400">
+                <a:latin typeface="Calibri"/>
+              </a:rPr>
+              <a:t>15-Apr-20</a:t>
+            </a:r>
+            <a:br>
+              <a:rPr lang="en-US" sz="1400">
+                <a:latin typeface="Calibri"/>
+              </a:rPr>
+            </a:br>
+            <a:r>
+              <a:rPr lang="en-US" sz="1400">
+                <a:latin typeface="Calibri"/>
+              </a:rPr>
+              <a:t>15-Apr-20</a:t>
+            </a:r>
+            <a:endParaRPr lang="en-US" sz="1100"/>
+          </a:p>
+        </p:txBody>
+      </p:sp>
+      <p:sp>
+        <p:nvSpPr>
+          <p:cNvPr name="AutoShape 40" id="40"/>
+          <p:cNvSpPr/>
+          <p:nvPr/>
+        </p:nvSpPr>
+        <p:spPr>
+          <a:xfrm>
+            <a:off x="11938000" y="2527300"/>
+            <a:ext cx="25400" cy="228600"/>
+          </a:xfrm>
+          <a:prstGeom prst="rect">
+            <a:avLst/>
+          </a:prstGeom>
+          <a:solidFill>
+            <a:srgbClr val="000000"/>
+          </a:solidFill>
+          <a:ln>
+            <a:solidFill>
+              <a:srgbClr val="000000"/>
+            </a:solidFill>
+          </a:ln>
+        </p:spPr>
+      </p:sp>
+      <p:sp>
+        <p:nvSpPr>
+          <p:cNvPr name="TextBox 41" id="41"/>
+          <p:cNvSpPr txBox="true"/>
+          <p:nvPr/>
+        </p:nvSpPr>
+        <p:spPr>
+          <a:xfrm>
+            <a:off x="11506200" y="2006600"/>
+            <a:ext cx="889000" cy="215900"/>
+          </a:xfrm>
+          <a:prstGeom prst="rect">
+            <a:avLst/>
+          </a:prstGeom>
+        </p:spPr>
+        <p:txBody>
+          <a:bodyPr anchor="t" rtlCol="false"/>
+          <a:lstStyle/>
+          <a:p>
+            <a:pPr algn="ctr">
+              <a:defRPr/>
+            </a:pPr>
+            <a:r>
+              <a:rPr lang="ru-RU"/>
+              <a:t/>
+            </a:r>
+            <a:r>
+              <a:rPr lang="en-US" sz="1400">
+                <a:latin typeface="Calibri"/>
+                <a:hlinkClick r:id="rId13" tooltip="http://www.google.com"/>
+              </a:rPr>
+              <a:t>DR3</a:t>
+            </a:r>
+            <a:endParaRPr lang="en-US" sz="1100"/>
+          </a:p>
+        </p:txBody>
+      </p:sp>
+      <p:pic>
+        <p:nvPicPr>
+          <p:cNvPr name="Picture 42" id="42"/>
+          <p:cNvPicPr>
+            <a:picLocks noChangeAspect="true"/>
+          </p:cNvPicPr>
+          <p:nvPr/>
+        </p:nvPicPr>
+        <p:blipFill>
+          <a:blip r:embed="rId7"/>
+          <a:stretch>
+            <a:fillRect/>
+          </a:stretch>
+        </p:blipFill>
+        <p:spPr>
+          <a:xfrm>
+            <a:off x="11836400" y="1689100"/>
+            <a:ext cx="254000" cy="254000"/>
+          </a:xfrm>
+          <a:prstGeom prst="rect">
+            <a:avLst/>
+          </a:prstGeom>
+        </p:spPr>
+      </p:pic>
+      <p:sp>
+        <p:nvSpPr>
+          <p:cNvPr name="TextBox 43" id="43"/>
+          <p:cNvSpPr txBox="true"/>
+          <p:nvPr/>
+        </p:nvSpPr>
+        <p:spPr>
+          <a:xfrm>
+            <a:off x="11303000" y="2959100"/>
+            <a:ext cx="1270000" cy="444500"/>
+          </a:xfrm>
+          <a:prstGeom prst="rect">
+            <a:avLst/>
+          </a:prstGeom>
+        </p:spPr>
+        <p:txBody>
+          <a:bodyPr anchor="t" rtlCol="false"/>
+          <a:lstStyle/>
+          <a:p>
+            <a:pPr algn="ctr">
+              <a:defRPr/>
+            </a:pPr>
+            <a:r>
+              <a:rPr lang="ru-RU"/>
+              <a:t/>
+            </a:r>
+            <a:r>
+              <a:rPr lang="en-US" sz="1400">
+                <a:latin typeface="Calibri"/>
+              </a:rPr>
+              <a:t>19-Apr-20</a:t>
+            </a:r>
+            <a:br>
+              <a:rPr lang="en-US" sz="1400">
+                <a:latin typeface="Calibri"/>
+              </a:rPr>
+            </a:br>
+            <a:r>
+              <a:rPr lang="en-US" sz="1400">
+                <a:latin typeface="Calibri"/>
+              </a:rPr>
+              <a:t>19-Apr-20</a:t>
+            </a:r>
+            <a:endParaRPr lang="en-US" sz="1100"/>
+          </a:p>
+        </p:txBody>
+      </p:sp>
+      <p:sp>
+        <p:nvSpPr>
+          <p:cNvPr name="AutoShape 44" id="44"/>
+          <p:cNvSpPr/>
+          <p:nvPr/>
+        </p:nvSpPr>
+        <p:spPr>
+          <a:xfrm>
+            <a:off x="13208000" y="2527300"/>
+            <a:ext cx="25400" cy="228600"/>
+          </a:xfrm>
+          <a:prstGeom prst="rect">
+            <a:avLst/>
+          </a:prstGeom>
+          <a:solidFill>
+            <a:srgbClr val="000000"/>
+          </a:solidFill>
+          <a:ln>
+            <a:solidFill>
+              <a:srgbClr val="000000"/>
+            </a:solidFill>
+          </a:ln>
+        </p:spPr>
+      </p:sp>
+      <p:sp>
+        <p:nvSpPr>
+          <p:cNvPr name="TextBox 45" id="45"/>
+          <p:cNvSpPr txBox="true"/>
+          <p:nvPr/>
+        </p:nvSpPr>
+        <p:spPr>
+          <a:xfrm>
+            <a:off x="12776200" y="2006600"/>
+            <a:ext cx="889000" cy="215900"/>
+          </a:xfrm>
+          <a:prstGeom prst="rect">
+            <a:avLst/>
+          </a:prstGeom>
+        </p:spPr>
+        <p:txBody>
+          <a:bodyPr anchor="t" rtlCol="false"/>
+          <a:lstStyle/>
+          <a:p>
+            <a:pPr algn="ctr">
+              <a:defRPr/>
+            </a:pPr>
+            <a:r>
+              <a:rPr lang="ru-RU"/>
+              <a:t/>
+            </a:r>
+            <a:r>
+              <a:rPr lang="en-US" sz="1400">
+                <a:latin typeface="Calibri"/>
+                <a:hlinkClick r:id="rId14" tooltip="http://www.google.com"/>
+              </a:rPr>
+              <a:t>DR3</a:t>
+            </a:r>
+            <a:endParaRPr lang="en-US" sz="1100"/>
+          </a:p>
+        </p:txBody>
+      </p:sp>
+      <p:pic>
+        <p:nvPicPr>
+          <p:cNvPr name="Picture 46" id="46"/>
+          <p:cNvPicPr>
+            <a:picLocks noChangeAspect="true"/>
+          </p:cNvPicPr>
+          <p:nvPr/>
+        </p:nvPicPr>
+        <p:blipFill>
+          <a:blip r:embed="rId7"/>
+          <a:stretch>
+            <a:fillRect/>
+          </a:stretch>
+        </p:blipFill>
+        <p:spPr>
+          <a:xfrm>
+            <a:off x="13106400" y="1689100"/>
+            <a:ext cx="254000" cy="254000"/>
+          </a:xfrm>
+          <a:prstGeom prst="rect">
+            <a:avLst/>
+          </a:prstGeom>
+        </p:spPr>
+      </p:pic>
+      <p:sp>
+        <p:nvSpPr>
+          <p:cNvPr name="TextBox 47" id="47"/>
+          <p:cNvSpPr txBox="true"/>
+          <p:nvPr/>
+        </p:nvSpPr>
+        <p:spPr>
+          <a:xfrm>
+            <a:off x="12573000" y="2959100"/>
+            <a:ext cx="1270000" cy="444500"/>
+          </a:xfrm>
+          <a:prstGeom prst="rect">
+            <a:avLst/>
+          </a:prstGeom>
+        </p:spPr>
+        <p:txBody>
+          <a:bodyPr anchor="t" rtlCol="false"/>
+          <a:lstStyle/>
+          <a:p>
+            <a:pPr algn="ctr">
+              <a:defRPr/>
+            </a:pPr>
+            <a:r>
+              <a:rPr lang="ru-RU"/>
+              <a:t/>
+            </a:r>
+            <a:r>
+              <a:rPr lang="en-US" sz="1400">
+                <a:latin typeface="Calibri"/>
+              </a:rPr>
+              <a:t>19-Apr-20</a:t>
+            </a:r>
+            <a:br>
+              <a:rPr lang="en-US" sz="1400">
+                <a:latin typeface="Calibri"/>
+              </a:rPr>
+            </a:br>
+            <a:r>
+              <a:rPr lang="en-US" sz="1400">
+                <a:latin typeface="Calibri"/>
+              </a:rPr>
+              <a:t>19-Apr-20</a:t>
+            </a:r>
+            <a:endParaRPr lang="en-US" sz="1100"/>
+          </a:p>
+        </p:txBody>
+      </p:sp>
+      <p:sp>
+        <p:nvSpPr>
+          <p:cNvPr name="AutoShape 48" id="48"/>
+          <p:cNvSpPr/>
+          <p:nvPr/>
+        </p:nvSpPr>
+        <p:spPr>
+          <a:xfrm>
+            <a:off x="14478000" y="2527300"/>
+            <a:ext cx="25400" cy="228600"/>
+          </a:xfrm>
+          <a:prstGeom prst="rect">
+            <a:avLst/>
+          </a:prstGeom>
+          <a:solidFill>
+            <a:srgbClr val="000000"/>
+          </a:solidFill>
+          <a:ln>
+            <a:solidFill>
+              <a:srgbClr val="000000"/>
+            </a:solidFill>
+          </a:ln>
+        </p:spPr>
+      </p:sp>
+      <p:sp>
+        <p:nvSpPr>
+          <p:cNvPr name="TextBox 49" id="49"/>
+          <p:cNvSpPr txBox="true"/>
+          <p:nvPr/>
+        </p:nvSpPr>
+        <p:spPr>
+          <a:xfrm>
+            <a:off x="14046200" y="2006600"/>
+            <a:ext cx="889000" cy="215900"/>
+          </a:xfrm>
+          <a:prstGeom prst="rect">
+            <a:avLst/>
+          </a:prstGeom>
+        </p:spPr>
+        <p:txBody>
+          <a:bodyPr anchor="t" rtlCol="false"/>
+          <a:lstStyle/>
+          <a:p>
+            <a:pPr algn="ctr">
+              <a:defRPr/>
+            </a:pPr>
+            <a:r>
+              <a:rPr lang="ru-RU"/>
+              <a:t/>
+            </a:r>
+            <a:r>
+              <a:rPr lang="en-US" sz="1400">
+                <a:latin typeface="Calibri"/>
+                <a:hlinkClick r:id="rId15" tooltip="http://www.google.com"/>
+              </a:rPr>
+              <a:t>DR3</a:t>
+            </a:r>
+            <a:endParaRPr lang="en-US" sz="1100"/>
+          </a:p>
+        </p:txBody>
+      </p:sp>
+      <p:pic>
+        <p:nvPicPr>
+          <p:cNvPr name="Picture 50" id="50"/>
+          <p:cNvPicPr>
+            <a:picLocks noChangeAspect="true"/>
+          </p:cNvPicPr>
+          <p:nvPr/>
+        </p:nvPicPr>
+        <p:blipFill>
+          <a:blip r:embed="rId7"/>
+          <a:stretch>
+            <a:fillRect/>
+          </a:stretch>
+        </p:blipFill>
+        <p:spPr>
+          <a:xfrm>
+            <a:off x="14376400" y="1689100"/>
+            <a:ext cx="254000" cy="254000"/>
+          </a:xfrm>
+          <a:prstGeom prst="rect">
+            <a:avLst/>
+          </a:prstGeom>
+        </p:spPr>
+      </p:pic>
+      <p:sp>
+        <p:nvSpPr>
+          <p:cNvPr name="TextBox 51" id="51"/>
+          <p:cNvSpPr txBox="true"/>
+          <p:nvPr/>
+        </p:nvSpPr>
+        <p:spPr>
+          <a:xfrm>
+            <a:off x="13843000" y="2959100"/>
+            <a:ext cx="1270000" cy="444500"/>
+          </a:xfrm>
+          <a:prstGeom prst="rect">
+            <a:avLst/>
+          </a:prstGeom>
+        </p:spPr>
+        <p:txBody>
+          <a:bodyPr anchor="t" rtlCol="false"/>
+          <a:lstStyle/>
+          <a:p>
+            <a:pPr algn="ctr">
+              <a:defRPr/>
+            </a:pPr>
+            <a:r>
+              <a:rPr lang="ru-RU"/>
+              <a:t/>
+            </a:r>
+            <a:r>
+              <a:rPr lang="en-US" sz="1400">
+                <a:latin typeface="Calibri"/>
+              </a:rPr>
+              <a:t>19-Apr-20</a:t>
+            </a:r>
+            <a:br>
+              <a:rPr lang="en-US" sz="1400">
+                <a:latin typeface="Calibri"/>
+              </a:rPr>
+            </a:br>
+            <a:r>
+              <a:rPr lang="en-US" sz="1400">
+                <a:latin typeface="Calibri"/>
+              </a:rPr>
+              <a:t>19-Apr-20</a:t>
+            </a:r>
+            <a:endParaRPr lang="en-US" sz="1100"/>
+          </a:p>
+        </p:txBody>
+      </p:sp>
+      <p:sp>
+        <p:nvSpPr>
+          <p:cNvPr name="AutoShape 52" id="52"/>
+          <p:cNvSpPr/>
+          <p:nvPr/>
+        </p:nvSpPr>
+        <p:spPr>
+          <a:xfrm>
+            <a:off x="8890000" y="2438400"/>
+            <a:ext cx="203200" cy="406400"/>
+          </a:xfrm>
+          <a:prstGeom prst="roundRect">
+            <a:avLst/>
+          </a:prstGeom>
+          <a:solidFill>
+            <a:srgbClr val="00FF00"/>
+          </a:solidFill>
+          <a:ln>
+            <a:solidFill>
+              <a:srgbClr val="000000"/>
+            </a:solidFill>
+          </a:ln>
+        </p:spPr>
+        <p:txBody>
+          <a:bodyPr anchor="t" rtlCol="false" anchorCtr="true"/>
+          <a:lstStyle/>
+          <a:p>
+            <a:pPr algn="l">
+              <a:defRPr/>
+            </a:pPr>
+            <a:r>
+              <a:rPr lang="en-US"/>
+              <a:t>G</a:t>
+            </a:r>
+            <a:endParaRPr lang="en-US" sz="1100"/>
+          </a:p>
+        </p:txBody>
+      </p:sp>
+      <p:sp>
+        <p:nvSpPr>
+          <p:cNvPr name="TextBox 53" id="53"/>
+          <p:cNvSpPr txBox="true"/>
+          <p:nvPr/>
+        </p:nvSpPr>
+        <p:spPr>
+          <a:xfrm>
+            <a:off x="254000" y="3657600"/>
+            <a:ext cx="3175000" cy="215900"/>
+          </a:xfrm>
+          <a:prstGeom prst="rect">
+            <a:avLst/>
+          </a:prstGeom>
+        </p:spPr>
+        <p:txBody>
+          <a:bodyPr anchor="t" rtlCol="false"/>
+          <a:lstStyle/>
+          <a:p>
+            <a:pPr algn="l">
+              <a:defRPr/>
+            </a:pPr>
+            <a:r>
+              <a:rPr lang="ru-RU"/>
+              <a:t/>
+            </a:r>
+            <a:r>
+              <a:rPr lang="en-US" sz="1200">
+                <a:latin typeface="Calibri"/>
+              </a:rPr>
+              <a:t>* Committed dates are DR1 baseline dates</a:t>
+            </a:r>
+            <a:endParaRPr lang="en-US" sz="1100"/>
+          </a:p>
+          <a:p/>
+          <a:p/>
+        </p:txBody>
+      </p:sp>
+      <p:sp>
+        <p:nvSpPr>
+          <p:cNvPr name="AutoShape 54" id="54"/>
+          <p:cNvSpPr/>
+          <p:nvPr/>
+        </p:nvSpPr>
+        <p:spPr>
+          <a:xfrm>
+            <a:off x="254000" y="3911600"/>
+            <a:ext cx="15748000" cy="12700"/>
+          </a:xfrm>
+          <a:prstGeom prst="line">
+            <a:avLst/>
+          </a:prstGeom>
+          <a:ln>
+            <a:solidFill>
+              <a:srgbClr val="000000"/>
+            </a:solidFill>
+          </a:ln>
+        </p:spPr>
+      </p:sp>
       <p:graphicFrame>
         <p:nvGraphicFramePr>
-          <p:cNvPr name="Table 15" id="15"/>
+          <p:cNvPr name="Table 55" id="55"/>
           <p:cNvGraphicFramePr>
             <a:graphicFrameLocks noGrp="true"/>
           </p:cNvGraphicFramePr>
@@ -4076,7 +5400,7 @@
                         <a:rPr lang="en-US" sz="1400">
                           <a:latin typeface="Calibri"/>
                         </a:rPr>
-                        <a:t>Previous </a:t>
+                        <a:t>Previous 08-Jan-19</a:t>
                       </a:r>
                       <a:endParaRPr lang="en-US" sz="1100"/>
                     </a:p>
@@ -4135,7 +5459,7 @@
                         <a:rPr lang="en-US" sz="1400">
                           <a:latin typeface="Calibri"/>
                         </a:rPr>
-                        <a:t>Current </a:t>
+                        <a:t>Current 15-Apr-20</a:t>
                       </a:r>
                       <a:endParaRPr lang="en-US" sz="1100"/>
                     </a:p>
@@ -4313,11 +5637,11 @@
                       <a:r>
                         <a:rPr lang="en-US" sz="1400" b="true">
                           <a:solidFill>
-                            <a:srgbClr val="C0C0C0"/>
+                            <a:srgbClr val="FF0000"/>
                           </a:solidFill>
                           <a:latin typeface="Calibri"/>
                         </a:rPr>
-                        <a:t> </a:t>
+                        <a:t>R</a:t>
                       </a:r>
                       <a:endParaRPr lang="en-US" sz="1100"/>
                     </a:p>
@@ -4375,11 +5699,11 @@
                       <a:r>
                         <a:rPr lang="en-US" sz="1400" b="true">
                           <a:solidFill>
-                            <a:srgbClr val="C0C0C0"/>
+                            <a:srgbClr val="00FF00"/>
                           </a:solidFill>
                           <a:latin typeface="Calibri"/>
                         </a:rPr>
-                        <a:t> </a:t>
+                        <a:t>G</a:t>
                       </a:r>
                       <a:endParaRPr lang="en-US" sz="1100"/>
                     </a:p>
@@ -4438,7 +5762,7 @@
                         <a:rPr lang="en-US" sz="1400">
                           <a:latin typeface="Calibri"/>
                         </a:rPr>
-                        <a:t/>
+                        <a:t>Overall comment</a:t>
                       </a:r>
                       <a:endParaRPr lang="en-US" sz="1100"/>
                     </a:p>
@@ -4557,11 +5881,11 @@
                       <a:r>
                         <a:rPr lang="en-US" sz="1400" b="true">
                           <a:solidFill>
-                            <a:srgbClr val="C0C0C0"/>
+                            <a:srgbClr val="FFC800"/>
                           </a:solidFill>
                           <a:latin typeface="Calibri"/>
                         </a:rPr>
-                        <a:t> </a:t>
+                        <a:t>Y</a:t>
                       </a:r>
                       <a:endParaRPr lang="en-US" sz="1100"/>
                     </a:p>
@@ -4619,11 +5943,11 @@
                       <a:r>
                         <a:rPr lang="en-US" sz="1400" b="true">
                           <a:solidFill>
-                            <a:srgbClr val="C0C0C0"/>
+                            <a:srgbClr val="FF0000"/>
                           </a:solidFill>
                           <a:latin typeface="Calibri"/>
                         </a:rPr>
-                        <a:t> </a:t>
+                        <a:t>R</a:t>
                       </a:r>
                       <a:endParaRPr lang="en-US" sz="1100"/>
                     </a:p>
@@ -4682,7 +6006,7 @@
                         <a:rPr lang="en-US" sz="1400">
                           <a:latin typeface="Calibri"/>
                         </a:rPr>
-                        <a:t/>
+                        <a:t>Schedule comment</a:t>
                       </a:r>
                       <a:endParaRPr lang="en-US" sz="1100"/>
                     </a:p>
@@ -4801,11 +6125,11 @@
                       <a:r>
                         <a:rPr lang="en-US" sz="1400" b="true">
                           <a:solidFill>
-                            <a:srgbClr val="C0C0C0"/>
+                            <a:srgbClr val="00FF00"/>
                           </a:solidFill>
                           <a:latin typeface="Calibri"/>
                         </a:rPr>
-                        <a:t> </a:t>
+                        <a:t>G</a:t>
                       </a:r>
                       <a:endParaRPr lang="en-US" sz="1100"/>
                     </a:p>
@@ -4863,11 +6187,11 @@
                       <a:r>
                         <a:rPr lang="en-US" sz="1400" b="true">
                           <a:solidFill>
-                            <a:srgbClr val="C0C0C0"/>
+                            <a:srgbClr val="FFC800"/>
                           </a:solidFill>
                           <a:latin typeface="Calibri"/>
                         </a:rPr>
-                        <a:t> </a:t>
+                        <a:t>Y</a:t>
                       </a:r>
                       <a:endParaRPr lang="en-US" sz="1100"/>
                     </a:p>
@@ -4926,7 +6250,7 @@
                         <a:rPr lang="en-US" sz="1400">
                           <a:latin typeface="Calibri"/>
                         </a:rPr>
-                        <a:t/>
+                        <a:t>Scope comment</a:t>
                       </a:r>
                       <a:endParaRPr lang="en-US" sz="1100"/>
                     </a:p>
@@ -5045,11 +6369,11 @@
                       <a:r>
                         <a:rPr lang="en-US" sz="1400" b="true">
                           <a:solidFill>
-                            <a:srgbClr val="C0C0C0"/>
+                            <a:srgbClr val="00FF00"/>
                           </a:solidFill>
                           <a:latin typeface="Calibri"/>
                         </a:rPr>
-                        <a:t> </a:t>
+                        <a:t>G</a:t>
                       </a:r>
                       <a:endParaRPr lang="en-US" sz="1100"/>
                     </a:p>
@@ -5107,11 +6431,11 @@
                       <a:r>
                         <a:rPr lang="en-US" sz="1400" b="true">
                           <a:solidFill>
-                            <a:srgbClr val="C0C0C0"/>
+                            <a:srgbClr val="FF0000"/>
                           </a:solidFill>
                           <a:latin typeface="Calibri"/>
                         </a:rPr>
-                        <a:t> </a:t>
+                        <a:t>R</a:t>
                       </a:r>
                       <a:endParaRPr lang="en-US" sz="1100"/>
                     </a:p>
@@ -5170,7 +6494,7 @@
                         <a:rPr lang="en-US" sz="1400">
                           <a:latin typeface="Calibri"/>
                         </a:rPr>
-                        <a:t/>
+                        <a:t>Quality comment</a:t>
                       </a:r>
                       <a:endParaRPr lang="en-US" sz="1100"/>
                     </a:p>
@@ -5289,11 +6613,11 @@
                       <a:r>
                         <a:rPr lang="en-US" sz="1400" b="true">
                           <a:solidFill>
-                            <a:srgbClr val="C0C0C0"/>
+                            <a:srgbClr val="FF0000"/>
                           </a:solidFill>
                           <a:latin typeface="Calibri"/>
                         </a:rPr>
-                        <a:t> </a:t>
+                        <a:t>R</a:t>
                       </a:r>
                       <a:endParaRPr lang="en-US" sz="1100"/>
                     </a:p>
@@ -5351,11 +6675,11 @@
                       <a:r>
                         <a:rPr lang="en-US" sz="1400" b="true">
                           <a:solidFill>
-                            <a:srgbClr val="C0C0C0"/>
+                            <a:srgbClr val="00FF00"/>
                           </a:solidFill>
                           <a:latin typeface="Calibri"/>
                         </a:rPr>
-                        <a:t> </a:t>
+                        <a:t>G</a:t>
                       </a:r>
                       <a:endParaRPr lang="en-US" sz="1100"/>
                     </a:p>
@@ -5414,7 +6738,7 @@
                         <a:rPr lang="en-US" sz="1400">
                           <a:latin typeface="Calibri"/>
                         </a:rPr>
-                        <a:t/>
+                        <a:t>Cost comment</a:t>
                       </a:r>
                       <a:endParaRPr lang="en-US" sz="1100"/>
                     </a:p>
@@ -5526,9 +6850,9 @@
             <a:r>
               <a:rPr lang="en-US" sz="1400">
                 <a:latin typeface="Calibri"/>
-                <a:hlinkClick r:id="rId2" tooltip=""/>
-              </a:rPr>
-              <a:t/>
+                <a:hlinkClick r:id="rId2" tooltip="http://ya.ru"/>
+              </a:rPr>
+              <a:t>Project from Facade</a:t>
             </a:r>
             <a:br>
               <a:rPr lang="en-US" sz="1400">
@@ -5545,7 +6869,7 @@
               <a:rPr lang="en-US" sz="1400">
                 <a:latin typeface="Calibri"/>
               </a:rPr>
-              <a:t/>
+              <a:t>IKSANOV Aleksandr</a:t>
             </a:r>
             <a:br>
               <a:rPr lang="en-US" sz="1400">
@@ -5598,7 +6922,7 @@
               <a:rPr lang="en-US" sz="1400" b="true">
                 <a:latin typeface="Calibri"/>
               </a:rPr>
-              <a:t/>
+              <a:t>Summary title Summary title Summary title Summary title Summary title </a:t>
             </a:r>
             <a:endParaRPr lang="en-US" sz="1100"/>
           </a:p>
@@ -5796,7 +7120,57 @@
               <a:rPr lang="ru-RU"/>
               <a:t/>
             </a:r>
+            <a:r>
+              <a:rPr lang="en-US" sz="1400" u="sng" b="true">
+                <a:solidFill>
+                  <a:srgbClr val="00FF00"/>
+                </a:solidFill>
+                <a:latin typeface="Calibri"/>
+              </a:rPr>
+              <a:t>That`s all, folks!</a:t>
+            </a:r>
             <a:endParaRPr lang="en-US" sz="1100"/>
+          </a:p>
+          <a:p>
+            <a:r>
+              <a:rPr lang="en-US" sz="1400" b="true">
+                <a:solidFill>
+                  <a:srgbClr val="FF0000"/>
+                </a:solidFill>
+                <a:latin typeface="Calibri"/>
+              </a:rPr>
+              <a:t>Red Flag</a:t>
+            </a:r>
+          </a:p>
+          <a:p>
+            <a:r>
+              <a:rPr lang="en-US" sz="1400" u="sng" b="true">
+                <a:solidFill>
+                  <a:srgbClr val="00FF00"/>
+                </a:solidFill>
+                <a:latin typeface="Calibri"/>
+              </a:rPr>
+              <a:t>That`s all, folks!</a:t>
+            </a:r>
+          </a:p>
+          <a:p>
+            <a:r>
+              <a:rPr lang="en-US" sz="1400" b="true">
+                <a:solidFill>
+                  <a:srgbClr val="FFA500"/>
+                </a:solidFill>
+                <a:latin typeface="Calibri"/>
+              </a:rPr>
+              <a:t>Yellow Flag</a:t>
+            </a:r>
+          </a:p>
+          <a:p>
+            <a:r>
+              <a:rPr lang="en-US" sz="1400">
+                <a:latin typeface="Calibri"/>
+              </a:rPr>
+              <a:t>\n" + "1PowerPoint documents are made up of a tree of records. A record may contain either other records (in which case it is a Container), or data (in which case it's an Atom). A record can't hold both. PowerPoint documents don't have one overall container record. Instead, there are a number of different container records to be found at the top level. Any numbers or strings stored in the records are always stored in Little Endian format (least important bytes first). This is the case no matter what platform the file was written on - be that a Little Endian or a Big Endian system. PowerPoint may have Escher (DDF) records embedded in it. These are always held as the children of a PPDrawing record (record type 1036). Escher records have the same format as PowerPoint records. Hello mate! Hello mate! Hello mate! Hello mate! Hello mate! Hello mate! Hello mate! Hello mate! Hello mate! This is bold and underscore and both and not true false PowerPoint documents are made up of a tree of records. A record may contain either other records (in which case it is a Container), or data (in which case it's an Atom). A record can't hold both. PowerPoint documents don't have one overall container record. Instead, there are a number of different container records to be found at the top level. Any numbers or strings stored in the records are always stored in Little Endian format (least important bytes first). This is the case no matter what platform the file was written on - be that a Little Endian or a Big Endian system. PowerPoint may have Escher (DDF) records embedded in it. These are always held as the children of a PPDrawing record (record type 1036). Escher records have the same format as PowerPoint records. A record may contain either other records (in which case it is a Container), or data (in which case it's an Atom). A record can't hold both. PowerPoint documents don't have one overall container record PowerPoint documents are made up of a tree of records. A record may contain either other records (in which case it is a Container), or data (in which case it's an Atom). A record can't hold both. PowerPoint documents don't have one overall container record. Instead, there are a number of different container records to be found at the top level. Any numbers or strings stored in the records are always stored in Little Endian format (least important bytes first). This is the case no matter what platform the file was written on - be that a Little Endian or a Big Endian system. PowerPoint may have Escher (DDF) records embedded in it. These are always held as the children of a PPDrawing record (record type 1036). Escher records have the same format as PowerPoint records. Hello mate! Hello mate! Hello mate! Hello mate! Hello mate! Hello mate! Hello mate! Hello mate! Hello mate! This is bold and underscore and both and not true false PowerPoint documents are made up of a tree of records. A record may contain either other records (in which case it is a Container), or data (in which case it's an Atom). A record can't hold both. PowerPoint documents don't have one overall container record. Instead, there are a number of different container records to be found at the top level. Any numbers or strings stored in the records are always stored in Little Endian format (least important bytes first). This is the case no matter what platform the file was written on - be that a Little Endian or a Big Endian system. PowerPoint may have Escher (DDF) records embedded in it. These are always held as the children of a PPDrawing record (record type 1036). Escher records have the same format as PowerPoint records. Hello mate! Hello mate! Hello mate! Hello mate! Hello mate! Hello mate! Hello mate! Hello mate! Hello mate! This is bold and underscore and both and not true false PowerPoint documents are made up of a tree of records. A record may contain either other records (in which case it is a Container), or data (in which case it's an Atom). A record can't hold both. PowerPoint documents don't have one overall container record documents don't have one overall container record. Instead, there are a number of different container records to be found at the top level. Any numbers or strings stored in the records are always stored in Little Endian format (least important bytes first). This is the case no matter what platform the file was written on - be that a Little Endian or a Big Endian system. PowerPoint may have Escher (DDF) records embedded in it. These are always held as the children of a PPDrawing record (record type 1036). " + "</a:t>
+            </a:r>
           </a:p>
         </p:txBody>
       </p:sp>
@@ -5860,9 +7234,9 @@
             <a:r>
               <a:rPr lang="en-US" sz="1400">
                 <a:latin typeface="Calibri"/>
-                <a:hlinkClick r:id="rId2" tooltip=""/>
-              </a:rPr>
-              <a:t/>
+                <a:hlinkClick r:id="rId2" tooltip="http://ya.ru"/>
+              </a:rPr>
+              <a:t>Project from Facade</a:t>
             </a:r>
             <a:br>
               <a:rPr lang="en-US" sz="1400">
@@ -5879,7 +7253,7 @@
               <a:rPr lang="en-US" sz="1400">
                 <a:latin typeface="Calibri"/>
               </a:rPr>
-              <a:t/>
+              <a:t>IKSANOV Aleksandr</a:t>
             </a:r>
             <a:br>
               <a:rPr lang="en-US" sz="1400">
@@ -5932,7 +7306,7 @@
               <a:rPr lang="en-US" sz="1400" b="true">
                 <a:latin typeface="Calibri"/>
               </a:rPr>
-              <a:t>Risks</a:t>
+              <a:t>Summary title Summary title Summary title Summary title Summary title </a:t>
             </a:r>
             <a:endParaRPr lang="en-US" sz="1100"/>
           </a:p>
@@ -6130,8 +7504,76 @@
               <a:rPr lang="ru-RU"/>
               <a:t/>
             </a:r>
+            <a:r>
+              <a:rPr lang="en-US" sz="1400">
+                <a:solidFill>
+                  <a:srgbClr val="FF0000"/>
+                </a:solidFill>
+                <a:latin typeface="Calibri"/>
+              </a:rPr>
+              <a:t>2Escher records have the same format as PowerPoint records. Hello mate! Hello mate! Hello mate! Hello mate! Hello mate! Hello mate! Hello mate! Hello mate! Hello mate! This is bold and underscore and both and not true false PowerPoint documents are made up of a tree of records. A record may contain either other records (in which case it is a Container), or data (in which case it's an Atom). A record can't hold both. PowerPoint documents don't have one overall container record. Instead, there are a number of different container records to be found at the top level. Any numbers or strings stored in the records are always stored in Little Endian format (least important bytes first). This is the case no matter what platform the file was written on - be that a Little Endian or a Big Endian system. PowerPoint may have Escher (DDF) records embedded in it. These are always held as the children of a PPDrawing record (record type 1036). Escher records have the same format as PowerPoint records. Hello mate! Hello mate! Hello mate! Hello mate! Hello mate! Hello mate! Hello mate! Hello mate! Hello mate! This is bold and underscore and both and not true false PowerPoint documents are made up of a tree of records. A record may contain either other records (in which case it is a Container), or data (in which case it's an Atom). A record can't hold both. PowerPoint documents don't have one overall container record\n</a:t>
+            </a:r>
+            <a:r>
+              <a:rPr lang="en-US" sz="1400">
+                <a:latin typeface="Calibri"/>
+              </a:rPr>
+              <a:t>" + "</a:t>
+            </a:r>
+            <a:r>
+              <a:rPr lang="en-US" sz="1400">
+                <a:solidFill>
+                  <a:srgbClr val="00FF00"/>
+                </a:solidFill>
+                <a:latin typeface="Calibri"/>
+              </a:rPr>
+              <a:t>3Escher records have the same format as PowerPoint records. Hello mate! Hello mate! Hello mate! Hello mate! Hello mate! Hello mate! Hello mate! Hello mate! Hello mate! This is bold and underscore and both and not true false PowerPoint documents are made up of a tree of records. A record may contain either other records (in which case it is a Container), or data (in which case it's an Atom). A record can't hold both. PowerPoint documents don't have one overall container record. Instead, there are a number of different container records to be found at the top level. Any numbers or strings stored in the records are always stored in Little Endian format (least important bytes first). This is the case no matter what platform the file was written on - be that a Little Endian or a Big Endian system. PowerPoint may have Escher (DDF) records embedded in it. These are always held as the children of a PPDrawing record (record type 1036). Escher records have the same format as PowerPoint records. Hello mate! Hello mate! Hello mate! Hello mate! Hello mate! Hello mate! Hello mate! Hello mate! Hello mate! This is bold and underscore and both and not true false PowerPoint documents are made up of a tree of records. A record may contain either other records (in which case it is a Container), or data (in which case it's an Atom). A record can't hold both. PowerPoint documents don't have one overall container record\n</a:t>
+            </a:r>
+            <a:r>
+              <a:rPr lang="en-US" sz="1400">
+                <a:latin typeface="Calibri"/>
+              </a:rPr>
+              <a:t>" + "</a:t>
+            </a:r>
+            <a:r>
+              <a:rPr lang="en-US" sz="1400">
+                <a:solidFill>
+                  <a:srgbClr val="0000FF"/>
+                </a:solidFill>
+                <a:latin typeface="Calibri"/>
+              </a:rPr>
+              <a:t>4Escher records have the same format as PowerPoint records. Hello mate! Hello mate! Hello mate! Hello mate! Hello mate! Hello mate! Hello mate! Hello mate! Hello mate! This is bold and underscore and both and not true false PowerPoint documents are made up of a tree of records. A record may contain either other records (in which case it is a Container), or data (in which case it's an Atom). A record can't hold both. PowerPoint documents don't have one overall container record. Instead, there are a number of different container records to be found at the top level. Any numbers or strings stored in the records are always stored in Little Endian format (least important bytes first). This is the case no matter what platform the file was written on - be that a Little Endian or a Big Endian system. PowerPoint may have Escher (DDF) records embedded in it. These are always held as the children of a PPDrawing record (record type 1036). Escher records have the same format as PowerPoint records. Hello mate! Hello mate! Hello mate! Hello mate! Hello mate! Hello mate! Hello mate! Hello mate! Hello mate! This is bold and underscore and both and not true false PowerPoint documents are made up of a tree of records. A record may contain either other records (in which case it is a Container), or data (in which case it's an Atom). A record can't hold both. PowerPoint documents don't have one overall container record\n</a:t>
+            </a:r>
+            <a:r>
+              <a:rPr lang="en-US" sz="1400">
+                <a:latin typeface="Calibri"/>
+              </a:rPr>
+              <a:t>" + "</a:t>
+            </a:r>
             <a:endParaRPr lang="en-US" sz="1100"/>
           </a:p>
+          <a:p>
+            <a:r>
+              <a:rPr lang="en-US" sz="1400" b="true">
+                <a:solidFill>
+                  <a:srgbClr val="00FF00"/>
+                </a:solidFill>
+                <a:latin typeface="Calibri"/>
+              </a:rPr>
+              <a:t>Green Flag</a:t>
+            </a:r>
+          </a:p>
+          <a:p>
+            <a:r>
+              <a:rPr lang="en-US" sz="1400" u="sng" b="true">
+                <a:solidFill>
+                  <a:srgbClr val="00FF00"/>
+                </a:solidFill>
+                <a:latin typeface="Calibri"/>
+              </a:rPr>
+              <a:t>That`s all, folks!</a:t>
+            </a:r>
+          </a:p>
+          <a:p/>
         </p:txBody>
       </p:sp>
     </p:spTree>
@@ -6194,9 +7636,9 @@
             <a:r>
               <a:rPr lang="en-US" sz="1400">
                 <a:latin typeface="Calibri"/>
-                <a:hlinkClick r:id="rId2" tooltip=""/>
-              </a:rPr>
-              <a:t/>
+                <a:hlinkClick r:id="rId2" tooltip="http://ya.ru"/>
+              </a:rPr>
+              <a:t>Project from Facade</a:t>
             </a:r>
             <a:br>
               <a:rPr lang="en-US" sz="1400">
@@ -6213,7 +7655,7 @@
               <a:rPr lang="en-US" sz="1400">
                 <a:latin typeface="Calibri"/>
               </a:rPr>
-              <a:t/>
+              <a:t>IKSANOV Aleksandr</a:t>
             </a:r>
             <a:br>
               <a:rPr lang="en-US" sz="1400">
@@ -6266,7 +7708,7 @@
               <a:rPr lang="en-US" sz="1400" b="true">
                 <a:latin typeface="Calibri"/>
               </a:rPr>
-              <a:t>Scope Definition</a:t>
+              <a:t>Risks</a:t>
             </a:r>
             <a:endParaRPr lang="en-US" sz="1100"/>
           </a:p>
@@ -6465,6 +7907,366 @@
               <a:t/>
             </a:r>
             <a:endParaRPr lang="en-US" sz="1100"/>
+          </a:p>
+          <a:p>
+            <a:r>
+              <a:rPr lang="en-US" sz="1400" b="true" u="sng">
+                <a:solidFill>
+                  <a:srgbClr val="FF0000"/>
+                </a:solidFill>
+                <a:latin typeface="Calibri"/>
+              </a:rPr>
+              <a:t>High Risks</a:t>
+            </a:r>
+          </a:p>
+          <a:p>
+            <a:pPr lvl="1">
+              <a:buFont typeface="Arial"/>
+              <a:buChar char="-"/>
+            </a:pPr>
+            <a:r>
+              <a:rPr lang="en-US" sz="1400" b="true">
+                <a:latin typeface="Calibri"/>
+              </a:rPr>
+              <a:t>Risk: </a:t>
+            </a:r>
+            <a:r>
+              <a:rPr lang="en-US" sz="1400">
+                <a:latin typeface="Calibri"/>
+              </a:rPr>
+              <a:t>Description High</a:t>
+            </a:r>
+            <a:br>
+              <a:rPr lang="en-US" sz="1400">
+                <a:latin typeface="Calibri"/>
+              </a:rPr>
+            </a:br>
+            <a:r>
+              <a:rPr lang="en-US" sz="1400" u="sng">
+                <a:latin typeface="Calibri"/>
+              </a:rPr>
+              <a:t>Description: </a:t>
+            </a:r>
+            <a:r>
+              <a:rPr lang="en-US" sz="1400">
+                <a:latin typeface="Calibri"/>
+              </a:rPr>
+              <a:t>Impact High</a:t>
+            </a:r>
+            <a:br>
+              <a:rPr lang="en-US" sz="1400">
+                <a:latin typeface="Calibri"/>
+              </a:rPr>
+            </a:br>
+            <a:r>
+              <a:rPr lang="en-US" sz="1400" u="sng">
+                <a:latin typeface="Calibri"/>
+              </a:rPr>
+              <a:t>Mitigation Plan: </a:t>
+            </a:r>
+            <a:r>
+              <a:rPr lang="en-US" sz="1400">
+                <a:latin typeface="Calibri"/>
+              </a:rPr>
+              <a:t>Mitigation High</a:t>
+            </a:r>
+          </a:p>
+          <a:p>
+            <a:pPr lvl="1">
+              <a:buFont typeface="Arial"/>
+              <a:buChar char="-"/>
+            </a:pPr>
+            <a:r>
+              <a:rPr lang="en-US" sz="1400" b="true">
+                <a:latin typeface="Calibri"/>
+              </a:rPr>
+              <a:t>Risk: </a:t>
+            </a:r>
+            <a:r>
+              <a:rPr lang="en-US" sz="1400">
+                <a:latin typeface="Calibri"/>
+              </a:rPr>
+              <a:t>Description High</a:t>
+            </a:r>
+            <a:br>
+              <a:rPr lang="en-US" sz="1400">
+                <a:latin typeface="Calibri"/>
+              </a:rPr>
+            </a:br>
+            <a:r>
+              <a:rPr lang="en-US" sz="1400" u="sng">
+                <a:latin typeface="Calibri"/>
+              </a:rPr>
+              <a:t>Description: </a:t>
+            </a:r>
+            <a:r>
+              <a:rPr lang="en-US" sz="1400">
+                <a:latin typeface="Calibri"/>
+              </a:rPr>
+              <a:t>Impact High</a:t>
+            </a:r>
+            <a:br>
+              <a:rPr lang="en-US" sz="1400">
+                <a:latin typeface="Calibri"/>
+              </a:rPr>
+            </a:br>
+            <a:r>
+              <a:rPr lang="en-US" sz="1400" u="sng">
+                <a:latin typeface="Calibri"/>
+              </a:rPr>
+              <a:t>Mitigation Plan: </a:t>
+            </a:r>
+            <a:r>
+              <a:rPr lang="en-US" sz="1400">
+                <a:latin typeface="Calibri"/>
+              </a:rPr>
+              <a:t>Mitigation High</a:t>
+            </a:r>
+            <a:br>
+              <a:rPr lang="en-US" sz="1400">
+                <a:latin typeface="Calibri"/>
+              </a:rPr>
+            </a:br>
+          </a:p>
+          <a:p>
+            <a:r>
+              <a:rPr lang="en-US" sz="1400" b="true" u="sng">
+                <a:solidFill>
+                  <a:srgbClr val="FFC800"/>
+                </a:solidFill>
+                <a:latin typeface="Calibri"/>
+              </a:rPr>
+              <a:t>Moderate Risks</a:t>
+            </a:r>
+          </a:p>
+          <a:p>
+            <a:pPr lvl="1">
+              <a:buFont typeface="Arial"/>
+              <a:buChar char="-"/>
+            </a:pPr>
+            <a:r>
+              <a:rPr lang="en-US" sz="1400" b="true">
+                <a:latin typeface="Calibri"/>
+              </a:rPr>
+              <a:t>Risk: </a:t>
+            </a:r>
+            <a:r>
+              <a:rPr lang="en-US" sz="1400">
+                <a:latin typeface="Calibri"/>
+              </a:rPr>
+              <a:t>Description Moderate</a:t>
+            </a:r>
+            <a:br>
+              <a:rPr lang="en-US" sz="1400">
+                <a:latin typeface="Calibri"/>
+              </a:rPr>
+            </a:br>
+            <a:r>
+              <a:rPr lang="en-US" sz="1400" u="sng">
+                <a:latin typeface="Calibri"/>
+              </a:rPr>
+              <a:t>Description: </a:t>
+            </a:r>
+            <a:r>
+              <a:rPr lang="en-US" sz="1400">
+                <a:latin typeface="Calibri"/>
+              </a:rPr>
+              <a:t>Impact Moderate</a:t>
+            </a:r>
+            <a:br>
+              <a:rPr lang="en-US" sz="1400">
+                <a:latin typeface="Calibri"/>
+              </a:rPr>
+            </a:br>
+            <a:r>
+              <a:rPr lang="en-US" sz="1400" u="sng">
+                <a:latin typeface="Calibri"/>
+              </a:rPr>
+              <a:t>Mitigation Plan: </a:t>
+            </a:r>
+            <a:r>
+              <a:rPr lang="en-US" sz="1400">
+                <a:latin typeface="Calibri"/>
+              </a:rPr>
+              <a:t>Mitigation Moderate</a:t>
+            </a:r>
+          </a:p>
+          <a:p>
+            <a:pPr lvl="1">
+              <a:buFont typeface="Arial"/>
+              <a:buChar char="-"/>
+            </a:pPr>
+            <a:r>
+              <a:rPr lang="en-US" sz="1400" b="true">
+                <a:latin typeface="Calibri"/>
+              </a:rPr>
+              <a:t>Risk: </a:t>
+            </a:r>
+            <a:r>
+              <a:rPr lang="en-US" sz="1400">
+                <a:latin typeface="Calibri"/>
+              </a:rPr>
+              <a:t>Description Moderate</a:t>
+            </a:r>
+            <a:br>
+              <a:rPr lang="en-US" sz="1400">
+                <a:latin typeface="Calibri"/>
+              </a:rPr>
+            </a:br>
+            <a:r>
+              <a:rPr lang="en-US" sz="1400" u="sng">
+                <a:latin typeface="Calibri"/>
+              </a:rPr>
+              <a:t>Description: </a:t>
+            </a:r>
+            <a:r>
+              <a:rPr lang="en-US" sz="1400">
+                <a:latin typeface="Calibri"/>
+              </a:rPr>
+              <a:t>Impact Moderate</a:t>
+            </a:r>
+            <a:br>
+              <a:rPr lang="en-US" sz="1400">
+                <a:latin typeface="Calibri"/>
+              </a:rPr>
+            </a:br>
+            <a:r>
+              <a:rPr lang="en-US" sz="1400" u="sng">
+                <a:latin typeface="Calibri"/>
+              </a:rPr>
+              <a:t>Mitigation Plan: </a:t>
+            </a:r>
+            <a:r>
+              <a:rPr lang="en-US" sz="1400">
+                <a:latin typeface="Calibri"/>
+              </a:rPr>
+              <a:t>Mitigation Moderate</a:t>
+            </a:r>
+            <a:br>
+              <a:rPr lang="en-US" sz="1400">
+                <a:latin typeface="Calibri"/>
+              </a:rPr>
+            </a:br>
+          </a:p>
+          <a:p>
+            <a:r>
+              <a:rPr lang="en-US" sz="1400" b="true" u="sng">
+                <a:solidFill>
+                  <a:srgbClr val="00FF00"/>
+                </a:solidFill>
+                <a:latin typeface="Calibri"/>
+              </a:rPr>
+              <a:t>Low Risks</a:t>
+            </a:r>
+          </a:p>
+          <a:p>
+            <a:pPr lvl="1">
+              <a:buFont typeface="Arial"/>
+              <a:buChar char="-"/>
+            </a:pPr>
+            <a:r>
+              <a:rPr lang="en-US" sz="1400" b="true">
+                <a:latin typeface="Calibri"/>
+              </a:rPr>
+              <a:t>Risk: </a:t>
+            </a:r>
+            <a:r>
+              <a:rPr lang="en-US" sz="1400">
+                <a:latin typeface="Calibri"/>
+              </a:rPr>
+              <a:t>Description Low</a:t>
+            </a:r>
+            <a:br>
+              <a:rPr lang="en-US" sz="1400">
+                <a:latin typeface="Calibri"/>
+              </a:rPr>
+            </a:br>
+            <a:r>
+              <a:rPr lang="en-US" sz="1400" u="sng">
+                <a:latin typeface="Calibri"/>
+              </a:rPr>
+              <a:t>Description: </a:t>
+            </a:r>
+            <a:r>
+              <a:rPr lang="en-US" sz="1400">
+                <a:latin typeface="Calibri"/>
+              </a:rPr>
+              <a:t>Impact Low</a:t>
+            </a:r>
+            <a:br>
+              <a:rPr lang="en-US" sz="1400">
+                <a:latin typeface="Calibri"/>
+              </a:rPr>
+            </a:br>
+            <a:r>
+              <a:rPr lang="en-US" sz="1400" u="sng">
+                <a:latin typeface="Calibri"/>
+              </a:rPr>
+              <a:t>Mitigation Plan: </a:t>
+            </a:r>
+            <a:r>
+              <a:rPr lang="en-US" sz="1400">
+                <a:latin typeface="Calibri"/>
+              </a:rPr>
+              <a:t>Mitigation Low</a:t>
+            </a:r>
+          </a:p>
+          <a:p>
+            <a:pPr lvl="1">
+              <a:buFont typeface="Arial"/>
+              <a:buChar char="-"/>
+            </a:pPr>
+            <a:r>
+              <a:rPr lang="en-US" sz="1400" b="true">
+                <a:latin typeface="Calibri"/>
+              </a:rPr>
+              <a:t>Risk: </a:t>
+            </a:r>
+            <a:r>
+              <a:rPr lang="en-US" sz="1400">
+                <a:latin typeface="Calibri"/>
+              </a:rPr>
+              <a:t>Description Low</a:t>
+            </a:r>
+            <a:br>
+              <a:rPr lang="en-US" sz="1400">
+                <a:latin typeface="Calibri"/>
+              </a:rPr>
+            </a:br>
+            <a:r>
+              <a:rPr lang="en-US" sz="1400" u="sng">
+                <a:latin typeface="Calibri"/>
+              </a:rPr>
+              <a:t>Description: </a:t>
+            </a:r>
+            <a:r>
+              <a:rPr lang="en-US" sz="1400">
+                <a:latin typeface="Calibri"/>
+              </a:rPr>
+              <a:t>Impact Low</a:t>
+            </a:r>
+            <a:br>
+              <a:rPr lang="en-US" sz="1400">
+                <a:latin typeface="Calibri"/>
+              </a:rPr>
+            </a:br>
+            <a:r>
+              <a:rPr lang="en-US" sz="1400" u="sng">
+                <a:latin typeface="Calibri"/>
+              </a:rPr>
+              <a:t>Mitigation Plan: </a:t>
+            </a:r>
+            <a:r>
+              <a:rPr lang="en-US" sz="1400">
+                <a:latin typeface="Calibri"/>
+              </a:rPr>
+              <a:t>Mitigation Low</a:t>
+            </a:r>
+            <a:br>
+              <a:rPr lang="en-US" sz="1400">
+                <a:latin typeface="Calibri"/>
+              </a:rPr>
+            </a:br>
           </a:p>
         </p:txBody>
       </p:sp>
@@ -6528,9 +8330,9 @@
             <a:r>
               <a:rPr lang="en-US" sz="1400">
                 <a:latin typeface="Calibri"/>
-                <a:hlinkClick r:id="rId2" tooltip=""/>
-              </a:rPr>
-              <a:t/>
+                <a:hlinkClick r:id="rId2" tooltip="http://ya.ru"/>
+              </a:rPr>
+              <a:t>Project from Facade</a:t>
             </a:r>
             <a:br>
               <a:rPr lang="en-US" sz="1400">
@@ -6547,7 +8349,7 @@
               <a:rPr lang="en-US" sz="1400">
                 <a:latin typeface="Calibri"/>
               </a:rPr>
-              <a:t/>
+              <a:t>IKSANOV Aleksandr</a:t>
             </a:r>
             <a:br>
               <a:rPr lang="en-US" sz="1400">
@@ -6600,7 +8402,7 @@
               <a:rPr lang="en-US" sz="1400" b="true">
                 <a:latin typeface="Calibri"/>
               </a:rPr>
-              <a:t>Other Information</a:t>
+              <a:t>Scope Definition</a:t>
             </a:r>
             <a:endParaRPr lang="en-US" sz="1100"/>
           </a:p>
@@ -6800,6 +8602,1097 @@
             </a:r>
             <a:endParaRPr lang="en-US" sz="1100"/>
           </a:p>
+          <a:p>
+            <a:pPr>
+              <a:buFont typeface="Arial"/>
+              <a:buChar char="-"/>
+            </a:pPr>
+            <a:r>
+              <a:rPr lang="en-US" sz="1400" b="true" u="sng">
+                <a:latin typeface="Calibri"/>
+              </a:rPr>
+              <a:t>SuperId1: </a:t>
+            </a:r>
+            <a:r>
+              <a:rPr lang="en-US" sz="1400">
+                <a:latin typeface="Calibri"/>
+              </a:rPr>
+              <a:t>Hreadline</a:t>
+            </a:r>
+            <a:r>
+              <a:rPr lang="en-US" sz="1400" u="sng">
+                <a:latin typeface="Calibri"/>
+              </a:rPr>
+              <a:t> Status: </a:t>
+            </a:r>
+            <a:r>
+              <a:rPr lang="en-US" sz="1400">
+                <a:latin typeface="Calibri"/>
+              </a:rPr>
+              <a:t>Done</a:t>
+            </a:r>
+          </a:p>
+          <a:p>
+            <a:pPr>
+              <a:buFont typeface="Arial"/>
+              <a:buChar char="-"/>
+            </a:pPr>
+            <a:r>
+              <a:rPr lang="en-US" sz="1400" b="true" u="sng">
+                <a:latin typeface="Calibri"/>
+              </a:rPr>
+              <a:t>SuperId2222: </a:t>
+            </a:r>
+            <a:r>
+              <a:rPr lang="en-US" sz="1400">
+                <a:latin typeface="Calibri"/>
+              </a:rPr>
+              <a:t>Hreadline</a:t>
+            </a:r>
+            <a:r>
+              <a:rPr lang="en-US" sz="1400" u="sng">
+                <a:latin typeface="Calibri"/>
+              </a:rPr>
+              <a:t> Status: </a:t>
+            </a:r>
+            <a:r>
+              <a:rPr lang="en-US" sz="1400">
+                <a:latin typeface="Calibri"/>
+              </a:rPr>
+              <a:t>Done</a:t>
+            </a:r>
+          </a:p>
+          <a:p>
+            <a:pPr>
+              <a:buFont typeface="Arial"/>
+              <a:buChar char="-"/>
+            </a:pPr>
+            <a:r>
+              <a:rPr lang="en-US" sz="1400" b="true" u="sng">
+                <a:latin typeface="Calibri"/>
+              </a:rPr>
+              <a:t>SuperId1: </a:t>
+            </a:r>
+            <a:r>
+              <a:rPr lang="en-US" sz="1400">
+                <a:latin typeface="Calibri"/>
+              </a:rPr>
+              <a:t>Hreadline</a:t>
+            </a:r>
+            <a:r>
+              <a:rPr lang="en-US" sz="1400" u="sng">
+                <a:latin typeface="Calibri"/>
+              </a:rPr>
+              <a:t> Status: </a:t>
+            </a:r>
+            <a:r>
+              <a:rPr lang="en-US" sz="1400">
+                <a:latin typeface="Calibri"/>
+              </a:rPr>
+              <a:t>Done</a:t>
+            </a:r>
+          </a:p>
+          <a:p>
+            <a:pPr>
+              <a:buFont typeface="Arial"/>
+              <a:buChar char="-"/>
+            </a:pPr>
+            <a:r>
+              <a:rPr lang="en-US" sz="1400" b="true" u="sng">
+                <a:latin typeface="Calibri"/>
+              </a:rPr>
+              <a:t>SuperId2222: </a:t>
+            </a:r>
+            <a:r>
+              <a:rPr lang="en-US" sz="1400">
+                <a:latin typeface="Calibri"/>
+              </a:rPr>
+              <a:t>Hreadline</a:t>
+            </a:r>
+            <a:r>
+              <a:rPr lang="en-US" sz="1400" u="sng">
+                <a:latin typeface="Calibri"/>
+              </a:rPr>
+              <a:t> Status: </a:t>
+            </a:r>
+            <a:r>
+              <a:rPr lang="en-US" sz="1400">
+                <a:latin typeface="Calibri"/>
+              </a:rPr>
+              <a:t>Done</a:t>
+            </a:r>
+          </a:p>
+          <a:p>
+            <a:pPr>
+              <a:buFont typeface="Arial"/>
+              <a:buChar char="-"/>
+            </a:pPr>
+            <a:r>
+              <a:rPr lang="en-US" sz="1400" b="true" u="sng">
+                <a:latin typeface="Calibri"/>
+              </a:rPr>
+              <a:t>SuperId1: </a:t>
+            </a:r>
+            <a:r>
+              <a:rPr lang="en-US" sz="1400">
+                <a:latin typeface="Calibri"/>
+              </a:rPr>
+              <a:t>Hreadline</a:t>
+            </a:r>
+            <a:r>
+              <a:rPr lang="en-US" sz="1400" u="sng">
+                <a:latin typeface="Calibri"/>
+              </a:rPr>
+              <a:t> Status: </a:t>
+            </a:r>
+            <a:r>
+              <a:rPr lang="en-US" sz="1400">
+                <a:latin typeface="Calibri"/>
+              </a:rPr>
+              <a:t>Done</a:t>
+            </a:r>
+          </a:p>
+          <a:p>
+            <a:pPr>
+              <a:buFont typeface="Arial"/>
+              <a:buChar char="-"/>
+            </a:pPr>
+            <a:r>
+              <a:rPr lang="en-US" sz="1400" b="true" u="sng">
+                <a:latin typeface="Calibri"/>
+              </a:rPr>
+              <a:t>SuperId2222: </a:t>
+            </a:r>
+            <a:r>
+              <a:rPr lang="en-US" sz="1400">
+                <a:latin typeface="Calibri"/>
+              </a:rPr>
+              <a:t>Hreadline</a:t>
+            </a:r>
+            <a:r>
+              <a:rPr lang="en-US" sz="1400" u="sng">
+                <a:latin typeface="Calibri"/>
+              </a:rPr>
+              <a:t> Status: </a:t>
+            </a:r>
+            <a:r>
+              <a:rPr lang="en-US" sz="1400">
+                <a:latin typeface="Calibri"/>
+              </a:rPr>
+              <a:t>Done</a:t>
+            </a:r>
+          </a:p>
+          <a:p>
+            <a:pPr>
+              <a:buFont typeface="Arial"/>
+              <a:buChar char="-"/>
+            </a:pPr>
+            <a:r>
+              <a:rPr lang="en-US" sz="1400" b="true" u="sng">
+                <a:latin typeface="Calibri"/>
+              </a:rPr>
+              <a:t>SuperId1: </a:t>
+            </a:r>
+            <a:r>
+              <a:rPr lang="en-US" sz="1400">
+                <a:latin typeface="Calibri"/>
+              </a:rPr>
+              <a:t>Hreadline</a:t>
+            </a:r>
+            <a:r>
+              <a:rPr lang="en-US" sz="1400" u="sng">
+                <a:latin typeface="Calibri"/>
+              </a:rPr>
+              <a:t> Status: </a:t>
+            </a:r>
+            <a:r>
+              <a:rPr lang="en-US" sz="1400">
+                <a:latin typeface="Calibri"/>
+              </a:rPr>
+              <a:t>Done</a:t>
+            </a:r>
+          </a:p>
+          <a:p>
+            <a:pPr>
+              <a:buFont typeface="Arial"/>
+              <a:buChar char="-"/>
+            </a:pPr>
+            <a:r>
+              <a:rPr lang="en-US" sz="1400" b="true" u="sng">
+                <a:latin typeface="Calibri"/>
+              </a:rPr>
+              <a:t>SuperId2222: </a:t>
+            </a:r>
+            <a:r>
+              <a:rPr lang="en-US" sz="1400">
+                <a:latin typeface="Calibri"/>
+              </a:rPr>
+              <a:t>Hreadline</a:t>
+            </a:r>
+            <a:r>
+              <a:rPr lang="en-US" sz="1400" u="sng">
+                <a:latin typeface="Calibri"/>
+              </a:rPr>
+              <a:t> Status: </a:t>
+            </a:r>
+            <a:r>
+              <a:rPr lang="en-US" sz="1400">
+                <a:latin typeface="Calibri"/>
+              </a:rPr>
+              <a:t>Done</a:t>
+            </a:r>
+          </a:p>
+          <a:p>
+            <a:pPr>
+              <a:buFont typeface="Arial"/>
+              <a:buChar char="-"/>
+            </a:pPr>
+            <a:r>
+              <a:rPr lang="en-US" sz="1400" b="true" u="sng">
+                <a:latin typeface="Calibri"/>
+              </a:rPr>
+              <a:t>SuperId1: </a:t>
+            </a:r>
+            <a:r>
+              <a:rPr lang="en-US" sz="1400">
+                <a:latin typeface="Calibri"/>
+              </a:rPr>
+              <a:t>Hreadline</a:t>
+            </a:r>
+            <a:r>
+              <a:rPr lang="en-US" sz="1400" u="sng">
+                <a:latin typeface="Calibri"/>
+              </a:rPr>
+              <a:t> Status: </a:t>
+            </a:r>
+            <a:r>
+              <a:rPr lang="en-US" sz="1400">
+                <a:latin typeface="Calibri"/>
+              </a:rPr>
+              <a:t>Done</a:t>
+            </a:r>
+          </a:p>
+          <a:p>
+            <a:pPr>
+              <a:buFont typeface="Arial"/>
+              <a:buChar char="-"/>
+            </a:pPr>
+            <a:r>
+              <a:rPr lang="en-US" sz="1400" b="true" u="sng">
+                <a:latin typeface="Calibri"/>
+              </a:rPr>
+              <a:t>SuperId2222: </a:t>
+            </a:r>
+            <a:r>
+              <a:rPr lang="en-US" sz="1400">
+                <a:latin typeface="Calibri"/>
+              </a:rPr>
+              <a:t>Hreadline</a:t>
+            </a:r>
+            <a:r>
+              <a:rPr lang="en-US" sz="1400" u="sng">
+                <a:latin typeface="Calibri"/>
+              </a:rPr>
+              <a:t> Status: </a:t>
+            </a:r>
+            <a:r>
+              <a:rPr lang="en-US" sz="1400">
+                <a:latin typeface="Calibri"/>
+              </a:rPr>
+              <a:t>Done</a:t>
+            </a:r>
+          </a:p>
+          <a:p>
+            <a:pPr>
+              <a:buFont typeface="Arial"/>
+              <a:buChar char="-"/>
+            </a:pPr>
+            <a:r>
+              <a:rPr lang="en-US" sz="1400" b="true" u="sng">
+                <a:latin typeface="Calibri"/>
+              </a:rPr>
+              <a:t>SuperId1: </a:t>
+            </a:r>
+            <a:r>
+              <a:rPr lang="en-US" sz="1400">
+                <a:latin typeface="Calibri"/>
+              </a:rPr>
+              <a:t>Hreadline</a:t>
+            </a:r>
+            <a:r>
+              <a:rPr lang="en-US" sz="1400" u="sng">
+                <a:latin typeface="Calibri"/>
+              </a:rPr>
+              <a:t> Status: </a:t>
+            </a:r>
+            <a:r>
+              <a:rPr lang="en-US" sz="1400">
+                <a:latin typeface="Calibri"/>
+              </a:rPr>
+              <a:t>Done</a:t>
+            </a:r>
+          </a:p>
+          <a:p>
+            <a:pPr>
+              <a:buFont typeface="Arial"/>
+              <a:buChar char="-"/>
+            </a:pPr>
+            <a:r>
+              <a:rPr lang="en-US" sz="1400" b="true" u="sng">
+                <a:latin typeface="Calibri"/>
+              </a:rPr>
+              <a:t>SuperId2222: </a:t>
+            </a:r>
+            <a:r>
+              <a:rPr lang="en-US" sz="1400">
+                <a:latin typeface="Calibri"/>
+              </a:rPr>
+              <a:t>Hreadline</a:t>
+            </a:r>
+            <a:r>
+              <a:rPr lang="en-US" sz="1400" u="sng">
+                <a:latin typeface="Calibri"/>
+              </a:rPr>
+              <a:t> Status: </a:t>
+            </a:r>
+            <a:r>
+              <a:rPr lang="en-US" sz="1400">
+                <a:latin typeface="Calibri"/>
+              </a:rPr>
+              <a:t>Done</a:t>
+            </a:r>
+          </a:p>
+        </p:txBody>
+      </p:sp>
+    </p:spTree>
+  </p:cSld>
+  <p:clrMapOvr>
+    <a:masterClrMapping/>
+  </p:clrMapOvr>
+</p:sld>
+</file>
+
+<file path=ppt/slides/slide6.xml><?xml version="1.0" encoding="utf-8"?>
+<p:sld xmlns:p="http://schemas.openxmlformats.org/presentationml/2006/main" xmlns:a="http://schemas.openxmlformats.org/drawingml/2006/main" xmlns:r="http://schemas.openxmlformats.org/officeDocument/2006/relationships">
+  <p:cSld>
+    <p:spTree>
+      <p:nvGrpSpPr>
+        <p:cNvPr id="1" name=""/>
+        <p:cNvGrpSpPr/>
+        <p:nvPr/>
+      </p:nvGrpSpPr>
+      <p:grpSpPr>
+        <a:xfrm>
+          <a:off x="0" y="0"/>
+          <a:ext cx="0" cy="0"/>
+          <a:chOff x="0" y="0"/>
+          <a:chExt cx="0" cy="0"/>
+        </a:xfrm>
+      </p:grpSpPr>
+      <p:sp>
+        <p:nvSpPr>
+          <p:cNvPr name="TextBox 2" id="2"/>
+          <p:cNvSpPr txBox="true"/>
+          <p:nvPr/>
+        </p:nvSpPr>
+        <p:spPr>
+          <a:xfrm>
+            <a:off x="254000" y="254000"/>
+            <a:ext cx="6350000" cy="762000"/>
+          </a:xfrm>
+          <a:prstGeom prst="rect">
+            <a:avLst/>
+          </a:prstGeom>
+        </p:spPr>
+        <p:txBody>
+          <a:bodyPr anchor="t" rtlCol="false"/>
+          <a:lstStyle/>
+          <a:p>
+            <a:pPr algn="l">
+              <a:defRPr/>
+            </a:pPr>
+            <a:r>
+              <a:rPr lang="ru-RU"/>
+              <a:t/>
+            </a:r>
+            <a:r>
+              <a:rPr lang="en-US" sz="1400" b="true">
+                <a:latin typeface="Calibri"/>
+              </a:rPr>
+              <a:t>Project name: </a:t>
+            </a:r>
+            <a:r>
+              <a:rPr lang="en-US" sz="1400">
+                <a:latin typeface="Calibri"/>
+                <a:hlinkClick r:id="rId2" tooltip="http://ya.ru"/>
+              </a:rPr>
+              <a:t>Project from Facade</a:t>
+            </a:r>
+            <a:br>
+              <a:rPr lang="en-US" sz="1400">
+                <a:latin typeface="Calibri"/>
+              </a:rPr>
+            </a:br>
+            <a:r>
+              <a:rPr lang="en-US" sz="1400" b="true">
+                <a:latin typeface="Calibri"/>
+              </a:rPr>
+              <a:t>Project manager: </a:t>
+            </a:r>
+            <a:r>
+              <a:rPr lang="en-US" sz="1400">
+                <a:latin typeface="Calibri"/>
+              </a:rPr>
+              <a:t>IKSANOV Aleksandr</a:t>
+            </a:r>
+            <a:br>
+              <a:rPr lang="en-US" sz="1400">
+                <a:latin typeface="Calibri"/>
+              </a:rPr>
+            </a:br>
+            <a:r>
+              <a:rPr lang="en-US" sz="1400" b="true">
+                <a:latin typeface="Calibri"/>
+              </a:rPr>
+              <a:t>Last Updated: </a:t>
+            </a:r>
+            <a:r>
+              <a:rPr lang="en-US" sz="1400">
+                <a:latin typeface="Calibri"/>
+              </a:rPr>
+              <a:t>20-Apr-20</a:t>
+            </a:r>
+            <a:endParaRPr lang="en-US" sz="1100"/>
+          </a:p>
+        </p:txBody>
+      </p:sp>
+      <p:sp>
+        <p:nvSpPr>
+          <p:cNvPr name="TextBox 3" id="3"/>
+          <p:cNvSpPr txBox="true"/>
+          <p:nvPr/>
+        </p:nvSpPr>
+        <p:spPr>
+          <a:xfrm>
+            <a:off x="254000" y="1244600"/>
+            <a:ext cx="15748000" cy="215900"/>
+          </a:xfrm>
+          <a:prstGeom prst="rect">
+            <a:avLst/>
+          </a:prstGeom>
+        </p:spPr>
+        <p:txBody>
+          <a:bodyPr anchor="t" rtlCol="false"/>
+          <a:lstStyle/>
+          <a:p>
+            <a:pPr algn="l">
+              <a:defRPr/>
+            </a:pPr>
+            <a:r>
+              <a:rPr lang="ru-RU"/>
+              <a:t/>
+            </a:r>
+            <a:r>
+              <a:rPr lang="en-US" sz="1400" b="true">
+                <a:latin typeface="Calibri"/>
+              </a:rPr>
+              <a:t>Other Information</a:t>
+            </a:r>
+            <a:endParaRPr lang="en-US" sz="1100"/>
+          </a:p>
+        </p:txBody>
+      </p:sp>
+      <p:sp>
+        <p:nvSpPr>
+          <p:cNvPr name="AutoShape 4" id="4"/>
+          <p:cNvSpPr/>
+          <p:nvPr/>
+        </p:nvSpPr>
+        <p:spPr>
+          <a:xfrm>
+            <a:off x="254000" y="1562100"/>
+            <a:ext cx="15748000" cy="12700"/>
+          </a:xfrm>
+          <a:prstGeom prst="line">
+            <a:avLst/>
+          </a:prstGeom>
+          <a:ln>
+            <a:solidFill>
+              <a:srgbClr val="000000"/>
+            </a:solidFill>
+          </a:ln>
+        </p:spPr>
+      </p:sp>
+      <p:sp>
+        <p:nvSpPr>
+          <p:cNvPr name="TextBox 5" id="5"/>
+          <p:cNvSpPr txBox="true"/>
+          <p:nvPr/>
+        </p:nvSpPr>
+        <p:spPr>
+          <a:xfrm>
+            <a:off x="5905500" y="8191500"/>
+            <a:ext cx="4445000" cy="635000"/>
+          </a:xfrm>
+          <a:prstGeom prst="rect">
+            <a:avLst/>
+          </a:prstGeom>
+        </p:spPr>
+        <p:txBody>
+          <a:bodyPr anchor="t" rtlCol="false"/>
+          <a:lstStyle/>
+          <a:p>
+            <a:pPr algn="ctr">
+              <a:defRPr/>
+            </a:pPr>
+            <a:r>
+              <a:rPr lang="ru-RU"/>
+              <a:t/>
+            </a:r>
+            <a:r>
+              <a:rPr lang="en-US" sz="1200" i="true">
+                <a:solidFill>
+                  <a:srgbClr val="FF0000"/>
+                </a:solidFill>
+                <a:latin typeface="Calibri"/>
+              </a:rPr>
+              <a:t>Alcatel-Lucent Enterprise - Confidential</a:t>
+            </a:r>
+            <a:br>
+              <a:rPr lang="en-US" sz="1200" i="true">
+                <a:solidFill>
+                  <a:srgbClr val="FF0000"/>
+                </a:solidFill>
+                <a:latin typeface="Calibri"/>
+              </a:rPr>
+            </a:br>
+            <a:r>
+              <a:rPr lang="en-US" sz="1200" b="true">
+                <a:latin typeface="Calibri"/>
+              </a:rPr>
+              <a:t>Solely for authorized persons having a need to know</a:t>
+            </a:r>
+            <a:br>
+              <a:rPr lang="en-US" sz="1200" b="true">
+                <a:latin typeface="Calibri"/>
+              </a:rPr>
+            </a:br>
+            <a:r>
+              <a:rPr lang="en-US" sz="1200">
+                <a:latin typeface="Calibri"/>
+              </a:rPr>
+              <a:t>Proprietary - Use pursuant to Company Instruction</a:t>
+            </a:r>
+            <a:endParaRPr lang="en-US" sz="1100"/>
+          </a:p>
+        </p:txBody>
+      </p:sp>
+      <p:sp>
+        <p:nvSpPr>
+          <p:cNvPr name="TextBox 6" id="6"/>
+          <p:cNvSpPr txBox="true"/>
+          <p:nvPr/>
+        </p:nvSpPr>
+        <p:spPr>
+          <a:xfrm>
+            <a:off x="254000" y="8382000"/>
+            <a:ext cx="1016000" cy="215900"/>
+          </a:xfrm>
+          <a:prstGeom prst="rect">
+            <a:avLst/>
+          </a:prstGeom>
+        </p:spPr>
+        <p:txBody>
+          <a:bodyPr anchor="t" rtlCol="false"/>
+          <a:lstStyle/>
+          <a:p>
+            <a:pPr algn="l">
+              <a:defRPr/>
+            </a:pPr>
+            <a:r>
+              <a:rPr lang="ru-RU"/>
+              <a:t/>
+            </a:r>
+            <a:r>
+              <a:rPr lang="en-US" sz="1400">
+                <a:latin typeface="Calibri"/>
+              </a:rPr>
+              <a:t>Page 6</a:t>
+            </a:r>
+            <a:endParaRPr lang="en-US" sz="1100"/>
+          </a:p>
+        </p:txBody>
+      </p:sp>
+      <p:pic>
+        <p:nvPicPr>
+          <p:cNvPr name="Picture 7" id="7"/>
+          <p:cNvPicPr>
+            <a:picLocks noChangeAspect="true"/>
+          </p:cNvPicPr>
+          <p:nvPr/>
+        </p:nvPicPr>
+        <p:blipFill>
+          <a:blip r:embed="rId3"/>
+          <a:stretch>
+            <a:fillRect/>
+          </a:stretch>
+        </p:blipFill>
+        <p:spPr>
+          <a:xfrm>
+            <a:off x="13944600" y="8318500"/>
+            <a:ext cx="2057400" cy="520700"/>
+          </a:xfrm>
+          <a:prstGeom prst="rect">
+            <a:avLst/>
+          </a:prstGeom>
+        </p:spPr>
+      </p:pic>
+      <p:sp>
+        <p:nvSpPr>
+          <p:cNvPr name="AutoShape 8" id="8"/>
+          <p:cNvSpPr/>
+          <p:nvPr/>
+        </p:nvSpPr>
+        <p:spPr>
+          <a:xfrm>
+            <a:off x="254000" y="8064500"/>
+            <a:ext cx="15748000" cy="12700"/>
+          </a:xfrm>
+          <a:prstGeom prst="line">
+            <a:avLst/>
+          </a:prstGeom>
+          <a:ln>
+            <a:solidFill>
+              <a:srgbClr val="000000"/>
+            </a:solidFill>
+          </a:ln>
+        </p:spPr>
+      </p:sp>
+      <p:sp>
+        <p:nvSpPr>
+          <p:cNvPr name="TextBox 9" id="9"/>
+          <p:cNvSpPr txBox="true"/>
+          <p:nvPr/>
+        </p:nvSpPr>
+        <p:spPr>
+          <a:xfrm>
+            <a:off x="254000" y="1562100"/>
+            <a:ext cx="15748000" cy="6375400"/>
+          </a:xfrm>
+          <a:prstGeom prst="rect">
+            <a:avLst/>
+          </a:prstGeom>
+        </p:spPr>
+        <p:txBody>
+          <a:bodyPr anchor="t" rtlCol="false"/>
+          <a:lstStyle/>
+          <a:p>
+            <a:pPr algn="l">
+              <a:defRPr/>
+            </a:pPr>
+            <a:r>
+              <a:rPr lang="ru-RU"/>
+              <a:t/>
+            </a:r>
+            <a:endParaRPr lang="en-US" sz="1100"/>
+          </a:p>
+          <a:p/>
+          <a:p>
+            <a:r>
+              <a:rPr lang="en-US" sz="1400" b="true">
+                <a:latin typeface="Calibri"/>
+              </a:rPr>
+              <a:t>Current Project Details</a:t>
+            </a:r>
+          </a:p>
+          <a:p>
+            <a:r>
+              <a:rPr lang="en-US" sz="1400">
+                <a:latin typeface="Calibri"/>
+              </a:rPr>
+              <a:t>\n" + "1PowerPoint documents are made up of a tree of records. A record may contain either other records (in which case it is a Container), or data (in which case it's an Atom). A record can't hold both. PowerPoint documents don't have one overall container record. Instead, there are a number of different container records to be found at the top level. Any numbers or strings stored in the records are always stored in Little Endian format (least important bytes first). This is the case no matter what platform the file was written on - be that a Little Endian or a Big Endian system. PowerPoint may have Escher (DDF) records embedded in it. These are always held as the children of a PPDrawing record (record type 1036). Escher records have the same format as PowerPoint records. Hello mate! Hello mate! Hello mate! Hello mate! Hello mate! Hello mate! Hello mate! Hello mate! Hello mate! This is bold and underscore and both and not true false PowerPoint documents are made up of a tree of records. A record may contain either other records (in which case it is a Container), or data (in which case it's an Atom). A record can't hold both. PowerPoint documents don't have one overall container record. Instead, there are a number of different container records to be found at the top level. Any numbers or strings stored in the records are always stored in Little Endian format (least important bytes first). This is the case no matter what platform the file was written on - be that a Little Endian or a Big Endian system. PowerPoint may have Escher (DDF) records embedded in it. These are always held as the children of a PPDrawing record (record type 1036). Escher records have the same format as PowerPoint records. A record may contain either other records (in which case it is a Container), or data (in which case it's an Atom). A record can't hold both. PowerPoint documents don't have one overall container record PowerPoint documents are made up of a tree of records. A record may contain either other records (in which case it is a Container), or data (in which case it's an Atom). A record can't hold both. PowerPoint documents don't have one overall container record. Instead, there are a number of different container records to be found at the top level. Any numbers or strings stored in the records are always stored in Little Endian format (least important bytes first). This is the case no matter what platform the file was written on - be that a Little Endian or a Big Endian system. PowerPoint may have Escher (DDF) records embedded in it. These are always held as the children of a PPDrawing record (record type 1036). Escher records have the same format as PowerPoint records. Hello mate! Hello mate! Hello mate! Hello mate! Hello mate! Hello mate! Hello mate! Hello mate! Hello mate! This is bold and underscore and both and not true false PowerPoint documents are made up of a tree of records. A record may contain either other records (in which case it is a Container), or data (in which case it's an Atom). A record can't hold both. PowerPoint documents don't have one overall container record. Instead, there are a number of different container records to be found at the top level. Any numbers or strings stored in the records are always stored in Little Endian format (least important bytes first). This is the case no matter what platform the file was written on - be that a Little Endian or a Big Endian system. PowerPoint may have Escher (DDF) records embedded in it. These are always held as the children of a PPDrawing record (record type 1036). Escher records have the same format as PowerPoint records. Hello mate! Hello mate! Hello mate! Hello mate! Hello mate! Hello mate! Hello mate! Hello mate! Hello mate! This is bold and underscore and both and not true false PowerPoint documents are made up of a tree of records. A record may contain either other records (in which case it is a Container), or data (in which case it's an Atom). A record can't hold both. PowerPoint documents don't have one overall container record documents don't have one overall container record. Instead, there are a number of different container records to be found at the top level. Any numbers or strings stored in the records are always stored in Little Endian format (least important bytes first). This is the case no matter what platform the file was written on - be that a Little Endian or a Big Endian system. PowerPoint may have Escher (DDF) records embedded in it. These are always held as the children of a PPDrawing record (record type 1036). " + "</a:t>
+            </a:r>
+          </a:p>
+        </p:txBody>
+      </p:sp>
+    </p:spTree>
+  </p:cSld>
+  <p:clrMapOvr>
+    <a:masterClrMapping/>
+  </p:clrMapOvr>
+</p:sld>
+</file>
+
+<file path=ppt/slides/slide7.xml><?xml version="1.0" encoding="utf-8"?>
+<p:sld xmlns:p="http://schemas.openxmlformats.org/presentationml/2006/main" xmlns:a="http://schemas.openxmlformats.org/drawingml/2006/main" xmlns:r="http://schemas.openxmlformats.org/officeDocument/2006/relationships">
+  <p:cSld>
+    <p:spTree>
+      <p:nvGrpSpPr>
+        <p:cNvPr id="1" name=""/>
+        <p:cNvGrpSpPr/>
+        <p:nvPr/>
+      </p:nvGrpSpPr>
+      <p:grpSpPr>
+        <a:xfrm>
+          <a:off x="0" y="0"/>
+          <a:ext cx="0" cy="0"/>
+          <a:chOff x="0" y="0"/>
+          <a:chExt cx="0" cy="0"/>
+        </a:xfrm>
+      </p:grpSpPr>
+      <p:sp>
+        <p:nvSpPr>
+          <p:cNvPr name="TextBox 2" id="2"/>
+          <p:cNvSpPr txBox="true"/>
+          <p:nvPr/>
+        </p:nvSpPr>
+        <p:spPr>
+          <a:xfrm>
+            <a:off x="254000" y="254000"/>
+            <a:ext cx="6350000" cy="762000"/>
+          </a:xfrm>
+          <a:prstGeom prst="rect">
+            <a:avLst/>
+          </a:prstGeom>
+        </p:spPr>
+        <p:txBody>
+          <a:bodyPr anchor="t" rtlCol="false"/>
+          <a:lstStyle/>
+          <a:p>
+            <a:pPr algn="l">
+              <a:defRPr/>
+            </a:pPr>
+            <a:r>
+              <a:rPr lang="ru-RU"/>
+              <a:t/>
+            </a:r>
+            <a:r>
+              <a:rPr lang="en-US" sz="1400" b="true">
+                <a:latin typeface="Calibri"/>
+              </a:rPr>
+              <a:t>Project name: </a:t>
+            </a:r>
+            <a:r>
+              <a:rPr lang="en-US" sz="1400">
+                <a:latin typeface="Calibri"/>
+                <a:hlinkClick r:id="rId2" tooltip="http://ya.ru"/>
+              </a:rPr>
+              <a:t>Project from Facade</a:t>
+            </a:r>
+            <a:br>
+              <a:rPr lang="en-US" sz="1400">
+                <a:latin typeface="Calibri"/>
+              </a:rPr>
+            </a:br>
+            <a:r>
+              <a:rPr lang="en-US" sz="1400" b="true">
+                <a:latin typeface="Calibri"/>
+              </a:rPr>
+              <a:t>Project manager: </a:t>
+            </a:r>
+            <a:r>
+              <a:rPr lang="en-US" sz="1400">
+                <a:latin typeface="Calibri"/>
+              </a:rPr>
+              <a:t>IKSANOV Aleksandr</a:t>
+            </a:r>
+            <a:br>
+              <a:rPr lang="en-US" sz="1400">
+                <a:latin typeface="Calibri"/>
+              </a:rPr>
+            </a:br>
+            <a:r>
+              <a:rPr lang="en-US" sz="1400" b="true">
+                <a:latin typeface="Calibri"/>
+              </a:rPr>
+              <a:t>Last Updated: </a:t>
+            </a:r>
+            <a:r>
+              <a:rPr lang="en-US" sz="1400">
+                <a:latin typeface="Calibri"/>
+              </a:rPr>
+              <a:t>20-Apr-20</a:t>
+            </a:r>
+            <a:endParaRPr lang="en-US" sz="1100"/>
+          </a:p>
+        </p:txBody>
+      </p:sp>
+      <p:sp>
+        <p:nvSpPr>
+          <p:cNvPr name="TextBox 3" id="3"/>
+          <p:cNvSpPr txBox="true"/>
+          <p:nvPr/>
+        </p:nvSpPr>
+        <p:spPr>
+          <a:xfrm>
+            <a:off x="254000" y="1244600"/>
+            <a:ext cx="15748000" cy="215900"/>
+          </a:xfrm>
+          <a:prstGeom prst="rect">
+            <a:avLst/>
+          </a:prstGeom>
+        </p:spPr>
+        <p:txBody>
+          <a:bodyPr anchor="t" rtlCol="false"/>
+          <a:lstStyle/>
+          <a:p>
+            <a:pPr algn="l">
+              <a:defRPr/>
+            </a:pPr>
+            <a:r>
+              <a:rPr lang="ru-RU"/>
+              <a:t/>
+            </a:r>
+            <a:r>
+              <a:rPr lang="en-US" sz="1400" b="true">
+                <a:latin typeface="Calibri"/>
+              </a:rPr>
+              <a:t>Other Information</a:t>
+            </a:r>
+            <a:endParaRPr lang="en-US" sz="1100"/>
+          </a:p>
+        </p:txBody>
+      </p:sp>
+      <p:sp>
+        <p:nvSpPr>
+          <p:cNvPr name="AutoShape 4" id="4"/>
+          <p:cNvSpPr/>
+          <p:nvPr/>
+        </p:nvSpPr>
+        <p:spPr>
+          <a:xfrm>
+            <a:off x="254000" y="1562100"/>
+            <a:ext cx="15748000" cy="12700"/>
+          </a:xfrm>
+          <a:prstGeom prst="line">
+            <a:avLst/>
+          </a:prstGeom>
+          <a:ln>
+            <a:solidFill>
+              <a:srgbClr val="000000"/>
+            </a:solidFill>
+          </a:ln>
+        </p:spPr>
+      </p:sp>
+      <p:sp>
+        <p:nvSpPr>
+          <p:cNvPr name="TextBox 5" id="5"/>
+          <p:cNvSpPr txBox="true"/>
+          <p:nvPr/>
+        </p:nvSpPr>
+        <p:spPr>
+          <a:xfrm>
+            <a:off x="5905500" y="8191500"/>
+            <a:ext cx="4445000" cy="635000"/>
+          </a:xfrm>
+          <a:prstGeom prst="rect">
+            <a:avLst/>
+          </a:prstGeom>
+        </p:spPr>
+        <p:txBody>
+          <a:bodyPr anchor="t" rtlCol="false"/>
+          <a:lstStyle/>
+          <a:p>
+            <a:pPr algn="ctr">
+              <a:defRPr/>
+            </a:pPr>
+            <a:r>
+              <a:rPr lang="ru-RU"/>
+              <a:t/>
+            </a:r>
+            <a:r>
+              <a:rPr lang="en-US" sz="1200" i="true">
+                <a:solidFill>
+                  <a:srgbClr val="FF0000"/>
+                </a:solidFill>
+                <a:latin typeface="Calibri"/>
+              </a:rPr>
+              <a:t>Alcatel-Lucent Enterprise - Confidential</a:t>
+            </a:r>
+            <a:br>
+              <a:rPr lang="en-US" sz="1200" i="true">
+                <a:solidFill>
+                  <a:srgbClr val="FF0000"/>
+                </a:solidFill>
+                <a:latin typeface="Calibri"/>
+              </a:rPr>
+            </a:br>
+            <a:r>
+              <a:rPr lang="en-US" sz="1200" b="true">
+                <a:latin typeface="Calibri"/>
+              </a:rPr>
+              <a:t>Solely for authorized persons having a need to know</a:t>
+            </a:r>
+            <a:br>
+              <a:rPr lang="en-US" sz="1200" b="true">
+                <a:latin typeface="Calibri"/>
+              </a:rPr>
+            </a:br>
+            <a:r>
+              <a:rPr lang="en-US" sz="1200">
+                <a:latin typeface="Calibri"/>
+              </a:rPr>
+              <a:t>Proprietary - Use pursuant to Company Instruction</a:t>
+            </a:r>
+            <a:endParaRPr lang="en-US" sz="1100"/>
+          </a:p>
+        </p:txBody>
+      </p:sp>
+      <p:sp>
+        <p:nvSpPr>
+          <p:cNvPr name="TextBox 6" id="6"/>
+          <p:cNvSpPr txBox="true"/>
+          <p:nvPr/>
+        </p:nvSpPr>
+        <p:spPr>
+          <a:xfrm>
+            <a:off x="254000" y="8382000"/>
+            <a:ext cx="1016000" cy="215900"/>
+          </a:xfrm>
+          <a:prstGeom prst="rect">
+            <a:avLst/>
+          </a:prstGeom>
+        </p:spPr>
+        <p:txBody>
+          <a:bodyPr anchor="t" rtlCol="false"/>
+          <a:lstStyle/>
+          <a:p>
+            <a:pPr algn="l">
+              <a:defRPr/>
+            </a:pPr>
+            <a:r>
+              <a:rPr lang="ru-RU"/>
+              <a:t/>
+            </a:r>
+            <a:r>
+              <a:rPr lang="en-US" sz="1400">
+                <a:latin typeface="Calibri"/>
+              </a:rPr>
+              <a:t>Page 7</a:t>
+            </a:r>
+            <a:endParaRPr lang="en-US" sz="1100"/>
+          </a:p>
+        </p:txBody>
+      </p:sp>
+      <p:pic>
+        <p:nvPicPr>
+          <p:cNvPr name="Picture 7" id="7"/>
+          <p:cNvPicPr>
+            <a:picLocks noChangeAspect="true"/>
+          </p:cNvPicPr>
+          <p:nvPr/>
+        </p:nvPicPr>
+        <p:blipFill>
+          <a:blip r:embed="rId3"/>
+          <a:stretch>
+            <a:fillRect/>
+          </a:stretch>
+        </p:blipFill>
+        <p:spPr>
+          <a:xfrm>
+            <a:off x="13944600" y="8318500"/>
+            <a:ext cx="2057400" cy="520700"/>
+          </a:xfrm>
+          <a:prstGeom prst="rect">
+            <a:avLst/>
+          </a:prstGeom>
+        </p:spPr>
+      </p:pic>
+      <p:sp>
+        <p:nvSpPr>
+          <p:cNvPr name="AutoShape 8" id="8"/>
+          <p:cNvSpPr/>
+          <p:nvPr/>
+        </p:nvSpPr>
+        <p:spPr>
+          <a:xfrm>
+            <a:off x="254000" y="8064500"/>
+            <a:ext cx="15748000" cy="12700"/>
+          </a:xfrm>
+          <a:prstGeom prst="line">
+            <a:avLst/>
+          </a:prstGeom>
+          <a:ln>
+            <a:solidFill>
+              <a:srgbClr val="000000"/>
+            </a:solidFill>
+          </a:ln>
+        </p:spPr>
+      </p:sp>
+      <p:sp>
+        <p:nvSpPr>
+          <p:cNvPr name="TextBox 9" id="9"/>
+          <p:cNvSpPr txBox="true"/>
+          <p:nvPr/>
+        </p:nvSpPr>
+        <p:spPr>
+          <a:xfrm>
+            <a:off x="254000" y="1562100"/>
+            <a:ext cx="15748000" cy="6375400"/>
+          </a:xfrm>
+          <a:prstGeom prst="rect">
+            <a:avLst/>
+          </a:prstGeom>
+        </p:spPr>
+        <p:txBody>
+          <a:bodyPr anchor="t" rtlCol="false"/>
+          <a:lstStyle/>
+          <a:p>
+            <a:pPr algn="l">
+              <a:defRPr/>
+            </a:pPr>
+            <a:r>
+              <a:rPr lang="ru-RU"/>
+              <a:t/>
+            </a:r>
+            <a:r>
+              <a:rPr lang="en-US" sz="1400">
+                <a:solidFill>
+                  <a:srgbClr val="FF0000"/>
+                </a:solidFill>
+                <a:latin typeface="Calibri"/>
+              </a:rPr>
+              <a:t>2Escher records have the same format as PowerPoint records. Hello mate! Hello mate! Hello mate! Hello mate! Hello mate! Hello mate! Hello mate! Hello mate! Hello mate! This is bold and underscore and both and not true false PowerPoint documents are made up of a tree of records. A record may contain either other records (in which case it is a Container), or data (in which case it's an Atom). A record can't hold both. PowerPoint documents don't have one overall container record. Instead, there are a number of different container records to be found at the top level. Any numbers or strings stored in the records are always stored in Little Endian format (least important bytes first). This is the case no matter what platform the file was written on - be that a Little Endian or a Big Endian system. PowerPoint may have Escher (DDF) records embedded in it. These are always held as the children of a PPDrawing record (record type 1036). Escher records have the same format as PowerPoint records. Hello mate! Hello mate! Hello mate! Hello mate! Hello mate! Hello mate! Hello mate! Hello mate! Hello mate! This is bold and underscore and both and not true false PowerPoint documents are made up of a tree of records. A record may contain either other records (in which case it is a Container), or data (in which case it's an Atom). A record can't hold both. PowerPoint documents don't have one overall container record\n</a:t>
+            </a:r>
+            <a:r>
+              <a:rPr lang="en-US" sz="1400">
+                <a:latin typeface="Calibri"/>
+              </a:rPr>
+              <a:t>" + "</a:t>
+            </a:r>
+            <a:r>
+              <a:rPr lang="en-US" sz="1400">
+                <a:solidFill>
+                  <a:srgbClr val="00FF00"/>
+                </a:solidFill>
+                <a:latin typeface="Calibri"/>
+              </a:rPr>
+              <a:t>3Escher records have the same format as PowerPoint records. Hello mate! Hello mate! Hello mate! Hello mate! Hello mate! Hello mate! Hello mate! Hello mate! Hello mate! This is bold and underscore and both and not true false PowerPoint documents are made up of a tree of records. A record may contain either other records (in which case it is a Container), or data (in which case it's an Atom). A record can't hold both. PowerPoint documents don't have one overall container record. Instead, there are a number of different container records to be found at the top level. Any numbers or strings stored in the records are always stored in Little Endian format (least important bytes first). This is the case no matter what platform the file was written on - be that a Little Endian or a Big Endian system. PowerPoint may have Escher (DDF) records embedded in it. These are always held as the children of a PPDrawing record (record type 1036). Escher records have the same format as PowerPoint records. Hello mate! Hello mate! Hello mate! Hello mate! Hello mate! Hello mate! Hello mate! Hello mate! Hello mate! This is bold and underscore and both and not true false PowerPoint documents are made up of a tree of records. A record may contain either other records (in which case it is a Container), or data (in which case it's an Atom). A record can't hold both. PowerPoint documents don't have one overall container record\n</a:t>
+            </a:r>
+            <a:r>
+              <a:rPr lang="en-US" sz="1400">
+                <a:latin typeface="Calibri"/>
+              </a:rPr>
+              <a:t>" + "</a:t>
+            </a:r>
+            <a:r>
+              <a:rPr lang="en-US" sz="1400">
+                <a:solidFill>
+                  <a:srgbClr val="0000FF"/>
+                </a:solidFill>
+                <a:latin typeface="Calibri"/>
+              </a:rPr>
+              <a:t>4Escher records have the same format as PowerPoint records. Hello mate! Hello mate! Hello mate! Hello mate! Hello mate! Hello mate! Hello mate! Hello mate! Hello mate! This is bold and underscore and both and not true false PowerPoint documents are made up of a tree of records. A record may contain either other records (in which case it is a Container), or data (in which case it's an Atom). A record can't hold both. PowerPoint documents don't have one overall container record. Instead, there are a number of different container records to be found at the top level. Any numbers or strings stored in the records are always stored in Little Endian format (least important bytes first). This is the case no matter what platform the file was written on - be that a Little Endian or a Big Endian system. PowerPoint may have Escher (DDF) records embedded in it. These are always held as the children of a PPDrawing record (record type 1036). Escher records have the same format as PowerPoint records. Hello mate! Hello mate! Hello mate! Hello mate! Hello mate! Hello mate! Hello mate! Hello mate! Hello mate! This is bold and underscore and both and not true false PowerPoint documents are made up of a tree of records. A record may contain either other records (in which case it is a Container), or data (in which case it's an Atom). A record can't hold both. PowerPoint documents don't have one overall container record\n</a:t>
+            </a:r>
+            <a:r>
+              <a:rPr lang="en-US" sz="1400">
+                <a:latin typeface="Calibri"/>
+              </a:rPr>
+              <a:t>" + "</a:t>
+            </a:r>
+            <a:endParaRPr lang="en-US" sz="1100"/>
+          </a:p>
+          <a:p/>
         </p:txBody>
       </p:sp>
     </p:spTree>

--- a/html-to-ppt/createMultipageIndicatorsPpt.pptx
+++ b/html-to-ppt/createMultipageIndicatorsPpt.pptx
@@ -3136,7 +3136,7 @@
               <a:rPr lang="en-US" sz="1400">
                 <a:latin typeface="Calibri"/>
               </a:rPr>
-              <a:t>20-Apr-20</a:t>
+              <a:t>21-Apr-20</a:t>
             </a:r>
             <a:endParaRPr lang="en-US" sz="1100"/>
           </a:p>
@@ -6886,7 +6886,7 @@
               <a:rPr lang="en-US" sz="1400">
                 <a:latin typeface="Calibri"/>
               </a:rPr>
-              <a:t>20-Apr-20</a:t>
+              <a:t>21-Apr-20</a:t>
             </a:r>
             <a:endParaRPr lang="en-US" sz="1100"/>
           </a:p>
@@ -7270,7 +7270,7 @@
               <a:rPr lang="en-US" sz="1400">
                 <a:latin typeface="Calibri"/>
               </a:rPr>
-              <a:t>20-Apr-20</a:t>
+              <a:t>21-Apr-20</a:t>
             </a:r>
             <a:endParaRPr lang="en-US" sz="1100"/>
           </a:p>
@@ -7672,7 +7672,7 @@
               <a:rPr lang="en-US" sz="1400">
                 <a:latin typeface="Calibri"/>
               </a:rPr>
-              <a:t>20-Apr-20</a:t>
+              <a:t>21-Apr-20</a:t>
             </a:r>
             <a:endParaRPr lang="en-US" sz="1100"/>
           </a:p>
@@ -8366,7 +8366,7 @@
               <a:rPr lang="en-US" sz="1400">
                 <a:latin typeface="Calibri"/>
               </a:rPr>
-              <a:t>20-Apr-20</a:t>
+              <a:t>21-Apr-20</a:t>
             </a:r>
             <a:endParaRPr lang="en-US" sz="1100"/>
           </a:p>
@@ -9060,7 +9060,7 @@
               <a:rPr lang="en-US" sz="1400">
                 <a:latin typeface="Calibri"/>
               </a:rPr>
-              <a:t>20-Apr-20</a:t>
+              <a:t>21-Apr-20</a:t>
             </a:r>
             <a:endParaRPr lang="en-US" sz="1100"/>
           </a:p>
@@ -9411,7 +9411,7 @@
               <a:rPr lang="en-US" sz="1400">
                 <a:latin typeface="Calibri"/>
               </a:rPr>
-              <a:t>20-Apr-20</a:t>
+              <a:t>21-Apr-20</a:t>
             </a:r>
             <a:endParaRPr lang="en-US" sz="1100"/>
           </a:p>

--- a/html-to-ppt/createMultipageIndicatorsPpt.pptx
+++ b/html-to-ppt/createMultipageIndicatorsPpt.pptx
@@ -3136,7 +3136,7 @@
               <a:rPr lang="en-US" sz="1400">
                 <a:latin typeface="Calibri"/>
               </a:rPr>
-              <a:t>21-Apr-20</a:t>
+              <a:t>23-Apr-20</a:t>
             </a:r>
             <a:endParaRPr lang="en-US" sz="1100"/>
           </a:p>
@@ -6886,7 +6886,7 @@
               <a:rPr lang="en-US" sz="1400">
                 <a:latin typeface="Calibri"/>
               </a:rPr>
-              <a:t>21-Apr-20</a:t>
+              <a:t>23-Apr-20</a:t>
             </a:r>
             <a:endParaRPr lang="en-US" sz="1100"/>
           </a:p>
@@ -7270,7 +7270,7 @@
               <a:rPr lang="en-US" sz="1400">
                 <a:latin typeface="Calibri"/>
               </a:rPr>
-              <a:t>21-Apr-20</a:t>
+              <a:t>23-Apr-20</a:t>
             </a:r>
             <a:endParaRPr lang="en-US" sz="1100"/>
           </a:p>
@@ -7672,7 +7672,7 @@
               <a:rPr lang="en-US" sz="1400">
                 <a:latin typeface="Calibri"/>
               </a:rPr>
-              <a:t>21-Apr-20</a:t>
+              <a:t>23-Apr-20</a:t>
             </a:r>
             <a:endParaRPr lang="en-US" sz="1100"/>
           </a:p>
@@ -8366,7 +8366,7 @@
               <a:rPr lang="en-US" sz="1400">
                 <a:latin typeface="Calibri"/>
               </a:rPr>
-              <a:t>21-Apr-20</a:t>
+              <a:t>23-Apr-20</a:t>
             </a:r>
             <a:endParaRPr lang="en-US" sz="1100"/>
           </a:p>
@@ -9060,7 +9060,7 @@
               <a:rPr lang="en-US" sz="1400">
                 <a:latin typeface="Calibri"/>
               </a:rPr>
-              <a:t>21-Apr-20</a:t>
+              <a:t>23-Apr-20</a:t>
             </a:r>
             <a:endParaRPr lang="en-US" sz="1100"/>
           </a:p>
@@ -9411,7 +9411,7 @@
               <a:rPr lang="en-US" sz="1400">
                 <a:latin typeface="Calibri"/>
               </a:rPr>
-              <a:t>21-Apr-20</a:t>
+              <a:t>23-Apr-20</a:t>
             </a:r>
             <a:endParaRPr lang="en-US" sz="1100"/>
           </a:p>

--- a/html-to-ppt/createMultipageIndicatorsPpt.pptx
+++ b/html-to-ppt/createMultipageIndicatorsPpt.pptx
@@ -3136,7 +3136,7 @@
               <a:rPr lang="en-US" sz="1400">
                 <a:latin typeface="Calibri"/>
               </a:rPr>
-              <a:t>23-Apr-20</a:t>
+              <a:t>27-Apr-20</a:t>
             </a:r>
             <a:endParaRPr lang="en-US" sz="1100"/>
           </a:p>
@@ -5217,7 +5217,7 @@
         </p:nvSpPr>
         <p:spPr>
           <a:xfrm>
-            <a:off x="8890000" y="2438400"/>
+            <a:off x="15011400" y="2438400"/>
             <a:ext cx="203200" cy="406400"/>
           </a:xfrm>
           <a:prstGeom prst="roundRect">
@@ -6886,7 +6886,7 @@
               <a:rPr lang="en-US" sz="1400">
                 <a:latin typeface="Calibri"/>
               </a:rPr>
-              <a:t>23-Apr-20</a:t>
+              <a:t>27-Apr-20</a:t>
             </a:r>
             <a:endParaRPr lang="en-US" sz="1100"/>
           </a:p>
@@ -7270,7 +7270,7 @@
               <a:rPr lang="en-US" sz="1400">
                 <a:latin typeface="Calibri"/>
               </a:rPr>
-              <a:t>23-Apr-20</a:t>
+              <a:t>27-Apr-20</a:t>
             </a:r>
             <a:endParaRPr lang="en-US" sz="1100"/>
           </a:p>
@@ -7672,7 +7672,7 @@
               <a:rPr lang="en-US" sz="1400">
                 <a:latin typeface="Calibri"/>
               </a:rPr>
-              <a:t>23-Apr-20</a:t>
+              <a:t>27-Apr-20</a:t>
             </a:r>
             <a:endParaRPr lang="en-US" sz="1100"/>
           </a:p>
@@ -8366,7 +8366,7 @@
               <a:rPr lang="en-US" sz="1400">
                 <a:latin typeface="Calibri"/>
               </a:rPr>
-              <a:t>23-Apr-20</a:t>
+              <a:t>27-Apr-20</a:t>
             </a:r>
             <a:endParaRPr lang="en-US" sz="1100"/>
           </a:p>
@@ -9060,7 +9060,7 @@
               <a:rPr lang="en-US" sz="1400">
                 <a:latin typeface="Calibri"/>
               </a:rPr>
-              <a:t>23-Apr-20</a:t>
+              <a:t>27-Apr-20</a:t>
             </a:r>
             <a:endParaRPr lang="en-US" sz="1100"/>
           </a:p>
@@ -9411,7 +9411,7 @@
               <a:rPr lang="en-US" sz="1400">
                 <a:latin typeface="Calibri"/>
               </a:rPr>
-              <a:t>23-Apr-20</a:t>
+              <a:t>27-Apr-20</a:t>
             </a:r>
             <a:endParaRPr lang="en-US" sz="1100"/>
           </a:p>

--- a/html-to-ppt/createMultipageIndicatorsPpt.pptx
+++ b/html-to-ppt/createMultipageIndicatorsPpt.pptx
@@ -12,6 +12,11 @@
     <p:sldId id="260" r:id="rId10"/>
     <p:sldId id="261" r:id="rId11"/>
     <p:sldId id="262" r:id="rId12"/>
+    <p:sldId id="263" r:id="rId13"/>
+    <p:sldId id="264" r:id="rId14"/>
+    <p:sldId id="265" r:id="rId15"/>
+    <p:sldId id="266" r:id="rId16"/>
+    <p:sldId id="267" r:id="rId17"/>
   </p:sldIdLst>
   <p:sldSz cx="16256000" cy="9144000"/>
   <p:notesSz cx="6858000" cy="9144000"/>
@@ -3136,7 +3141,7 @@
               <a:rPr lang="en-US" sz="1400">
                 <a:latin typeface="Calibri"/>
               </a:rPr>
-              <a:t>27-Apr-20</a:t>
+              <a:t>01-Jun-20</a:t>
             </a:r>
             <a:endParaRPr lang="en-US" sz="1100"/>
           </a:p>
@@ -6798,6 +6803,819 @@
 </p:sld>
 </file>
 
+<file path=ppt/slides/slide10.xml><?xml version="1.0" encoding="utf-8"?>
+<p:sld xmlns:p="http://schemas.openxmlformats.org/presentationml/2006/main" xmlns:a="http://schemas.openxmlformats.org/drawingml/2006/main" xmlns:r="http://schemas.openxmlformats.org/officeDocument/2006/relationships">
+  <p:cSld>
+    <p:spTree>
+      <p:nvGrpSpPr>
+        <p:cNvPr id="1" name=""/>
+        <p:cNvGrpSpPr/>
+        <p:nvPr/>
+      </p:nvGrpSpPr>
+      <p:grpSpPr>
+        <a:xfrm>
+          <a:off x="0" y="0"/>
+          <a:ext cx="0" cy="0"/>
+          <a:chOff x="0" y="0"/>
+          <a:chExt cx="0" cy="0"/>
+        </a:xfrm>
+      </p:grpSpPr>
+      <p:sp>
+        <p:nvSpPr>
+          <p:cNvPr name="TextBox 2" id="2"/>
+          <p:cNvSpPr txBox="true"/>
+          <p:nvPr/>
+        </p:nvSpPr>
+        <p:spPr>
+          <a:xfrm>
+            <a:off x="254000" y="254000"/>
+            <a:ext cx="6350000" cy="762000"/>
+          </a:xfrm>
+          <a:prstGeom prst="rect">
+            <a:avLst/>
+          </a:prstGeom>
+        </p:spPr>
+        <p:txBody>
+          <a:bodyPr anchor="t" rtlCol="false"/>
+          <a:lstStyle/>
+          <a:p>
+            <a:pPr algn="l">
+              <a:defRPr/>
+            </a:pPr>
+            <a:r>
+              <a:rPr lang="ru-RU"/>
+              <a:t/>
+            </a:r>
+            <a:r>
+              <a:rPr lang="en-US" sz="1400" b="true">
+                <a:latin typeface="Calibri"/>
+              </a:rPr>
+              <a:t>Project name: </a:t>
+            </a:r>
+            <a:r>
+              <a:rPr lang="en-US" sz="1400">
+                <a:latin typeface="Calibri"/>
+                <a:hlinkClick r:id="rId2" tooltip="http://ya.ru"/>
+              </a:rPr>
+              <a:t>Project from Facade</a:t>
+            </a:r>
+            <a:br>
+              <a:rPr lang="en-US" sz="1400">
+                <a:latin typeface="Calibri"/>
+              </a:rPr>
+            </a:br>
+            <a:r>
+              <a:rPr lang="en-US" sz="1400" b="true">
+                <a:latin typeface="Calibri"/>
+              </a:rPr>
+              <a:t>Project manager: </a:t>
+            </a:r>
+            <a:r>
+              <a:rPr lang="en-US" sz="1400">
+                <a:latin typeface="Calibri"/>
+              </a:rPr>
+              <a:t>IKSANOV Aleksandr</a:t>
+            </a:r>
+            <a:br>
+              <a:rPr lang="en-US" sz="1400">
+                <a:latin typeface="Calibri"/>
+              </a:rPr>
+            </a:br>
+            <a:r>
+              <a:rPr lang="en-US" sz="1400" b="true">
+                <a:latin typeface="Calibri"/>
+              </a:rPr>
+              <a:t>Last Updated: </a:t>
+            </a:r>
+            <a:r>
+              <a:rPr lang="en-US" sz="1400">
+                <a:latin typeface="Calibri"/>
+              </a:rPr>
+              <a:t>01-Jun-20</a:t>
+            </a:r>
+            <a:endParaRPr lang="en-US" sz="1100"/>
+          </a:p>
+        </p:txBody>
+      </p:sp>
+      <p:sp>
+        <p:nvSpPr>
+          <p:cNvPr name="TextBox 3" id="3"/>
+          <p:cNvSpPr txBox="true"/>
+          <p:nvPr/>
+        </p:nvSpPr>
+        <p:spPr>
+          <a:xfrm>
+            <a:off x="5905500" y="8191500"/>
+            <a:ext cx="4445000" cy="635000"/>
+          </a:xfrm>
+          <a:prstGeom prst="rect">
+            <a:avLst/>
+          </a:prstGeom>
+        </p:spPr>
+        <p:txBody>
+          <a:bodyPr anchor="t" rtlCol="false"/>
+          <a:lstStyle/>
+          <a:p>
+            <a:pPr algn="ctr">
+              <a:defRPr/>
+            </a:pPr>
+            <a:r>
+              <a:rPr lang="ru-RU"/>
+              <a:t/>
+            </a:r>
+            <a:r>
+              <a:rPr lang="en-US" sz="1200" i="true">
+                <a:solidFill>
+                  <a:srgbClr val="FF0000"/>
+                </a:solidFill>
+                <a:latin typeface="Calibri"/>
+              </a:rPr>
+              <a:t>Alcatel-Lucent Enterprise - Confidential</a:t>
+            </a:r>
+            <a:br>
+              <a:rPr lang="en-US" sz="1200" i="true">
+                <a:solidFill>
+                  <a:srgbClr val="FF0000"/>
+                </a:solidFill>
+                <a:latin typeface="Calibri"/>
+              </a:rPr>
+            </a:br>
+            <a:r>
+              <a:rPr lang="en-US" sz="1200" b="true">
+                <a:latin typeface="Calibri"/>
+              </a:rPr>
+              <a:t>Solely for authorized persons having a need to know</a:t>
+            </a:r>
+            <a:br>
+              <a:rPr lang="en-US" sz="1200" b="true">
+                <a:latin typeface="Calibri"/>
+              </a:rPr>
+            </a:br>
+            <a:r>
+              <a:rPr lang="en-US" sz="1200">
+                <a:latin typeface="Calibri"/>
+              </a:rPr>
+              <a:t>Proprietary - Use pursuant to Company Instruction</a:t>
+            </a:r>
+            <a:endParaRPr lang="en-US" sz="1100"/>
+          </a:p>
+        </p:txBody>
+      </p:sp>
+      <p:sp>
+        <p:nvSpPr>
+          <p:cNvPr name="TextBox 4" id="4"/>
+          <p:cNvSpPr txBox="true"/>
+          <p:nvPr/>
+        </p:nvSpPr>
+        <p:spPr>
+          <a:xfrm>
+            <a:off x="254000" y="8382000"/>
+            <a:ext cx="1016000" cy="215900"/>
+          </a:xfrm>
+          <a:prstGeom prst="rect">
+            <a:avLst/>
+          </a:prstGeom>
+        </p:spPr>
+        <p:txBody>
+          <a:bodyPr anchor="t" rtlCol="false"/>
+          <a:lstStyle/>
+          <a:p>
+            <a:pPr algn="l">
+              <a:defRPr/>
+            </a:pPr>
+            <a:r>
+              <a:rPr lang="ru-RU"/>
+              <a:t/>
+            </a:r>
+            <a:r>
+              <a:rPr lang="en-US" sz="1400">
+                <a:latin typeface="Calibri"/>
+              </a:rPr>
+              <a:t>Page 10</a:t>
+            </a:r>
+            <a:endParaRPr lang="en-US" sz="1100"/>
+          </a:p>
+        </p:txBody>
+      </p:sp>
+      <p:pic>
+        <p:nvPicPr>
+          <p:cNvPr name="Picture 5" id="5"/>
+          <p:cNvPicPr>
+            <a:picLocks noChangeAspect="true"/>
+          </p:cNvPicPr>
+          <p:nvPr/>
+        </p:nvPicPr>
+        <p:blipFill>
+          <a:blip r:embed="rId3"/>
+          <a:stretch>
+            <a:fillRect/>
+          </a:stretch>
+        </p:blipFill>
+        <p:spPr>
+          <a:xfrm>
+            <a:off x="13944600" y="8318500"/>
+            <a:ext cx="2057400" cy="520700"/>
+          </a:xfrm>
+          <a:prstGeom prst="rect">
+            <a:avLst/>
+          </a:prstGeom>
+        </p:spPr>
+      </p:pic>
+      <p:sp>
+        <p:nvSpPr>
+          <p:cNvPr name="AutoShape 6" id="6"/>
+          <p:cNvSpPr/>
+          <p:nvPr/>
+        </p:nvSpPr>
+        <p:spPr>
+          <a:xfrm>
+            <a:off x="254000" y="8064500"/>
+            <a:ext cx="15748000" cy="12700"/>
+          </a:xfrm>
+          <a:prstGeom prst="line">
+            <a:avLst/>
+          </a:prstGeom>
+          <a:ln>
+            <a:solidFill>
+              <a:srgbClr val="000000"/>
+            </a:solidFill>
+          </a:ln>
+        </p:spPr>
+      </p:sp>
+      <p:pic>
+        <p:nvPicPr>
+          <p:cNvPr name="Picture 7" id="7"/>
+          <p:cNvPicPr>
+            <a:picLocks noChangeAspect="true"/>
+          </p:cNvPicPr>
+          <p:nvPr/>
+        </p:nvPicPr>
+        <p:blipFill>
+          <a:blip r:embed="rId4"/>
+          <a:stretch>
+            <a:fillRect/>
+          </a:stretch>
+        </p:blipFill>
+        <p:spPr>
+          <a:xfrm>
+            <a:off x="254000" y="1498600"/>
+            <a:ext cx="15748000" cy="6438900"/>
+          </a:xfrm>
+          <a:prstGeom prst="rect">
+            <a:avLst/>
+          </a:prstGeom>
+        </p:spPr>
+      </p:pic>
+    </p:spTree>
+  </p:cSld>
+  <p:clrMapOvr>
+    <a:masterClrMapping/>
+  </p:clrMapOvr>
+</p:sld>
+</file>
+
+<file path=ppt/slides/slide11.xml><?xml version="1.0" encoding="utf-8"?>
+<p:sld xmlns:p="http://schemas.openxmlformats.org/presentationml/2006/main" xmlns:a="http://schemas.openxmlformats.org/drawingml/2006/main" xmlns:r="http://schemas.openxmlformats.org/officeDocument/2006/relationships">
+  <p:cSld>
+    <p:spTree>
+      <p:nvGrpSpPr>
+        <p:cNvPr id="1" name=""/>
+        <p:cNvGrpSpPr/>
+        <p:nvPr/>
+      </p:nvGrpSpPr>
+      <p:grpSpPr>
+        <a:xfrm>
+          <a:off x="0" y="0"/>
+          <a:ext cx="0" cy="0"/>
+          <a:chOff x="0" y="0"/>
+          <a:chExt cx="0" cy="0"/>
+        </a:xfrm>
+      </p:grpSpPr>
+      <p:sp>
+        <p:nvSpPr>
+          <p:cNvPr name="TextBox 2" id="2"/>
+          <p:cNvSpPr txBox="true"/>
+          <p:nvPr/>
+        </p:nvSpPr>
+        <p:spPr>
+          <a:xfrm>
+            <a:off x="254000" y="254000"/>
+            <a:ext cx="6350000" cy="762000"/>
+          </a:xfrm>
+          <a:prstGeom prst="rect">
+            <a:avLst/>
+          </a:prstGeom>
+        </p:spPr>
+        <p:txBody>
+          <a:bodyPr anchor="t" rtlCol="false"/>
+          <a:lstStyle/>
+          <a:p>
+            <a:pPr algn="l">
+              <a:defRPr/>
+            </a:pPr>
+            <a:r>
+              <a:rPr lang="ru-RU"/>
+              <a:t/>
+            </a:r>
+            <a:r>
+              <a:rPr lang="en-US" sz="1400" b="true">
+                <a:latin typeface="Calibri"/>
+              </a:rPr>
+              <a:t>Project name: </a:t>
+            </a:r>
+            <a:r>
+              <a:rPr lang="en-US" sz="1400">
+                <a:latin typeface="Calibri"/>
+                <a:hlinkClick r:id="rId2" tooltip="http://ya.ru"/>
+              </a:rPr>
+              <a:t>Project from Facade</a:t>
+            </a:r>
+            <a:br>
+              <a:rPr lang="en-US" sz="1400">
+                <a:latin typeface="Calibri"/>
+              </a:rPr>
+            </a:br>
+            <a:r>
+              <a:rPr lang="en-US" sz="1400" b="true">
+                <a:latin typeface="Calibri"/>
+              </a:rPr>
+              <a:t>Project manager: </a:t>
+            </a:r>
+            <a:r>
+              <a:rPr lang="en-US" sz="1400">
+                <a:latin typeface="Calibri"/>
+              </a:rPr>
+              <a:t>IKSANOV Aleksandr</a:t>
+            </a:r>
+            <a:br>
+              <a:rPr lang="en-US" sz="1400">
+                <a:latin typeface="Calibri"/>
+              </a:rPr>
+            </a:br>
+            <a:r>
+              <a:rPr lang="en-US" sz="1400" b="true">
+                <a:latin typeface="Calibri"/>
+              </a:rPr>
+              <a:t>Last Updated: </a:t>
+            </a:r>
+            <a:r>
+              <a:rPr lang="en-US" sz="1400">
+                <a:latin typeface="Calibri"/>
+              </a:rPr>
+              <a:t>01-Jun-20</a:t>
+            </a:r>
+            <a:endParaRPr lang="en-US" sz="1100"/>
+          </a:p>
+        </p:txBody>
+      </p:sp>
+      <p:sp>
+        <p:nvSpPr>
+          <p:cNvPr name="TextBox 3" id="3"/>
+          <p:cNvSpPr txBox="true"/>
+          <p:nvPr/>
+        </p:nvSpPr>
+        <p:spPr>
+          <a:xfrm>
+            <a:off x="5905500" y="8191500"/>
+            <a:ext cx="4445000" cy="635000"/>
+          </a:xfrm>
+          <a:prstGeom prst="rect">
+            <a:avLst/>
+          </a:prstGeom>
+        </p:spPr>
+        <p:txBody>
+          <a:bodyPr anchor="t" rtlCol="false"/>
+          <a:lstStyle/>
+          <a:p>
+            <a:pPr algn="ctr">
+              <a:defRPr/>
+            </a:pPr>
+            <a:r>
+              <a:rPr lang="ru-RU"/>
+              <a:t/>
+            </a:r>
+            <a:r>
+              <a:rPr lang="en-US" sz="1200" i="true">
+                <a:solidFill>
+                  <a:srgbClr val="FF0000"/>
+                </a:solidFill>
+                <a:latin typeface="Calibri"/>
+              </a:rPr>
+              <a:t>Alcatel-Lucent Enterprise - Confidential</a:t>
+            </a:r>
+            <a:br>
+              <a:rPr lang="en-US" sz="1200" i="true">
+                <a:solidFill>
+                  <a:srgbClr val="FF0000"/>
+                </a:solidFill>
+                <a:latin typeface="Calibri"/>
+              </a:rPr>
+            </a:br>
+            <a:r>
+              <a:rPr lang="en-US" sz="1200" b="true">
+                <a:latin typeface="Calibri"/>
+              </a:rPr>
+              <a:t>Solely for authorized persons having a need to know</a:t>
+            </a:r>
+            <a:br>
+              <a:rPr lang="en-US" sz="1200" b="true">
+                <a:latin typeface="Calibri"/>
+              </a:rPr>
+            </a:br>
+            <a:r>
+              <a:rPr lang="en-US" sz="1200">
+                <a:latin typeface="Calibri"/>
+              </a:rPr>
+              <a:t>Proprietary - Use pursuant to Company Instruction</a:t>
+            </a:r>
+            <a:endParaRPr lang="en-US" sz="1100"/>
+          </a:p>
+        </p:txBody>
+      </p:sp>
+      <p:sp>
+        <p:nvSpPr>
+          <p:cNvPr name="TextBox 4" id="4"/>
+          <p:cNvSpPr txBox="true"/>
+          <p:nvPr/>
+        </p:nvSpPr>
+        <p:spPr>
+          <a:xfrm>
+            <a:off x="254000" y="8382000"/>
+            <a:ext cx="1016000" cy="215900"/>
+          </a:xfrm>
+          <a:prstGeom prst="rect">
+            <a:avLst/>
+          </a:prstGeom>
+        </p:spPr>
+        <p:txBody>
+          <a:bodyPr anchor="t" rtlCol="false"/>
+          <a:lstStyle/>
+          <a:p>
+            <a:pPr algn="l">
+              <a:defRPr/>
+            </a:pPr>
+            <a:r>
+              <a:rPr lang="ru-RU"/>
+              <a:t/>
+            </a:r>
+            <a:r>
+              <a:rPr lang="en-US" sz="1400">
+                <a:latin typeface="Calibri"/>
+              </a:rPr>
+              <a:t>Page 11</a:t>
+            </a:r>
+            <a:endParaRPr lang="en-US" sz="1100"/>
+          </a:p>
+        </p:txBody>
+      </p:sp>
+      <p:pic>
+        <p:nvPicPr>
+          <p:cNvPr name="Picture 5" id="5"/>
+          <p:cNvPicPr>
+            <a:picLocks noChangeAspect="true"/>
+          </p:cNvPicPr>
+          <p:nvPr/>
+        </p:nvPicPr>
+        <p:blipFill>
+          <a:blip r:embed="rId3"/>
+          <a:stretch>
+            <a:fillRect/>
+          </a:stretch>
+        </p:blipFill>
+        <p:spPr>
+          <a:xfrm>
+            <a:off x="13944600" y="8318500"/>
+            <a:ext cx="2057400" cy="520700"/>
+          </a:xfrm>
+          <a:prstGeom prst="rect">
+            <a:avLst/>
+          </a:prstGeom>
+        </p:spPr>
+      </p:pic>
+      <p:sp>
+        <p:nvSpPr>
+          <p:cNvPr name="AutoShape 6" id="6"/>
+          <p:cNvSpPr/>
+          <p:nvPr/>
+        </p:nvSpPr>
+        <p:spPr>
+          <a:xfrm>
+            <a:off x="254000" y="8064500"/>
+            <a:ext cx="15748000" cy="12700"/>
+          </a:xfrm>
+          <a:prstGeom prst="line">
+            <a:avLst/>
+          </a:prstGeom>
+          <a:ln>
+            <a:solidFill>
+              <a:srgbClr val="000000"/>
+            </a:solidFill>
+          </a:ln>
+        </p:spPr>
+      </p:sp>
+      <p:pic>
+        <p:nvPicPr>
+          <p:cNvPr name="Picture 7" id="7"/>
+          <p:cNvPicPr>
+            <a:picLocks noChangeAspect="true"/>
+          </p:cNvPicPr>
+          <p:nvPr/>
+        </p:nvPicPr>
+        <p:blipFill>
+          <a:blip r:embed="rId4"/>
+          <a:stretch>
+            <a:fillRect/>
+          </a:stretch>
+        </p:blipFill>
+        <p:spPr>
+          <a:xfrm>
+            <a:off x="254000" y="1498600"/>
+            <a:ext cx="15748000" cy="6438900"/>
+          </a:xfrm>
+          <a:prstGeom prst="rect">
+            <a:avLst/>
+          </a:prstGeom>
+        </p:spPr>
+      </p:pic>
+    </p:spTree>
+  </p:cSld>
+  <p:clrMapOvr>
+    <a:masterClrMapping/>
+  </p:clrMapOvr>
+</p:sld>
+</file>
+
+<file path=ppt/slides/slide12.xml><?xml version="1.0" encoding="utf-8"?>
+<p:sld xmlns:p="http://schemas.openxmlformats.org/presentationml/2006/main" xmlns:a="http://schemas.openxmlformats.org/drawingml/2006/main" xmlns:r="http://schemas.openxmlformats.org/officeDocument/2006/relationships">
+  <p:cSld>
+    <p:spTree>
+      <p:nvGrpSpPr>
+        <p:cNvPr id="1" name=""/>
+        <p:cNvGrpSpPr/>
+        <p:nvPr/>
+      </p:nvGrpSpPr>
+      <p:grpSpPr>
+        <a:xfrm>
+          <a:off x="0" y="0"/>
+          <a:ext cx="0" cy="0"/>
+          <a:chOff x="0" y="0"/>
+          <a:chExt cx="0" cy="0"/>
+        </a:xfrm>
+      </p:grpSpPr>
+      <p:sp>
+        <p:nvSpPr>
+          <p:cNvPr name="TextBox 2" id="2"/>
+          <p:cNvSpPr txBox="true"/>
+          <p:nvPr/>
+        </p:nvSpPr>
+        <p:spPr>
+          <a:xfrm>
+            <a:off x="254000" y="254000"/>
+            <a:ext cx="6350000" cy="762000"/>
+          </a:xfrm>
+          <a:prstGeom prst="rect">
+            <a:avLst/>
+          </a:prstGeom>
+        </p:spPr>
+        <p:txBody>
+          <a:bodyPr anchor="t" rtlCol="false"/>
+          <a:lstStyle/>
+          <a:p>
+            <a:pPr algn="l">
+              <a:defRPr/>
+            </a:pPr>
+            <a:r>
+              <a:rPr lang="ru-RU"/>
+              <a:t/>
+            </a:r>
+            <a:r>
+              <a:rPr lang="en-US" sz="1400" b="true">
+                <a:latin typeface="Calibri"/>
+              </a:rPr>
+              <a:t>Project name: </a:t>
+            </a:r>
+            <a:r>
+              <a:rPr lang="en-US" sz="1400">
+                <a:latin typeface="Calibri"/>
+                <a:hlinkClick r:id="rId2" tooltip="http://ya.ru"/>
+              </a:rPr>
+              <a:t>Project from Facade</a:t>
+            </a:r>
+            <a:br>
+              <a:rPr lang="en-US" sz="1400">
+                <a:latin typeface="Calibri"/>
+              </a:rPr>
+            </a:br>
+            <a:r>
+              <a:rPr lang="en-US" sz="1400" b="true">
+                <a:latin typeface="Calibri"/>
+              </a:rPr>
+              <a:t>Project manager: </a:t>
+            </a:r>
+            <a:r>
+              <a:rPr lang="en-US" sz="1400">
+                <a:latin typeface="Calibri"/>
+              </a:rPr>
+              <a:t>IKSANOV Aleksandr</a:t>
+            </a:r>
+            <a:br>
+              <a:rPr lang="en-US" sz="1400">
+                <a:latin typeface="Calibri"/>
+              </a:rPr>
+            </a:br>
+            <a:r>
+              <a:rPr lang="en-US" sz="1400" b="true">
+                <a:latin typeface="Calibri"/>
+              </a:rPr>
+              <a:t>Last Updated: </a:t>
+            </a:r>
+            <a:r>
+              <a:rPr lang="en-US" sz="1400">
+                <a:latin typeface="Calibri"/>
+              </a:rPr>
+              <a:t>01-Jun-20</a:t>
+            </a:r>
+            <a:endParaRPr lang="en-US" sz="1100"/>
+          </a:p>
+        </p:txBody>
+      </p:sp>
+      <p:sp>
+        <p:nvSpPr>
+          <p:cNvPr name="TextBox 3" id="3"/>
+          <p:cNvSpPr txBox="true"/>
+          <p:nvPr/>
+        </p:nvSpPr>
+        <p:spPr>
+          <a:xfrm>
+            <a:off x="5905500" y="8191500"/>
+            <a:ext cx="4445000" cy="635000"/>
+          </a:xfrm>
+          <a:prstGeom prst="rect">
+            <a:avLst/>
+          </a:prstGeom>
+        </p:spPr>
+        <p:txBody>
+          <a:bodyPr anchor="t" rtlCol="false"/>
+          <a:lstStyle/>
+          <a:p>
+            <a:pPr algn="ctr">
+              <a:defRPr/>
+            </a:pPr>
+            <a:r>
+              <a:rPr lang="ru-RU"/>
+              <a:t/>
+            </a:r>
+            <a:r>
+              <a:rPr lang="en-US" sz="1200" i="true">
+                <a:solidFill>
+                  <a:srgbClr val="FF0000"/>
+                </a:solidFill>
+                <a:latin typeface="Calibri"/>
+              </a:rPr>
+              <a:t>Alcatel-Lucent Enterprise - Confidential</a:t>
+            </a:r>
+            <a:br>
+              <a:rPr lang="en-US" sz="1200" i="true">
+                <a:solidFill>
+                  <a:srgbClr val="FF0000"/>
+                </a:solidFill>
+                <a:latin typeface="Calibri"/>
+              </a:rPr>
+            </a:br>
+            <a:r>
+              <a:rPr lang="en-US" sz="1200" b="true">
+                <a:latin typeface="Calibri"/>
+              </a:rPr>
+              <a:t>Solely for authorized persons having a need to know</a:t>
+            </a:r>
+            <a:br>
+              <a:rPr lang="en-US" sz="1200" b="true">
+                <a:latin typeface="Calibri"/>
+              </a:rPr>
+            </a:br>
+            <a:r>
+              <a:rPr lang="en-US" sz="1200">
+                <a:latin typeface="Calibri"/>
+              </a:rPr>
+              <a:t>Proprietary - Use pursuant to Company Instruction</a:t>
+            </a:r>
+            <a:endParaRPr lang="en-US" sz="1100"/>
+          </a:p>
+        </p:txBody>
+      </p:sp>
+      <p:sp>
+        <p:nvSpPr>
+          <p:cNvPr name="TextBox 4" id="4"/>
+          <p:cNvSpPr txBox="true"/>
+          <p:nvPr/>
+        </p:nvSpPr>
+        <p:spPr>
+          <a:xfrm>
+            <a:off x="254000" y="8382000"/>
+            <a:ext cx="1016000" cy="215900"/>
+          </a:xfrm>
+          <a:prstGeom prst="rect">
+            <a:avLst/>
+          </a:prstGeom>
+        </p:spPr>
+        <p:txBody>
+          <a:bodyPr anchor="t" rtlCol="false"/>
+          <a:lstStyle/>
+          <a:p>
+            <a:pPr algn="l">
+              <a:defRPr/>
+            </a:pPr>
+            <a:r>
+              <a:rPr lang="ru-RU"/>
+              <a:t/>
+            </a:r>
+            <a:r>
+              <a:rPr lang="en-US" sz="1400">
+                <a:latin typeface="Calibri"/>
+              </a:rPr>
+              <a:t>Page 12</a:t>
+            </a:r>
+            <a:endParaRPr lang="en-US" sz="1100"/>
+          </a:p>
+        </p:txBody>
+      </p:sp>
+      <p:pic>
+        <p:nvPicPr>
+          <p:cNvPr name="Picture 5" id="5"/>
+          <p:cNvPicPr>
+            <a:picLocks noChangeAspect="true"/>
+          </p:cNvPicPr>
+          <p:nvPr/>
+        </p:nvPicPr>
+        <p:blipFill>
+          <a:blip r:embed="rId3"/>
+          <a:stretch>
+            <a:fillRect/>
+          </a:stretch>
+        </p:blipFill>
+        <p:spPr>
+          <a:xfrm>
+            <a:off x="13944600" y="8318500"/>
+            <a:ext cx="2057400" cy="520700"/>
+          </a:xfrm>
+          <a:prstGeom prst="rect">
+            <a:avLst/>
+          </a:prstGeom>
+        </p:spPr>
+      </p:pic>
+      <p:sp>
+        <p:nvSpPr>
+          <p:cNvPr name="AutoShape 6" id="6"/>
+          <p:cNvSpPr/>
+          <p:nvPr/>
+        </p:nvSpPr>
+        <p:spPr>
+          <a:xfrm>
+            <a:off x="254000" y="8064500"/>
+            <a:ext cx="15748000" cy="12700"/>
+          </a:xfrm>
+          <a:prstGeom prst="line">
+            <a:avLst/>
+          </a:prstGeom>
+          <a:ln>
+            <a:solidFill>
+              <a:srgbClr val="000000"/>
+            </a:solidFill>
+          </a:ln>
+        </p:spPr>
+      </p:sp>
+      <p:pic>
+        <p:nvPicPr>
+          <p:cNvPr name="Picture 7" id="7"/>
+          <p:cNvPicPr>
+            <a:picLocks noChangeAspect="true"/>
+          </p:cNvPicPr>
+          <p:nvPr/>
+        </p:nvPicPr>
+        <p:blipFill>
+          <a:blip r:embed="rId4"/>
+          <a:stretch>
+            <a:fillRect/>
+          </a:stretch>
+        </p:blipFill>
+        <p:spPr>
+          <a:xfrm>
+            <a:off x="254000" y="1498600"/>
+            <a:ext cx="15748000" cy="6438900"/>
+          </a:xfrm>
+          <a:prstGeom prst="rect">
+            <a:avLst/>
+          </a:prstGeom>
+        </p:spPr>
+      </p:pic>
+    </p:spTree>
+  </p:cSld>
+  <p:clrMapOvr>
+    <a:masterClrMapping/>
+  </p:clrMapOvr>
+</p:sld>
+</file>
+
 <file path=ppt/slides/slide2.xml><?xml version="1.0" encoding="utf-8"?>
 <p:sld xmlns:p="http://schemas.openxmlformats.org/presentationml/2006/main" xmlns:a="http://schemas.openxmlformats.org/drawingml/2006/main" xmlns:r="http://schemas.openxmlformats.org/officeDocument/2006/relationships">
   <p:cSld>
@@ -6886,7 +7704,7 @@
               <a:rPr lang="en-US" sz="1400">
                 <a:latin typeface="Calibri"/>
               </a:rPr>
-              <a:t>27-Apr-20</a:t>
+              <a:t>01-Jun-20</a:t>
             </a:r>
             <a:endParaRPr lang="en-US" sz="1100"/>
           </a:p>
@@ -7270,7 +8088,7 @@
               <a:rPr lang="en-US" sz="1400">
                 <a:latin typeface="Calibri"/>
               </a:rPr>
-              <a:t>27-Apr-20</a:t>
+              <a:t>01-Jun-20</a:t>
             </a:r>
             <a:endParaRPr lang="en-US" sz="1100"/>
           </a:p>
@@ -7672,7 +8490,7 @@
               <a:rPr lang="en-US" sz="1400">
                 <a:latin typeface="Calibri"/>
               </a:rPr>
-              <a:t>27-Apr-20</a:t>
+              <a:t>01-Jun-20</a:t>
             </a:r>
             <a:endParaRPr lang="en-US" sz="1100"/>
           </a:p>
@@ -8366,7 +9184,7 @@
               <a:rPr lang="en-US" sz="1400">
                 <a:latin typeface="Calibri"/>
               </a:rPr>
-              <a:t>27-Apr-20</a:t>
+              <a:t>01-Jun-20</a:t>
             </a:r>
             <a:endParaRPr lang="en-US" sz="1100"/>
           </a:p>
@@ -9060,7 +9878,7 @@
               <a:rPr lang="en-US" sz="1400">
                 <a:latin typeface="Calibri"/>
               </a:rPr>
-              <a:t>27-Apr-20</a:t>
+              <a:t>01-Jun-20</a:t>
             </a:r>
             <a:endParaRPr lang="en-US" sz="1100"/>
           </a:p>
@@ -9411,7 +10229,7 @@
               <a:rPr lang="en-US" sz="1400">
                 <a:latin typeface="Calibri"/>
               </a:rPr>
-              <a:t>27-Apr-20</a:t>
+              <a:t>01-Jun-20</a:t>
             </a:r>
             <a:endParaRPr lang="en-US" sz="1100"/>
           </a:p>
@@ -9695,6 +10513,548 @@
           <a:p/>
         </p:txBody>
       </p:sp>
+    </p:spTree>
+  </p:cSld>
+  <p:clrMapOvr>
+    <a:masterClrMapping/>
+  </p:clrMapOvr>
+</p:sld>
+</file>
+
+<file path=ppt/slides/slide8.xml><?xml version="1.0" encoding="utf-8"?>
+<p:sld xmlns:p="http://schemas.openxmlformats.org/presentationml/2006/main" xmlns:a="http://schemas.openxmlformats.org/drawingml/2006/main" xmlns:r="http://schemas.openxmlformats.org/officeDocument/2006/relationships">
+  <p:cSld>
+    <p:spTree>
+      <p:nvGrpSpPr>
+        <p:cNvPr id="1" name=""/>
+        <p:cNvGrpSpPr/>
+        <p:nvPr/>
+      </p:nvGrpSpPr>
+      <p:grpSpPr>
+        <a:xfrm>
+          <a:off x="0" y="0"/>
+          <a:ext cx="0" cy="0"/>
+          <a:chOff x="0" y="0"/>
+          <a:chExt cx="0" cy="0"/>
+        </a:xfrm>
+      </p:grpSpPr>
+      <p:sp>
+        <p:nvSpPr>
+          <p:cNvPr name="TextBox 2" id="2"/>
+          <p:cNvSpPr txBox="true"/>
+          <p:nvPr/>
+        </p:nvSpPr>
+        <p:spPr>
+          <a:xfrm>
+            <a:off x="254000" y="254000"/>
+            <a:ext cx="6350000" cy="762000"/>
+          </a:xfrm>
+          <a:prstGeom prst="rect">
+            <a:avLst/>
+          </a:prstGeom>
+        </p:spPr>
+        <p:txBody>
+          <a:bodyPr anchor="t" rtlCol="false"/>
+          <a:lstStyle/>
+          <a:p>
+            <a:pPr algn="l">
+              <a:defRPr/>
+            </a:pPr>
+            <a:r>
+              <a:rPr lang="ru-RU"/>
+              <a:t/>
+            </a:r>
+            <a:r>
+              <a:rPr lang="en-US" sz="1400" b="true">
+                <a:latin typeface="Calibri"/>
+              </a:rPr>
+              <a:t>Project name: </a:t>
+            </a:r>
+            <a:r>
+              <a:rPr lang="en-US" sz="1400">
+                <a:latin typeface="Calibri"/>
+                <a:hlinkClick r:id="rId2" tooltip="http://ya.ru"/>
+              </a:rPr>
+              <a:t>Project from Facade</a:t>
+            </a:r>
+            <a:br>
+              <a:rPr lang="en-US" sz="1400">
+                <a:latin typeface="Calibri"/>
+              </a:rPr>
+            </a:br>
+            <a:r>
+              <a:rPr lang="en-US" sz="1400" b="true">
+                <a:latin typeface="Calibri"/>
+              </a:rPr>
+              <a:t>Project manager: </a:t>
+            </a:r>
+            <a:r>
+              <a:rPr lang="en-US" sz="1400">
+                <a:latin typeface="Calibri"/>
+              </a:rPr>
+              <a:t>IKSANOV Aleksandr</a:t>
+            </a:r>
+            <a:br>
+              <a:rPr lang="en-US" sz="1400">
+                <a:latin typeface="Calibri"/>
+              </a:rPr>
+            </a:br>
+            <a:r>
+              <a:rPr lang="en-US" sz="1400" b="true">
+                <a:latin typeface="Calibri"/>
+              </a:rPr>
+              <a:t>Last Updated: </a:t>
+            </a:r>
+            <a:r>
+              <a:rPr lang="en-US" sz="1400">
+                <a:latin typeface="Calibri"/>
+              </a:rPr>
+              <a:t>01-Jun-20</a:t>
+            </a:r>
+            <a:endParaRPr lang="en-US" sz="1100"/>
+          </a:p>
+        </p:txBody>
+      </p:sp>
+      <p:sp>
+        <p:nvSpPr>
+          <p:cNvPr name="TextBox 3" id="3"/>
+          <p:cNvSpPr txBox="true"/>
+          <p:nvPr/>
+        </p:nvSpPr>
+        <p:spPr>
+          <a:xfrm>
+            <a:off x="5905500" y="8191500"/>
+            <a:ext cx="4445000" cy="635000"/>
+          </a:xfrm>
+          <a:prstGeom prst="rect">
+            <a:avLst/>
+          </a:prstGeom>
+        </p:spPr>
+        <p:txBody>
+          <a:bodyPr anchor="t" rtlCol="false"/>
+          <a:lstStyle/>
+          <a:p>
+            <a:pPr algn="ctr">
+              <a:defRPr/>
+            </a:pPr>
+            <a:r>
+              <a:rPr lang="ru-RU"/>
+              <a:t/>
+            </a:r>
+            <a:r>
+              <a:rPr lang="en-US" sz="1200" i="true">
+                <a:solidFill>
+                  <a:srgbClr val="FF0000"/>
+                </a:solidFill>
+                <a:latin typeface="Calibri"/>
+              </a:rPr>
+              <a:t>Alcatel-Lucent Enterprise - Confidential</a:t>
+            </a:r>
+            <a:br>
+              <a:rPr lang="en-US" sz="1200" i="true">
+                <a:solidFill>
+                  <a:srgbClr val="FF0000"/>
+                </a:solidFill>
+                <a:latin typeface="Calibri"/>
+              </a:rPr>
+            </a:br>
+            <a:r>
+              <a:rPr lang="en-US" sz="1200" b="true">
+                <a:latin typeface="Calibri"/>
+              </a:rPr>
+              <a:t>Solely for authorized persons having a need to know</a:t>
+            </a:r>
+            <a:br>
+              <a:rPr lang="en-US" sz="1200" b="true">
+                <a:latin typeface="Calibri"/>
+              </a:rPr>
+            </a:br>
+            <a:r>
+              <a:rPr lang="en-US" sz="1200">
+                <a:latin typeface="Calibri"/>
+              </a:rPr>
+              <a:t>Proprietary - Use pursuant to Company Instruction</a:t>
+            </a:r>
+            <a:endParaRPr lang="en-US" sz="1100"/>
+          </a:p>
+        </p:txBody>
+      </p:sp>
+      <p:sp>
+        <p:nvSpPr>
+          <p:cNvPr name="TextBox 4" id="4"/>
+          <p:cNvSpPr txBox="true"/>
+          <p:nvPr/>
+        </p:nvSpPr>
+        <p:spPr>
+          <a:xfrm>
+            <a:off x="254000" y="8382000"/>
+            <a:ext cx="1016000" cy="215900"/>
+          </a:xfrm>
+          <a:prstGeom prst="rect">
+            <a:avLst/>
+          </a:prstGeom>
+        </p:spPr>
+        <p:txBody>
+          <a:bodyPr anchor="t" rtlCol="false"/>
+          <a:lstStyle/>
+          <a:p>
+            <a:pPr algn="l">
+              <a:defRPr/>
+            </a:pPr>
+            <a:r>
+              <a:rPr lang="ru-RU"/>
+              <a:t/>
+            </a:r>
+            <a:r>
+              <a:rPr lang="en-US" sz="1400">
+                <a:latin typeface="Calibri"/>
+              </a:rPr>
+              <a:t>Page 8</a:t>
+            </a:r>
+            <a:endParaRPr lang="en-US" sz="1100"/>
+          </a:p>
+        </p:txBody>
+      </p:sp>
+      <p:pic>
+        <p:nvPicPr>
+          <p:cNvPr name="Picture 5" id="5"/>
+          <p:cNvPicPr>
+            <a:picLocks noChangeAspect="true"/>
+          </p:cNvPicPr>
+          <p:nvPr/>
+        </p:nvPicPr>
+        <p:blipFill>
+          <a:blip r:embed="rId3"/>
+          <a:stretch>
+            <a:fillRect/>
+          </a:stretch>
+        </p:blipFill>
+        <p:spPr>
+          <a:xfrm>
+            <a:off x="13944600" y="8318500"/>
+            <a:ext cx="2057400" cy="520700"/>
+          </a:xfrm>
+          <a:prstGeom prst="rect">
+            <a:avLst/>
+          </a:prstGeom>
+        </p:spPr>
+      </p:pic>
+      <p:sp>
+        <p:nvSpPr>
+          <p:cNvPr name="AutoShape 6" id="6"/>
+          <p:cNvSpPr/>
+          <p:nvPr/>
+        </p:nvSpPr>
+        <p:spPr>
+          <a:xfrm>
+            <a:off x="254000" y="8064500"/>
+            <a:ext cx="15748000" cy="12700"/>
+          </a:xfrm>
+          <a:prstGeom prst="line">
+            <a:avLst/>
+          </a:prstGeom>
+          <a:ln>
+            <a:solidFill>
+              <a:srgbClr val="000000"/>
+            </a:solidFill>
+          </a:ln>
+        </p:spPr>
+      </p:sp>
+      <p:pic>
+        <p:nvPicPr>
+          <p:cNvPr name="Picture 7" id="7"/>
+          <p:cNvPicPr>
+            <a:picLocks noChangeAspect="true"/>
+          </p:cNvPicPr>
+          <p:nvPr/>
+        </p:nvPicPr>
+        <p:blipFill>
+          <a:blip r:embed="rId4"/>
+          <a:stretch>
+            <a:fillRect/>
+          </a:stretch>
+        </p:blipFill>
+        <p:spPr>
+          <a:xfrm>
+            <a:off x="254000" y="1498600"/>
+            <a:ext cx="15748000" cy="6438900"/>
+          </a:xfrm>
+          <a:prstGeom prst="rect">
+            <a:avLst/>
+          </a:prstGeom>
+        </p:spPr>
+      </p:pic>
+    </p:spTree>
+  </p:cSld>
+  <p:clrMapOvr>
+    <a:masterClrMapping/>
+  </p:clrMapOvr>
+</p:sld>
+</file>
+
+<file path=ppt/slides/slide9.xml><?xml version="1.0" encoding="utf-8"?>
+<p:sld xmlns:p="http://schemas.openxmlformats.org/presentationml/2006/main" xmlns:a="http://schemas.openxmlformats.org/drawingml/2006/main" xmlns:r="http://schemas.openxmlformats.org/officeDocument/2006/relationships">
+  <p:cSld>
+    <p:spTree>
+      <p:nvGrpSpPr>
+        <p:cNvPr id="1" name=""/>
+        <p:cNvGrpSpPr/>
+        <p:nvPr/>
+      </p:nvGrpSpPr>
+      <p:grpSpPr>
+        <a:xfrm>
+          <a:off x="0" y="0"/>
+          <a:ext cx="0" cy="0"/>
+          <a:chOff x="0" y="0"/>
+          <a:chExt cx="0" cy="0"/>
+        </a:xfrm>
+      </p:grpSpPr>
+      <p:sp>
+        <p:nvSpPr>
+          <p:cNvPr name="TextBox 2" id="2"/>
+          <p:cNvSpPr txBox="true"/>
+          <p:nvPr/>
+        </p:nvSpPr>
+        <p:spPr>
+          <a:xfrm>
+            <a:off x="254000" y="254000"/>
+            <a:ext cx="6350000" cy="762000"/>
+          </a:xfrm>
+          <a:prstGeom prst="rect">
+            <a:avLst/>
+          </a:prstGeom>
+        </p:spPr>
+        <p:txBody>
+          <a:bodyPr anchor="t" rtlCol="false"/>
+          <a:lstStyle/>
+          <a:p>
+            <a:pPr algn="l">
+              <a:defRPr/>
+            </a:pPr>
+            <a:r>
+              <a:rPr lang="ru-RU"/>
+              <a:t/>
+            </a:r>
+            <a:r>
+              <a:rPr lang="en-US" sz="1400" b="true">
+                <a:latin typeface="Calibri"/>
+              </a:rPr>
+              <a:t>Project name: </a:t>
+            </a:r>
+            <a:r>
+              <a:rPr lang="en-US" sz="1400">
+                <a:latin typeface="Calibri"/>
+                <a:hlinkClick r:id="rId2" tooltip="http://ya.ru"/>
+              </a:rPr>
+              <a:t>Project from Facade</a:t>
+            </a:r>
+            <a:br>
+              <a:rPr lang="en-US" sz="1400">
+                <a:latin typeface="Calibri"/>
+              </a:rPr>
+            </a:br>
+            <a:r>
+              <a:rPr lang="en-US" sz="1400" b="true">
+                <a:latin typeface="Calibri"/>
+              </a:rPr>
+              <a:t>Project manager: </a:t>
+            </a:r>
+            <a:r>
+              <a:rPr lang="en-US" sz="1400">
+                <a:latin typeface="Calibri"/>
+              </a:rPr>
+              <a:t>IKSANOV Aleksandr</a:t>
+            </a:r>
+            <a:br>
+              <a:rPr lang="en-US" sz="1400">
+                <a:latin typeface="Calibri"/>
+              </a:rPr>
+            </a:br>
+            <a:r>
+              <a:rPr lang="en-US" sz="1400" b="true">
+                <a:latin typeface="Calibri"/>
+              </a:rPr>
+              <a:t>Last Updated: </a:t>
+            </a:r>
+            <a:r>
+              <a:rPr lang="en-US" sz="1400">
+                <a:latin typeface="Calibri"/>
+              </a:rPr>
+              <a:t>01-Jun-20</a:t>
+            </a:r>
+            <a:endParaRPr lang="en-US" sz="1100"/>
+          </a:p>
+        </p:txBody>
+      </p:sp>
+      <p:sp>
+        <p:nvSpPr>
+          <p:cNvPr name="TextBox 3" id="3"/>
+          <p:cNvSpPr txBox="true"/>
+          <p:nvPr/>
+        </p:nvSpPr>
+        <p:spPr>
+          <a:xfrm>
+            <a:off x="5905500" y="8191500"/>
+            <a:ext cx="4445000" cy="635000"/>
+          </a:xfrm>
+          <a:prstGeom prst="rect">
+            <a:avLst/>
+          </a:prstGeom>
+        </p:spPr>
+        <p:txBody>
+          <a:bodyPr anchor="t" rtlCol="false"/>
+          <a:lstStyle/>
+          <a:p>
+            <a:pPr algn="ctr">
+              <a:defRPr/>
+            </a:pPr>
+            <a:r>
+              <a:rPr lang="ru-RU"/>
+              <a:t/>
+            </a:r>
+            <a:r>
+              <a:rPr lang="en-US" sz="1200" i="true">
+                <a:solidFill>
+                  <a:srgbClr val="FF0000"/>
+                </a:solidFill>
+                <a:latin typeface="Calibri"/>
+              </a:rPr>
+              <a:t>Alcatel-Lucent Enterprise - Confidential</a:t>
+            </a:r>
+            <a:br>
+              <a:rPr lang="en-US" sz="1200" i="true">
+                <a:solidFill>
+                  <a:srgbClr val="FF0000"/>
+                </a:solidFill>
+                <a:latin typeface="Calibri"/>
+              </a:rPr>
+            </a:br>
+            <a:r>
+              <a:rPr lang="en-US" sz="1200" b="true">
+                <a:latin typeface="Calibri"/>
+              </a:rPr>
+              <a:t>Solely for authorized persons having a need to know</a:t>
+            </a:r>
+            <a:br>
+              <a:rPr lang="en-US" sz="1200" b="true">
+                <a:latin typeface="Calibri"/>
+              </a:rPr>
+            </a:br>
+            <a:r>
+              <a:rPr lang="en-US" sz="1200">
+                <a:latin typeface="Calibri"/>
+              </a:rPr>
+              <a:t>Proprietary - Use pursuant to Company Instruction</a:t>
+            </a:r>
+            <a:endParaRPr lang="en-US" sz="1100"/>
+          </a:p>
+        </p:txBody>
+      </p:sp>
+      <p:sp>
+        <p:nvSpPr>
+          <p:cNvPr name="TextBox 4" id="4"/>
+          <p:cNvSpPr txBox="true"/>
+          <p:nvPr/>
+        </p:nvSpPr>
+        <p:spPr>
+          <a:xfrm>
+            <a:off x="254000" y="8382000"/>
+            <a:ext cx="1016000" cy="215900"/>
+          </a:xfrm>
+          <a:prstGeom prst="rect">
+            <a:avLst/>
+          </a:prstGeom>
+        </p:spPr>
+        <p:txBody>
+          <a:bodyPr anchor="t" rtlCol="false"/>
+          <a:lstStyle/>
+          <a:p>
+            <a:pPr algn="l">
+              <a:defRPr/>
+            </a:pPr>
+            <a:r>
+              <a:rPr lang="ru-RU"/>
+              <a:t/>
+            </a:r>
+            <a:r>
+              <a:rPr lang="en-US" sz="1400">
+                <a:latin typeface="Calibri"/>
+              </a:rPr>
+              <a:t>Page 9</a:t>
+            </a:r>
+            <a:endParaRPr lang="en-US" sz="1100"/>
+          </a:p>
+        </p:txBody>
+      </p:sp>
+      <p:pic>
+        <p:nvPicPr>
+          <p:cNvPr name="Picture 5" id="5"/>
+          <p:cNvPicPr>
+            <a:picLocks noChangeAspect="true"/>
+          </p:cNvPicPr>
+          <p:nvPr/>
+        </p:nvPicPr>
+        <p:blipFill>
+          <a:blip r:embed="rId3"/>
+          <a:stretch>
+            <a:fillRect/>
+          </a:stretch>
+        </p:blipFill>
+        <p:spPr>
+          <a:xfrm>
+            <a:off x="13944600" y="8318500"/>
+            <a:ext cx="2057400" cy="520700"/>
+          </a:xfrm>
+          <a:prstGeom prst="rect">
+            <a:avLst/>
+          </a:prstGeom>
+        </p:spPr>
+      </p:pic>
+      <p:sp>
+        <p:nvSpPr>
+          <p:cNvPr name="AutoShape 6" id="6"/>
+          <p:cNvSpPr/>
+          <p:nvPr/>
+        </p:nvSpPr>
+        <p:spPr>
+          <a:xfrm>
+            <a:off x="254000" y="8064500"/>
+            <a:ext cx="15748000" cy="12700"/>
+          </a:xfrm>
+          <a:prstGeom prst="line">
+            <a:avLst/>
+          </a:prstGeom>
+          <a:ln>
+            <a:solidFill>
+              <a:srgbClr val="000000"/>
+            </a:solidFill>
+          </a:ln>
+        </p:spPr>
+      </p:sp>
+      <p:pic>
+        <p:nvPicPr>
+          <p:cNvPr name="Picture 7" id="7"/>
+          <p:cNvPicPr>
+            <a:picLocks noChangeAspect="true"/>
+          </p:cNvPicPr>
+          <p:nvPr/>
+        </p:nvPicPr>
+        <p:blipFill>
+          <a:blip r:embed="rId4"/>
+          <a:stretch>
+            <a:fillRect/>
+          </a:stretch>
+        </p:blipFill>
+        <p:spPr>
+          <a:xfrm>
+            <a:off x="254000" y="1498600"/>
+            <a:ext cx="15748000" cy="6438900"/>
+          </a:xfrm>
+          <a:prstGeom prst="rect">
+            <a:avLst/>
+          </a:prstGeom>
+        </p:spPr>
+      </p:pic>
     </p:spTree>
   </p:cSld>
   <p:clrMapOvr>
